--- a/data/prezentacije/politika/001_pojam_politike.pptx
+++ b/data/prezentacije/politika/001_pojam_politike.pptx
@@ -5,40 +5,42 @@
     <p:sldMasterId id="2147483687" r:id="rId1"/>
   </p:sldMasterIdLst>
   <p:notesMasterIdLst>
-    <p:notesMasterId r:id="rId33"/>
+    <p:notesMasterId r:id="rId35"/>
   </p:notesMasterIdLst>
   <p:sldIdLst>
-    <p:sldId id="358" r:id="rId2"/>
+    <p:sldId id="366" r:id="rId2"/>
     <p:sldId id="346" r:id="rId3"/>
     <p:sldId id="323" r:id="rId4"/>
     <p:sldId id="347" r:id="rId5"/>
-    <p:sldId id="256" r:id="rId6"/>
-    <p:sldId id="321" r:id="rId7"/>
-    <p:sldId id="325" r:id="rId8"/>
-    <p:sldId id="326" r:id="rId9"/>
-    <p:sldId id="324" r:id="rId10"/>
-    <p:sldId id="349" r:id="rId11"/>
-    <p:sldId id="359" r:id="rId12"/>
-    <p:sldId id="360" r:id="rId13"/>
-    <p:sldId id="361" r:id="rId14"/>
-    <p:sldId id="362" r:id="rId15"/>
-    <p:sldId id="364" r:id="rId16"/>
+    <p:sldId id="358" r:id="rId6"/>
+    <p:sldId id="256" r:id="rId7"/>
+    <p:sldId id="321" r:id="rId8"/>
+    <p:sldId id="325" r:id="rId9"/>
+    <p:sldId id="326" r:id="rId10"/>
+    <p:sldId id="324" r:id="rId11"/>
+    <p:sldId id="349" r:id="rId12"/>
+    <p:sldId id="359" r:id="rId13"/>
+    <p:sldId id="360" r:id="rId14"/>
+    <p:sldId id="361" r:id="rId15"/>
+    <p:sldId id="362" r:id="rId16"/>
     <p:sldId id="307" r:id="rId17"/>
     <p:sldId id="310" r:id="rId18"/>
     <p:sldId id="311" r:id="rId19"/>
     <p:sldId id="327" r:id="rId20"/>
     <p:sldId id="328" r:id="rId21"/>
-    <p:sldId id="365" r:id="rId22"/>
-    <p:sldId id="345" r:id="rId23"/>
-    <p:sldId id="332" r:id="rId24"/>
-    <p:sldId id="344" r:id="rId25"/>
-    <p:sldId id="352" r:id="rId26"/>
-    <p:sldId id="353" r:id="rId27"/>
-    <p:sldId id="351" r:id="rId28"/>
-    <p:sldId id="335" r:id="rId29"/>
-    <p:sldId id="355" r:id="rId30"/>
-    <p:sldId id="354" r:id="rId31"/>
-    <p:sldId id="356" r:id="rId32"/>
+    <p:sldId id="364" r:id="rId22"/>
+    <p:sldId id="367" r:id="rId23"/>
+    <p:sldId id="365" r:id="rId24"/>
+    <p:sldId id="345" r:id="rId25"/>
+    <p:sldId id="332" r:id="rId26"/>
+    <p:sldId id="344" r:id="rId27"/>
+    <p:sldId id="352" r:id="rId28"/>
+    <p:sldId id="353" r:id="rId29"/>
+    <p:sldId id="351" r:id="rId30"/>
+    <p:sldId id="335" r:id="rId31"/>
+    <p:sldId id="355" r:id="rId32"/>
+    <p:sldId id="354" r:id="rId33"/>
+    <p:sldId id="356" r:id="rId34"/>
   </p:sldIdLst>
   <p:sldSz cx="9144000" cy="6858000" type="screen4x3"/>
   <p:notesSz cx="7772400" cy="10058400"/>
@@ -735,7 +737,7 @@
             <a:fld id="{0E06DA73-B8A7-44C9-B29F-B355403F4151}" type="slidenum">
               <a:rPr lang="en-US"/>
               <a:pPr/>
-              <a:t>5</a:t>
+              <a:t>6</a:t>
             </a:fld>
             <a:endParaRPr lang="en-US" dirty="0"/>
           </a:p>
@@ -858,7 +860,7 @@
             <a:fld id="{F3D0B6CC-DF53-4B3F-A43C-5B2C8B835909}" type="slidenum">
               <a:rPr lang="en-US"/>
               <a:pPr/>
-              <a:t>15</a:t>
+              <a:t>16</a:t>
             </a:fld>
             <a:endParaRPr lang="en-US"/>
           </a:p>
@@ -981,7 +983,7 @@
             <a:fld id="{F3D0B6CC-DF53-4B3F-A43C-5B2C8B835909}" type="slidenum">
               <a:rPr lang="en-US"/>
               <a:pPr/>
-              <a:t>16</a:t>
+              <a:t>17</a:t>
             </a:fld>
             <a:endParaRPr lang="en-US"/>
           </a:p>
@@ -1104,7 +1106,7 @@
             <a:fld id="{F3D0B6CC-DF53-4B3F-A43C-5B2C8B835909}" type="slidenum">
               <a:rPr lang="en-US"/>
               <a:pPr/>
-              <a:t>17</a:t>
+              <a:t>19</a:t>
             </a:fld>
             <a:endParaRPr lang="en-US"/>
           </a:p>
@@ -1227,7 +1229,7 @@
             <a:fld id="{F3D0B6CC-DF53-4B3F-A43C-5B2C8B835909}" type="slidenum">
               <a:rPr lang="en-US"/>
               <a:pPr/>
-              <a:t>19</a:t>
+              <a:t>20</a:t>
             </a:fld>
             <a:endParaRPr lang="en-US"/>
           </a:p>
@@ -1350,7 +1352,7 @@
             <a:fld id="{F3D0B6CC-DF53-4B3F-A43C-5B2C8B835909}" type="slidenum">
               <a:rPr lang="en-US"/>
               <a:pPr/>
-              <a:t>20</a:t>
+              <a:t>21</a:t>
             </a:fld>
             <a:endParaRPr lang="en-US"/>
           </a:p>
@@ -1473,129 +1475,6 @@
             <a:fld id="{F3D0B6CC-DF53-4B3F-A43C-5B2C8B835909}" type="slidenum">
               <a:rPr lang="en-US"/>
               <a:pPr/>
-              <a:t>21</a:t>
-            </a:fld>
-            <a:endParaRPr lang="en-US" dirty="0"/>
-          </a:p>
-        </p:txBody>
-      </p:sp>
-      <p:sp>
-        <p:nvSpPr>
-          <p:cNvPr id="50177" name="Rectangle 1"/>
-          <p:cNvSpPr txBox="1">
-            <a:spLocks noGrp="1" noRot="1" noChangeAspect="1" noChangeArrowheads="1"/>
-          </p:cNvSpPr>
-          <p:nvPr>
-            <p:ph type="sldImg"/>
-          </p:nvPr>
-        </p:nvSpPr>
-        <p:spPr bwMode="auto">
-          <a:xfrm>
-            <a:off x="1371600" y="763588"/>
-            <a:ext cx="5029200" cy="3771900"/>
-          </a:xfrm>
-          <a:prstGeom prst="rect">
-            <a:avLst/>
-          </a:prstGeom>
-          <a:solidFill>
-            <a:srgbClr val="FFFFFF"/>
-          </a:solidFill>
-          <a:ln>
-            <a:solidFill>
-              <a:srgbClr val="000000"/>
-            </a:solidFill>
-            <a:miter lim="800000"/>
-            <a:headEnd/>
-            <a:tailEnd/>
-          </a:ln>
-        </p:spPr>
-      </p:sp>
-      <p:sp>
-        <p:nvSpPr>
-          <p:cNvPr id="50178" name="Rectangle 2"/>
-          <p:cNvSpPr txBox="1">
-            <a:spLocks noGrp="1" noChangeArrowheads="1"/>
-          </p:cNvSpPr>
-          <p:nvPr>
-            <p:ph type="body" idx="1"/>
-          </p:nvPr>
-        </p:nvSpPr>
-        <p:spPr bwMode="auto">
-          <a:xfrm>
-            <a:off x="777875" y="4776788"/>
-            <a:ext cx="6218238" cy="4525962"/>
-          </a:xfrm>
-          <a:prstGeom prst="rect">
-            <a:avLst/>
-          </a:prstGeom>
-          <a:noFill/>
-          <a:ln>
-            <a:round/>
-            <a:headEnd/>
-            <a:tailEnd/>
-          </a:ln>
-        </p:spPr>
-        <p:txBody>
-          <a:bodyPr wrap="none" anchor="ctr"/>
-          <a:lstStyle/>
-          <a:p>
-            <a:endParaRPr lang="sr-Latn-CS" dirty="0"/>
-          </a:p>
-        </p:txBody>
-      </p:sp>
-    </p:spTree>
-  </p:cSld>
-  <p:clrMapOvr>
-    <a:masterClrMapping/>
-  </p:clrMapOvr>
-</p:notes>
-</file>
-
-<file path=ppt/notesSlides/notesSlide16.xml><?xml version="1.0" encoding="utf-8"?>
-<p:notes xmlns:a="http://schemas.openxmlformats.org/drawingml/2006/main" xmlns:r="http://schemas.openxmlformats.org/officeDocument/2006/relationships" xmlns:p="http://schemas.openxmlformats.org/presentationml/2006/main">
-  <p:cSld>
-    <p:bg>
-      <p:bgPr>
-        <a:solidFill>
-          <a:srgbClr val="FFFFFF"/>
-        </a:solidFill>
-        <a:effectLst/>
-      </p:bgPr>
-    </p:bg>
-    <p:spTree>
-      <p:nvGrpSpPr>
-        <p:cNvPr id="1" name=""/>
-        <p:cNvGrpSpPr/>
-        <p:nvPr/>
-      </p:nvGrpSpPr>
-      <p:grpSpPr>
-        <a:xfrm>
-          <a:off x="0" y="0"/>
-          <a:ext cx="0" cy="0"/>
-          <a:chOff x="0" y="0"/>
-          <a:chExt cx="0" cy="0"/>
-        </a:xfrm>
-      </p:grpSpPr>
-      <p:sp>
-        <p:nvSpPr>
-          <p:cNvPr id="7" name="Rectangle 6"/>
-          <p:cNvSpPr>
-            <a:spLocks noGrp="1" noChangeArrowheads="1"/>
-          </p:cNvSpPr>
-          <p:nvPr>
-            <p:ph type="sldNum"/>
-          </p:nvPr>
-        </p:nvSpPr>
-        <p:spPr>
-          <a:ln/>
-        </p:spPr>
-        <p:txBody>
-          <a:bodyPr/>
-          <a:lstStyle/>
-          <a:p>
-            <a:fld id="{F3D0B6CC-DF53-4B3F-A43C-5B2C8B835909}" type="slidenum">
-              <a:rPr lang="en-US"/>
-              <a:pPr/>
               <a:t>22</a:t>
             </a:fld>
             <a:endParaRPr lang="en-US"/>
@@ -1674,6 +1553,129 @@
 </p:notes>
 </file>
 
+<file path=ppt/notesSlides/notesSlide16.xml><?xml version="1.0" encoding="utf-8"?>
+<p:notes xmlns:a="http://schemas.openxmlformats.org/drawingml/2006/main" xmlns:r="http://schemas.openxmlformats.org/officeDocument/2006/relationships" xmlns:p="http://schemas.openxmlformats.org/presentationml/2006/main">
+  <p:cSld>
+    <p:bg>
+      <p:bgPr>
+        <a:solidFill>
+          <a:srgbClr val="FFFFFF"/>
+        </a:solidFill>
+        <a:effectLst/>
+      </p:bgPr>
+    </p:bg>
+    <p:spTree>
+      <p:nvGrpSpPr>
+        <p:cNvPr id="1" name=""/>
+        <p:cNvGrpSpPr/>
+        <p:nvPr/>
+      </p:nvGrpSpPr>
+      <p:grpSpPr>
+        <a:xfrm>
+          <a:off x="0" y="0"/>
+          <a:ext cx="0" cy="0"/>
+          <a:chOff x="0" y="0"/>
+          <a:chExt cx="0" cy="0"/>
+        </a:xfrm>
+      </p:grpSpPr>
+      <p:sp>
+        <p:nvSpPr>
+          <p:cNvPr id="7" name="Rectangle 6"/>
+          <p:cNvSpPr>
+            <a:spLocks noGrp="1" noChangeArrowheads="1"/>
+          </p:cNvSpPr>
+          <p:nvPr>
+            <p:ph type="sldNum"/>
+          </p:nvPr>
+        </p:nvSpPr>
+        <p:spPr>
+          <a:ln/>
+        </p:spPr>
+        <p:txBody>
+          <a:bodyPr/>
+          <a:lstStyle/>
+          <a:p>
+            <a:fld id="{F3D0B6CC-DF53-4B3F-A43C-5B2C8B835909}" type="slidenum">
+              <a:rPr lang="en-US"/>
+              <a:pPr/>
+              <a:t>23</a:t>
+            </a:fld>
+            <a:endParaRPr lang="en-US" dirty="0"/>
+          </a:p>
+        </p:txBody>
+      </p:sp>
+      <p:sp>
+        <p:nvSpPr>
+          <p:cNvPr id="50177" name="Rectangle 1"/>
+          <p:cNvSpPr txBox="1">
+            <a:spLocks noGrp="1" noRot="1" noChangeAspect="1" noChangeArrowheads="1"/>
+          </p:cNvSpPr>
+          <p:nvPr>
+            <p:ph type="sldImg"/>
+          </p:nvPr>
+        </p:nvSpPr>
+        <p:spPr bwMode="auto">
+          <a:xfrm>
+            <a:off x="1371600" y="763588"/>
+            <a:ext cx="5029200" cy="3771900"/>
+          </a:xfrm>
+          <a:prstGeom prst="rect">
+            <a:avLst/>
+          </a:prstGeom>
+          <a:solidFill>
+            <a:srgbClr val="FFFFFF"/>
+          </a:solidFill>
+          <a:ln>
+            <a:solidFill>
+              <a:srgbClr val="000000"/>
+            </a:solidFill>
+            <a:miter lim="800000"/>
+            <a:headEnd/>
+            <a:tailEnd/>
+          </a:ln>
+        </p:spPr>
+      </p:sp>
+      <p:sp>
+        <p:nvSpPr>
+          <p:cNvPr id="50178" name="Rectangle 2"/>
+          <p:cNvSpPr txBox="1">
+            <a:spLocks noGrp="1" noChangeArrowheads="1"/>
+          </p:cNvSpPr>
+          <p:nvPr>
+            <p:ph type="body" idx="1"/>
+          </p:nvPr>
+        </p:nvSpPr>
+        <p:spPr bwMode="auto">
+          <a:xfrm>
+            <a:off x="777875" y="4776788"/>
+            <a:ext cx="6218238" cy="4525962"/>
+          </a:xfrm>
+          <a:prstGeom prst="rect">
+            <a:avLst/>
+          </a:prstGeom>
+          <a:noFill/>
+          <a:ln>
+            <a:round/>
+            <a:headEnd/>
+            <a:tailEnd/>
+          </a:ln>
+        </p:spPr>
+        <p:txBody>
+          <a:bodyPr wrap="none" anchor="ctr"/>
+          <a:lstStyle/>
+          <a:p>
+            <a:endParaRPr lang="sr-Latn-CS" dirty="0"/>
+          </a:p>
+        </p:txBody>
+      </p:sp>
+    </p:spTree>
+  </p:cSld>
+  <p:clrMapOvr>
+    <a:masterClrMapping/>
+  </p:clrMapOvr>
+</p:notes>
+</file>
+
 <file path=ppt/notesSlides/notesSlide17.xml><?xml version="1.0" encoding="utf-8"?>
 <p:notes xmlns:a="http://schemas.openxmlformats.org/drawingml/2006/main" xmlns:r="http://schemas.openxmlformats.org/officeDocument/2006/relationships" xmlns:p="http://schemas.openxmlformats.org/presentationml/2006/main">
   <p:cSld>
@@ -1719,7 +1721,7 @@
             <a:fld id="{F3D0B6CC-DF53-4B3F-A43C-5B2C8B835909}" type="slidenum">
               <a:rPr lang="en-US"/>
               <a:pPr/>
-              <a:t>23</a:t>
+              <a:t>24</a:t>
             </a:fld>
             <a:endParaRPr lang="en-US"/>
           </a:p>
@@ -1842,7 +1844,7 @@
             <a:fld id="{F3D0B6CC-DF53-4B3F-A43C-5B2C8B835909}" type="slidenum">
               <a:rPr lang="en-US"/>
               <a:pPr/>
-              <a:t>24</a:t>
+              <a:t>25</a:t>
             </a:fld>
             <a:endParaRPr lang="en-US"/>
           </a:p>
@@ -1965,7 +1967,7 @@
             <a:fld id="{F3D0B6CC-DF53-4B3F-A43C-5B2C8B835909}" type="slidenum">
               <a:rPr lang="en-US"/>
               <a:pPr/>
-              <a:t>27</a:t>
+              <a:t>26</a:t>
             </a:fld>
             <a:endParaRPr lang="en-US"/>
           </a:p>
@@ -2031,112 +2033,7 @@
           <a:bodyPr wrap="none" anchor="ctr"/>
           <a:lstStyle/>
           <a:p>
-            <a:pPr marL="288000">
-              <a:lnSpc>
-                <a:spcPct val="100000"/>
-              </a:lnSpc>
-              <a:spcBef>
-                <a:spcPts val="1200"/>
-              </a:spcBef>
-              <a:buClr>
-                <a:schemeClr val="tx1"/>
-              </a:buClr>
-              <a:tabLst>
-                <a:tab pos="723900" algn="l"/>
-                <a:tab pos="1447800" algn="l"/>
-                <a:tab pos="2171700" algn="l"/>
-                <a:tab pos="2895600" algn="l"/>
-                <a:tab pos="3619500" algn="l"/>
-                <a:tab pos="4343400" algn="l"/>
-                <a:tab pos="5067300" algn="l"/>
-                <a:tab pos="5791200" algn="l"/>
-                <a:tab pos="6515100" algn="l"/>
-                <a:tab pos="7239000" algn="l"/>
-                <a:tab pos="7962900" algn="l"/>
-                <a:tab pos="8686800" algn="l"/>
-              </a:tabLst>
-            </a:pPr>
-            <a:r>
-              <a:rPr lang="vi-VN" sz="1100" b="1" dirty="0" smtClean="0">
-                <a:latin typeface="Calibri" pitchFamily="34" charset="0"/>
-                <a:ea typeface="WenQuanYi Micro Hei" charset="0"/>
-                <a:cs typeface="Calibri" pitchFamily="34" charset="0"/>
-              </a:rPr>
-              <a:t>U svojoj knjizi govorite da će se dogoditi neka vrsta apokalipse koju nazivate energetskim preskokom.</a:t>
-            </a:r>
-          </a:p>
-          <a:p>
-            <a:pPr marL="288000">
-              <a:lnSpc>
-                <a:spcPct val="100000"/>
-              </a:lnSpc>
-              <a:spcBef>
-                <a:spcPts val="1200"/>
-              </a:spcBef>
-              <a:buClr>
-                <a:schemeClr val="tx1"/>
-              </a:buClr>
-              <a:tabLst>
-                <a:tab pos="723900" algn="l"/>
-                <a:tab pos="1447800" algn="l"/>
-                <a:tab pos="2171700" algn="l"/>
-                <a:tab pos="2895600" algn="l"/>
-                <a:tab pos="3619500" algn="l"/>
-                <a:tab pos="4343400" algn="l"/>
-                <a:tab pos="5067300" algn="l"/>
-                <a:tab pos="5791200" algn="l"/>
-                <a:tab pos="6515100" algn="l"/>
-                <a:tab pos="7239000" algn="l"/>
-                <a:tab pos="7962900" algn="l"/>
-                <a:tab pos="8686800" algn="l"/>
-              </a:tabLst>
-            </a:pPr>
-            <a:r>
-              <a:rPr lang="vi-VN" sz="1200" i="1" dirty="0" smtClean="0">
-                <a:latin typeface="Calibri" pitchFamily="34" charset="0"/>
-                <a:ea typeface="WenQuanYi Micro Hei" charset="0"/>
-                <a:cs typeface="Calibri" pitchFamily="34" charset="0"/>
-              </a:rPr>
-              <a:t>Uvjeren sam da će doći do katastrofe ako se ovakvi trendovi nastave. Ekološka katastrofa je jedan od mogućih scenarija. Pored nekoga novoga budućeg svjetskog rata i teroristi mogu doći do oružja za masovno uništenje i možete zamisliti kakva bi katastrofa bila. Zato bi takve katastrofe preživjeli samo ljudi koji bi postigli viši energetski nivo.</a:t>
-            </a:r>
-          </a:p>
-          <a:p>
-            <a:pPr marL="288000">
-              <a:lnSpc>
-                <a:spcPct val="100000"/>
-              </a:lnSpc>
-              <a:spcBef>
-                <a:spcPts val="1200"/>
-              </a:spcBef>
-              <a:buClr>
-                <a:schemeClr val="tx1"/>
-              </a:buClr>
-              <a:tabLst>
-                <a:tab pos="723900" algn="l"/>
-                <a:tab pos="1447800" algn="l"/>
-                <a:tab pos="2171700" algn="l"/>
-                <a:tab pos="2895600" algn="l"/>
-                <a:tab pos="3619500" algn="l"/>
-                <a:tab pos="4343400" algn="l"/>
-                <a:tab pos="5067300" algn="l"/>
-                <a:tab pos="5791200" algn="l"/>
-                <a:tab pos="6515100" algn="l"/>
-                <a:tab pos="7239000" algn="l"/>
-                <a:tab pos="7962900" algn="l"/>
-                <a:tab pos="8686800" algn="l"/>
-              </a:tabLst>
-            </a:pPr>
-            <a:r>
-              <a:rPr lang="vi-VN" sz="1200" i="1" dirty="0" smtClean="0">
-                <a:latin typeface="Calibri" pitchFamily="34" charset="0"/>
-                <a:ea typeface="WenQuanYi Micro Hei" charset="0"/>
-                <a:cs typeface="Calibri" pitchFamily="34" charset="0"/>
-              </a:rPr>
-              <a:t>Ako čovjek doživi osobni šok u životu, to će ga vjerojatno pomaknuti da uvede promjene u svoj način života. Ako dođe do velike svjetske katastrofe vjerujem da će dio čovječanstva preživjeti, i da će taj dio biti toliko šokiran time što je čovječanstvo samo sebi napravilo, da će početi funkcionirati i živjeti na drugačiji način. Katastrofa bi tako ponukala dio čovječanstva da se promijeni. U suprotnom ako se ovi trendovi nastave neće ostati ništa. Prema tome, bolje je da neka katastrofa probudi čovječanstvo.</a:t>
-            </a:r>
-          </a:p>
-          <a:p>
-            <a:endParaRPr lang="sr-Latn-CS" dirty="0"/>
+            <a:endParaRPr lang="sr-Latn-CS"/>
           </a:p>
         </p:txBody>
       </p:sp>
@@ -2193,7 +2090,7 @@
             <a:fld id="{F3D0B6CC-DF53-4B3F-A43C-5B2C8B835909}" type="slidenum">
               <a:rPr lang="en-US"/>
               <a:pPr/>
-              <a:t>6</a:t>
+              <a:t>7</a:t>
             </a:fld>
             <a:endParaRPr lang="en-US"/>
           </a:p>
@@ -2316,7 +2213,235 @@
             <a:fld id="{F3D0B6CC-DF53-4B3F-A43C-5B2C8B835909}" type="slidenum">
               <a:rPr lang="en-US"/>
               <a:pPr/>
-              <a:t>28</a:t>
+              <a:t>29</a:t>
+            </a:fld>
+            <a:endParaRPr lang="en-US"/>
+          </a:p>
+        </p:txBody>
+      </p:sp>
+      <p:sp>
+        <p:nvSpPr>
+          <p:cNvPr id="50177" name="Rectangle 1"/>
+          <p:cNvSpPr txBox="1">
+            <a:spLocks noGrp="1" noRot="1" noChangeAspect="1" noChangeArrowheads="1"/>
+          </p:cNvSpPr>
+          <p:nvPr>
+            <p:ph type="sldImg"/>
+          </p:nvPr>
+        </p:nvSpPr>
+        <p:spPr bwMode="auto">
+          <a:xfrm>
+            <a:off x="1371600" y="763588"/>
+            <a:ext cx="5029200" cy="3771900"/>
+          </a:xfrm>
+          <a:prstGeom prst="rect">
+            <a:avLst/>
+          </a:prstGeom>
+          <a:solidFill>
+            <a:srgbClr val="FFFFFF"/>
+          </a:solidFill>
+          <a:ln>
+            <a:solidFill>
+              <a:srgbClr val="000000"/>
+            </a:solidFill>
+            <a:miter lim="800000"/>
+            <a:headEnd/>
+            <a:tailEnd/>
+          </a:ln>
+        </p:spPr>
+      </p:sp>
+      <p:sp>
+        <p:nvSpPr>
+          <p:cNvPr id="50178" name="Rectangle 2"/>
+          <p:cNvSpPr txBox="1">
+            <a:spLocks noGrp="1" noChangeArrowheads="1"/>
+          </p:cNvSpPr>
+          <p:nvPr>
+            <p:ph type="body" idx="1"/>
+          </p:nvPr>
+        </p:nvSpPr>
+        <p:spPr bwMode="auto">
+          <a:xfrm>
+            <a:off x="777875" y="4776788"/>
+            <a:ext cx="6218238" cy="4525962"/>
+          </a:xfrm>
+          <a:prstGeom prst="rect">
+            <a:avLst/>
+          </a:prstGeom>
+          <a:noFill/>
+          <a:ln>
+            <a:round/>
+            <a:headEnd/>
+            <a:tailEnd/>
+          </a:ln>
+        </p:spPr>
+        <p:txBody>
+          <a:bodyPr wrap="none" anchor="ctr"/>
+          <a:lstStyle/>
+          <a:p>
+            <a:pPr marL="288000">
+              <a:lnSpc>
+                <a:spcPct val="100000"/>
+              </a:lnSpc>
+              <a:spcBef>
+                <a:spcPts val="1200"/>
+              </a:spcBef>
+              <a:buClr>
+                <a:schemeClr val="tx1"/>
+              </a:buClr>
+              <a:tabLst>
+                <a:tab pos="723900" algn="l"/>
+                <a:tab pos="1447800" algn="l"/>
+                <a:tab pos="2171700" algn="l"/>
+                <a:tab pos="2895600" algn="l"/>
+                <a:tab pos="3619500" algn="l"/>
+                <a:tab pos="4343400" algn="l"/>
+                <a:tab pos="5067300" algn="l"/>
+                <a:tab pos="5791200" algn="l"/>
+                <a:tab pos="6515100" algn="l"/>
+                <a:tab pos="7239000" algn="l"/>
+                <a:tab pos="7962900" algn="l"/>
+                <a:tab pos="8686800" algn="l"/>
+              </a:tabLst>
+            </a:pPr>
+            <a:r>
+              <a:rPr lang="vi-VN" sz="1100" b="1" dirty="0" smtClean="0">
+                <a:latin typeface="Calibri" pitchFamily="34" charset="0"/>
+                <a:ea typeface="WenQuanYi Micro Hei" charset="0"/>
+                <a:cs typeface="Calibri" pitchFamily="34" charset="0"/>
+              </a:rPr>
+              <a:t>U svojoj knjizi govorite da će se dogoditi neka vrsta apokalipse koju nazivate energetskim preskokom.</a:t>
+            </a:r>
+          </a:p>
+          <a:p>
+            <a:pPr marL="288000">
+              <a:lnSpc>
+                <a:spcPct val="100000"/>
+              </a:lnSpc>
+              <a:spcBef>
+                <a:spcPts val="1200"/>
+              </a:spcBef>
+              <a:buClr>
+                <a:schemeClr val="tx1"/>
+              </a:buClr>
+              <a:tabLst>
+                <a:tab pos="723900" algn="l"/>
+                <a:tab pos="1447800" algn="l"/>
+                <a:tab pos="2171700" algn="l"/>
+                <a:tab pos="2895600" algn="l"/>
+                <a:tab pos="3619500" algn="l"/>
+                <a:tab pos="4343400" algn="l"/>
+                <a:tab pos="5067300" algn="l"/>
+                <a:tab pos="5791200" algn="l"/>
+                <a:tab pos="6515100" algn="l"/>
+                <a:tab pos="7239000" algn="l"/>
+                <a:tab pos="7962900" algn="l"/>
+                <a:tab pos="8686800" algn="l"/>
+              </a:tabLst>
+            </a:pPr>
+            <a:r>
+              <a:rPr lang="vi-VN" sz="1200" i="1" dirty="0" smtClean="0">
+                <a:latin typeface="Calibri" pitchFamily="34" charset="0"/>
+                <a:ea typeface="WenQuanYi Micro Hei" charset="0"/>
+                <a:cs typeface="Calibri" pitchFamily="34" charset="0"/>
+              </a:rPr>
+              <a:t>Uvjeren sam da će doći do katastrofe ako se ovakvi trendovi nastave. Ekološka katastrofa je jedan od mogućih scenarija. Pored nekoga novoga budućeg svjetskog rata i teroristi mogu doći do oružja za masovno uništenje i možete zamisliti kakva bi katastrofa bila. Zato bi takve katastrofe preživjeli samo ljudi koji bi postigli viši energetski nivo.</a:t>
+            </a:r>
+          </a:p>
+          <a:p>
+            <a:pPr marL="288000">
+              <a:lnSpc>
+                <a:spcPct val="100000"/>
+              </a:lnSpc>
+              <a:spcBef>
+                <a:spcPts val="1200"/>
+              </a:spcBef>
+              <a:buClr>
+                <a:schemeClr val="tx1"/>
+              </a:buClr>
+              <a:tabLst>
+                <a:tab pos="723900" algn="l"/>
+                <a:tab pos="1447800" algn="l"/>
+                <a:tab pos="2171700" algn="l"/>
+                <a:tab pos="2895600" algn="l"/>
+                <a:tab pos="3619500" algn="l"/>
+                <a:tab pos="4343400" algn="l"/>
+                <a:tab pos="5067300" algn="l"/>
+                <a:tab pos="5791200" algn="l"/>
+                <a:tab pos="6515100" algn="l"/>
+                <a:tab pos="7239000" algn="l"/>
+                <a:tab pos="7962900" algn="l"/>
+                <a:tab pos="8686800" algn="l"/>
+              </a:tabLst>
+            </a:pPr>
+            <a:r>
+              <a:rPr lang="vi-VN" sz="1200" i="1" dirty="0" smtClean="0">
+                <a:latin typeface="Calibri" pitchFamily="34" charset="0"/>
+                <a:ea typeface="WenQuanYi Micro Hei" charset="0"/>
+                <a:cs typeface="Calibri" pitchFamily="34" charset="0"/>
+              </a:rPr>
+              <a:t>Ako čovjek doživi osobni šok u životu, to će ga vjerojatno pomaknuti da uvede promjene u svoj način života. Ako dođe do velike svjetske katastrofe vjerujem da će dio čovječanstva preživjeti, i da će taj dio biti toliko šokiran time što je čovječanstvo samo sebi napravilo, da će početi funkcionirati i živjeti na drugačiji način. Katastrofa bi tako ponukala dio čovječanstva da se promijeni. U suprotnom ako se ovi trendovi nastave neće ostati ništa. Prema tome, bolje je da neka katastrofa probudi čovječanstvo.</a:t>
+            </a:r>
+          </a:p>
+          <a:p>
+            <a:endParaRPr lang="sr-Latn-CS" dirty="0"/>
+          </a:p>
+        </p:txBody>
+      </p:sp>
+    </p:spTree>
+  </p:cSld>
+  <p:clrMapOvr>
+    <a:masterClrMapping/>
+  </p:clrMapOvr>
+</p:notes>
+</file>
+
+<file path=ppt/notesSlides/notesSlide21.xml><?xml version="1.0" encoding="utf-8"?>
+<p:notes xmlns:a="http://schemas.openxmlformats.org/drawingml/2006/main" xmlns:r="http://schemas.openxmlformats.org/officeDocument/2006/relationships" xmlns:p="http://schemas.openxmlformats.org/presentationml/2006/main">
+  <p:cSld>
+    <p:bg>
+      <p:bgPr>
+        <a:solidFill>
+          <a:srgbClr val="FFFFFF"/>
+        </a:solidFill>
+        <a:effectLst/>
+      </p:bgPr>
+    </p:bg>
+    <p:spTree>
+      <p:nvGrpSpPr>
+        <p:cNvPr id="1" name=""/>
+        <p:cNvGrpSpPr/>
+        <p:nvPr/>
+      </p:nvGrpSpPr>
+      <p:grpSpPr>
+        <a:xfrm>
+          <a:off x="0" y="0"/>
+          <a:ext cx="0" cy="0"/>
+          <a:chOff x="0" y="0"/>
+          <a:chExt cx="0" cy="0"/>
+        </a:xfrm>
+      </p:grpSpPr>
+      <p:sp>
+        <p:nvSpPr>
+          <p:cNvPr id="7" name="Rectangle 6"/>
+          <p:cNvSpPr>
+            <a:spLocks noGrp="1" noChangeArrowheads="1"/>
+          </p:cNvSpPr>
+          <p:nvPr>
+            <p:ph type="sldNum"/>
+          </p:nvPr>
+        </p:nvSpPr>
+        <p:spPr>
+          <a:ln/>
+        </p:spPr>
+        <p:txBody>
+          <a:bodyPr/>
+          <a:lstStyle/>
+          <a:p>
+            <a:fld id="{F3D0B6CC-DF53-4B3F-A43C-5B2C8B835909}" type="slidenum">
+              <a:rPr lang="en-US"/>
+              <a:pPr/>
+              <a:t>30</a:t>
             </a:fld>
             <a:endParaRPr lang="en-US"/>
           </a:p>
@@ -2394,7 +2519,7 @@
 </p:notes>
 </file>
 
-<file path=ppt/notesSlides/notesSlide21.xml><?xml version="1.0" encoding="utf-8"?>
+<file path=ppt/notesSlides/notesSlide22.xml><?xml version="1.0" encoding="utf-8"?>
 <p:notes xmlns:a="http://schemas.openxmlformats.org/drawingml/2006/main" xmlns:r="http://schemas.openxmlformats.org/officeDocument/2006/relationships" xmlns:p="http://schemas.openxmlformats.org/presentationml/2006/main">
   <p:cSld>
     <p:bg>
@@ -2439,7 +2564,7 @@
             <a:fld id="{F3D0B6CC-DF53-4B3F-A43C-5B2C8B835909}" type="slidenum">
               <a:rPr lang="en-US"/>
               <a:pPr/>
-              <a:t>31</a:t>
+              <a:t>33</a:t>
             </a:fld>
             <a:endParaRPr lang="en-US" dirty="0"/>
           </a:p>
@@ -2562,7 +2687,7 @@
             <a:fld id="{F3D0B6CC-DF53-4B3F-A43C-5B2C8B835909}" type="slidenum">
               <a:rPr lang="en-US"/>
               <a:pPr/>
-              <a:t>7</a:t>
+              <a:t>8</a:t>
             </a:fld>
             <a:endParaRPr lang="en-US"/>
           </a:p>
@@ -2685,7 +2810,7 @@
             <a:fld id="{F3D0B6CC-DF53-4B3F-A43C-5B2C8B835909}" type="slidenum">
               <a:rPr lang="en-US"/>
               <a:pPr/>
-              <a:t>8</a:t>
+              <a:t>9</a:t>
             </a:fld>
             <a:endParaRPr lang="en-US"/>
           </a:p>
@@ -2808,7 +2933,7 @@
             <a:fld id="{F3D0B6CC-DF53-4B3F-A43C-5B2C8B835909}" type="slidenum">
               <a:rPr lang="en-US"/>
               <a:pPr/>
-              <a:t>9</a:t>
+              <a:t>10</a:t>
             </a:fld>
             <a:endParaRPr lang="en-US"/>
           </a:p>
@@ -2931,7 +3056,7 @@
             <a:fld id="{F3D0B6CC-DF53-4B3F-A43C-5B2C8B835909}" type="slidenum">
               <a:rPr lang="en-US"/>
               <a:pPr/>
-              <a:t>11</a:t>
+              <a:t>12</a:t>
             </a:fld>
             <a:endParaRPr lang="en-US"/>
           </a:p>
@@ -3054,7 +3179,7 @@
             <a:fld id="{F3D0B6CC-DF53-4B3F-A43C-5B2C8B835909}" type="slidenum">
               <a:rPr lang="en-US"/>
               <a:pPr/>
-              <a:t>12</a:t>
+              <a:t>13</a:t>
             </a:fld>
             <a:endParaRPr lang="en-US"/>
           </a:p>
@@ -3177,7 +3302,7 @@
             <a:fld id="{F3D0B6CC-DF53-4B3F-A43C-5B2C8B835909}" type="slidenum">
               <a:rPr lang="en-US"/>
               <a:pPr/>
-              <a:t>13</a:t>
+              <a:t>14</a:t>
             </a:fld>
             <a:endParaRPr lang="en-US"/>
           </a:p>
@@ -3300,7 +3425,7 @@
             <a:fld id="{F3D0B6CC-DF53-4B3F-A43C-5B2C8B835909}" type="slidenum">
               <a:rPr lang="en-US"/>
               <a:pPr/>
-              <a:t>14</a:t>
+              <a:t>15</a:t>
             </a:fld>
             <a:endParaRPr lang="en-US"/>
           </a:p>
@@ -4416,7 +4541,7 @@
             <a:fld id="{7CB97365-EBCA-4027-87D5-99FC1D4DF0BB}" type="datetimeFigureOut">
               <a:rPr lang="en-US" smtClean="0"/>
               <a:pPr/>
-              <a:t>9/11/2017</a:t>
+              <a:t>9/12/2017</a:t>
             </a:fld>
             <a:endParaRPr lang="en-US"/>
           </a:p>
@@ -7073,7 +7198,7 @@
 </file>
 
 <file path=ppt/slides/slide1.xml><?xml version="1.0" encoding="utf-8"?>
-<p:sld xmlns:a="http://schemas.openxmlformats.org/drawingml/2006/main" xmlns:r="http://schemas.openxmlformats.org/officeDocument/2006/relationships" xmlns:p="http://schemas.openxmlformats.org/presentationml/2006/main" show="0">
+<p:sld xmlns:a="http://schemas.openxmlformats.org/drawingml/2006/main" xmlns:r="http://schemas.openxmlformats.org/officeDocument/2006/relationships" xmlns:p="http://schemas.openxmlformats.org/presentationml/2006/main">
   <p:cSld>
     <p:spTree>
       <p:nvGrpSpPr>
@@ -7092,7 +7217,7 @@
     </p:spTree>
     <p:extLst>
       <p:ext uri="{BB962C8B-B14F-4D97-AF65-F5344CB8AC3E}">
-        <p14:creationId xmlns:p14="http://schemas.microsoft.com/office/powerpoint/2010/main" val="3798289113"/>
+        <p14:creationId xmlns:p14="http://schemas.microsoft.com/office/powerpoint/2010/main" val="4289672302"/>
       </p:ext>
     </p:extLst>
   </p:cSld>
@@ -7122,6 +7247,698 @@
 </file>
 
 <file path=ppt/slides/slide10.xml><?xml version="1.0" encoding="utf-8"?>
+<p:sld xmlns:a="http://schemas.openxmlformats.org/drawingml/2006/main" xmlns:r="http://schemas.openxmlformats.org/officeDocument/2006/relationships" xmlns:p="http://schemas.openxmlformats.org/presentationml/2006/main">
+  <p:cSld>
+    <p:spTree>
+      <p:nvGrpSpPr>
+        <p:cNvPr id="1" name=""/>
+        <p:cNvGrpSpPr/>
+        <p:nvPr/>
+      </p:nvGrpSpPr>
+      <p:grpSpPr>
+        <a:xfrm>
+          <a:off x="0" y="0"/>
+          <a:ext cx="0" cy="0"/>
+          <a:chOff x="0" y="0"/>
+          <a:chExt cx="0" cy="0"/>
+        </a:xfrm>
+      </p:grpSpPr>
+      <p:sp>
+        <p:nvSpPr>
+          <p:cNvPr id="24578" name="Rectangle 2"/>
+          <p:cNvSpPr>
+            <a:spLocks noChangeArrowheads="1"/>
+          </p:cNvSpPr>
+          <p:nvPr/>
+        </p:nvSpPr>
+        <p:spPr bwMode="auto">
+          <a:xfrm>
+            <a:off x="214282" y="1052736"/>
+            <a:ext cx="8572560" cy="5448098"/>
+          </a:xfrm>
+          <a:prstGeom prst="rect">
+            <a:avLst/>
+          </a:prstGeom>
+          <a:noFill/>
+          <a:ln w="9525">
+            <a:noFill/>
+            <a:round/>
+            <a:headEnd/>
+            <a:tailEnd/>
+          </a:ln>
+          <a:effectLst/>
+        </p:spPr>
+        <p:txBody>
+          <a:bodyPr lIns="90000" tIns="45000" rIns="90000" bIns="45000"/>
+          <a:lstStyle/>
+          <a:p>
+            <a:pPr marL="288000" indent="-288000">
+              <a:lnSpc>
+                <a:spcPct val="100000"/>
+              </a:lnSpc>
+              <a:spcBef>
+                <a:spcPts val="1800"/>
+              </a:spcBef>
+              <a:buClr>
+                <a:schemeClr val="tx1"/>
+              </a:buClr>
+              <a:buFont typeface="Arial" pitchFamily="34" charset="0"/>
+              <a:buChar char="–"/>
+              <a:tabLst>
+                <a:tab pos="723900" algn="l"/>
+                <a:tab pos="1447800" algn="l"/>
+                <a:tab pos="2171700" algn="l"/>
+                <a:tab pos="2895600" algn="l"/>
+                <a:tab pos="3619500" algn="l"/>
+                <a:tab pos="4343400" algn="l"/>
+                <a:tab pos="5067300" algn="l"/>
+                <a:tab pos="5791200" algn="l"/>
+                <a:tab pos="6515100" algn="l"/>
+                <a:tab pos="7239000" algn="l"/>
+                <a:tab pos="7962900" algn="l"/>
+                <a:tab pos="8686800" algn="l"/>
+              </a:tabLst>
+            </a:pPr>
+            <a:r>
+              <a:rPr lang="hr-HR" sz="2400" dirty="0" smtClean="0">
+                <a:latin typeface="Calibri" pitchFamily="34" charset="0"/>
+                <a:ea typeface="WenQuanYi Micro Hei" charset="0"/>
+                <a:cs typeface="Calibri" pitchFamily="34" charset="0"/>
+              </a:rPr>
+              <a:t>s</a:t>
+            </a:r>
+            <a:r>
+              <a:rPr lang="vi-VN" sz="2400" dirty="0" smtClean="0">
+                <a:latin typeface="Calibri" pitchFamily="34" charset="0"/>
+                <a:ea typeface="WenQuanYi Micro Hei" charset="0"/>
+                <a:cs typeface="Calibri" pitchFamily="34" charset="0"/>
+              </a:rPr>
+              <a:t> obzirom na </a:t>
+            </a:r>
+            <a:r>
+              <a:rPr lang="hr-HR" sz="2400" b="1" dirty="0" smtClean="0">
+                <a:solidFill>
+                  <a:srgbClr val="FFC000"/>
+                </a:solidFill>
+                <a:effectLst>
+                  <a:outerShdw blurRad="38100" dist="38100" dir="2700000" algn="tl">
+                    <a:srgbClr val="000000">
+                      <a:alpha val="43137"/>
+                    </a:srgbClr>
+                  </a:outerShdw>
+                </a:effectLst>
+                <a:latin typeface="Calibri" pitchFamily="34" charset="0"/>
+                <a:ea typeface="WenQuanYi Micro Hei" charset="0"/>
+                <a:cs typeface="Calibri" pitchFamily="34" charset="0"/>
+              </a:rPr>
+              <a:t>širinu </a:t>
+            </a:r>
+            <a:r>
+              <a:rPr lang="vi-VN" sz="2400" b="1" dirty="0" smtClean="0">
+                <a:solidFill>
+                  <a:srgbClr val="FFC000"/>
+                </a:solidFill>
+                <a:effectLst>
+                  <a:outerShdw blurRad="38100" dist="38100" dir="2700000" algn="tl">
+                    <a:srgbClr val="000000">
+                      <a:alpha val="43137"/>
+                    </a:srgbClr>
+                  </a:outerShdw>
+                </a:effectLst>
+                <a:latin typeface="Calibri" pitchFamily="34" charset="0"/>
+                <a:ea typeface="WenQuanYi Micro Hei" charset="0"/>
+                <a:cs typeface="Calibri" pitchFamily="34" charset="0"/>
+              </a:rPr>
+              <a:t>i stupanj organiziranosti </a:t>
+            </a:r>
+            <a:r>
+              <a:rPr lang="vi-VN" sz="2400" dirty="0" smtClean="0">
+                <a:latin typeface="Calibri" pitchFamily="34" charset="0"/>
+                <a:ea typeface="WenQuanYi Micro Hei" charset="0"/>
+                <a:cs typeface="Calibri" pitchFamily="34" charset="0"/>
+              </a:rPr>
+              <a:t>razlikujemo: </a:t>
+            </a:r>
+          </a:p>
+          <a:p>
+            <a:pPr marL="1200150" lvl="1" indent="-457200">
+              <a:lnSpc>
+                <a:spcPct val="100000"/>
+              </a:lnSpc>
+              <a:spcBef>
+                <a:spcPts val="1800"/>
+              </a:spcBef>
+              <a:buClr>
+                <a:schemeClr val="tx1"/>
+              </a:buClr>
+              <a:buFont typeface="+mj-lt"/>
+              <a:buAutoNum type="arabicPeriod"/>
+              <a:tabLst>
+                <a:tab pos="723900" algn="l"/>
+                <a:tab pos="1447800" algn="l"/>
+                <a:tab pos="2171700" algn="l"/>
+                <a:tab pos="2895600" algn="l"/>
+                <a:tab pos="3619500" algn="l"/>
+                <a:tab pos="4343400" algn="l"/>
+                <a:tab pos="5067300" algn="l"/>
+                <a:tab pos="5791200" algn="l"/>
+                <a:tab pos="6515100" algn="l"/>
+                <a:tab pos="7239000" algn="l"/>
+                <a:tab pos="7962900" algn="l"/>
+                <a:tab pos="8686800" algn="l"/>
+              </a:tabLst>
+            </a:pPr>
+            <a:r>
+              <a:rPr lang="vi-VN" sz="3200" b="1" dirty="0" smtClean="0">
+                <a:solidFill>
+                  <a:srgbClr val="FFC000"/>
+                </a:solidFill>
+                <a:effectLst>
+                  <a:outerShdw blurRad="38100" dist="38100" dir="2700000" algn="tl">
+                    <a:srgbClr val="000000">
+                      <a:alpha val="43137"/>
+                    </a:srgbClr>
+                  </a:outerShdw>
+                </a:effectLst>
+                <a:latin typeface="Calibri" pitchFamily="34" charset="0"/>
+                <a:ea typeface="WenQuanYi Micro Hei" charset="0"/>
+                <a:cs typeface="Calibri" pitchFamily="34" charset="0"/>
+              </a:rPr>
+              <a:t>OPĆU</a:t>
+            </a:r>
+            <a:r>
+              <a:rPr lang="vi-VN" sz="2400" b="1" dirty="0" smtClean="0">
+                <a:solidFill>
+                  <a:srgbClr val="FFC000"/>
+                </a:solidFill>
+                <a:effectLst>
+                  <a:outerShdw blurRad="38100" dist="38100" dir="2700000" algn="tl">
+                    <a:srgbClr val="000000">
+                      <a:alpha val="43137"/>
+                    </a:srgbClr>
+                  </a:outerShdw>
+                </a:effectLst>
+                <a:latin typeface="Calibri" pitchFamily="34" charset="0"/>
+                <a:ea typeface="WenQuanYi Micro Hei" charset="0"/>
+                <a:cs typeface="Calibri" pitchFamily="34" charset="0"/>
+              </a:rPr>
+              <a:t> </a:t>
+            </a:r>
+            <a:r>
+              <a:rPr lang="vi-VN" sz="2400" b="1" dirty="0" smtClean="0">
+                <a:effectLst>
+                  <a:outerShdw blurRad="38100" dist="38100" dir="2700000" algn="tl">
+                    <a:srgbClr val="000000">
+                      <a:alpha val="43137"/>
+                    </a:srgbClr>
+                  </a:outerShdw>
+                </a:effectLst>
+                <a:latin typeface="Calibri" pitchFamily="34" charset="0"/>
+                <a:ea typeface="WenQuanYi Micro Hei" charset="0"/>
+                <a:cs typeface="Calibri" pitchFamily="34" charset="0"/>
+              </a:rPr>
+              <a:t>POLITKU</a:t>
+            </a:r>
+            <a:r>
+              <a:rPr lang="vi-VN" sz="2400" b="1" dirty="0" smtClean="0">
+                <a:solidFill>
+                  <a:srgbClr val="FFC000"/>
+                </a:solidFill>
+                <a:effectLst>
+                  <a:outerShdw blurRad="38100" dist="38100" dir="2700000" algn="tl">
+                    <a:srgbClr val="000000">
+                      <a:alpha val="43137"/>
+                    </a:srgbClr>
+                  </a:outerShdw>
+                </a:effectLst>
+                <a:latin typeface="Calibri" pitchFamily="34" charset="0"/>
+                <a:ea typeface="WenQuanYi Micro Hei" charset="0"/>
+                <a:cs typeface="Calibri" pitchFamily="34" charset="0"/>
+              </a:rPr>
+              <a:t> </a:t>
+            </a:r>
+            <a:r>
+              <a:rPr lang="vi-VN" sz="2400" dirty="0" smtClean="0">
+                <a:latin typeface="Calibri" pitchFamily="34" charset="0"/>
+                <a:ea typeface="WenQuanYi Micro Hei" charset="0"/>
+                <a:cs typeface="Calibri" pitchFamily="34" charset="0"/>
+              </a:rPr>
+              <a:t>– lokalna, državna, međunarodna </a:t>
+            </a:r>
+          </a:p>
+          <a:p>
+            <a:pPr marL="1200150" lvl="1" indent="-457200">
+              <a:lnSpc>
+                <a:spcPct val="100000"/>
+              </a:lnSpc>
+              <a:spcBef>
+                <a:spcPts val="1800"/>
+              </a:spcBef>
+              <a:buClr>
+                <a:schemeClr val="tx1"/>
+              </a:buClr>
+              <a:buFont typeface="+mj-lt"/>
+              <a:buAutoNum type="arabicPeriod"/>
+              <a:tabLst>
+                <a:tab pos="723900" algn="l"/>
+                <a:tab pos="1447800" algn="l"/>
+                <a:tab pos="2171700" algn="l"/>
+                <a:tab pos="2895600" algn="l"/>
+                <a:tab pos="3619500" algn="l"/>
+                <a:tab pos="4343400" algn="l"/>
+                <a:tab pos="5067300" algn="l"/>
+                <a:tab pos="5791200" algn="l"/>
+                <a:tab pos="6515100" algn="l"/>
+                <a:tab pos="7239000" algn="l"/>
+                <a:tab pos="7962900" algn="l"/>
+                <a:tab pos="8686800" algn="l"/>
+              </a:tabLst>
+            </a:pPr>
+            <a:r>
+              <a:rPr lang="vi-VN" sz="3200" b="1" dirty="0" smtClean="0">
+                <a:solidFill>
+                  <a:srgbClr val="FFC000"/>
+                </a:solidFill>
+                <a:effectLst>
+                  <a:outerShdw blurRad="38100" dist="38100" dir="2700000" algn="tl">
+                    <a:srgbClr val="000000">
+                      <a:alpha val="43137"/>
+                    </a:srgbClr>
+                  </a:outerShdw>
+                </a:effectLst>
+                <a:latin typeface="Calibri" pitchFamily="34" charset="0"/>
+                <a:ea typeface="WenQuanYi Micro Hei" charset="0"/>
+                <a:cs typeface="Calibri" pitchFamily="34" charset="0"/>
+              </a:rPr>
+              <a:t>POSEBN</a:t>
+            </a:r>
+            <a:r>
+              <a:rPr lang="hr-HR" sz="3200" b="1" dirty="0" smtClean="0">
+                <a:solidFill>
+                  <a:srgbClr val="FFC000"/>
+                </a:solidFill>
+                <a:effectLst>
+                  <a:outerShdw blurRad="38100" dist="38100" dir="2700000" algn="tl">
+                    <a:srgbClr val="000000">
+                      <a:alpha val="43137"/>
+                    </a:srgbClr>
+                  </a:outerShdw>
+                </a:effectLst>
+                <a:latin typeface="Calibri" pitchFamily="34" charset="0"/>
+                <a:ea typeface="WenQuanYi Micro Hei" charset="0"/>
+                <a:cs typeface="Calibri" pitchFamily="34" charset="0"/>
+              </a:rPr>
+              <a:t>E</a:t>
+            </a:r>
+            <a:r>
+              <a:rPr lang="vi-VN" sz="3200" b="1" dirty="0" smtClean="0">
+                <a:solidFill>
+                  <a:srgbClr val="FFC000"/>
+                </a:solidFill>
+                <a:effectLst>
+                  <a:outerShdw blurRad="38100" dist="38100" dir="2700000" algn="tl">
+                    <a:srgbClr val="000000">
+                      <a:alpha val="43137"/>
+                    </a:srgbClr>
+                  </a:outerShdw>
+                </a:effectLst>
+                <a:latin typeface="Calibri" pitchFamily="34" charset="0"/>
+                <a:ea typeface="WenQuanYi Micro Hei" charset="0"/>
+                <a:cs typeface="Calibri" pitchFamily="34" charset="0"/>
+              </a:rPr>
+              <a:t> </a:t>
+            </a:r>
+            <a:r>
+              <a:rPr lang="vi-VN" sz="2400" b="1" dirty="0" smtClean="0">
+                <a:effectLst>
+                  <a:outerShdw blurRad="38100" dist="38100" dir="2700000" algn="tl">
+                    <a:srgbClr val="000000">
+                      <a:alpha val="43137"/>
+                    </a:srgbClr>
+                  </a:outerShdw>
+                </a:effectLst>
+                <a:latin typeface="Calibri" pitchFamily="34" charset="0"/>
+                <a:ea typeface="WenQuanYi Micro Hei" charset="0"/>
+                <a:cs typeface="Calibri" pitchFamily="34" charset="0"/>
+              </a:rPr>
+              <a:t>POLITIK</a:t>
+            </a:r>
+            <a:r>
+              <a:rPr lang="hr-HR" sz="2400" b="1" dirty="0" smtClean="0">
+                <a:effectLst>
+                  <a:outerShdw blurRad="38100" dist="38100" dir="2700000" algn="tl">
+                    <a:srgbClr val="000000">
+                      <a:alpha val="43137"/>
+                    </a:srgbClr>
+                  </a:outerShdw>
+                </a:effectLst>
+                <a:latin typeface="Calibri" pitchFamily="34" charset="0"/>
+                <a:ea typeface="WenQuanYi Micro Hei" charset="0"/>
+                <a:cs typeface="Calibri" pitchFamily="34" charset="0"/>
+              </a:rPr>
+              <a:t>E</a:t>
+            </a:r>
+            <a:r>
+              <a:rPr lang="vi-VN" sz="2400" b="1" dirty="0" smtClean="0">
+                <a:solidFill>
+                  <a:srgbClr val="FFC000"/>
+                </a:solidFill>
+                <a:effectLst>
+                  <a:outerShdw blurRad="38100" dist="38100" dir="2700000" algn="tl">
+                    <a:srgbClr val="000000">
+                      <a:alpha val="43137"/>
+                    </a:srgbClr>
+                  </a:outerShdw>
+                </a:effectLst>
+                <a:latin typeface="Calibri" pitchFamily="34" charset="0"/>
+                <a:ea typeface="WenQuanYi Micro Hei" charset="0"/>
+                <a:cs typeface="Calibri" pitchFamily="34" charset="0"/>
+              </a:rPr>
+              <a:t> </a:t>
+            </a:r>
+            <a:r>
+              <a:rPr lang="vi-VN" sz="2400" dirty="0" smtClean="0">
+                <a:latin typeface="Calibri" pitchFamily="34" charset="0"/>
+                <a:ea typeface="WenQuanYi Micro Hei" charset="0"/>
+                <a:cs typeface="Calibri" pitchFamily="34" charset="0"/>
+              </a:rPr>
+              <a:t>– socijalna, gospodarska, prosvjetna</a:t>
+            </a:r>
+            <a:r>
+              <a:rPr lang="hr-HR" sz="2400" dirty="0" smtClean="0">
+                <a:latin typeface="Calibri" pitchFamily="34" charset="0"/>
+                <a:ea typeface="WenQuanYi Micro Hei" charset="0"/>
+                <a:cs typeface="Calibri" pitchFamily="34" charset="0"/>
+              </a:rPr>
+              <a:t>, demografska, mirovinska</a:t>
+            </a:r>
+            <a:r>
+              <a:rPr lang="vi-VN" sz="2400" dirty="0" smtClean="0">
+                <a:latin typeface="Calibri" pitchFamily="34" charset="0"/>
+                <a:ea typeface="WenQuanYi Micro Hei" charset="0"/>
+                <a:cs typeface="Calibri" pitchFamily="34" charset="0"/>
+              </a:rPr>
+              <a:t>...</a:t>
+            </a:r>
+          </a:p>
+          <a:p>
+            <a:pPr marL="288000" indent="-288000">
+              <a:lnSpc>
+                <a:spcPct val="100000"/>
+              </a:lnSpc>
+              <a:spcBef>
+                <a:spcPts val="600"/>
+              </a:spcBef>
+              <a:buClr>
+                <a:schemeClr val="tx1"/>
+              </a:buClr>
+              <a:buFont typeface="Arial" pitchFamily="34" charset="0"/>
+              <a:buChar char="–"/>
+              <a:tabLst>
+                <a:tab pos="723900" algn="l"/>
+                <a:tab pos="1447800" algn="l"/>
+                <a:tab pos="2171700" algn="l"/>
+                <a:tab pos="2895600" algn="l"/>
+                <a:tab pos="3619500" algn="l"/>
+                <a:tab pos="4343400" algn="l"/>
+                <a:tab pos="5067300" algn="l"/>
+                <a:tab pos="5791200" algn="l"/>
+                <a:tab pos="6515100" algn="l"/>
+                <a:tab pos="7239000" algn="l"/>
+                <a:tab pos="7962900" algn="l"/>
+                <a:tab pos="8686800" algn="l"/>
+              </a:tabLst>
+            </a:pPr>
+            <a:endParaRPr lang="hr-HR" sz="2400" i="1" dirty="0" smtClean="0">
+              <a:latin typeface="Calibri" pitchFamily="34" charset="0"/>
+              <a:ea typeface="WenQuanYi Micro Hei" charset="0"/>
+              <a:cs typeface="Calibri" pitchFamily="34" charset="0"/>
+            </a:endParaRPr>
+          </a:p>
+        </p:txBody>
+      </p:sp>
+      <p:sp>
+        <p:nvSpPr>
+          <p:cNvPr id="4" name="Title 3"/>
+          <p:cNvSpPr>
+            <a:spLocks noGrp="1"/>
+          </p:cNvSpPr>
+          <p:nvPr>
+            <p:ph type="title"/>
+          </p:nvPr>
+        </p:nvSpPr>
+        <p:spPr/>
+        <p:txBody>
+          <a:bodyPr/>
+          <a:lstStyle/>
+          <a:p>
+            <a:pPr>
+              <a:lnSpc>
+                <a:spcPct val="100000"/>
+              </a:lnSpc>
+              <a:tabLst>
+                <a:tab pos="723900" algn="l"/>
+                <a:tab pos="1447800" algn="l"/>
+                <a:tab pos="2171700" algn="l"/>
+                <a:tab pos="2895600" algn="l"/>
+                <a:tab pos="3619500" algn="l"/>
+                <a:tab pos="4343400" algn="l"/>
+                <a:tab pos="5067300" algn="l"/>
+                <a:tab pos="5791200" algn="l"/>
+                <a:tab pos="6515100" algn="l"/>
+                <a:tab pos="7239000" algn="l"/>
+                <a:tab pos="7962900" algn="l"/>
+                <a:tab pos="8686800" algn="l"/>
+              </a:tabLst>
+            </a:pPr>
+            <a:r>
+              <a:rPr lang="hr-HR" dirty="0" smtClean="0">
+                <a:ea typeface="WenQuanYi Micro Hei" charset="0"/>
+              </a:rPr>
+              <a:t>PODJELA POLITIKE</a:t>
+            </a:r>
+            <a:endParaRPr lang="en-US" dirty="0">
+              <a:ea typeface="WenQuanYi Micro Hei" charset="0"/>
+            </a:endParaRPr>
+          </a:p>
+        </p:txBody>
+      </p:sp>
+    </p:spTree>
+  </p:cSld>
+  <p:clrMapOvr>
+    <a:masterClrMapping/>
+  </p:clrMapOvr>
+  <mc:AlternateContent xmlns:mc="http://schemas.openxmlformats.org/markup-compatibility/2006" xmlns:p14="http://schemas.microsoft.com/office/powerpoint/2010/main">
+    <mc:Choice Requires="p14">
+      <p:transition p14:dur="250">
+        <p:fade thruBlk="1"/>
+      </p:transition>
+    </mc:Choice>
+    <mc:Fallback xmlns="">
+      <p:transition>
+        <p:fade thruBlk="1"/>
+      </p:transition>
+    </mc:Fallback>
+  </mc:AlternateContent>
+  <p:timing>
+    <p:tnLst>
+      <p:par>
+        <p:cTn id="1" dur="indefinite" restart="never" nodeType="tmRoot">
+          <p:childTnLst>
+            <p:seq concurrent="1" nextAc="seek">
+              <p:cTn id="2" dur="indefinite" nodeType="mainSeq">
+                <p:childTnLst>
+                  <p:par>
+                    <p:cTn id="3" fill="hold">
+                      <p:stCondLst>
+                        <p:cond delay="0"/>
+                      </p:stCondLst>
+                      <p:childTnLst>
+                        <p:par>
+                          <p:cTn id="4" fill="hold">
+                            <p:stCondLst>
+                              <p:cond delay="0"/>
+                            </p:stCondLst>
+                            <p:childTnLst>
+                              <p:par>
+                                <p:cTn id="5" presetID="10" presetClass="entr" fill="hold" nodeType="afterEffect">
+                                  <p:stCondLst>
+                                    <p:cond delay="0"/>
+                                  </p:stCondLst>
+                                  <p:childTnLst>
+                                    <p:set>
+                                      <p:cBhvr additive="repl">
+                                        <p:cTn id="6" dur="1" fill="hold">
+                                          <p:stCondLst>
+                                            <p:cond delay="0"/>
+                                          </p:stCondLst>
+                                        </p:cTn>
+                                        <p:tgtEl>
+                                          <p:spTgt spid="24578">
+                                            <p:txEl>
+                                              <p:pRg st="0" end="0"/>
+                                            </p:txEl>
+                                          </p:spTgt>
+                                        </p:tgtEl>
+                                        <p:attrNameLst>
+                                          <p:attrName>style.visibility</p:attrName>
+                                        </p:attrNameLst>
+                                      </p:cBhvr>
+                                      <p:to>
+                                        <p:strVal val="visible"/>
+                                      </p:to>
+                                    </p:set>
+                                    <p:animEffect transition="in" filter="fade">
+                                      <p:cBhvr additive="repl">
+                                        <p:cTn id="7" dur="250"/>
+                                        <p:tgtEl>
+                                          <p:spTgt spid="24578">
+                                            <p:txEl>
+                                              <p:pRg st="0" end="0"/>
+                                            </p:txEl>
+                                          </p:spTgt>
+                                        </p:tgtEl>
+                                      </p:cBhvr>
+                                    </p:animEffect>
+                                  </p:childTnLst>
+                                </p:cTn>
+                              </p:par>
+                            </p:childTnLst>
+                          </p:cTn>
+                        </p:par>
+                        <p:par>
+                          <p:cTn id="8" fill="hold">
+                            <p:stCondLst>
+                              <p:cond delay="250"/>
+                            </p:stCondLst>
+                            <p:childTnLst>
+                              <p:par>
+                                <p:cTn id="9" presetID="10" presetClass="entr" fill="hold" nodeType="afterEffect">
+                                  <p:stCondLst>
+                                    <p:cond delay="0"/>
+                                  </p:stCondLst>
+                                  <p:childTnLst>
+                                    <p:set>
+                                      <p:cBhvr additive="repl">
+                                        <p:cTn id="10" dur="1" fill="hold">
+                                          <p:stCondLst>
+                                            <p:cond delay="0"/>
+                                          </p:stCondLst>
+                                        </p:cTn>
+                                        <p:tgtEl>
+                                          <p:spTgt spid="24578">
+                                            <p:txEl>
+                                              <p:pRg st="1" end="1"/>
+                                            </p:txEl>
+                                          </p:spTgt>
+                                        </p:tgtEl>
+                                        <p:attrNameLst>
+                                          <p:attrName>style.visibility</p:attrName>
+                                        </p:attrNameLst>
+                                      </p:cBhvr>
+                                      <p:to>
+                                        <p:strVal val="visible"/>
+                                      </p:to>
+                                    </p:set>
+                                    <p:animEffect transition="in" filter="fade">
+                                      <p:cBhvr additive="repl">
+                                        <p:cTn id="11" dur="250"/>
+                                        <p:tgtEl>
+                                          <p:spTgt spid="24578">
+                                            <p:txEl>
+                                              <p:pRg st="1" end="1"/>
+                                            </p:txEl>
+                                          </p:spTgt>
+                                        </p:tgtEl>
+                                      </p:cBhvr>
+                                    </p:animEffect>
+                                  </p:childTnLst>
+                                </p:cTn>
+                              </p:par>
+                            </p:childTnLst>
+                          </p:cTn>
+                        </p:par>
+                        <p:par>
+                          <p:cTn id="12" fill="hold">
+                            <p:stCondLst>
+                              <p:cond delay="500"/>
+                            </p:stCondLst>
+                            <p:childTnLst>
+                              <p:par>
+                                <p:cTn id="13" presetID="10" presetClass="entr" fill="hold" nodeType="afterEffect">
+                                  <p:stCondLst>
+                                    <p:cond delay="0"/>
+                                  </p:stCondLst>
+                                  <p:childTnLst>
+                                    <p:set>
+                                      <p:cBhvr additive="repl">
+                                        <p:cTn id="14" dur="1" fill="hold">
+                                          <p:stCondLst>
+                                            <p:cond delay="0"/>
+                                          </p:stCondLst>
+                                        </p:cTn>
+                                        <p:tgtEl>
+                                          <p:spTgt spid="24578">
+                                            <p:txEl>
+                                              <p:pRg st="2" end="2"/>
+                                            </p:txEl>
+                                          </p:spTgt>
+                                        </p:tgtEl>
+                                        <p:attrNameLst>
+                                          <p:attrName>style.visibility</p:attrName>
+                                        </p:attrNameLst>
+                                      </p:cBhvr>
+                                      <p:to>
+                                        <p:strVal val="visible"/>
+                                      </p:to>
+                                    </p:set>
+                                    <p:animEffect transition="in" filter="fade">
+                                      <p:cBhvr additive="repl">
+                                        <p:cTn id="15" dur="250"/>
+                                        <p:tgtEl>
+                                          <p:spTgt spid="24578">
+                                            <p:txEl>
+                                              <p:pRg st="2" end="2"/>
+                                            </p:txEl>
+                                          </p:spTgt>
+                                        </p:tgtEl>
+                                      </p:cBhvr>
+                                    </p:animEffect>
+                                  </p:childTnLst>
+                                </p:cTn>
+                              </p:par>
+                            </p:childTnLst>
+                          </p:cTn>
+                        </p:par>
+                      </p:childTnLst>
+                    </p:cTn>
+                  </p:par>
+                </p:childTnLst>
+              </p:cTn>
+              <p:prevCondLst>
+                <p:cond evt="onPrev" delay="0">
+                  <p:tgtEl>
+                    <p:sldTgt/>
+                  </p:tgtEl>
+                </p:cond>
+              </p:prevCondLst>
+              <p:nextCondLst>
+                <p:cond evt="onNext" delay="0">
+                  <p:tgtEl>
+                    <p:sldTgt/>
+                  </p:tgtEl>
+                </p:cond>
+              </p:nextCondLst>
+            </p:seq>
+          </p:childTnLst>
+        </p:cTn>
+      </p:par>
+    </p:tnLst>
+  </p:timing>
+</p:sld>
+</file>
+
+<file path=ppt/slides/slide11.xml><?xml version="1.0" encoding="utf-8"?>
 <p:sld xmlns:a="http://schemas.openxmlformats.org/drawingml/2006/main" xmlns:r="http://schemas.openxmlformats.org/officeDocument/2006/relationships" xmlns:p="http://schemas.openxmlformats.org/presentationml/2006/main">
   <p:cSld>
     <p:spTree>
@@ -7570,8 +8387,22 @@
                   <a:latin typeface="Calibri" pitchFamily="34" charset="0"/>
                   <a:cs typeface="Calibri" pitchFamily="34" charset="0"/>
                 </a:rPr>
-                <a:t>posebna</a:t>
+                <a:t>posebne</a:t>
               </a:r>
+              <a:endParaRPr lang="hr-HR" sz="2800" b="1" dirty="0" smtClean="0">
+                <a:solidFill>
+                  <a:schemeClr val="tx1"/>
+                </a:solidFill>
+                <a:effectLst>
+                  <a:outerShdw blurRad="38100" dist="38100" dir="2700000" algn="tl">
+                    <a:srgbClr val="000000">
+                      <a:alpha val="43137"/>
+                    </a:srgbClr>
+                  </a:outerShdw>
+                </a:effectLst>
+                <a:latin typeface="Calibri" pitchFamily="34" charset="0"/>
+                <a:cs typeface="Calibri" pitchFamily="34" charset="0"/>
+              </a:endParaRPr>
             </a:p>
           </p:txBody>
         </p:sp>
@@ -8932,8 +9763,8 @@
 </p:sld>
 </file>
 
-<file path=ppt/slides/slide11.xml><?xml version="1.0" encoding="utf-8"?>
-<p:sld xmlns:a="http://schemas.openxmlformats.org/drawingml/2006/main" xmlns:r="http://schemas.openxmlformats.org/officeDocument/2006/relationships" xmlns:p="http://schemas.openxmlformats.org/presentationml/2006/main">
+<file path=ppt/slides/slide12.xml><?xml version="1.0" encoding="utf-8"?>
+<p:sld xmlns:a="http://schemas.openxmlformats.org/drawingml/2006/main" xmlns:r="http://schemas.openxmlformats.org/officeDocument/2006/relationships" xmlns:p="http://schemas.openxmlformats.org/presentationml/2006/main" show="0">
   <p:cSld>
     <p:spTree>
       <p:nvGrpSpPr>
@@ -9866,7 +10697,7 @@
                 <a:ea typeface="WenQuanYi Micro Hei" charset="0"/>
                 <a:cs typeface="Calibri" pitchFamily="34" charset="0"/>
               </a:rPr>
-              <a:t>POSEBNA</a:t>
+              <a:t>POSEBNE</a:t>
             </a:r>
             <a:r>
               <a:rPr lang="hr-HR" sz="2200" dirty="0" smtClean="0">
@@ -9945,13 +10776,13 @@
   <p:clrMapOvr>
     <a:masterClrMapping/>
   </p:clrMapOvr>
-  <mc:AlternateContent xmlns:mc="http://schemas.openxmlformats.org/markup-compatibility/2006" xmlns:p14="http://schemas.microsoft.com/office/powerpoint/2010/main">
-    <mc:Choice Requires="p14">
+  <mc:AlternateContent xmlns:mc="http://schemas.openxmlformats.org/markup-compatibility/2006">
+    <mc:Choice xmlns:p14="http://schemas.microsoft.com/office/powerpoint/2010/main" Requires="p14">
       <p:transition p14:dur="250">
         <p:fade thruBlk="1"/>
       </p:transition>
     </mc:Choice>
-    <mc:Fallback xmlns="">
+    <mc:Fallback>
       <p:transition>
         <p:fade thruBlk="1"/>
       </p:transition>
@@ -9967,7 +10798,7 @@
 </p:sld>
 </file>
 
-<file path=ppt/slides/slide12.xml><?xml version="1.0" encoding="utf-8"?>
+<file path=ppt/slides/slide13.xml><?xml version="1.0" encoding="utf-8"?>
 <p:sld xmlns:a="http://schemas.openxmlformats.org/drawingml/2006/main" xmlns:r="http://schemas.openxmlformats.org/officeDocument/2006/relationships" xmlns:p="http://schemas.openxmlformats.org/presentationml/2006/main">
   <p:cSld>
     <p:spTree>
@@ -10821,7 +11652,7 @@
 </p:sld>
 </file>
 
-<file path=ppt/slides/slide13.xml><?xml version="1.0" encoding="utf-8"?>
+<file path=ppt/slides/slide14.xml><?xml version="1.0" encoding="utf-8"?>
 <p:sld xmlns:a="http://schemas.openxmlformats.org/drawingml/2006/main" xmlns:r="http://schemas.openxmlformats.org/officeDocument/2006/relationships" xmlns:p="http://schemas.openxmlformats.org/presentationml/2006/main">
   <p:cSld>
     <p:spTree>
@@ -11594,7 +12425,7 @@
 </p:sld>
 </file>
 
-<file path=ppt/slides/slide14.xml><?xml version="1.0" encoding="utf-8"?>
+<file path=ppt/slides/slide15.xml><?xml version="1.0" encoding="utf-8"?>
 <p:sld xmlns:a="http://schemas.openxmlformats.org/drawingml/2006/main" xmlns:r="http://schemas.openxmlformats.org/officeDocument/2006/relationships" xmlns:p="http://schemas.openxmlformats.org/presentationml/2006/main">
   <p:cSld>
     <p:spTree>
@@ -12274,1134 +13105,6 @@
     <p:bldLst>
       <p:bldP spid="24578" grpId="0" uiExpand="1" build="allAtOnce"/>
     </p:bldLst>
-  </p:timing>
-</p:sld>
-</file>
-
-<file path=ppt/slides/slide15.xml><?xml version="1.0" encoding="utf-8"?>
-<p:sld xmlns:a="http://schemas.openxmlformats.org/drawingml/2006/main" xmlns:r="http://schemas.openxmlformats.org/officeDocument/2006/relationships" xmlns:p="http://schemas.openxmlformats.org/presentationml/2006/main">
-  <p:cSld>
-    <p:spTree>
-      <p:nvGrpSpPr>
-        <p:cNvPr id="1" name=""/>
-        <p:cNvGrpSpPr/>
-        <p:nvPr/>
-      </p:nvGrpSpPr>
-      <p:grpSpPr>
-        <a:xfrm>
-          <a:off x="0" y="0"/>
-          <a:ext cx="0" cy="0"/>
-          <a:chOff x="0" y="0"/>
-          <a:chExt cx="0" cy="0"/>
-        </a:xfrm>
-      </p:grpSpPr>
-      <p:sp>
-        <p:nvSpPr>
-          <p:cNvPr id="24577" name="Rectangle 1"/>
-          <p:cNvSpPr>
-            <a:spLocks noChangeArrowheads="1"/>
-          </p:cNvSpPr>
-          <p:nvPr/>
-        </p:nvSpPr>
-        <p:spPr bwMode="auto">
-          <a:xfrm>
-            <a:off x="467544" y="71414"/>
-            <a:ext cx="8280920" cy="654048"/>
-          </a:xfrm>
-          <a:prstGeom prst="rect">
-            <a:avLst/>
-          </a:prstGeom>
-          <a:noFill/>
-          <a:ln w="9525">
-            <a:noFill/>
-            <a:round/>
-            <a:headEnd/>
-            <a:tailEnd/>
-          </a:ln>
-          <a:effectLst/>
-        </p:spPr>
-        <p:txBody>
-          <a:bodyPr lIns="90000" tIns="45000" rIns="90000" bIns="45000" anchor="ctr"/>
-          <a:lstStyle/>
-          <a:p>
-            <a:pPr>
-              <a:lnSpc>
-                <a:spcPct val="100000"/>
-              </a:lnSpc>
-              <a:tabLst>
-                <a:tab pos="723900" algn="l"/>
-                <a:tab pos="1447800" algn="l"/>
-                <a:tab pos="2171700" algn="l"/>
-                <a:tab pos="2895600" algn="l"/>
-                <a:tab pos="3619500" algn="l"/>
-                <a:tab pos="4343400" algn="l"/>
-                <a:tab pos="5067300" algn="l"/>
-                <a:tab pos="5791200" algn="l"/>
-                <a:tab pos="6515100" algn="l"/>
-                <a:tab pos="7239000" algn="l"/>
-                <a:tab pos="7962900" algn="l"/>
-                <a:tab pos="8686800" algn="l"/>
-              </a:tabLst>
-            </a:pPr>
-            <a:r>
-              <a:rPr lang="hr-HR" sz="3200" b="1" dirty="0" smtClean="0">
-                <a:solidFill>
-                  <a:srgbClr val="FFC000"/>
-                </a:solidFill>
-                <a:effectLst>
-                  <a:outerShdw blurRad="38100" dist="38100" dir="2700000" algn="tl">
-                    <a:srgbClr val="000000">
-                      <a:alpha val="43137"/>
-                    </a:srgbClr>
-                  </a:outerShdw>
-                </a:effectLst>
-                <a:latin typeface="Calibri" pitchFamily="34" charset="0"/>
-                <a:ea typeface="WenQuanYi Micro Hei" charset="0"/>
-                <a:cs typeface="Calibri" pitchFamily="34" charset="0"/>
-              </a:rPr>
-              <a:t>MOĆ I VLAST</a:t>
-            </a:r>
-            <a:r>
-              <a:rPr lang="hr-HR" sz="2800" b="1" dirty="0" smtClean="0">
-                <a:solidFill>
-                  <a:srgbClr val="FFC000"/>
-                </a:solidFill>
-                <a:effectLst>
-                  <a:outerShdw blurRad="38100" dist="38100" dir="2700000" algn="tl">
-                    <a:srgbClr val="000000">
-                      <a:alpha val="43137"/>
-                    </a:srgbClr>
-                  </a:outerShdw>
-                </a:effectLst>
-                <a:latin typeface="Calibri" pitchFamily="34" charset="0"/>
-                <a:ea typeface="WenQuanYi Micro Hei" charset="0"/>
-                <a:cs typeface="Calibri" pitchFamily="34" charset="0"/>
-              </a:rPr>
-              <a:t>						 </a:t>
-            </a:r>
-            <a:r>
-              <a:rPr lang="hr-HR" sz="2400" i="1" dirty="0" smtClean="0">
-                <a:solidFill>
-                  <a:srgbClr val="FFC000"/>
-                </a:solidFill>
-                <a:effectLst>
-                  <a:outerShdw blurRad="38100" dist="38100" dir="2700000" algn="tl">
-                    <a:srgbClr val="000000">
-                      <a:alpha val="43137"/>
-                    </a:srgbClr>
-                  </a:outerShdw>
-                </a:effectLst>
-                <a:latin typeface="Calibri" pitchFamily="34" charset="0"/>
-                <a:ea typeface="WenQuanYi Micro Hei" charset="0"/>
-                <a:cs typeface="Calibri" pitchFamily="34" charset="0"/>
-              </a:rPr>
-              <a:t>(plan ploče)</a:t>
-            </a:r>
-            <a:endParaRPr lang="hr-HR" sz="2800" i="1" dirty="0">
-              <a:solidFill>
-                <a:srgbClr val="FFC000"/>
-              </a:solidFill>
-              <a:effectLst>
-                <a:outerShdw blurRad="38100" dist="38100" dir="2700000" algn="tl">
-                  <a:srgbClr val="000000">
-                    <a:alpha val="43137"/>
-                  </a:srgbClr>
-                </a:outerShdw>
-              </a:effectLst>
-              <a:latin typeface="Calibri" pitchFamily="34" charset="0"/>
-              <a:ea typeface="WenQuanYi Micro Hei" charset="0"/>
-              <a:cs typeface="Calibri" pitchFamily="34" charset="0"/>
-            </a:endParaRPr>
-          </a:p>
-        </p:txBody>
-      </p:sp>
-      <p:sp>
-        <p:nvSpPr>
-          <p:cNvPr id="24578" name="Rectangle 2"/>
-          <p:cNvSpPr>
-            <a:spLocks noChangeArrowheads="1"/>
-          </p:cNvSpPr>
-          <p:nvPr/>
-        </p:nvSpPr>
-        <p:spPr bwMode="auto">
-          <a:xfrm>
-            <a:off x="-5340" y="764704"/>
-            <a:ext cx="9149339" cy="5715040"/>
-          </a:xfrm>
-          <a:prstGeom prst="rect">
-            <a:avLst/>
-          </a:prstGeom>
-          <a:noFill/>
-          <a:ln w="9525">
-            <a:noFill/>
-            <a:round/>
-            <a:headEnd/>
-            <a:tailEnd/>
-          </a:ln>
-          <a:effectLst/>
-        </p:spPr>
-        <p:txBody>
-          <a:bodyPr lIns="90000" tIns="45000" rIns="90000" bIns="45000"/>
-          <a:lstStyle/>
-          <a:p>
-            <a:pPr marL="288000" indent="-288000">
-              <a:lnSpc>
-                <a:spcPct val="100000"/>
-              </a:lnSpc>
-              <a:spcBef>
-                <a:spcPts val="1200"/>
-              </a:spcBef>
-              <a:buClr>
-                <a:schemeClr val="tx1"/>
-              </a:buClr>
-              <a:buFont typeface="Arial" pitchFamily="34" charset="0"/>
-              <a:buChar char="–"/>
-              <a:tabLst>
-                <a:tab pos="723900" algn="l"/>
-                <a:tab pos="1447800" algn="l"/>
-                <a:tab pos="2171700" algn="l"/>
-                <a:tab pos="2895600" algn="l"/>
-                <a:tab pos="3619500" algn="l"/>
-                <a:tab pos="4343400" algn="l"/>
-                <a:tab pos="5067300" algn="l"/>
-                <a:tab pos="5791200" algn="l"/>
-                <a:tab pos="6515100" algn="l"/>
-                <a:tab pos="7239000" algn="l"/>
-                <a:tab pos="7962900" algn="l"/>
-                <a:tab pos="8686800" algn="l"/>
-              </a:tabLst>
-            </a:pPr>
-            <a:r>
-              <a:rPr lang="hr-HR" sz="2200" b="1" dirty="0" smtClean="0">
-                <a:solidFill>
-                  <a:srgbClr val="FFC000"/>
-                </a:solidFill>
-                <a:latin typeface="Calibri" pitchFamily="34" charset="0"/>
-                <a:ea typeface="WenQuanYi Micro Hei" charset="0"/>
-                <a:cs typeface="Calibri" pitchFamily="34" charset="0"/>
-              </a:rPr>
-              <a:t>MOĆ</a:t>
-            </a:r>
-            <a:r>
-              <a:rPr lang="vi-VN" sz="2200" b="1" dirty="0" smtClean="0">
-                <a:solidFill>
-                  <a:srgbClr val="FFC000"/>
-                </a:solidFill>
-                <a:latin typeface="Calibri" pitchFamily="34" charset="0"/>
-                <a:ea typeface="WenQuanYi Micro Hei" charset="0"/>
-                <a:cs typeface="Calibri" pitchFamily="34" charset="0"/>
-              </a:rPr>
-              <a:t> </a:t>
-            </a:r>
-            <a:r>
-              <a:rPr lang="hr-HR" sz="2200" dirty="0" smtClean="0">
-                <a:latin typeface="Calibri" pitchFamily="34" charset="0"/>
-                <a:ea typeface="WenQuanYi Micro Hei" charset="0"/>
-                <a:cs typeface="Calibri" pitchFamily="34" charset="0"/>
-              </a:rPr>
-              <a:t>– vjerojatnost </a:t>
-            </a:r>
-            <a:r>
-              <a:rPr lang="hr-HR" sz="2200" dirty="0">
-                <a:latin typeface="Calibri" pitchFamily="34" charset="0"/>
-                <a:ea typeface="WenQuanYi Micro Hei" charset="0"/>
-                <a:cs typeface="Calibri" pitchFamily="34" charset="0"/>
-              </a:rPr>
-              <a:t>da će pojedinac ili grupa uspjeti </a:t>
-            </a:r>
-            <a:r>
-              <a:rPr lang="hr-HR" sz="2200" b="1" dirty="0">
-                <a:solidFill>
-                  <a:srgbClr val="FFC000"/>
-                </a:solidFill>
-                <a:effectLst>
-                  <a:outerShdw blurRad="38100" dist="38100" dir="2700000" algn="tl">
-                    <a:srgbClr val="000000">
-                      <a:alpha val="43137"/>
-                    </a:srgbClr>
-                  </a:outerShdw>
-                </a:effectLst>
-                <a:latin typeface="Calibri" pitchFamily="34" charset="0"/>
-                <a:ea typeface="WenQuanYi Micro Hei" charset="0"/>
-                <a:cs typeface="Calibri" pitchFamily="34" charset="0"/>
-              </a:rPr>
-              <a:t>nametnuti</a:t>
-            </a:r>
-            <a:r>
-              <a:rPr lang="hr-HR" sz="2200" dirty="0">
-                <a:latin typeface="Calibri" pitchFamily="34" charset="0"/>
-                <a:ea typeface="WenQuanYi Micro Hei" charset="0"/>
-                <a:cs typeface="Calibri" pitchFamily="34" charset="0"/>
-              </a:rPr>
-              <a:t> i </a:t>
-            </a:r>
-            <a:r>
-              <a:rPr lang="hr-HR" sz="2200" b="1" dirty="0">
-                <a:solidFill>
-                  <a:srgbClr val="FFC000"/>
-                </a:solidFill>
-                <a:effectLst>
-                  <a:outerShdw blurRad="38100" dist="38100" dir="2700000" algn="tl">
-                    <a:srgbClr val="000000">
-                      <a:alpha val="43137"/>
-                    </a:srgbClr>
-                  </a:outerShdw>
-                </a:effectLst>
-                <a:latin typeface="Calibri" pitchFamily="34" charset="0"/>
-                <a:ea typeface="WenQuanYi Micro Hei" charset="0"/>
-                <a:cs typeface="Calibri" pitchFamily="34" charset="0"/>
-              </a:rPr>
-              <a:t>provesti svoju volju</a:t>
-            </a:r>
-            <a:r>
-              <a:rPr lang="hr-HR" sz="2200" dirty="0">
-                <a:latin typeface="Calibri" pitchFamily="34" charset="0"/>
-                <a:ea typeface="WenQuanYi Micro Hei" charset="0"/>
-                <a:cs typeface="Calibri" pitchFamily="34" charset="0"/>
-              </a:rPr>
-              <a:t>, </a:t>
-            </a:r>
-            <a:r>
-              <a:rPr lang="hr-HR" sz="2200" b="1" dirty="0">
-                <a:solidFill>
-                  <a:srgbClr val="FFC000"/>
-                </a:solidFill>
-                <a:latin typeface="Calibri" pitchFamily="34" charset="0"/>
-                <a:ea typeface="WenQuanYi Micro Hei" charset="0"/>
-                <a:cs typeface="Calibri" pitchFamily="34" charset="0"/>
-              </a:rPr>
-              <a:t>čak i usprkos otporu </a:t>
-            </a:r>
-            <a:r>
-              <a:rPr lang="hr-HR" sz="2200" b="1" dirty="0" smtClean="0">
-                <a:solidFill>
-                  <a:srgbClr val="FFC000"/>
-                </a:solidFill>
-                <a:latin typeface="Calibri" pitchFamily="34" charset="0"/>
-                <a:ea typeface="WenQuanYi Micro Hei" charset="0"/>
-                <a:cs typeface="Calibri" pitchFamily="34" charset="0"/>
-              </a:rPr>
-              <a:t>drugih</a:t>
-            </a:r>
-          </a:p>
-          <a:p>
-            <a:pPr marL="1030950" lvl="1" indent="-288000">
-              <a:lnSpc>
-                <a:spcPct val="100000"/>
-              </a:lnSpc>
-              <a:spcBef>
-                <a:spcPts val="1200"/>
-              </a:spcBef>
-              <a:buClr>
-                <a:schemeClr val="tx1"/>
-              </a:buClr>
-              <a:buFont typeface="Arial" pitchFamily="34" charset="0"/>
-              <a:buChar char="–"/>
-              <a:tabLst>
-                <a:tab pos="723900" algn="l"/>
-                <a:tab pos="1447800" algn="l"/>
-                <a:tab pos="2171700" algn="l"/>
-                <a:tab pos="2895600" algn="l"/>
-                <a:tab pos="3619500" algn="l"/>
-                <a:tab pos="4343400" algn="l"/>
-                <a:tab pos="5067300" algn="l"/>
-                <a:tab pos="5791200" algn="l"/>
-                <a:tab pos="6515100" algn="l"/>
-                <a:tab pos="7239000" algn="l"/>
-                <a:tab pos="7962900" algn="l"/>
-                <a:tab pos="8686800" algn="l"/>
-              </a:tabLst>
-            </a:pPr>
-            <a:r>
-              <a:rPr lang="hr-HR" sz="2200" dirty="0">
-                <a:latin typeface="Calibri" pitchFamily="34" charset="0"/>
-                <a:ea typeface="WenQuanYi Micro Hei" charset="0"/>
-                <a:cs typeface="Calibri" pitchFamily="34" charset="0"/>
-              </a:rPr>
-              <a:t>moć se javlja kao </a:t>
-            </a:r>
-            <a:r>
-              <a:rPr lang="hr-HR" sz="2200" b="1" dirty="0">
-                <a:solidFill>
-                  <a:srgbClr val="FFC000"/>
-                </a:solidFill>
-                <a:effectLst>
-                  <a:outerShdw blurRad="38100" dist="38100" dir="2700000" algn="tl">
-                    <a:srgbClr val="000000">
-                      <a:alpha val="43137"/>
-                    </a:srgbClr>
-                  </a:outerShdw>
-                </a:effectLst>
-                <a:latin typeface="Calibri" pitchFamily="34" charset="0"/>
-                <a:ea typeface="WenQuanYi Micro Hei" charset="0"/>
-                <a:cs typeface="Calibri" pitchFamily="34" charset="0"/>
-              </a:rPr>
-              <a:t>prinuda</a:t>
-            </a:r>
-            <a:r>
-              <a:rPr lang="hr-HR" sz="2200" dirty="0">
-                <a:latin typeface="Calibri" pitchFamily="34" charset="0"/>
-                <a:ea typeface="WenQuanYi Micro Hei" charset="0"/>
-                <a:cs typeface="Calibri" pitchFamily="34" charset="0"/>
-              </a:rPr>
-              <a:t> ili kao </a:t>
-            </a:r>
-            <a:r>
-              <a:rPr lang="hr-HR" sz="2200" b="1" dirty="0">
-                <a:solidFill>
-                  <a:srgbClr val="FFC000"/>
-                </a:solidFill>
-                <a:effectLst>
-                  <a:outerShdw blurRad="38100" dist="38100" dir="2700000" algn="tl">
-                    <a:srgbClr val="000000">
-                      <a:alpha val="43137"/>
-                    </a:srgbClr>
-                  </a:outerShdw>
-                </a:effectLst>
-                <a:latin typeface="Calibri" pitchFamily="34" charset="0"/>
-                <a:ea typeface="WenQuanYi Micro Hei" charset="0"/>
-                <a:cs typeface="Calibri" pitchFamily="34" charset="0"/>
-              </a:rPr>
-              <a:t>utjecaj</a:t>
-            </a:r>
-            <a:r>
-              <a:rPr lang="hr-HR" sz="2200" dirty="0">
-                <a:latin typeface="Calibri" pitchFamily="34" charset="0"/>
-                <a:ea typeface="WenQuanYi Micro Hei" charset="0"/>
-                <a:cs typeface="Calibri" pitchFamily="34" charset="0"/>
-              </a:rPr>
-              <a:t> – može poprimati i </a:t>
-            </a:r>
-            <a:r>
-              <a:rPr lang="hr-HR" sz="2200" b="1" dirty="0">
-                <a:solidFill>
-                  <a:srgbClr val="FFC000"/>
-                </a:solidFill>
-                <a:latin typeface="Calibri" pitchFamily="34" charset="0"/>
-                <a:ea typeface="WenQuanYi Micro Hei" charset="0"/>
-                <a:cs typeface="Calibri" pitchFamily="34" charset="0"/>
-              </a:rPr>
-              <a:t>pozitivne</a:t>
-            </a:r>
-            <a:r>
-              <a:rPr lang="hr-HR" sz="2200" dirty="0">
-                <a:solidFill>
-                  <a:srgbClr val="FFC000"/>
-                </a:solidFill>
-                <a:latin typeface="Calibri" pitchFamily="34" charset="0"/>
-                <a:ea typeface="WenQuanYi Micro Hei" charset="0"/>
-                <a:cs typeface="Calibri" pitchFamily="34" charset="0"/>
-              </a:rPr>
-              <a:t> </a:t>
-            </a:r>
-            <a:r>
-              <a:rPr lang="hr-HR" sz="2200" dirty="0">
-                <a:latin typeface="Calibri" pitchFamily="34" charset="0"/>
-                <a:ea typeface="WenQuanYi Micro Hei" charset="0"/>
-                <a:cs typeface="Calibri" pitchFamily="34" charset="0"/>
-              </a:rPr>
-              <a:t>i </a:t>
-            </a:r>
-            <a:r>
-              <a:rPr lang="hr-HR" sz="2200" b="1" dirty="0">
-                <a:solidFill>
-                  <a:srgbClr val="FFC000"/>
-                </a:solidFill>
-                <a:latin typeface="Calibri" pitchFamily="34" charset="0"/>
-                <a:ea typeface="WenQuanYi Micro Hei" charset="0"/>
-                <a:cs typeface="Calibri" pitchFamily="34" charset="0"/>
-              </a:rPr>
-              <a:t>negativne</a:t>
-            </a:r>
-            <a:r>
-              <a:rPr lang="hr-HR" sz="2200" dirty="0">
-                <a:solidFill>
-                  <a:srgbClr val="FFC000"/>
-                </a:solidFill>
-                <a:latin typeface="Calibri" pitchFamily="34" charset="0"/>
-                <a:ea typeface="WenQuanYi Micro Hei" charset="0"/>
-                <a:cs typeface="Calibri" pitchFamily="34" charset="0"/>
-              </a:rPr>
-              <a:t> </a:t>
-            </a:r>
-            <a:r>
-              <a:rPr lang="hr-HR" sz="2200" dirty="0">
-                <a:latin typeface="Calibri" pitchFamily="34" charset="0"/>
-                <a:ea typeface="WenQuanYi Micro Hei" charset="0"/>
-                <a:cs typeface="Calibri" pitchFamily="34" charset="0"/>
-              </a:rPr>
-              <a:t>značajke</a:t>
-            </a:r>
-            <a:endParaRPr lang="hr-HR" sz="2200" dirty="0">
-              <a:solidFill>
-                <a:schemeClr val="bg1"/>
-              </a:solidFill>
-              <a:latin typeface="Calibri"/>
-              <a:ea typeface="Calibri"/>
-              <a:cs typeface="Times New Roman"/>
-            </a:endParaRPr>
-          </a:p>
-          <a:p>
-            <a:pPr marL="288000" indent="-288000">
-              <a:lnSpc>
-                <a:spcPct val="100000"/>
-              </a:lnSpc>
-              <a:spcBef>
-                <a:spcPts val="1200"/>
-              </a:spcBef>
-              <a:buClr>
-                <a:schemeClr val="tx1"/>
-              </a:buClr>
-              <a:buFont typeface="Arial" pitchFamily="34" charset="0"/>
-              <a:buChar char="–"/>
-              <a:tabLst>
-                <a:tab pos="723900" algn="l"/>
-                <a:tab pos="1447800" algn="l"/>
-                <a:tab pos="2171700" algn="l"/>
-                <a:tab pos="2895600" algn="l"/>
-                <a:tab pos="3619500" algn="l"/>
-                <a:tab pos="4343400" algn="l"/>
-                <a:tab pos="5067300" algn="l"/>
-                <a:tab pos="5791200" algn="l"/>
-                <a:tab pos="6515100" algn="l"/>
-                <a:tab pos="7239000" algn="l"/>
-                <a:tab pos="7962900" algn="l"/>
-                <a:tab pos="8686800" algn="l"/>
-              </a:tabLst>
-            </a:pPr>
-            <a:r>
-              <a:rPr lang="hr-HR" sz="2200" b="1" dirty="0" smtClean="0">
-                <a:solidFill>
-                  <a:srgbClr val="FFC000"/>
-                </a:solidFill>
-                <a:latin typeface="Calibri" pitchFamily="34" charset="0"/>
-                <a:ea typeface="WenQuanYi Micro Hei" charset="0"/>
-                <a:cs typeface="Calibri" pitchFamily="34" charset="0"/>
-              </a:rPr>
-              <a:t>VLAST </a:t>
-            </a:r>
-            <a:r>
-              <a:rPr lang="hr-HR" sz="2200" dirty="0" smtClean="0">
-                <a:latin typeface="Calibri" pitchFamily="34" charset="0"/>
-                <a:ea typeface="WenQuanYi Micro Hei" charset="0"/>
-                <a:cs typeface="Calibri" pitchFamily="34" charset="0"/>
-              </a:rPr>
-              <a:t>– </a:t>
-            </a:r>
-            <a:r>
-              <a:rPr lang="hr-HR" sz="2200" b="1" dirty="0" smtClean="0">
-                <a:solidFill>
-                  <a:srgbClr val="FFC000"/>
-                </a:solidFill>
-                <a:effectLst>
-                  <a:outerShdw blurRad="38100" dist="38100" dir="2700000" algn="tl">
-                    <a:srgbClr val="000000">
-                      <a:alpha val="43137"/>
-                    </a:srgbClr>
-                  </a:outerShdw>
-                </a:effectLst>
-                <a:latin typeface="Calibri" pitchFamily="34" charset="0"/>
-                <a:ea typeface="WenQuanYi Micro Hei" charset="0"/>
-                <a:cs typeface="Calibri" pitchFamily="34" charset="0"/>
-              </a:rPr>
-              <a:t>sustav </a:t>
-            </a:r>
-            <a:r>
-              <a:rPr lang="hr-HR" sz="2200" dirty="0" smtClean="0">
-                <a:latin typeface="Calibri" pitchFamily="34" charset="0"/>
-                <a:ea typeface="WenQuanYi Micro Hei" charset="0"/>
-                <a:cs typeface="Calibri" pitchFamily="34" charset="0"/>
-              </a:rPr>
-              <a:t>(</a:t>
-            </a:r>
-            <a:r>
-              <a:rPr lang="hr-HR" sz="2200" dirty="0">
-                <a:latin typeface="Calibri" pitchFamily="34" charset="0"/>
-                <a:ea typeface="WenQuanYi Micro Hei" charset="0"/>
-                <a:cs typeface="Calibri" pitchFamily="34" charset="0"/>
-              </a:rPr>
-              <a:t>mehanizam) koji </a:t>
-            </a:r>
-            <a:r>
-              <a:rPr lang="hr-HR" sz="2200" b="1" dirty="0">
-                <a:solidFill>
-                  <a:srgbClr val="FFC000"/>
-                </a:solidFill>
-                <a:effectLst>
-                  <a:outerShdw blurRad="38100" dist="38100" dir="2700000" algn="tl">
-                    <a:srgbClr val="000000">
-                      <a:alpha val="43137"/>
-                    </a:srgbClr>
-                  </a:outerShdw>
-                </a:effectLst>
-                <a:latin typeface="Calibri" pitchFamily="34" charset="0"/>
-                <a:ea typeface="WenQuanYi Micro Hei" charset="0"/>
-                <a:cs typeface="Calibri" pitchFamily="34" charset="0"/>
-              </a:rPr>
-              <a:t>osigurava pokoravanje naredbama </a:t>
-            </a:r>
-            <a:r>
-              <a:rPr lang="hr-HR" sz="2200" dirty="0">
-                <a:latin typeface="Calibri" pitchFamily="34" charset="0"/>
-                <a:ea typeface="WenQuanYi Micro Hei" charset="0"/>
-                <a:cs typeface="Calibri" pitchFamily="34" charset="0"/>
-              </a:rPr>
-              <a:t>što potječu </a:t>
-            </a:r>
-            <a:r>
-              <a:rPr lang="hr-HR" sz="2200" b="1" dirty="0">
-                <a:solidFill>
-                  <a:srgbClr val="FFC000"/>
-                </a:solidFill>
-                <a:effectLst>
-                  <a:outerShdw blurRad="38100" dist="38100" dir="2700000" algn="tl">
-                    <a:srgbClr val="000000">
-                      <a:alpha val="43137"/>
-                    </a:srgbClr>
-                  </a:outerShdw>
-                </a:effectLst>
-                <a:latin typeface="Calibri" pitchFamily="34" charset="0"/>
-                <a:ea typeface="WenQuanYi Micro Hei" charset="0"/>
-                <a:cs typeface="Calibri" pitchFamily="34" charset="0"/>
-              </a:rPr>
-              <a:t>iz</a:t>
-            </a:r>
-            <a:r>
-              <a:rPr lang="hr-HR" sz="2200" dirty="0">
-                <a:latin typeface="Calibri" pitchFamily="34" charset="0"/>
-                <a:ea typeface="WenQuanYi Micro Hei" charset="0"/>
-                <a:cs typeface="Calibri" pitchFamily="34" charset="0"/>
-              </a:rPr>
-              <a:t> </a:t>
-            </a:r>
-            <a:r>
-              <a:rPr lang="hr-HR" sz="2200" b="1" dirty="0">
-                <a:solidFill>
-                  <a:srgbClr val="FFC000"/>
-                </a:solidFill>
-                <a:effectLst>
-                  <a:outerShdw blurRad="38100" dist="38100" dir="2700000" algn="tl">
-                    <a:srgbClr val="000000">
-                      <a:alpha val="43137"/>
-                    </a:srgbClr>
-                  </a:outerShdw>
-                </a:effectLst>
-                <a:latin typeface="Calibri" pitchFamily="34" charset="0"/>
-                <a:ea typeface="WenQuanYi Micro Hei" charset="0"/>
-                <a:cs typeface="Calibri" pitchFamily="34" charset="0"/>
-              </a:rPr>
-              <a:t>određenog </a:t>
-            </a:r>
-            <a:r>
-              <a:rPr lang="hr-HR" sz="2200" b="1" dirty="0" smtClean="0">
-                <a:solidFill>
-                  <a:srgbClr val="FFC000"/>
-                </a:solidFill>
-                <a:effectLst>
-                  <a:outerShdw blurRad="38100" dist="38100" dir="2700000" algn="tl">
-                    <a:srgbClr val="000000">
-                      <a:alpha val="43137"/>
-                    </a:srgbClr>
-                  </a:outerShdw>
-                </a:effectLst>
-                <a:latin typeface="Calibri" pitchFamily="34" charset="0"/>
-                <a:ea typeface="WenQuanYi Micro Hei" charset="0"/>
-                <a:cs typeface="Calibri" pitchFamily="34" charset="0"/>
-              </a:rPr>
-              <a:t>izvora</a:t>
-            </a:r>
-          </a:p>
-          <a:p>
-            <a:pPr marL="1030950" lvl="1" indent="-288000">
-              <a:lnSpc>
-                <a:spcPct val="100000"/>
-              </a:lnSpc>
-              <a:spcBef>
-                <a:spcPts val="1200"/>
-              </a:spcBef>
-              <a:buClr>
-                <a:schemeClr val="tx1"/>
-              </a:buClr>
-              <a:buFont typeface="Arial" pitchFamily="34" charset="0"/>
-              <a:buChar char="–"/>
-              <a:tabLst>
-                <a:tab pos="723900" algn="l"/>
-                <a:tab pos="1447800" algn="l"/>
-                <a:tab pos="2171700" algn="l"/>
-                <a:tab pos="2895600" algn="l"/>
-                <a:tab pos="3619500" algn="l"/>
-                <a:tab pos="4343400" algn="l"/>
-                <a:tab pos="5067300" algn="l"/>
-                <a:tab pos="5791200" algn="l"/>
-                <a:tab pos="6515100" algn="l"/>
-                <a:tab pos="7239000" algn="l"/>
-                <a:tab pos="7962900" algn="l"/>
-                <a:tab pos="8686800" algn="l"/>
-              </a:tabLst>
-            </a:pPr>
-            <a:r>
-              <a:rPr lang="hr-HR" sz="2200" b="1" dirty="0">
-                <a:solidFill>
-                  <a:srgbClr val="FFC000"/>
-                </a:solidFill>
-                <a:effectLst>
-                  <a:outerShdw blurRad="38100" dist="38100" dir="2700000" algn="tl">
-                    <a:srgbClr val="000000">
-                      <a:alpha val="43137"/>
-                    </a:srgbClr>
-                  </a:outerShdw>
-                </a:effectLst>
-                <a:latin typeface="Calibri" pitchFamily="34" charset="0"/>
-                <a:ea typeface="WenQuanYi Micro Hei" charset="0"/>
-                <a:cs typeface="Calibri" pitchFamily="34" charset="0"/>
-              </a:rPr>
-              <a:t>RAZLIKA </a:t>
-            </a:r>
-            <a:r>
-              <a:rPr lang="hr-HR" sz="2200" dirty="0">
-                <a:latin typeface="Calibri" pitchFamily="34" charset="0"/>
-                <a:ea typeface="WenQuanYi Micro Hei" charset="0"/>
-                <a:cs typeface="Calibri" pitchFamily="34" charset="0"/>
-              </a:rPr>
-              <a:t>– vlast pretpostavlja određeni </a:t>
-            </a:r>
-            <a:r>
-              <a:rPr lang="hr-HR" sz="2200" b="1" dirty="0">
-                <a:solidFill>
-                  <a:srgbClr val="FFC000"/>
-                </a:solidFill>
-                <a:effectLst>
-                  <a:outerShdw blurRad="38100" dist="38100" dir="2700000" algn="tl">
-                    <a:srgbClr val="000000">
-                      <a:alpha val="43137"/>
-                    </a:srgbClr>
-                  </a:outerShdw>
-                </a:effectLst>
-                <a:latin typeface="Calibri" pitchFamily="34" charset="0"/>
-                <a:ea typeface="WenQuanYi Micro Hei" charset="0"/>
-                <a:cs typeface="Calibri" pitchFamily="34" charset="0"/>
-              </a:rPr>
-              <a:t>stupanj pokoravanja </a:t>
-            </a:r>
-            <a:r>
-              <a:rPr lang="hr-HR" sz="2200" dirty="0">
-                <a:effectLst>
-                  <a:outerShdw blurRad="38100" dist="38100" dir="2700000" algn="tl">
-                    <a:srgbClr val="000000">
-                      <a:alpha val="43137"/>
-                    </a:srgbClr>
-                  </a:outerShdw>
-                </a:effectLst>
-                <a:latin typeface="Calibri" pitchFamily="34" charset="0"/>
-                <a:ea typeface="WenQuanYi Micro Hei" charset="0"/>
-                <a:cs typeface="Calibri" pitchFamily="34" charset="0"/>
-              </a:rPr>
-              <a:t>i </a:t>
-            </a:r>
-            <a:r>
-              <a:rPr lang="hr-HR" sz="2200" b="1" dirty="0">
-                <a:solidFill>
-                  <a:srgbClr val="FFC000"/>
-                </a:solidFill>
-                <a:effectLst>
-                  <a:outerShdw blurRad="38100" dist="38100" dir="2700000" algn="tl">
-                    <a:srgbClr val="000000">
-                      <a:alpha val="43137"/>
-                    </a:srgbClr>
-                  </a:outerShdw>
-                </a:effectLst>
-                <a:latin typeface="Calibri" pitchFamily="34" charset="0"/>
-                <a:ea typeface="WenQuanYi Micro Hei" charset="0"/>
-                <a:cs typeface="Calibri" pitchFamily="34" charset="0"/>
-              </a:rPr>
-              <a:t>pristanka</a:t>
-            </a:r>
-            <a:r>
-              <a:rPr lang="hr-HR" sz="2200" dirty="0">
-                <a:latin typeface="Calibri" pitchFamily="34" charset="0"/>
-                <a:ea typeface="WenQuanYi Micro Hei" charset="0"/>
-                <a:cs typeface="Calibri" pitchFamily="34" charset="0"/>
-              </a:rPr>
-              <a:t>, dok se moć može zasnivati na pukoj </a:t>
-            </a:r>
-            <a:r>
-              <a:rPr lang="hr-HR" sz="2200" b="1" dirty="0">
-                <a:solidFill>
-                  <a:srgbClr val="FFC000"/>
-                </a:solidFill>
-                <a:effectLst>
-                  <a:outerShdw blurRad="38100" dist="38100" dir="2700000" algn="tl">
-                    <a:srgbClr val="000000">
-                      <a:alpha val="43137"/>
-                    </a:srgbClr>
-                  </a:outerShdw>
-                </a:effectLst>
-                <a:latin typeface="Calibri" pitchFamily="34" charset="0"/>
-                <a:ea typeface="WenQuanYi Micro Hei" charset="0"/>
-                <a:cs typeface="Calibri" pitchFamily="34" charset="0"/>
-              </a:rPr>
-              <a:t>sili</a:t>
-            </a:r>
-          </a:p>
-          <a:p>
-            <a:pPr marL="288000" indent="-288000">
-              <a:lnSpc>
-                <a:spcPct val="100000"/>
-              </a:lnSpc>
-              <a:spcBef>
-                <a:spcPts val="2400"/>
-              </a:spcBef>
-              <a:buClr>
-                <a:schemeClr val="tx1"/>
-              </a:buClr>
-              <a:buFont typeface="Arial" pitchFamily="34" charset="0"/>
-              <a:buChar char="–"/>
-              <a:tabLst>
-                <a:tab pos="723900" algn="l"/>
-                <a:tab pos="1447800" algn="l"/>
-                <a:tab pos="2171700" algn="l"/>
-                <a:tab pos="2895600" algn="l"/>
-                <a:tab pos="3619500" algn="l"/>
-                <a:tab pos="4343400" algn="l"/>
-                <a:tab pos="5067300" algn="l"/>
-                <a:tab pos="5791200" algn="l"/>
-                <a:tab pos="6515100" algn="l"/>
-                <a:tab pos="7239000" algn="l"/>
-                <a:tab pos="7962900" algn="l"/>
-                <a:tab pos="8686800" algn="l"/>
-              </a:tabLst>
-            </a:pPr>
-            <a:r>
-              <a:rPr lang="hr-HR" sz="2200" b="1" dirty="0" smtClean="0">
-                <a:solidFill>
-                  <a:srgbClr val="FFC000"/>
-                </a:solidFill>
-                <a:effectLst>
-                  <a:outerShdw blurRad="38100" dist="38100" dir="2700000" algn="tl">
-                    <a:srgbClr val="000000">
-                      <a:alpha val="43137"/>
-                    </a:srgbClr>
-                  </a:outerShdw>
-                </a:effectLst>
-                <a:latin typeface="Calibri" pitchFamily="34" charset="0"/>
-                <a:ea typeface="WenQuanYi Micro Hei" charset="0"/>
-                <a:cs typeface="Calibri" pitchFamily="34" charset="0"/>
-              </a:rPr>
-              <a:t>LEGITIMNOST</a:t>
-            </a:r>
-            <a:r>
-              <a:rPr lang="hr-HR" sz="2200" dirty="0" smtClean="0">
-                <a:effectLst>
-                  <a:outerShdw blurRad="38100" dist="38100" dir="2700000" algn="tl">
-                    <a:srgbClr val="000000">
-                      <a:alpha val="43137"/>
-                    </a:srgbClr>
-                  </a:outerShdw>
-                </a:effectLst>
-                <a:latin typeface="Calibri" pitchFamily="34" charset="0"/>
-                <a:ea typeface="WenQuanYi Micro Hei" charset="0"/>
-                <a:cs typeface="Calibri" pitchFamily="34" charset="0"/>
-              </a:rPr>
-              <a:t> – </a:t>
-            </a:r>
-            <a:r>
-              <a:rPr lang="hr-HR" sz="2200" dirty="0" smtClean="0">
-                <a:latin typeface="Calibri" pitchFamily="34" charset="0"/>
-                <a:ea typeface="WenQuanYi Micro Hei" charset="0"/>
-                <a:cs typeface="Calibri" pitchFamily="34" charset="0"/>
-              </a:rPr>
-              <a:t>osnova na </a:t>
-            </a:r>
-            <a:r>
-              <a:rPr lang="hr-HR" sz="2200" dirty="0">
-                <a:latin typeface="Calibri" pitchFamily="34" charset="0"/>
-                <a:ea typeface="WenQuanYi Micro Hei" charset="0"/>
-                <a:cs typeface="Calibri" pitchFamily="34" charset="0"/>
-              </a:rPr>
-              <a:t>kojoj vlast </a:t>
-            </a:r>
-            <a:r>
-              <a:rPr lang="hr-HR" sz="2200" b="1" dirty="0">
-                <a:solidFill>
-                  <a:srgbClr val="FFC000"/>
-                </a:solidFill>
-                <a:latin typeface="Calibri" pitchFamily="34" charset="0"/>
-                <a:ea typeface="WenQuanYi Micro Hei" charset="0"/>
-                <a:cs typeface="Calibri" pitchFamily="34" charset="0"/>
-              </a:rPr>
-              <a:t>opravdava svoj zahtjev za </a:t>
-            </a:r>
-            <a:r>
-              <a:rPr lang="hr-HR" sz="2200" b="1" dirty="0" smtClean="0">
-                <a:solidFill>
-                  <a:srgbClr val="FFC000"/>
-                </a:solidFill>
-                <a:latin typeface="Calibri" pitchFamily="34" charset="0"/>
-                <a:ea typeface="WenQuanYi Micro Hei" charset="0"/>
-                <a:cs typeface="Calibri" pitchFamily="34" charset="0"/>
-              </a:rPr>
-              <a:t>poslušnošću</a:t>
-            </a:r>
-          </a:p>
-          <a:p>
-            <a:pPr marL="1030950" lvl="1" indent="-288000">
-              <a:lnSpc>
-                <a:spcPct val="100000"/>
-              </a:lnSpc>
-              <a:spcBef>
-                <a:spcPts val="600"/>
-              </a:spcBef>
-              <a:buClr>
-                <a:schemeClr val="tx1"/>
-              </a:buClr>
-              <a:buFont typeface="Arial" pitchFamily="34" charset="0"/>
-              <a:buChar char="–"/>
-              <a:tabLst>
-                <a:tab pos="723900" algn="l"/>
-                <a:tab pos="1447800" algn="l"/>
-                <a:tab pos="2171700" algn="l"/>
-                <a:tab pos="2895600" algn="l"/>
-                <a:tab pos="3619500" algn="l"/>
-                <a:tab pos="4343400" algn="l"/>
-                <a:tab pos="5067300" algn="l"/>
-                <a:tab pos="5791200" algn="l"/>
-                <a:tab pos="6515100" algn="l"/>
-                <a:tab pos="7239000" algn="l"/>
-                <a:tab pos="7962900" algn="l"/>
-                <a:tab pos="8686800" algn="l"/>
-              </a:tabLst>
-            </a:pPr>
-            <a:r>
-              <a:rPr lang="hr-HR" sz="2200" dirty="0" smtClean="0">
-                <a:latin typeface="Calibri" pitchFamily="34" charset="0"/>
-                <a:ea typeface="WenQuanYi Micro Hei" charset="0"/>
-                <a:cs typeface="Calibri" pitchFamily="34" charset="0"/>
-              </a:rPr>
-              <a:t>legitimnost </a:t>
-            </a:r>
-            <a:r>
-              <a:rPr lang="hr-HR" sz="2200" dirty="0">
-                <a:latin typeface="Calibri" pitchFamily="34" charset="0"/>
-                <a:ea typeface="WenQuanYi Micro Hei" charset="0"/>
-                <a:cs typeface="Calibri" pitchFamily="34" charset="0"/>
-              </a:rPr>
-              <a:t>(u demokratskim sustavima) se postiže na izborima, </a:t>
-            </a:r>
-            <a:r>
-              <a:rPr lang="hr-HR" sz="2200" b="1" dirty="0">
-                <a:solidFill>
-                  <a:srgbClr val="FFC000"/>
-                </a:solidFill>
-                <a:effectLst>
-                  <a:outerShdw blurRad="38100" dist="38100" dir="2700000" algn="tl">
-                    <a:srgbClr val="000000">
-                      <a:alpha val="43137"/>
-                    </a:srgbClr>
-                  </a:outerShdw>
-                </a:effectLst>
-                <a:latin typeface="Calibri" pitchFamily="34" charset="0"/>
-                <a:ea typeface="WenQuanYi Micro Hei" charset="0"/>
-                <a:cs typeface="Calibri" pitchFamily="34" charset="0"/>
-              </a:rPr>
-              <a:t>pristajanjem većine ljudi </a:t>
-            </a:r>
-            <a:r>
-              <a:rPr lang="hr-HR" sz="2200" dirty="0">
-                <a:latin typeface="Calibri" pitchFamily="34" charset="0"/>
-                <a:ea typeface="WenQuanYi Micro Hei" charset="0"/>
-                <a:cs typeface="Calibri" pitchFamily="34" charset="0"/>
-              </a:rPr>
-              <a:t>(</a:t>
-            </a:r>
-            <a:r>
-              <a:rPr lang="hr-HR" sz="2200" dirty="0" smtClean="0">
-                <a:latin typeface="Calibri" pitchFamily="34" charset="0"/>
-                <a:ea typeface="WenQuanYi Micro Hei" charset="0"/>
-                <a:cs typeface="Calibri" pitchFamily="34" charset="0"/>
-              </a:rPr>
-              <a:t>glasača)</a:t>
-            </a:r>
-          </a:p>
-          <a:p>
-            <a:pPr marL="288000" indent="-288000">
-              <a:lnSpc>
-                <a:spcPct val="100000"/>
-              </a:lnSpc>
-              <a:spcBef>
-                <a:spcPts val="1200"/>
-              </a:spcBef>
-              <a:buClr>
-                <a:schemeClr val="tx1"/>
-              </a:buClr>
-              <a:buFont typeface="Arial" pitchFamily="34" charset="0"/>
-              <a:buChar char="–"/>
-              <a:tabLst>
-                <a:tab pos="723900" algn="l"/>
-                <a:tab pos="1447800" algn="l"/>
-                <a:tab pos="2171700" algn="l"/>
-                <a:tab pos="2895600" algn="l"/>
-                <a:tab pos="3619500" algn="l"/>
-                <a:tab pos="4343400" algn="l"/>
-                <a:tab pos="5067300" algn="l"/>
-                <a:tab pos="5791200" algn="l"/>
-                <a:tab pos="6515100" algn="l"/>
-                <a:tab pos="7239000" algn="l"/>
-                <a:tab pos="7962900" algn="l"/>
-                <a:tab pos="8686800" algn="l"/>
-              </a:tabLst>
-            </a:pPr>
-            <a:r>
-              <a:rPr lang="hr-HR" sz="2200" b="1" dirty="0" smtClean="0">
-                <a:solidFill>
-                  <a:srgbClr val="FFC000"/>
-                </a:solidFill>
-                <a:effectLst>
-                  <a:outerShdw blurRad="38100" dist="38100" dir="2700000" algn="tl">
-                    <a:srgbClr val="000000">
-                      <a:alpha val="43137"/>
-                    </a:srgbClr>
-                  </a:outerShdw>
-                </a:effectLst>
-                <a:latin typeface="Calibri" pitchFamily="34" charset="0"/>
-                <a:ea typeface="WenQuanYi Micro Hei" charset="0"/>
-                <a:cs typeface="Calibri" pitchFamily="34" charset="0"/>
-              </a:rPr>
-              <a:t>LEGALNOST</a:t>
-            </a:r>
-            <a:r>
-              <a:rPr lang="hr-HR" sz="2200" dirty="0" smtClean="0">
-                <a:latin typeface="Calibri" pitchFamily="34" charset="0"/>
-                <a:ea typeface="WenQuanYi Micro Hei" charset="0"/>
-                <a:cs typeface="Calibri" pitchFamily="34" charset="0"/>
-              </a:rPr>
-              <a:t> </a:t>
-            </a:r>
-            <a:r>
-              <a:rPr lang="hr-HR" sz="2200" dirty="0">
-                <a:latin typeface="Calibri" pitchFamily="34" charset="0"/>
-                <a:ea typeface="WenQuanYi Micro Hei" charset="0"/>
-                <a:cs typeface="Calibri" pitchFamily="34" charset="0"/>
-              </a:rPr>
-              <a:t>– znači da se </a:t>
-            </a:r>
-            <a:r>
-              <a:rPr lang="hr-HR" sz="2200" b="1" dirty="0">
-                <a:solidFill>
-                  <a:srgbClr val="FFC000"/>
-                </a:solidFill>
-                <a:latin typeface="Calibri" pitchFamily="34" charset="0"/>
-                <a:ea typeface="WenQuanYi Micro Hei" charset="0"/>
-                <a:cs typeface="Calibri" pitchFamily="34" charset="0"/>
-              </a:rPr>
-              <a:t>vlast</a:t>
-            </a:r>
-            <a:r>
-              <a:rPr lang="hr-HR" sz="2200" dirty="0">
-                <a:solidFill>
-                  <a:srgbClr val="FFC000"/>
-                </a:solidFill>
-                <a:latin typeface="Calibri" pitchFamily="34" charset="0"/>
-                <a:ea typeface="WenQuanYi Micro Hei" charset="0"/>
-                <a:cs typeface="Calibri" pitchFamily="34" charset="0"/>
-              </a:rPr>
-              <a:t> </a:t>
-            </a:r>
-            <a:r>
-              <a:rPr lang="hr-HR" sz="2200" b="1" dirty="0">
-                <a:solidFill>
-                  <a:srgbClr val="FFC000"/>
-                </a:solidFill>
-                <a:latin typeface="Calibri" pitchFamily="34" charset="0"/>
-                <a:ea typeface="WenQuanYi Micro Hei" charset="0"/>
-                <a:cs typeface="Calibri" pitchFamily="34" charset="0"/>
-              </a:rPr>
-              <a:t>obnaša</a:t>
-            </a:r>
-            <a:r>
-              <a:rPr lang="hr-HR" sz="2200" dirty="0">
-                <a:solidFill>
-                  <a:srgbClr val="FFC000"/>
-                </a:solidFill>
-                <a:latin typeface="Calibri" pitchFamily="34" charset="0"/>
-                <a:ea typeface="WenQuanYi Micro Hei" charset="0"/>
-                <a:cs typeface="Calibri" pitchFamily="34" charset="0"/>
-              </a:rPr>
-              <a:t> </a:t>
-            </a:r>
-            <a:r>
-              <a:rPr lang="hr-HR" sz="2200" b="1" dirty="0">
-                <a:solidFill>
-                  <a:srgbClr val="FFC000"/>
-                </a:solidFill>
-                <a:latin typeface="Calibri" pitchFamily="34" charset="0"/>
-                <a:ea typeface="WenQuanYi Micro Hei" charset="0"/>
-                <a:cs typeface="Calibri" pitchFamily="34" charset="0"/>
-              </a:rPr>
-              <a:t>prema zakonima</a:t>
-            </a:r>
-            <a:r>
-              <a:rPr lang="hr-HR" sz="2200" dirty="0">
-                <a:solidFill>
-                  <a:srgbClr val="FFC000"/>
-                </a:solidFill>
-                <a:latin typeface="Calibri" pitchFamily="34" charset="0"/>
-                <a:ea typeface="WenQuanYi Micro Hei" charset="0"/>
-                <a:cs typeface="Calibri" pitchFamily="34" charset="0"/>
-              </a:rPr>
-              <a:t> </a:t>
-            </a:r>
-            <a:r>
-              <a:rPr lang="hr-HR" sz="2200" i="1" dirty="0">
-                <a:latin typeface="Calibri" pitchFamily="34" charset="0"/>
-                <a:ea typeface="WenQuanYi Micro Hei" charset="0"/>
-                <a:cs typeface="Calibri" pitchFamily="34" charset="0"/>
-              </a:rPr>
-              <a:t>(poštivanje zakona prilikom vođenja državnih poslova</a:t>
-            </a:r>
-            <a:r>
-              <a:rPr lang="hr-HR" sz="2200" i="1" dirty="0" smtClean="0">
-                <a:latin typeface="Calibri" pitchFamily="34" charset="0"/>
-                <a:ea typeface="WenQuanYi Micro Hei" charset="0"/>
-                <a:cs typeface="Calibri" pitchFamily="34" charset="0"/>
-              </a:rPr>
-              <a:t>)</a:t>
-            </a:r>
-            <a:endParaRPr lang="hr-HR" sz="2200" dirty="0">
-              <a:latin typeface="Calibri" pitchFamily="34" charset="0"/>
-              <a:ea typeface="WenQuanYi Micro Hei" charset="0"/>
-              <a:cs typeface="Calibri" pitchFamily="34" charset="0"/>
-            </a:endParaRPr>
-          </a:p>
-        </p:txBody>
-      </p:sp>
-    </p:spTree>
-    <p:extLst>
-      <p:ext uri="{BB962C8B-B14F-4D97-AF65-F5344CB8AC3E}">
-        <p14:creationId xmlns:p14="http://schemas.microsoft.com/office/powerpoint/2010/main" val="2249862967"/>
-      </p:ext>
-    </p:extLst>
-  </p:cSld>
-  <p:clrMapOvr>
-    <a:masterClrMapping/>
-  </p:clrMapOvr>
-  <mc:AlternateContent xmlns:mc="http://schemas.openxmlformats.org/markup-compatibility/2006" xmlns:p14="http://schemas.microsoft.com/office/powerpoint/2010/main">
-    <mc:Choice Requires="p14">
-      <p:transition p14:dur="250">
-        <p:fade thruBlk="1"/>
-      </p:transition>
-    </mc:Choice>
-    <mc:Fallback xmlns="">
-      <p:transition>
-        <p:fade thruBlk="1"/>
-      </p:transition>
-    </mc:Fallback>
-  </mc:AlternateContent>
-  <p:timing>
-    <p:tnLst>
-      <p:par>
-        <p:cTn id="1" dur="indefinite" restart="never" nodeType="tmRoot"/>
-      </p:par>
-    </p:tnLst>
   </p:timing>
 </p:sld>
 </file>
@@ -15425,14 +15128,14 @@
               <a:buChar char="–"/>
             </a:pPr>
             <a:r>
-              <a:rPr lang="pl-PL" sz="2400" smtClean="0">
+              <a:rPr lang="pl-PL" sz="2400" dirty="0" smtClean="0">
                 <a:latin typeface="Calibri" pitchFamily="34" charset="0"/>
                 <a:cs typeface="Calibri" pitchFamily="34" charset="0"/>
               </a:rPr>
               <a:t>temelji se na </a:t>
             </a:r>
             <a:r>
-              <a:rPr lang="pl-PL" sz="2400" b="1" smtClean="0">
+              <a:rPr lang="pl-PL" sz="2400" b="1" dirty="0" smtClean="0">
                 <a:solidFill>
                   <a:srgbClr val="FFC000"/>
                 </a:solidFill>
@@ -15461,7 +15164,7 @@
               <a:buChar char="–"/>
             </a:pPr>
             <a:r>
-              <a:rPr lang="pl-PL" sz="2400" b="1" smtClean="0">
+              <a:rPr lang="pl-PL" sz="2400" b="1" dirty="0" smtClean="0">
                 <a:solidFill>
                   <a:srgbClr val="FFC000"/>
                 </a:solidFill>
@@ -15490,7 +15193,7 @@
               <a:buChar char="–"/>
             </a:pPr>
             <a:r>
-              <a:rPr lang="pl-PL" sz="2400" b="1" smtClean="0">
+              <a:rPr lang="pl-PL" sz="2400" b="1" dirty="0" smtClean="0">
                 <a:solidFill>
                   <a:srgbClr val="FFC000"/>
                 </a:solidFill>
@@ -15507,14 +15210,14 @@
               <a:t>poslušnost</a:t>
             </a:r>
             <a:r>
-              <a:rPr lang="pl-PL" sz="2400" smtClean="0">
+              <a:rPr lang="pl-PL" sz="2400" dirty="0" smtClean="0">
                 <a:latin typeface="Calibri" pitchFamily="34" charset="0"/>
                 <a:cs typeface="Calibri" pitchFamily="34" charset="0"/>
               </a:rPr>
               <a:t> </a:t>
             </a:r>
             <a:r>
-              <a:rPr lang="pl-PL" sz="2400" b="1" smtClean="0">
+              <a:rPr lang="pl-PL" sz="2400" b="1" dirty="0" smtClean="0">
                 <a:solidFill>
                   <a:srgbClr val="FFC000"/>
                 </a:solidFill>
@@ -15531,14 +15234,14 @@
               <a:t>zakonu</a:t>
             </a:r>
             <a:r>
-              <a:rPr lang="pl-PL" sz="2400" smtClean="0">
+              <a:rPr lang="pl-PL" sz="2400" dirty="0" smtClean="0">
                 <a:latin typeface="Calibri" pitchFamily="34" charset="0"/>
                 <a:cs typeface="Calibri" pitchFamily="34" charset="0"/>
               </a:rPr>
               <a:t> a ne osobi </a:t>
             </a:r>
             <a:r>
-              <a:rPr lang="pl-PL" sz="2400" i="1" smtClean="0">
+              <a:rPr lang="pl-PL" sz="2400" i="1" dirty="0" smtClean="0">
                 <a:latin typeface="Calibri" pitchFamily="34" charset="0"/>
                 <a:cs typeface="Calibri" pitchFamily="34" charset="0"/>
               </a:rPr>
@@ -18021,13 +17724,13 @@
   <p:clrMapOvr>
     <a:masterClrMapping/>
   </p:clrMapOvr>
-  <mc:AlternateContent xmlns:mc="http://schemas.openxmlformats.org/markup-compatibility/2006">
-    <mc:Choice xmlns:p14="http://schemas.microsoft.com/office/powerpoint/2010/main" Requires="p14">
+  <mc:AlternateContent xmlns:mc="http://schemas.openxmlformats.org/markup-compatibility/2006" xmlns:p14="http://schemas.microsoft.com/office/powerpoint/2010/main">
+    <mc:Choice Requires="p14">
       <p:transition p14:dur="250">
         <p:fade thruBlk="1"/>
       </p:transition>
     </mc:Choice>
-    <mc:Fallback>
+    <mc:Fallback xmlns="">
       <p:transition>
         <p:fade thruBlk="1"/>
       </p:transition>
@@ -19943,6 +19646,1988 @@
 </file>
 
 <file path=ppt/slides/slide21.xml><?xml version="1.0" encoding="utf-8"?>
+<p:sld xmlns:a="http://schemas.openxmlformats.org/drawingml/2006/main" xmlns:r="http://schemas.openxmlformats.org/officeDocument/2006/relationships" xmlns:p="http://schemas.openxmlformats.org/presentationml/2006/main" show="0">
+  <p:cSld>
+    <p:spTree>
+      <p:nvGrpSpPr>
+        <p:cNvPr id="1" name=""/>
+        <p:cNvGrpSpPr/>
+        <p:nvPr/>
+      </p:nvGrpSpPr>
+      <p:grpSpPr>
+        <a:xfrm>
+          <a:off x="0" y="0"/>
+          <a:ext cx="0" cy="0"/>
+          <a:chOff x="0" y="0"/>
+          <a:chExt cx="0" cy="0"/>
+        </a:xfrm>
+      </p:grpSpPr>
+      <p:sp>
+        <p:nvSpPr>
+          <p:cNvPr id="24577" name="Rectangle 1"/>
+          <p:cNvSpPr>
+            <a:spLocks noChangeArrowheads="1"/>
+          </p:cNvSpPr>
+          <p:nvPr/>
+        </p:nvSpPr>
+        <p:spPr bwMode="auto">
+          <a:xfrm>
+            <a:off x="467544" y="71414"/>
+            <a:ext cx="8280920" cy="654048"/>
+          </a:xfrm>
+          <a:prstGeom prst="rect">
+            <a:avLst/>
+          </a:prstGeom>
+          <a:noFill/>
+          <a:ln w="9525">
+            <a:noFill/>
+            <a:round/>
+            <a:headEnd/>
+            <a:tailEnd/>
+          </a:ln>
+          <a:effectLst/>
+        </p:spPr>
+        <p:txBody>
+          <a:bodyPr lIns="90000" tIns="45000" rIns="90000" bIns="45000" anchor="ctr"/>
+          <a:lstStyle/>
+          <a:p>
+            <a:pPr>
+              <a:lnSpc>
+                <a:spcPct val="100000"/>
+              </a:lnSpc>
+              <a:tabLst>
+                <a:tab pos="723900" algn="l"/>
+                <a:tab pos="1447800" algn="l"/>
+                <a:tab pos="2171700" algn="l"/>
+                <a:tab pos="2895600" algn="l"/>
+                <a:tab pos="3619500" algn="l"/>
+                <a:tab pos="4343400" algn="l"/>
+                <a:tab pos="5067300" algn="l"/>
+                <a:tab pos="5791200" algn="l"/>
+                <a:tab pos="6515100" algn="l"/>
+                <a:tab pos="7239000" algn="l"/>
+                <a:tab pos="7962900" algn="l"/>
+                <a:tab pos="8686800" algn="l"/>
+              </a:tabLst>
+            </a:pPr>
+            <a:r>
+              <a:rPr lang="hr-HR" sz="3200" b="1" dirty="0" smtClean="0">
+                <a:solidFill>
+                  <a:srgbClr val="FFC000"/>
+                </a:solidFill>
+                <a:effectLst>
+                  <a:outerShdw blurRad="38100" dist="38100" dir="2700000" algn="tl">
+                    <a:srgbClr val="000000">
+                      <a:alpha val="43137"/>
+                    </a:srgbClr>
+                  </a:outerShdw>
+                </a:effectLst>
+                <a:latin typeface="Calibri" pitchFamily="34" charset="0"/>
+                <a:ea typeface="WenQuanYi Micro Hei" charset="0"/>
+                <a:cs typeface="Calibri" pitchFamily="34" charset="0"/>
+              </a:rPr>
+              <a:t>MOĆ I VLAST</a:t>
+            </a:r>
+            <a:r>
+              <a:rPr lang="hr-HR" sz="2800" b="1" dirty="0" smtClean="0">
+                <a:solidFill>
+                  <a:srgbClr val="FFC000"/>
+                </a:solidFill>
+                <a:effectLst>
+                  <a:outerShdw blurRad="38100" dist="38100" dir="2700000" algn="tl">
+                    <a:srgbClr val="000000">
+                      <a:alpha val="43137"/>
+                    </a:srgbClr>
+                  </a:outerShdw>
+                </a:effectLst>
+                <a:latin typeface="Calibri" pitchFamily="34" charset="0"/>
+                <a:ea typeface="WenQuanYi Micro Hei" charset="0"/>
+                <a:cs typeface="Calibri" pitchFamily="34" charset="0"/>
+              </a:rPr>
+              <a:t>						 </a:t>
+            </a:r>
+            <a:r>
+              <a:rPr lang="hr-HR" sz="2400" i="1" dirty="0" smtClean="0">
+                <a:solidFill>
+                  <a:srgbClr val="FFC000"/>
+                </a:solidFill>
+                <a:effectLst>
+                  <a:outerShdw blurRad="38100" dist="38100" dir="2700000" algn="tl">
+                    <a:srgbClr val="000000">
+                      <a:alpha val="43137"/>
+                    </a:srgbClr>
+                  </a:outerShdw>
+                </a:effectLst>
+                <a:latin typeface="Calibri" pitchFamily="34" charset="0"/>
+                <a:ea typeface="WenQuanYi Micro Hei" charset="0"/>
+                <a:cs typeface="Calibri" pitchFamily="34" charset="0"/>
+              </a:rPr>
+              <a:t>(plan ploče)</a:t>
+            </a:r>
+            <a:endParaRPr lang="hr-HR" sz="2800" i="1" dirty="0">
+              <a:solidFill>
+                <a:srgbClr val="FFC000"/>
+              </a:solidFill>
+              <a:effectLst>
+                <a:outerShdw blurRad="38100" dist="38100" dir="2700000" algn="tl">
+                  <a:srgbClr val="000000">
+                    <a:alpha val="43137"/>
+                  </a:srgbClr>
+                </a:outerShdw>
+              </a:effectLst>
+              <a:latin typeface="Calibri" pitchFamily="34" charset="0"/>
+              <a:ea typeface="WenQuanYi Micro Hei" charset="0"/>
+              <a:cs typeface="Calibri" pitchFamily="34" charset="0"/>
+            </a:endParaRPr>
+          </a:p>
+        </p:txBody>
+      </p:sp>
+      <p:sp>
+        <p:nvSpPr>
+          <p:cNvPr id="24578" name="Rectangle 2"/>
+          <p:cNvSpPr>
+            <a:spLocks noChangeArrowheads="1"/>
+          </p:cNvSpPr>
+          <p:nvPr/>
+        </p:nvSpPr>
+        <p:spPr bwMode="auto">
+          <a:xfrm>
+            <a:off x="-5340" y="764704"/>
+            <a:ext cx="9149339" cy="5715040"/>
+          </a:xfrm>
+          <a:prstGeom prst="rect">
+            <a:avLst/>
+          </a:prstGeom>
+          <a:noFill/>
+          <a:ln w="9525">
+            <a:noFill/>
+            <a:round/>
+            <a:headEnd/>
+            <a:tailEnd/>
+          </a:ln>
+          <a:effectLst/>
+        </p:spPr>
+        <p:txBody>
+          <a:bodyPr lIns="90000" tIns="45000" rIns="90000" bIns="45000"/>
+          <a:lstStyle/>
+          <a:p>
+            <a:pPr marL="288000" indent="-288000">
+              <a:lnSpc>
+                <a:spcPct val="100000"/>
+              </a:lnSpc>
+              <a:spcBef>
+                <a:spcPts val="1200"/>
+              </a:spcBef>
+              <a:buClr>
+                <a:schemeClr val="tx1"/>
+              </a:buClr>
+              <a:buFont typeface="Arial" pitchFamily="34" charset="0"/>
+              <a:buChar char="–"/>
+              <a:tabLst>
+                <a:tab pos="723900" algn="l"/>
+                <a:tab pos="1447800" algn="l"/>
+                <a:tab pos="2171700" algn="l"/>
+                <a:tab pos="2895600" algn="l"/>
+                <a:tab pos="3619500" algn="l"/>
+                <a:tab pos="4343400" algn="l"/>
+                <a:tab pos="5067300" algn="l"/>
+                <a:tab pos="5791200" algn="l"/>
+                <a:tab pos="6515100" algn="l"/>
+                <a:tab pos="7239000" algn="l"/>
+                <a:tab pos="7962900" algn="l"/>
+                <a:tab pos="8686800" algn="l"/>
+              </a:tabLst>
+            </a:pPr>
+            <a:r>
+              <a:rPr lang="hr-HR" sz="2200" b="1" dirty="0" smtClean="0">
+                <a:solidFill>
+                  <a:srgbClr val="FFC000"/>
+                </a:solidFill>
+                <a:latin typeface="Calibri" pitchFamily="34" charset="0"/>
+                <a:ea typeface="WenQuanYi Micro Hei" charset="0"/>
+                <a:cs typeface="Calibri" pitchFamily="34" charset="0"/>
+              </a:rPr>
+              <a:t>MOĆ</a:t>
+            </a:r>
+            <a:r>
+              <a:rPr lang="vi-VN" sz="2200" b="1" dirty="0" smtClean="0">
+                <a:solidFill>
+                  <a:srgbClr val="FFC000"/>
+                </a:solidFill>
+                <a:latin typeface="Calibri" pitchFamily="34" charset="0"/>
+                <a:ea typeface="WenQuanYi Micro Hei" charset="0"/>
+                <a:cs typeface="Calibri" pitchFamily="34" charset="0"/>
+              </a:rPr>
+              <a:t> </a:t>
+            </a:r>
+            <a:r>
+              <a:rPr lang="hr-HR" sz="2200" dirty="0" smtClean="0">
+                <a:latin typeface="Calibri" pitchFamily="34" charset="0"/>
+                <a:ea typeface="WenQuanYi Micro Hei" charset="0"/>
+                <a:cs typeface="Calibri" pitchFamily="34" charset="0"/>
+              </a:rPr>
+              <a:t>– vjerojatnost </a:t>
+            </a:r>
+            <a:r>
+              <a:rPr lang="hr-HR" sz="2200" dirty="0">
+                <a:latin typeface="Calibri" pitchFamily="34" charset="0"/>
+                <a:ea typeface="WenQuanYi Micro Hei" charset="0"/>
+                <a:cs typeface="Calibri" pitchFamily="34" charset="0"/>
+              </a:rPr>
+              <a:t>da će pojedinac ili grupa uspjeti </a:t>
+            </a:r>
+            <a:r>
+              <a:rPr lang="hr-HR" sz="2200" b="1" dirty="0">
+                <a:solidFill>
+                  <a:srgbClr val="FFC000"/>
+                </a:solidFill>
+                <a:effectLst>
+                  <a:outerShdw blurRad="38100" dist="38100" dir="2700000" algn="tl">
+                    <a:srgbClr val="000000">
+                      <a:alpha val="43137"/>
+                    </a:srgbClr>
+                  </a:outerShdw>
+                </a:effectLst>
+                <a:latin typeface="Calibri" pitchFamily="34" charset="0"/>
+                <a:ea typeface="WenQuanYi Micro Hei" charset="0"/>
+                <a:cs typeface="Calibri" pitchFamily="34" charset="0"/>
+              </a:rPr>
+              <a:t>nametnuti</a:t>
+            </a:r>
+            <a:r>
+              <a:rPr lang="hr-HR" sz="2200" dirty="0">
+                <a:latin typeface="Calibri" pitchFamily="34" charset="0"/>
+                <a:ea typeface="WenQuanYi Micro Hei" charset="0"/>
+                <a:cs typeface="Calibri" pitchFamily="34" charset="0"/>
+              </a:rPr>
+              <a:t> i </a:t>
+            </a:r>
+            <a:r>
+              <a:rPr lang="hr-HR" sz="2200" b="1" dirty="0">
+                <a:solidFill>
+                  <a:srgbClr val="FFC000"/>
+                </a:solidFill>
+                <a:effectLst>
+                  <a:outerShdw blurRad="38100" dist="38100" dir="2700000" algn="tl">
+                    <a:srgbClr val="000000">
+                      <a:alpha val="43137"/>
+                    </a:srgbClr>
+                  </a:outerShdw>
+                </a:effectLst>
+                <a:latin typeface="Calibri" pitchFamily="34" charset="0"/>
+                <a:ea typeface="WenQuanYi Micro Hei" charset="0"/>
+                <a:cs typeface="Calibri" pitchFamily="34" charset="0"/>
+              </a:rPr>
+              <a:t>provesti svoju volju</a:t>
+            </a:r>
+            <a:r>
+              <a:rPr lang="hr-HR" sz="2200" dirty="0">
+                <a:latin typeface="Calibri" pitchFamily="34" charset="0"/>
+                <a:ea typeface="WenQuanYi Micro Hei" charset="0"/>
+                <a:cs typeface="Calibri" pitchFamily="34" charset="0"/>
+              </a:rPr>
+              <a:t>, </a:t>
+            </a:r>
+            <a:r>
+              <a:rPr lang="hr-HR" sz="2200" b="1" dirty="0">
+                <a:solidFill>
+                  <a:srgbClr val="FFC000"/>
+                </a:solidFill>
+                <a:latin typeface="Calibri" pitchFamily="34" charset="0"/>
+                <a:ea typeface="WenQuanYi Micro Hei" charset="0"/>
+                <a:cs typeface="Calibri" pitchFamily="34" charset="0"/>
+              </a:rPr>
+              <a:t>čak i usprkos otporu </a:t>
+            </a:r>
+            <a:r>
+              <a:rPr lang="hr-HR" sz="2200" b="1" dirty="0" smtClean="0">
+                <a:solidFill>
+                  <a:srgbClr val="FFC000"/>
+                </a:solidFill>
+                <a:latin typeface="Calibri" pitchFamily="34" charset="0"/>
+                <a:ea typeface="WenQuanYi Micro Hei" charset="0"/>
+                <a:cs typeface="Calibri" pitchFamily="34" charset="0"/>
+              </a:rPr>
+              <a:t>drugih</a:t>
+            </a:r>
+          </a:p>
+          <a:p>
+            <a:pPr marL="1030950" lvl="1" indent="-288000">
+              <a:lnSpc>
+                <a:spcPct val="100000"/>
+              </a:lnSpc>
+              <a:spcBef>
+                <a:spcPts val="1200"/>
+              </a:spcBef>
+              <a:buClr>
+                <a:schemeClr val="tx1"/>
+              </a:buClr>
+              <a:buFont typeface="Arial" pitchFamily="34" charset="0"/>
+              <a:buChar char="–"/>
+              <a:tabLst>
+                <a:tab pos="723900" algn="l"/>
+                <a:tab pos="1447800" algn="l"/>
+                <a:tab pos="2171700" algn="l"/>
+                <a:tab pos="2895600" algn="l"/>
+                <a:tab pos="3619500" algn="l"/>
+                <a:tab pos="4343400" algn="l"/>
+                <a:tab pos="5067300" algn="l"/>
+                <a:tab pos="5791200" algn="l"/>
+                <a:tab pos="6515100" algn="l"/>
+                <a:tab pos="7239000" algn="l"/>
+                <a:tab pos="7962900" algn="l"/>
+                <a:tab pos="8686800" algn="l"/>
+              </a:tabLst>
+            </a:pPr>
+            <a:r>
+              <a:rPr lang="hr-HR" sz="2200" dirty="0">
+                <a:latin typeface="Calibri" pitchFamily="34" charset="0"/>
+                <a:ea typeface="WenQuanYi Micro Hei" charset="0"/>
+                <a:cs typeface="Calibri" pitchFamily="34" charset="0"/>
+              </a:rPr>
+              <a:t>moć se javlja kao </a:t>
+            </a:r>
+            <a:r>
+              <a:rPr lang="hr-HR" sz="2200" b="1" dirty="0">
+                <a:solidFill>
+                  <a:srgbClr val="FFC000"/>
+                </a:solidFill>
+                <a:effectLst>
+                  <a:outerShdw blurRad="38100" dist="38100" dir="2700000" algn="tl">
+                    <a:srgbClr val="000000">
+                      <a:alpha val="43137"/>
+                    </a:srgbClr>
+                  </a:outerShdw>
+                </a:effectLst>
+                <a:latin typeface="Calibri" pitchFamily="34" charset="0"/>
+                <a:ea typeface="WenQuanYi Micro Hei" charset="0"/>
+                <a:cs typeface="Calibri" pitchFamily="34" charset="0"/>
+              </a:rPr>
+              <a:t>prinuda</a:t>
+            </a:r>
+            <a:r>
+              <a:rPr lang="hr-HR" sz="2200" dirty="0">
+                <a:latin typeface="Calibri" pitchFamily="34" charset="0"/>
+                <a:ea typeface="WenQuanYi Micro Hei" charset="0"/>
+                <a:cs typeface="Calibri" pitchFamily="34" charset="0"/>
+              </a:rPr>
+              <a:t> ili kao </a:t>
+            </a:r>
+            <a:r>
+              <a:rPr lang="hr-HR" sz="2200" b="1" dirty="0">
+                <a:solidFill>
+                  <a:srgbClr val="FFC000"/>
+                </a:solidFill>
+                <a:effectLst>
+                  <a:outerShdw blurRad="38100" dist="38100" dir="2700000" algn="tl">
+                    <a:srgbClr val="000000">
+                      <a:alpha val="43137"/>
+                    </a:srgbClr>
+                  </a:outerShdw>
+                </a:effectLst>
+                <a:latin typeface="Calibri" pitchFamily="34" charset="0"/>
+                <a:ea typeface="WenQuanYi Micro Hei" charset="0"/>
+                <a:cs typeface="Calibri" pitchFamily="34" charset="0"/>
+              </a:rPr>
+              <a:t>utjecaj</a:t>
+            </a:r>
+            <a:r>
+              <a:rPr lang="hr-HR" sz="2200" dirty="0">
+                <a:latin typeface="Calibri" pitchFamily="34" charset="0"/>
+                <a:ea typeface="WenQuanYi Micro Hei" charset="0"/>
+                <a:cs typeface="Calibri" pitchFamily="34" charset="0"/>
+              </a:rPr>
+              <a:t> – može poprimati i </a:t>
+            </a:r>
+            <a:r>
+              <a:rPr lang="hr-HR" sz="2200" b="1" dirty="0">
+                <a:solidFill>
+                  <a:srgbClr val="FFC000"/>
+                </a:solidFill>
+                <a:latin typeface="Calibri" pitchFamily="34" charset="0"/>
+                <a:ea typeface="WenQuanYi Micro Hei" charset="0"/>
+                <a:cs typeface="Calibri" pitchFamily="34" charset="0"/>
+              </a:rPr>
+              <a:t>pozitivne</a:t>
+            </a:r>
+            <a:r>
+              <a:rPr lang="hr-HR" sz="2200" dirty="0">
+                <a:solidFill>
+                  <a:srgbClr val="FFC000"/>
+                </a:solidFill>
+                <a:latin typeface="Calibri" pitchFamily="34" charset="0"/>
+                <a:ea typeface="WenQuanYi Micro Hei" charset="0"/>
+                <a:cs typeface="Calibri" pitchFamily="34" charset="0"/>
+              </a:rPr>
+              <a:t> </a:t>
+            </a:r>
+            <a:r>
+              <a:rPr lang="hr-HR" sz="2200" dirty="0">
+                <a:latin typeface="Calibri" pitchFamily="34" charset="0"/>
+                <a:ea typeface="WenQuanYi Micro Hei" charset="0"/>
+                <a:cs typeface="Calibri" pitchFamily="34" charset="0"/>
+              </a:rPr>
+              <a:t>i </a:t>
+            </a:r>
+            <a:r>
+              <a:rPr lang="hr-HR" sz="2200" b="1" dirty="0">
+                <a:solidFill>
+                  <a:srgbClr val="FFC000"/>
+                </a:solidFill>
+                <a:latin typeface="Calibri" pitchFamily="34" charset="0"/>
+                <a:ea typeface="WenQuanYi Micro Hei" charset="0"/>
+                <a:cs typeface="Calibri" pitchFamily="34" charset="0"/>
+              </a:rPr>
+              <a:t>negativne</a:t>
+            </a:r>
+            <a:r>
+              <a:rPr lang="hr-HR" sz="2200" dirty="0">
+                <a:solidFill>
+                  <a:srgbClr val="FFC000"/>
+                </a:solidFill>
+                <a:latin typeface="Calibri" pitchFamily="34" charset="0"/>
+                <a:ea typeface="WenQuanYi Micro Hei" charset="0"/>
+                <a:cs typeface="Calibri" pitchFamily="34" charset="0"/>
+              </a:rPr>
+              <a:t> </a:t>
+            </a:r>
+            <a:r>
+              <a:rPr lang="hr-HR" sz="2200" dirty="0">
+                <a:latin typeface="Calibri" pitchFamily="34" charset="0"/>
+                <a:ea typeface="WenQuanYi Micro Hei" charset="0"/>
+                <a:cs typeface="Calibri" pitchFamily="34" charset="0"/>
+              </a:rPr>
+              <a:t>značajke</a:t>
+            </a:r>
+            <a:endParaRPr lang="hr-HR" sz="2200" dirty="0">
+              <a:solidFill>
+                <a:schemeClr val="bg1"/>
+              </a:solidFill>
+              <a:latin typeface="Calibri"/>
+              <a:ea typeface="Calibri"/>
+              <a:cs typeface="Times New Roman"/>
+            </a:endParaRPr>
+          </a:p>
+          <a:p>
+            <a:pPr marL="288000" indent="-288000">
+              <a:lnSpc>
+                <a:spcPct val="100000"/>
+              </a:lnSpc>
+              <a:spcBef>
+                <a:spcPts val="1200"/>
+              </a:spcBef>
+              <a:buClr>
+                <a:schemeClr val="tx1"/>
+              </a:buClr>
+              <a:buFont typeface="Arial" pitchFamily="34" charset="0"/>
+              <a:buChar char="–"/>
+              <a:tabLst>
+                <a:tab pos="723900" algn="l"/>
+                <a:tab pos="1447800" algn="l"/>
+                <a:tab pos="2171700" algn="l"/>
+                <a:tab pos="2895600" algn="l"/>
+                <a:tab pos="3619500" algn="l"/>
+                <a:tab pos="4343400" algn="l"/>
+                <a:tab pos="5067300" algn="l"/>
+                <a:tab pos="5791200" algn="l"/>
+                <a:tab pos="6515100" algn="l"/>
+                <a:tab pos="7239000" algn="l"/>
+                <a:tab pos="7962900" algn="l"/>
+                <a:tab pos="8686800" algn="l"/>
+              </a:tabLst>
+            </a:pPr>
+            <a:r>
+              <a:rPr lang="hr-HR" sz="2200" b="1" dirty="0" smtClean="0">
+                <a:solidFill>
+                  <a:srgbClr val="FFC000"/>
+                </a:solidFill>
+                <a:latin typeface="Calibri" pitchFamily="34" charset="0"/>
+                <a:ea typeface="WenQuanYi Micro Hei" charset="0"/>
+                <a:cs typeface="Calibri" pitchFamily="34" charset="0"/>
+              </a:rPr>
+              <a:t>VLAST </a:t>
+            </a:r>
+            <a:r>
+              <a:rPr lang="hr-HR" sz="2200" dirty="0" smtClean="0">
+                <a:latin typeface="Calibri" pitchFamily="34" charset="0"/>
+                <a:ea typeface="WenQuanYi Micro Hei" charset="0"/>
+                <a:cs typeface="Calibri" pitchFamily="34" charset="0"/>
+              </a:rPr>
+              <a:t>– </a:t>
+            </a:r>
+            <a:r>
+              <a:rPr lang="hr-HR" sz="2200" b="1" dirty="0" smtClean="0">
+                <a:solidFill>
+                  <a:srgbClr val="FFC000"/>
+                </a:solidFill>
+                <a:effectLst>
+                  <a:outerShdw blurRad="38100" dist="38100" dir="2700000" algn="tl">
+                    <a:srgbClr val="000000">
+                      <a:alpha val="43137"/>
+                    </a:srgbClr>
+                  </a:outerShdw>
+                </a:effectLst>
+                <a:latin typeface="Calibri" pitchFamily="34" charset="0"/>
+                <a:ea typeface="WenQuanYi Micro Hei" charset="0"/>
+                <a:cs typeface="Calibri" pitchFamily="34" charset="0"/>
+              </a:rPr>
+              <a:t>sustav </a:t>
+            </a:r>
+            <a:r>
+              <a:rPr lang="hr-HR" sz="2200" dirty="0" smtClean="0">
+                <a:latin typeface="Calibri" pitchFamily="34" charset="0"/>
+                <a:ea typeface="WenQuanYi Micro Hei" charset="0"/>
+                <a:cs typeface="Calibri" pitchFamily="34" charset="0"/>
+              </a:rPr>
+              <a:t>(</a:t>
+            </a:r>
+            <a:r>
+              <a:rPr lang="hr-HR" sz="2200" dirty="0">
+                <a:latin typeface="Calibri" pitchFamily="34" charset="0"/>
+                <a:ea typeface="WenQuanYi Micro Hei" charset="0"/>
+                <a:cs typeface="Calibri" pitchFamily="34" charset="0"/>
+              </a:rPr>
+              <a:t>mehanizam) koji </a:t>
+            </a:r>
+            <a:r>
+              <a:rPr lang="hr-HR" sz="2200" b="1" dirty="0">
+                <a:solidFill>
+                  <a:srgbClr val="FFC000"/>
+                </a:solidFill>
+                <a:effectLst>
+                  <a:outerShdw blurRad="38100" dist="38100" dir="2700000" algn="tl">
+                    <a:srgbClr val="000000">
+                      <a:alpha val="43137"/>
+                    </a:srgbClr>
+                  </a:outerShdw>
+                </a:effectLst>
+                <a:latin typeface="Calibri" pitchFamily="34" charset="0"/>
+                <a:ea typeface="WenQuanYi Micro Hei" charset="0"/>
+                <a:cs typeface="Calibri" pitchFamily="34" charset="0"/>
+              </a:rPr>
+              <a:t>osigurava pokoravanje naredbama </a:t>
+            </a:r>
+            <a:r>
+              <a:rPr lang="hr-HR" sz="2200" dirty="0">
+                <a:latin typeface="Calibri" pitchFamily="34" charset="0"/>
+                <a:ea typeface="WenQuanYi Micro Hei" charset="0"/>
+                <a:cs typeface="Calibri" pitchFamily="34" charset="0"/>
+              </a:rPr>
+              <a:t>što potječu </a:t>
+            </a:r>
+            <a:r>
+              <a:rPr lang="hr-HR" sz="2200" b="1" dirty="0">
+                <a:solidFill>
+                  <a:srgbClr val="FFC000"/>
+                </a:solidFill>
+                <a:effectLst>
+                  <a:outerShdw blurRad="38100" dist="38100" dir="2700000" algn="tl">
+                    <a:srgbClr val="000000">
+                      <a:alpha val="43137"/>
+                    </a:srgbClr>
+                  </a:outerShdw>
+                </a:effectLst>
+                <a:latin typeface="Calibri" pitchFamily="34" charset="0"/>
+                <a:ea typeface="WenQuanYi Micro Hei" charset="0"/>
+                <a:cs typeface="Calibri" pitchFamily="34" charset="0"/>
+              </a:rPr>
+              <a:t>iz</a:t>
+            </a:r>
+            <a:r>
+              <a:rPr lang="hr-HR" sz="2200" dirty="0">
+                <a:latin typeface="Calibri" pitchFamily="34" charset="0"/>
+                <a:ea typeface="WenQuanYi Micro Hei" charset="0"/>
+                <a:cs typeface="Calibri" pitchFamily="34" charset="0"/>
+              </a:rPr>
+              <a:t> </a:t>
+            </a:r>
+            <a:r>
+              <a:rPr lang="hr-HR" sz="2200" b="1" dirty="0">
+                <a:solidFill>
+                  <a:srgbClr val="FFC000"/>
+                </a:solidFill>
+                <a:effectLst>
+                  <a:outerShdw blurRad="38100" dist="38100" dir="2700000" algn="tl">
+                    <a:srgbClr val="000000">
+                      <a:alpha val="43137"/>
+                    </a:srgbClr>
+                  </a:outerShdw>
+                </a:effectLst>
+                <a:latin typeface="Calibri" pitchFamily="34" charset="0"/>
+                <a:ea typeface="WenQuanYi Micro Hei" charset="0"/>
+                <a:cs typeface="Calibri" pitchFamily="34" charset="0"/>
+              </a:rPr>
+              <a:t>određenog </a:t>
+            </a:r>
+            <a:r>
+              <a:rPr lang="hr-HR" sz="2200" b="1" dirty="0" smtClean="0">
+                <a:solidFill>
+                  <a:srgbClr val="FFC000"/>
+                </a:solidFill>
+                <a:effectLst>
+                  <a:outerShdw blurRad="38100" dist="38100" dir="2700000" algn="tl">
+                    <a:srgbClr val="000000">
+                      <a:alpha val="43137"/>
+                    </a:srgbClr>
+                  </a:outerShdw>
+                </a:effectLst>
+                <a:latin typeface="Calibri" pitchFamily="34" charset="0"/>
+                <a:ea typeface="WenQuanYi Micro Hei" charset="0"/>
+                <a:cs typeface="Calibri" pitchFamily="34" charset="0"/>
+              </a:rPr>
+              <a:t>izvora</a:t>
+            </a:r>
+          </a:p>
+          <a:p>
+            <a:pPr marL="1030950" lvl="1" indent="-288000">
+              <a:lnSpc>
+                <a:spcPct val="100000"/>
+              </a:lnSpc>
+              <a:spcBef>
+                <a:spcPts val="1200"/>
+              </a:spcBef>
+              <a:buClr>
+                <a:schemeClr val="tx1"/>
+              </a:buClr>
+              <a:buFont typeface="Arial" pitchFamily="34" charset="0"/>
+              <a:buChar char="–"/>
+              <a:tabLst>
+                <a:tab pos="723900" algn="l"/>
+                <a:tab pos="1447800" algn="l"/>
+                <a:tab pos="2171700" algn="l"/>
+                <a:tab pos="2895600" algn="l"/>
+                <a:tab pos="3619500" algn="l"/>
+                <a:tab pos="4343400" algn="l"/>
+                <a:tab pos="5067300" algn="l"/>
+                <a:tab pos="5791200" algn="l"/>
+                <a:tab pos="6515100" algn="l"/>
+                <a:tab pos="7239000" algn="l"/>
+                <a:tab pos="7962900" algn="l"/>
+                <a:tab pos="8686800" algn="l"/>
+              </a:tabLst>
+            </a:pPr>
+            <a:r>
+              <a:rPr lang="hr-HR" sz="2200" b="1" dirty="0">
+                <a:solidFill>
+                  <a:srgbClr val="FFC000"/>
+                </a:solidFill>
+                <a:effectLst>
+                  <a:outerShdw blurRad="38100" dist="38100" dir="2700000" algn="tl">
+                    <a:srgbClr val="000000">
+                      <a:alpha val="43137"/>
+                    </a:srgbClr>
+                  </a:outerShdw>
+                </a:effectLst>
+                <a:latin typeface="Calibri" pitchFamily="34" charset="0"/>
+                <a:ea typeface="WenQuanYi Micro Hei" charset="0"/>
+                <a:cs typeface="Calibri" pitchFamily="34" charset="0"/>
+              </a:rPr>
+              <a:t>RAZLIKA </a:t>
+            </a:r>
+            <a:r>
+              <a:rPr lang="hr-HR" sz="2200" dirty="0">
+                <a:latin typeface="Calibri" pitchFamily="34" charset="0"/>
+                <a:ea typeface="WenQuanYi Micro Hei" charset="0"/>
+                <a:cs typeface="Calibri" pitchFamily="34" charset="0"/>
+              </a:rPr>
+              <a:t>– vlast pretpostavlja određeni </a:t>
+            </a:r>
+            <a:r>
+              <a:rPr lang="hr-HR" sz="2200" b="1" dirty="0">
+                <a:solidFill>
+                  <a:srgbClr val="FFC000"/>
+                </a:solidFill>
+                <a:effectLst>
+                  <a:outerShdw blurRad="38100" dist="38100" dir="2700000" algn="tl">
+                    <a:srgbClr val="000000">
+                      <a:alpha val="43137"/>
+                    </a:srgbClr>
+                  </a:outerShdw>
+                </a:effectLst>
+                <a:latin typeface="Calibri" pitchFamily="34" charset="0"/>
+                <a:ea typeface="WenQuanYi Micro Hei" charset="0"/>
+                <a:cs typeface="Calibri" pitchFamily="34" charset="0"/>
+              </a:rPr>
+              <a:t>stupanj pokoravanja </a:t>
+            </a:r>
+            <a:r>
+              <a:rPr lang="hr-HR" sz="2200" dirty="0">
+                <a:effectLst>
+                  <a:outerShdw blurRad="38100" dist="38100" dir="2700000" algn="tl">
+                    <a:srgbClr val="000000">
+                      <a:alpha val="43137"/>
+                    </a:srgbClr>
+                  </a:outerShdw>
+                </a:effectLst>
+                <a:latin typeface="Calibri" pitchFamily="34" charset="0"/>
+                <a:ea typeface="WenQuanYi Micro Hei" charset="0"/>
+                <a:cs typeface="Calibri" pitchFamily="34" charset="0"/>
+              </a:rPr>
+              <a:t>i </a:t>
+            </a:r>
+            <a:r>
+              <a:rPr lang="hr-HR" sz="2200" b="1" dirty="0">
+                <a:solidFill>
+                  <a:srgbClr val="FFC000"/>
+                </a:solidFill>
+                <a:effectLst>
+                  <a:outerShdw blurRad="38100" dist="38100" dir="2700000" algn="tl">
+                    <a:srgbClr val="000000">
+                      <a:alpha val="43137"/>
+                    </a:srgbClr>
+                  </a:outerShdw>
+                </a:effectLst>
+                <a:latin typeface="Calibri" pitchFamily="34" charset="0"/>
+                <a:ea typeface="WenQuanYi Micro Hei" charset="0"/>
+                <a:cs typeface="Calibri" pitchFamily="34" charset="0"/>
+              </a:rPr>
+              <a:t>pristanka</a:t>
+            </a:r>
+            <a:r>
+              <a:rPr lang="hr-HR" sz="2200" dirty="0">
+                <a:latin typeface="Calibri" pitchFamily="34" charset="0"/>
+                <a:ea typeface="WenQuanYi Micro Hei" charset="0"/>
+                <a:cs typeface="Calibri" pitchFamily="34" charset="0"/>
+              </a:rPr>
+              <a:t>, dok se moć može zasnivati na pukoj </a:t>
+            </a:r>
+            <a:r>
+              <a:rPr lang="hr-HR" sz="2200" b="1" dirty="0">
+                <a:solidFill>
+                  <a:srgbClr val="FFC000"/>
+                </a:solidFill>
+                <a:effectLst>
+                  <a:outerShdw blurRad="38100" dist="38100" dir="2700000" algn="tl">
+                    <a:srgbClr val="000000">
+                      <a:alpha val="43137"/>
+                    </a:srgbClr>
+                  </a:outerShdw>
+                </a:effectLst>
+                <a:latin typeface="Calibri" pitchFamily="34" charset="0"/>
+                <a:ea typeface="WenQuanYi Micro Hei" charset="0"/>
+                <a:cs typeface="Calibri" pitchFamily="34" charset="0"/>
+              </a:rPr>
+              <a:t>sili</a:t>
+            </a:r>
+          </a:p>
+          <a:p>
+            <a:pPr marL="288000" indent="-288000">
+              <a:lnSpc>
+                <a:spcPct val="100000"/>
+              </a:lnSpc>
+              <a:spcBef>
+                <a:spcPts val="2400"/>
+              </a:spcBef>
+              <a:buClr>
+                <a:schemeClr val="tx1"/>
+              </a:buClr>
+              <a:buFont typeface="Arial" pitchFamily="34" charset="0"/>
+              <a:buChar char="–"/>
+              <a:tabLst>
+                <a:tab pos="723900" algn="l"/>
+                <a:tab pos="1447800" algn="l"/>
+                <a:tab pos="2171700" algn="l"/>
+                <a:tab pos="2895600" algn="l"/>
+                <a:tab pos="3619500" algn="l"/>
+                <a:tab pos="4343400" algn="l"/>
+                <a:tab pos="5067300" algn="l"/>
+                <a:tab pos="5791200" algn="l"/>
+                <a:tab pos="6515100" algn="l"/>
+                <a:tab pos="7239000" algn="l"/>
+                <a:tab pos="7962900" algn="l"/>
+                <a:tab pos="8686800" algn="l"/>
+              </a:tabLst>
+            </a:pPr>
+            <a:r>
+              <a:rPr lang="hr-HR" sz="2200" b="1" dirty="0" smtClean="0">
+                <a:solidFill>
+                  <a:srgbClr val="FFC000"/>
+                </a:solidFill>
+                <a:effectLst>
+                  <a:outerShdw blurRad="38100" dist="38100" dir="2700000" algn="tl">
+                    <a:srgbClr val="000000">
+                      <a:alpha val="43137"/>
+                    </a:srgbClr>
+                  </a:outerShdw>
+                </a:effectLst>
+                <a:latin typeface="Calibri" pitchFamily="34" charset="0"/>
+                <a:ea typeface="WenQuanYi Micro Hei" charset="0"/>
+                <a:cs typeface="Calibri" pitchFamily="34" charset="0"/>
+              </a:rPr>
+              <a:t>LEGITIMNOST</a:t>
+            </a:r>
+            <a:r>
+              <a:rPr lang="hr-HR" sz="2200" dirty="0" smtClean="0">
+                <a:effectLst>
+                  <a:outerShdw blurRad="38100" dist="38100" dir="2700000" algn="tl">
+                    <a:srgbClr val="000000">
+                      <a:alpha val="43137"/>
+                    </a:srgbClr>
+                  </a:outerShdw>
+                </a:effectLst>
+                <a:latin typeface="Calibri" pitchFamily="34" charset="0"/>
+                <a:ea typeface="WenQuanYi Micro Hei" charset="0"/>
+                <a:cs typeface="Calibri" pitchFamily="34" charset="0"/>
+              </a:rPr>
+              <a:t> – </a:t>
+            </a:r>
+            <a:r>
+              <a:rPr lang="hr-HR" sz="2200" dirty="0" smtClean="0">
+                <a:latin typeface="Calibri" pitchFamily="34" charset="0"/>
+                <a:ea typeface="WenQuanYi Micro Hei" charset="0"/>
+                <a:cs typeface="Calibri" pitchFamily="34" charset="0"/>
+              </a:rPr>
+              <a:t>osnova na </a:t>
+            </a:r>
+            <a:r>
+              <a:rPr lang="hr-HR" sz="2200" dirty="0">
+                <a:latin typeface="Calibri" pitchFamily="34" charset="0"/>
+                <a:ea typeface="WenQuanYi Micro Hei" charset="0"/>
+                <a:cs typeface="Calibri" pitchFamily="34" charset="0"/>
+              </a:rPr>
+              <a:t>kojoj vlast </a:t>
+            </a:r>
+            <a:r>
+              <a:rPr lang="hr-HR" sz="2200" b="1" dirty="0">
+                <a:solidFill>
+                  <a:srgbClr val="FFC000"/>
+                </a:solidFill>
+                <a:latin typeface="Calibri" pitchFamily="34" charset="0"/>
+                <a:ea typeface="WenQuanYi Micro Hei" charset="0"/>
+                <a:cs typeface="Calibri" pitchFamily="34" charset="0"/>
+              </a:rPr>
+              <a:t>opravdava svoj zahtjev za </a:t>
+            </a:r>
+            <a:r>
+              <a:rPr lang="hr-HR" sz="2200" b="1" dirty="0" smtClean="0">
+                <a:solidFill>
+                  <a:srgbClr val="FFC000"/>
+                </a:solidFill>
+                <a:latin typeface="Calibri" pitchFamily="34" charset="0"/>
+                <a:ea typeface="WenQuanYi Micro Hei" charset="0"/>
+                <a:cs typeface="Calibri" pitchFamily="34" charset="0"/>
+              </a:rPr>
+              <a:t>poslušnošću</a:t>
+            </a:r>
+          </a:p>
+          <a:p>
+            <a:pPr marL="1030950" lvl="1" indent="-288000">
+              <a:lnSpc>
+                <a:spcPct val="100000"/>
+              </a:lnSpc>
+              <a:spcBef>
+                <a:spcPts val="600"/>
+              </a:spcBef>
+              <a:buClr>
+                <a:schemeClr val="tx1"/>
+              </a:buClr>
+              <a:buFont typeface="Arial" pitchFamily="34" charset="0"/>
+              <a:buChar char="–"/>
+              <a:tabLst>
+                <a:tab pos="723900" algn="l"/>
+                <a:tab pos="1447800" algn="l"/>
+                <a:tab pos="2171700" algn="l"/>
+                <a:tab pos="2895600" algn="l"/>
+                <a:tab pos="3619500" algn="l"/>
+                <a:tab pos="4343400" algn="l"/>
+                <a:tab pos="5067300" algn="l"/>
+                <a:tab pos="5791200" algn="l"/>
+                <a:tab pos="6515100" algn="l"/>
+                <a:tab pos="7239000" algn="l"/>
+                <a:tab pos="7962900" algn="l"/>
+                <a:tab pos="8686800" algn="l"/>
+              </a:tabLst>
+            </a:pPr>
+            <a:r>
+              <a:rPr lang="hr-HR" sz="2200" dirty="0" smtClean="0">
+                <a:latin typeface="Calibri" pitchFamily="34" charset="0"/>
+                <a:ea typeface="WenQuanYi Micro Hei" charset="0"/>
+                <a:cs typeface="Calibri" pitchFamily="34" charset="0"/>
+              </a:rPr>
+              <a:t>legitimnost </a:t>
+            </a:r>
+            <a:r>
+              <a:rPr lang="hr-HR" sz="2200" dirty="0">
+                <a:latin typeface="Calibri" pitchFamily="34" charset="0"/>
+                <a:ea typeface="WenQuanYi Micro Hei" charset="0"/>
+                <a:cs typeface="Calibri" pitchFamily="34" charset="0"/>
+              </a:rPr>
+              <a:t>(u demokratskim sustavima) se postiže na izborima, </a:t>
+            </a:r>
+            <a:r>
+              <a:rPr lang="hr-HR" sz="2200" b="1" dirty="0">
+                <a:solidFill>
+                  <a:srgbClr val="FFC000"/>
+                </a:solidFill>
+                <a:effectLst>
+                  <a:outerShdw blurRad="38100" dist="38100" dir="2700000" algn="tl">
+                    <a:srgbClr val="000000">
+                      <a:alpha val="43137"/>
+                    </a:srgbClr>
+                  </a:outerShdw>
+                </a:effectLst>
+                <a:latin typeface="Calibri" pitchFamily="34" charset="0"/>
+                <a:ea typeface="WenQuanYi Micro Hei" charset="0"/>
+                <a:cs typeface="Calibri" pitchFamily="34" charset="0"/>
+              </a:rPr>
+              <a:t>pristajanjem većine ljudi </a:t>
+            </a:r>
+            <a:r>
+              <a:rPr lang="hr-HR" sz="2200" dirty="0">
+                <a:latin typeface="Calibri" pitchFamily="34" charset="0"/>
+                <a:ea typeface="WenQuanYi Micro Hei" charset="0"/>
+                <a:cs typeface="Calibri" pitchFamily="34" charset="0"/>
+              </a:rPr>
+              <a:t>(</a:t>
+            </a:r>
+            <a:r>
+              <a:rPr lang="hr-HR" sz="2200" dirty="0" smtClean="0">
+                <a:latin typeface="Calibri" pitchFamily="34" charset="0"/>
+                <a:ea typeface="WenQuanYi Micro Hei" charset="0"/>
+                <a:cs typeface="Calibri" pitchFamily="34" charset="0"/>
+              </a:rPr>
+              <a:t>glasača)</a:t>
+            </a:r>
+          </a:p>
+          <a:p>
+            <a:pPr marL="288000" indent="-288000">
+              <a:lnSpc>
+                <a:spcPct val="100000"/>
+              </a:lnSpc>
+              <a:spcBef>
+                <a:spcPts val="1200"/>
+              </a:spcBef>
+              <a:buClr>
+                <a:schemeClr val="tx1"/>
+              </a:buClr>
+              <a:buFont typeface="Arial" pitchFamily="34" charset="0"/>
+              <a:buChar char="–"/>
+              <a:tabLst>
+                <a:tab pos="723900" algn="l"/>
+                <a:tab pos="1447800" algn="l"/>
+                <a:tab pos="2171700" algn="l"/>
+                <a:tab pos="2895600" algn="l"/>
+                <a:tab pos="3619500" algn="l"/>
+                <a:tab pos="4343400" algn="l"/>
+                <a:tab pos="5067300" algn="l"/>
+                <a:tab pos="5791200" algn="l"/>
+                <a:tab pos="6515100" algn="l"/>
+                <a:tab pos="7239000" algn="l"/>
+                <a:tab pos="7962900" algn="l"/>
+                <a:tab pos="8686800" algn="l"/>
+              </a:tabLst>
+            </a:pPr>
+            <a:r>
+              <a:rPr lang="hr-HR" sz="2200" b="1" dirty="0" smtClean="0">
+                <a:solidFill>
+                  <a:srgbClr val="FFC000"/>
+                </a:solidFill>
+                <a:effectLst>
+                  <a:outerShdw blurRad="38100" dist="38100" dir="2700000" algn="tl">
+                    <a:srgbClr val="000000">
+                      <a:alpha val="43137"/>
+                    </a:srgbClr>
+                  </a:outerShdw>
+                </a:effectLst>
+                <a:latin typeface="Calibri" pitchFamily="34" charset="0"/>
+                <a:ea typeface="WenQuanYi Micro Hei" charset="0"/>
+                <a:cs typeface="Calibri" pitchFamily="34" charset="0"/>
+              </a:rPr>
+              <a:t>LEGALNOST</a:t>
+            </a:r>
+            <a:r>
+              <a:rPr lang="hr-HR" sz="2200" dirty="0" smtClean="0">
+                <a:latin typeface="Calibri" pitchFamily="34" charset="0"/>
+                <a:ea typeface="WenQuanYi Micro Hei" charset="0"/>
+                <a:cs typeface="Calibri" pitchFamily="34" charset="0"/>
+              </a:rPr>
+              <a:t> </a:t>
+            </a:r>
+            <a:r>
+              <a:rPr lang="hr-HR" sz="2200" dirty="0">
+                <a:latin typeface="Calibri" pitchFamily="34" charset="0"/>
+                <a:ea typeface="WenQuanYi Micro Hei" charset="0"/>
+                <a:cs typeface="Calibri" pitchFamily="34" charset="0"/>
+              </a:rPr>
+              <a:t>– znači da se </a:t>
+            </a:r>
+            <a:r>
+              <a:rPr lang="hr-HR" sz="2200" b="1" dirty="0">
+                <a:solidFill>
+                  <a:srgbClr val="FFC000"/>
+                </a:solidFill>
+                <a:latin typeface="Calibri" pitchFamily="34" charset="0"/>
+                <a:ea typeface="WenQuanYi Micro Hei" charset="0"/>
+                <a:cs typeface="Calibri" pitchFamily="34" charset="0"/>
+              </a:rPr>
+              <a:t>vlast</a:t>
+            </a:r>
+            <a:r>
+              <a:rPr lang="hr-HR" sz="2200" dirty="0">
+                <a:solidFill>
+                  <a:srgbClr val="FFC000"/>
+                </a:solidFill>
+                <a:latin typeface="Calibri" pitchFamily="34" charset="0"/>
+                <a:ea typeface="WenQuanYi Micro Hei" charset="0"/>
+                <a:cs typeface="Calibri" pitchFamily="34" charset="0"/>
+              </a:rPr>
+              <a:t> </a:t>
+            </a:r>
+            <a:r>
+              <a:rPr lang="hr-HR" sz="2200" b="1" dirty="0">
+                <a:solidFill>
+                  <a:srgbClr val="FFC000"/>
+                </a:solidFill>
+                <a:latin typeface="Calibri" pitchFamily="34" charset="0"/>
+                <a:ea typeface="WenQuanYi Micro Hei" charset="0"/>
+                <a:cs typeface="Calibri" pitchFamily="34" charset="0"/>
+              </a:rPr>
+              <a:t>obnaša</a:t>
+            </a:r>
+            <a:r>
+              <a:rPr lang="hr-HR" sz="2200" dirty="0">
+                <a:solidFill>
+                  <a:srgbClr val="FFC000"/>
+                </a:solidFill>
+                <a:latin typeface="Calibri" pitchFamily="34" charset="0"/>
+                <a:ea typeface="WenQuanYi Micro Hei" charset="0"/>
+                <a:cs typeface="Calibri" pitchFamily="34" charset="0"/>
+              </a:rPr>
+              <a:t> </a:t>
+            </a:r>
+            <a:r>
+              <a:rPr lang="hr-HR" sz="2200" b="1" dirty="0">
+                <a:solidFill>
+                  <a:srgbClr val="FFC000"/>
+                </a:solidFill>
+                <a:latin typeface="Calibri" pitchFamily="34" charset="0"/>
+                <a:ea typeface="WenQuanYi Micro Hei" charset="0"/>
+                <a:cs typeface="Calibri" pitchFamily="34" charset="0"/>
+              </a:rPr>
+              <a:t>prema zakonima</a:t>
+            </a:r>
+            <a:r>
+              <a:rPr lang="hr-HR" sz="2200" dirty="0">
+                <a:solidFill>
+                  <a:srgbClr val="FFC000"/>
+                </a:solidFill>
+                <a:latin typeface="Calibri" pitchFamily="34" charset="0"/>
+                <a:ea typeface="WenQuanYi Micro Hei" charset="0"/>
+                <a:cs typeface="Calibri" pitchFamily="34" charset="0"/>
+              </a:rPr>
+              <a:t> </a:t>
+            </a:r>
+            <a:r>
+              <a:rPr lang="hr-HR" sz="2200" i="1" dirty="0">
+                <a:latin typeface="Calibri" pitchFamily="34" charset="0"/>
+                <a:ea typeface="WenQuanYi Micro Hei" charset="0"/>
+                <a:cs typeface="Calibri" pitchFamily="34" charset="0"/>
+              </a:rPr>
+              <a:t>(poštivanje zakona prilikom vođenja državnih poslova</a:t>
+            </a:r>
+            <a:r>
+              <a:rPr lang="hr-HR" sz="2200" i="1" dirty="0" smtClean="0">
+                <a:latin typeface="Calibri" pitchFamily="34" charset="0"/>
+                <a:ea typeface="WenQuanYi Micro Hei" charset="0"/>
+                <a:cs typeface="Calibri" pitchFamily="34" charset="0"/>
+              </a:rPr>
+              <a:t>)</a:t>
+            </a:r>
+            <a:endParaRPr lang="hr-HR" sz="2200" dirty="0">
+              <a:latin typeface="Calibri" pitchFamily="34" charset="0"/>
+              <a:ea typeface="WenQuanYi Micro Hei" charset="0"/>
+              <a:cs typeface="Calibri" pitchFamily="34" charset="0"/>
+            </a:endParaRPr>
+          </a:p>
+        </p:txBody>
+      </p:sp>
+    </p:spTree>
+    <p:extLst>
+      <p:ext uri="{BB962C8B-B14F-4D97-AF65-F5344CB8AC3E}">
+        <p14:creationId xmlns:p14="http://schemas.microsoft.com/office/powerpoint/2010/main" val="2249862967"/>
+      </p:ext>
+    </p:extLst>
+  </p:cSld>
+  <p:clrMapOvr>
+    <a:masterClrMapping/>
+  </p:clrMapOvr>
+  <mc:AlternateContent xmlns:mc="http://schemas.openxmlformats.org/markup-compatibility/2006">
+    <mc:Choice xmlns:p14="http://schemas.microsoft.com/office/powerpoint/2010/main" Requires="p14">
+      <p:transition p14:dur="250">
+        <p:fade thruBlk="1"/>
+      </p:transition>
+    </mc:Choice>
+    <mc:Fallback>
+      <p:transition>
+        <p:fade thruBlk="1"/>
+      </p:transition>
+    </mc:Fallback>
+  </mc:AlternateContent>
+  <p:timing>
+    <p:tnLst>
+      <p:par>
+        <p:cTn id="1" dur="indefinite" restart="never" nodeType="tmRoot"/>
+      </p:par>
+    </p:tnLst>
+  </p:timing>
+</p:sld>
+</file>
+
+<file path=ppt/slides/slide22.xml><?xml version="1.0" encoding="utf-8"?>
+<p:sld xmlns:a="http://schemas.openxmlformats.org/drawingml/2006/main" xmlns:r="http://schemas.openxmlformats.org/officeDocument/2006/relationships" xmlns:p="http://schemas.openxmlformats.org/presentationml/2006/main" show="0">
+  <p:cSld>
+    <p:spTree>
+      <p:nvGrpSpPr>
+        <p:cNvPr id="1" name=""/>
+        <p:cNvGrpSpPr/>
+        <p:nvPr/>
+      </p:nvGrpSpPr>
+      <p:grpSpPr>
+        <a:xfrm>
+          <a:off x="0" y="0"/>
+          <a:ext cx="0" cy="0"/>
+          <a:chOff x="0" y="0"/>
+          <a:chExt cx="0" cy="0"/>
+        </a:xfrm>
+      </p:grpSpPr>
+      <p:sp>
+        <p:nvSpPr>
+          <p:cNvPr id="24577" name="Rectangle 1"/>
+          <p:cNvSpPr>
+            <a:spLocks noChangeArrowheads="1"/>
+          </p:cNvSpPr>
+          <p:nvPr/>
+        </p:nvSpPr>
+        <p:spPr bwMode="auto">
+          <a:xfrm>
+            <a:off x="467544" y="71414"/>
+            <a:ext cx="8280920" cy="654048"/>
+          </a:xfrm>
+          <a:prstGeom prst="rect">
+            <a:avLst/>
+          </a:prstGeom>
+          <a:noFill/>
+          <a:ln w="9525">
+            <a:noFill/>
+            <a:round/>
+            <a:headEnd/>
+            <a:tailEnd/>
+          </a:ln>
+          <a:effectLst/>
+        </p:spPr>
+        <p:txBody>
+          <a:bodyPr lIns="90000" tIns="45000" rIns="90000" bIns="45000" anchor="ctr"/>
+          <a:lstStyle/>
+          <a:p>
+            <a:pPr>
+              <a:lnSpc>
+                <a:spcPct val="100000"/>
+              </a:lnSpc>
+              <a:tabLst>
+                <a:tab pos="723900" algn="l"/>
+                <a:tab pos="1447800" algn="l"/>
+                <a:tab pos="2171700" algn="l"/>
+                <a:tab pos="2895600" algn="l"/>
+                <a:tab pos="3619500" algn="l"/>
+                <a:tab pos="4343400" algn="l"/>
+                <a:tab pos="5067300" algn="l"/>
+                <a:tab pos="5791200" algn="l"/>
+                <a:tab pos="6515100" algn="l"/>
+                <a:tab pos="7239000" algn="l"/>
+                <a:tab pos="7962900" algn="l"/>
+                <a:tab pos="8686800" algn="l"/>
+              </a:tabLst>
+            </a:pPr>
+            <a:r>
+              <a:rPr lang="hr-HR" sz="3200" b="1" dirty="0" smtClean="0">
+                <a:solidFill>
+                  <a:srgbClr val="FFC000"/>
+                </a:solidFill>
+                <a:effectLst>
+                  <a:outerShdw blurRad="38100" dist="38100" dir="2700000" algn="tl">
+                    <a:srgbClr val="000000">
+                      <a:alpha val="43137"/>
+                    </a:srgbClr>
+                  </a:outerShdw>
+                </a:effectLst>
+                <a:latin typeface="Calibri" pitchFamily="34" charset="0"/>
+                <a:ea typeface="WenQuanYi Micro Hei" charset="0"/>
+                <a:cs typeface="Calibri" pitchFamily="34" charset="0"/>
+              </a:rPr>
+              <a:t>MOĆ I VLAST</a:t>
+            </a:r>
+            <a:r>
+              <a:rPr lang="hr-HR" sz="2800" b="1" dirty="0" smtClean="0">
+                <a:solidFill>
+                  <a:srgbClr val="FFC000"/>
+                </a:solidFill>
+                <a:effectLst>
+                  <a:outerShdw blurRad="38100" dist="38100" dir="2700000" algn="tl">
+                    <a:srgbClr val="000000">
+                      <a:alpha val="43137"/>
+                    </a:srgbClr>
+                  </a:outerShdw>
+                </a:effectLst>
+                <a:latin typeface="Calibri" pitchFamily="34" charset="0"/>
+                <a:ea typeface="WenQuanYi Micro Hei" charset="0"/>
+                <a:cs typeface="Calibri" pitchFamily="34" charset="0"/>
+              </a:rPr>
+              <a:t>						 </a:t>
+            </a:r>
+            <a:r>
+              <a:rPr lang="hr-HR" sz="2400" i="1" dirty="0" smtClean="0">
+                <a:solidFill>
+                  <a:srgbClr val="FFC000"/>
+                </a:solidFill>
+                <a:effectLst>
+                  <a:outerShdw blurRad="38100" dist="38100" dir="2700000" algn="tl">
+                    <a:srgbClr val="000000">
+                      <a:alpha val="43137"/>
+                    </a:srgbClr>
+                  </a:outerShdw>
+                </a:effectLst>
+                <a:latin typeface="Calibri" pitchFamily="34" charset="0"/>
+                <a:ea typeface="WenQuanYi Micro Hei" charset="0"/>
+                <a:cs typeface="Calibri" pitchFamily="34" charset="0"/>
+              </a:rPr>
+              <a:t>(plan ploče)</a:t>
+            </a:r>
+            <a:endParaRPr lang="hr-HR" sz="2800" i="1" dirty="0">
+              <a:solidFill>
+                <a:srgbClr val="FFC000"/>
+              </a:solidFill>
+              <a:effectLst>
+                <a:outerShdw blurRad="38100" dist="38100" dir="2700000" algn="tl">
+                  <a:srgbClr val="000000">
+                    <a:alpha val="43137"/>
+                  </a:srgbClr>
+                </a:outerShdw>
+              </a:effectLst>
+              <a:latin typeface="Calibri" pitchFamily="34" charset="0"/>
+              <a:ea typeface="WenQuanYi Micro Hei" charset="0"/>
+              <a:cs typeface="Calibri" pitchFamily="34" charset="0"/>
+            </a:endParaRPr>
+          </a:p>
+        </p:txBody>
+      </p:sp>
+      <p:sp>
+        <p:nvSpPr>
+          <p:cNvPr id="24578" name="Rectangle 2"/>
+          <p:cNvSpPr>
+            <a:spLocks noChangeArrowheads="1"/>
+          </p:cNvSpPr>
+          <p:nvPr/>
+        </p:nvSpPr>
+        <p:spPr bwMode="auto">
+          <a:xfrm>
+            <a:off x="-5340" y="764704"/>
+            <a:ext cx="9149339" cy="5715040"/>
+          </a:xfrm>
+          <a:prstGeom prst="rect">
+            <a:avLst/>
+          </a:prstGeom>
+          <a:noFill/>
+          <a:ln w="9525">
+            <a:noFill/>
+            <a:round/>
+            <a:headEnd/>
+            <a:tailEnd/>
+          </a:ln>
+          <a:effectLst/>
+        </p:spPr>
+        <p:txBody>
+          <a:bodyPr lIns="90000" tIns="45000" rIns="90000" bIns="45000"/>
+          <a:lstStyle/>
+          <a:p>
+            <a:pPr marL="288000" indent="-288000">
+              <a:lnSpc>
+                <a:spcPct val="100000"/>
+              </a:lnSpc>
+              <a:spcBef>
+                <a:spcPts val="1200"/>
+              </a:spcBef>
+              <a:buClr>
+                <a:schemeClr val="tx1"/>
+              </a:buClr>
+              <a:buFont typeface="Arial" pitchFamily="34" charset="0"/>
+              <a:buChar char="–"/>
+              <a:tabLst>
+                <a:tab pos="723900" algn="l"/>
+                <a:tab pos="1447800" algn="l"/>
+                <a:tab pos="2171700" algn="l"/>
+                <a:tab pos="2895600" algn="l"/>
+                <a:tab pos="3619500" algn="l"/>
+                <a:tab pos="4343400" algn="l"/>
+                <a:tab pos="5067300" algn="l"/>
+                <a:tab pos="5791200" algn="l"/>
+                <a:tab pos="6515100" algn="l"/>
+                <a:tab pos="7239000" algn="l"/>
+                <a:tab pos="7962900" algn="l"/>
+                <a:tab pos="8686800" algn="l"/>
+              </a:tabLst>
+            </a:pPr>
+            <a:r>
+              <a:rPr lang="hr-HR" sz="2200" b="1" dirty="0" smtClean="0">
+                <a:latin typeface="Calibri" pitchFamily="34" charset="0"/>
+                <a:ea typeface="WenQuanYi Micro Hei" charset="0"/>
+                <a:cs typeface="Calibri" pitchFamily="34" charset="0"/>
+              </a:rPr>
+              <a:t>TRI TIPA VLASTI</a:t>
+            </a:r>
+            <a:r>
+              <a:rPr lang="vi-VN" sz="2200" b="1" dirty="0" smtClean="0">
+                <a:latin typeface="Calibri" pitchFamily="34" charset="0"/>
+                <a:ea typeface="WenQuanYi Micro Hei" charset="0"/>
+                <a:cs typeface="Calibri" pitchFamily="34" charset="0"/>
+              </a:rPr>
+              <a:t> </a:t>
+            </a:r>
+            <a:r>
+              <a:rPr lang="hr-HR" sz="2200" b="1" dirty="0">
+                <a:latin typeface="Calibri" pitchFamily="34" charset="0"/>
+                <a:ea typeface="WenQuanYi Micro Hei" charset="0"/>
+                <a:cs typeface="Calibri" pitchFamily="34" charset="0"/>
+              </a:rPr>
+              <a:t>	</a:t>
+            </a:r>
+            <a:endParaRPr lang="hr-HR" sz="2200" b="1" dirty="0" smtClean="0">
+              <a:latin typeface="Calibri" pitchFamily="34" charset="0"/>
+              <a:ea typeface="WenQuanYi Micro Hei" charset="0"/>
+              <a:cs typeface="Calibri" pitchFamily="34" charset="0"/>
+            </a:endParaRPr>
+          </a:p>
+          <a:p>
+            <a:pPr marL="1030950" lvl="1" indent="-288000">
+              <a:spcBef>
+                <a:spcPts val="1200"/>
+              </a:spcBef>
+              <a:buClr>
+                <a:schemeClr val="tx1"/>
+              </a:buClr>
+              <a:buFont typeface="Arial" pitchFamily="34" charset="0"/>
+              <a:buChar char="–"/>
+            </a:pPr>
+            <a:r>
+              <a:rPr lang="hr-HR" sz="2200" b="1" dirty="0" smtClean="0">
+                <a:solidFill>
+                  <a:srgbClr val="FFC000"/>
+                </a:solidFill>
+                <a:latin typeface="Calibri" pitchFamily="34" charset="0"/>
+                <a:ea typeface="WenQuanYi Micro Hei" charset="0"/>
+                <a:cs typeface="Calibri" pitchFamily="34" charset="0"/>
+              </a:rPr>
+              <a:t>RACIONALNA – </a:t>
+            </a:r>
+            <a:r>
+              <a:rPr lang="pl-PL" sz="2200" dirty="0" smtClean="0">
+                <a:latin typeface="Calibri" pitchFamily="34" charset="0"/>
+                <a:cs typeface="Calibri" pitchFamily="34" charset="0"/>
+              </a:rPr>
+              <a:t>temelji se </a:t>
+            </a:r>
+            <a:r>
+              <a:rPr lang="pl-PL" sz="2200" dirty="0">
+                <a:latin typeface="Calibri" pitchFamily="34" charset="0"/>
+                <a:cs typeface="Calibri" pitchFamily="34" charset="0"/>
+              </a:rPr>
+              <a:t>na </a:t>
+            </a:r>
+            <a:r>
+              <a:rPr lang="pl-PL" sz="2200" b="1" dirty="0">
+                <a:solidFill>
+                  <a:srgbClr val="FFC000"/>
+                </a:solidFill>
+                <a:effectLst>
+                  <a:outerShdw blurRad="38100" dist="38100" dir="2700000" algn="tl">
+                    <a:srgbClr val="000000">
+                      <a:alpha val="43137"/>
+                    </a:srgbClr>
+                  </a:outerShdw>
+                </a:effectLst>
+                <a:latin typeface="Calibri" pitchFamily="34" charset="0"/>
+                <a:cs typeface="Calibri" pitchFamily="34" charset="0"/>
+              </a:rPr>
+              <a:t>pisanim pravilima i procedurama</a:t>
+            </a:r>
+          </a:p>
+          <a:p>
+            <a:pPr marL="1431000" lvl="2" indent="-288000">
+              <a:spcBef>
+                <a:spcPts val="600"/>
+              </a:spcBef>
+              <a:buClr>
+                <a:schemeClr val="tx1"/>
+              </a:buClr>
+              <a:buFont typeface="Arial" pitchFamily="34" charset="0"/>
+              <a:buChar char="–"/>
+            </a:pPr>
+            <a:r>
+              <a:rPr lang="pl-PL" sz="2200" b="1" dirty="0">
+                <a:solidFill>
+                  <a:srgbClr val="FFC000"/>
+                </a:solidFill>
+                <a:effectLst>
+                  <a:outerShdw blurRad="38100" dist="38100" dir="2700000" algn="tl">
+                    <a:srgbClr val="000000">
+                      <a:alpha val="43137"/>
+                    </a:srgbClr>
+                  </a:outerShdw>
+                </a:effectLst>
+                <a:latin typeface="Calibri" pitchFamily="34" charset="0"/>
+                <a:cs typeface="Calibri" pitchFamily="34" charset="0"/>
+              </a:rPr>
+              <a:t>zakon je osnova legitimiteta</a:t>
+            </a:r>
+          </a:p>
+          <a:p>
+            <a:pPr marL="1431000" lvl="2" indent="-288000">
+              <a:spcBef>
+                <a:spcPts val="600"/>
+              </a:spcBef>
+              <a:buClr>
+                <a:schemeClr val="tx1"/>
+              </a:buClr>
+              <a:buFont typeface="Arial" pitchFamily="34" charset="0"/>
+              <a:buChar char="–"/>
+            </a:pPr>
+            <a:r>
+              <a:rPr lang="pl-PL" sz="2200" b="1" dirty="0">
+                <a:solidFill>
+                  <a:srgbClr val="FFC000"/>
+                </a:solidFill>
+                <a:effectLst>
+                  <a:outerShdw blurRad="38100" dist="38100" dir="2700000" algn="tl">
+                    <a:srgbClr val="000000">
+                      <a:alpha val="43137"/>
+                    </a:srgbClr>
+                  </a:outerShdw>
+                </a:effectLst>
+                <a:latin typeface="Calibri" pitchFamily="34" charset="0"/>
+                <a:cs typeface="Calibri" pitchFamily="34" charset="0"/>
+              </a:rPr>
+              <a:t>poslušnost</a:t>
+            </a:r>
+            <a:r>
+              <a:rPr lang="pl-PL" sz="2200" dirty="0">
+                <a:latin typeface="Calibri" pitchFamily="34" charset="0"/>
+                <a:cs typeface="Calibri" pitchFamily="34" charset="0"/>
+              </a:rPr>
+              <a:t> </a:t>
+            </a:r>
+            <a:r>
+              <a:rPr lang="pl-PL" sz="2200" b="1" dirty="0">
+                <a:solidFill>
+                  <a:srgbClr val="FFC000"/>
+                </a:solidFill>
+                <a:effectLst>
+                  <a:outerShdw blurRad="38100" dist="38100" dir="2700000" algn="tl">
+                    <a:srgbClr val="000000">
+                      <a:alpha val="43137"/>
+                    </a:srgbClr>
+                  </a:outerShdw>
+                </a:effectLst>
+                <a:latin typeface="Calibri" pitchFamily="34" charset="0"/>
+                <a:cs typeface="Calibri" pitchFamily="34" charset="0"/>
+              </a:rPr>
+              <a:t>zakonu</a:t>
+            </a:r>
+            <a:r>
+              <a:rPr lang="pl-PL" sz="2200" dirty="0">
+                <a:latin typeface="Calibri" pitchFamily="34" charset="0"/>
+                <a:cs typeface="Calibri" pitchFamily="34" charset="0"/>
+              </a:rPr>
+              <a:t> a ne osobi </a:t>
+            </a:r>
+            <a:endParaRPr lang="hr-HR" sz="2200" b="1" dirty="0" smtClean="0">
+              <a:solidFill>
+                <a:srgbClr val="FFC000"/>
+              </a:solidFill>
+              <a:latin typeface="Calibri" pitchFamily="34" charset="0"/>
+              <a:ea typeface="WenQuanYi Micro Hei" charset="0"/>
+              <a:cs typeface="Calibri" pitchFamily="34" charset="0"/>
+            </a:endParaRPr>
+          </a:p>
+          <a:p>
+            <a:pPr marL="1030950" lvl="1" indent="-288000">
+              <a:lnSpc>
+                <a:spcPct val="100000"/>
+              </a:lnSpc>
+              <a:spcBef>
+                <a:spcPts val="1200"/>
+              </a:spcBef>
+              <a:buClr>
+                <a:schemeClr val="tx1"/>
+              </a:buClr>
+              <a:buFont typeface="Arial" pitchFamily="34" charset="0"/>
+              <a:buChar char="–"/>
+              <a:tabLst>
+                <a:tab pos="723900" algn="l"/>
+                <a:tab pos="1447800" algn="l"/>
+                <a:tab pos="2171700" algn="l"/>
+                <a:tab pos="2895600" algn="l"/>
+                <a:tab pos="3619500" algn="l"/>
+                <a:tab pos="4343400" algn="l"/>
+                <a:tab pos="5067300" algn="l"/>
+                <a:tab pos="5791200" algn="l"/>
+                <a:tab pos="6515100" algn="l"/>
+                <a:tab pos="7239000" algn="l"/>
+                <a:tab pos="7962900" algn="l"/>
+                <a:tab pos="8686800" algn="l"/>
+              </a:tabLst>
+            </a:pPr>
+            <a:r>
+              <a:rPr lang="hr-HR" sz="2200" b="1" dirty="0" smtClean="0">
+                <a:solidFill>
+                  <a:srgbClr val="FFC000"/>
+                </a:solidFill>
+                <a:latin typeface="Calibri" pitchFamily="34" charset="0"/>
+                <a:ea typeface="WenQuanYi Micro Hei" charset="0"/>
+                <a:cs typeface="Calibri" pitchFamily="34" charset="0"/>
+              </a:rPr>
+              <a:t>TRADICIONALNA – </a:t>
+            </a:r>
+            <a:r>
+              <a:rPr lang="pl-PL" sz="2200" dirty="0" smtClean="0">
+                <a:latin typeface="Calibri" pitchFamily="34" charset="0"/>
+                <a:cs typeface="Calibri" pitchFamily="34" charset="0"/>
+              </a:rPr>
+              <a:t>legitimnost  na </a:t>
+            </a:r>
+            <a:r>
+              <a:rPr lang="pl-PL" sz="2200" dirty="0">
+                <a:latin typeface="Calibri" pitchFamily="34" charset="0"/>
+                <a:cs typeface="Calibri" pitchFamily="34" charset="0"/>
+              </a:rPr>
+              <a:t>temelju </a:t>
+            </a:r>
+            <a:r>
+              <a:rPr lang="pl-PL" sz="2200" b="1" dirty="0">
+                <a:solidFill>
+                  <a:srgbClr val="FFC000"/>
+                </a:solidFill>
+                <a:effectLst>
+                  <a:outerShdw blurRad="38100" dist="38100" dir="2700000" algn="tl">
+                    <a:srgbClr val="000000">
+                      <a:alpha val="43137"/>
+                    </a:srgbClr>
+                  </a:outerShdw>
+                </a:effectLst>
+                <a:latin typeface="Calibri" pitchFamily="34" charset="0"/>
+                <a:cs typeface="Calibri" pitchFamily="34" charset="0"/>
+              </a:rPr>
+              <a:t>tradicije</a:t>
+            </a:r>
+            <a:r>
+              <a:rPr lang="pl-PL" sz="2200" dirty="0">
+                <a:latin typeface="Calibri" pitchFamily="34" charset="0"/>
+                <a:cs typeface="Calibri" pitchFamily="34" charset="0"/>
+              </a:rPr>
+              <a:t>, </a:t>
+            </a:r>
+            <a:r>
+              <a:rPr lang="pl-PL" sz="2200" b="1" dirty="0">
+                <a:solidFill>
+                  <a:srgbClr val="FFC000"/>
+                </a:solidFill>
+                <a:effectLst>
+                  <a:outerShdw blurRad="38100" dist="38100" dir="2700000" algn="tl">
+                    <a:srgbClr val="000000">
+                      <a:alpha val="43137"/>
+                    </a:srgbClr>
+                  </a:outerShdw>
+                </a:effectLst>
+                <a:latin typeface="Calibri" pitchFamily="34" charset="0"/>
+                <a:cs typeface="Calibri" pitchFamily="34" charset="0"/>
+              </a:rPr>
+              <a:t>običaja</a:t>
+            </a:r>
+            <a:r>
+              <a:rPr lang="pl-PL" sz="2200" dirty="0">
+                <a:latin typeface="Calibri" pitchFamily="34" charset="0"/>
+                <a:cs typeface="Calibri" pitchFamily="34" charset="0"/>
+              </a:rPr>
+              <a:t> i </a:t>
+            </a:r>
+            <a:r>
+              <a:rPr lang="pl-PL" sz="2200" b="1" dirty="0">
+                <a:solidFill>
+                  <a:srgbClr val="FFC000"/>
+                </a:solidFill>
+                <a:effectLst>
+                  <a:outerShdw blurRad="38100" dist="38100" dir="2700000" algn="tl">
+                    <a:srgbClr val="000000">
+                      <a:alpha val="43137"/>
+                    </a:srgbClr>
+                  </a:outerShdw>
+                </a:effectLst>
+                <a:latin typeface="Calibri" pitchFamily="34" charset="0"/>
+                <a:cs typeface="Calibri" pitchFamily="34" charset="0"/>
+              </a:rPr>
+              <a:t>nepisanih </a:t>
+            </a:r>
+            <a:r>
+              <a:rPr lang="pl-PL" sz="2200" b="1" dirty="0" smtClean="0">
+                <a:solidFill>
+                  <a:srgbClr val="FFC000"/>
+                </a:solidFill>
+                <a:effectLst>
+                  <a:outerShdw blurRad="38100" dist="38100" dir="2700000" algn="tl">
+                    <a:srgbClr val="000000">
+                      <a:alpha val="43137"/>
+                    </a:srgbClr>
+                  </a:outerShdw>
+                </a:effectLst>
+                <a:latin typeface="Calibri" pitchFamily="34" charset="0"/>
+                <a:cs typeface="Calibri" pitchFamily="34" charset="0"/>
+              </a:rPr>
+              <a:t>pravila </a:t>
+            </a:r>
+          </a:p>
+          <a:p>
+            <a:pPr marL="1431000" lvl="2" indent="-288000">
+              <a:lnSpc>
+                <a:spcPct val="100000"/>
+              </a:lnSpc>
+              <a:spcBef>
+                <a:spcPts val="600"/>
+              </a:spcBef>
+              <a:buClr>
+                <a:schemeClr val="tx1"/>
+              </a:buClr>
+              <a:buFont typeface="Arial" pitchFamily="34" charset="0"/>
+              <a:buChar char="–"/>
+              <a:tabLst>
+                <a:tab pos="723900" algn="l"/>
+                <a:tab pos="1447800" algn="l"/>
+                <a:tab pos="2171700" algn="l"/>
+                <a:tab pos="2895600" algn="l"/>
+                <a:tab pos="3619500" algn="l"/>
+                <a:tab pos="4343400" algn="l"/>
+                <a:tab pos="5067300" algn="l"/>
+                <a:tab pos="5791200" algn="l"/>
+                <a:tab pos="6515100" algn="l"/>
+                <a:tab pos="7239000" algn="l"/>
+                <a:tab pos="7962900" algn="l"/>
+                <a:tab pos="8686800" algn="l"/>
+              </a:tabLst>
+            </a:pPr>
+            <a:r>
+              <a:rPr lang="pl-PL" sz="2200" b="1" dirty="0" smtClean="0">
+                <a:solidFill>
+                  <a:srgbClr val="FFC000"/>
+                </a:solidFill>
+                <a:effectLst>
+                  <a:outerShdw blurRad="38100" dist="38100" dir="2700000" algn="tl">
+                    <a:srgbClr val="000000">
+                      <a:alpha val="43137"/>
+                    </a:srgbClr>
+                  </a:outerShdw>
+                </a:effectLst>
+                <a:latin typeface="Calibri" pitchFamily="34" charset="0"/>
+                <a:cs typeface="Calibri" pitchFamily="34" charset="0"/>
+              </a:rPr>
+              <a:t>poslušnost osobi, a ne zakonu</a:t>
+            </a:r>
+            <a:endParaRPr lang="pl-PL" sz="2200" b="1" dirty="0">
+              <a:solidFill>
+                <a:srgbClr val="FFC000"/>
+              </a:solidFill>
+              <a:effectLst>
+                <a:outerShdw blurRad="38100" dist="38100" dir="2700000" algn="tl">
+                  <a:srgbClr val="000000">
+                    <a:alpha val="43137"/>
+                  </a:srgbClr>
+                </a:outerShdw>
+              </a:effectLst>
+              <a:latin typeface="Calibri" pitchFamily="34" charset="0"/>
+              <a:cs typeface="Calibri" pitchFamily="34" charset="0"/>
+            </a:endParaRPr>
+          </a:p>
+          <a:p>
+            <a:pPr marL="1030950" lvl="1" indent="-288000">
+              <a:lnSpc>
+                <a:spcPct val="100000"/>
+              </a:lnSpc>
+              <a:spcBef>
+                <a:spcPts val="1200"/>
+              </a:spcBef>
+              <a:buClr>
+                <a:schemeClr val="tx1"/>
+              </a:buClr>
+              <a:buFont typeface="Arial" pitchFamily="34" charset="0"/>
+              <a:buChar char="–"/>
+              <a:tabLst>
+                <a:tab pos="723900" algn="l"/>
+                <a:tab pos="1447800" algn="l"/>
+                <a:tab pos="2171700" algn="l"/>
+                <a:tab pos="2895600" algn="l"/>
+                <a:tab pos="3619500" algn="l"/>
+                <a:tab pos="4343400" algn="l"/>
+                <a:tab pos="5067300" algn="l"/>
+                <a:tab pos="5791200" algn="l"/>
+                <a:tab pos="6515100" algn="l"/>
+                <a:tab pos="7239000" algn="l"/>
+                <a:tab pos="7962900" algn="l"/>
+                <a:tab pos="8686800" algn="l"/>
+              </a:tabLst>
+            </a:pPr>
+            <a:r>
+              <a:rPr lang="hr-HR" sz="2200" b="1" dirty="0" smtClean="0">
+                <a:solidFill>
+                  <a:srgbClr val="FFC000"/>
+                </a:solidFill>
+                <a:latin typeface="Calibri" pitchFamily="34" charset="0"/>
+                <a:ea typeface="WenQuanYi Micro Hei" charset="0"/>
+                <a:cs typeface="Calibri" pitchFamily="34" charset="0"/>
+              </a:rPr>
+              <a:t>KARIZMATIČNA – </a:t>
+            </a:r>
+            <a:r>
+              <a:rPr lang="pl-PL" sz="2200" dirty="0" smtClean="0">
+                <a:latin typeface="Calibri" pitchFamily="34" charset="0"/>
+                <a:cs typeface="Calibri" pitchFamily="34" charset="0"/>
+              </a:rPr>
+              <a:t>legitimnost  </a:t>
+            </a:r>
+            <a:r>
+              <a:rPr lang="pl-PL" sz="2200" dirty="0">
+                <a:latin typeface="Calibri" pitchFamily="34" charset="0"/>
+                <a:cs typeface="Calibri" pitchFamily="34" charset="0"/>
+              </a:rPr>
+              <a:t>na temelju </a:t>
+            </a:r>
+            <a:r>
+              <a:rPr lang="pl-PL" sz="2200" b="1" dirty="0">
+                <a:solidFill>
+                  <a:srgbClr val="FFC000"/>
+                </a:solidFill>
+                <a:effectLst>
+                  <a:outerShdw blurRad="38100" dist="38100" dir="2700000" algn="tl">
+                    <a:srgbClr val="000000">
+                      <a:alpha val="43137"/>
+                    </a:srgbClr>
+                  </a:outerShdw>
+                </a:effectLst>
+                <a:latin typeface="Calibri" pitchFamily="34" charset="0"/>
+                <a:cs typeface="Calibri" pitchFamily="34" charset="0"/>
+              </a:rPr>
+              <a:t>vjerovanja u iznimne i nadnaravne osobine </a:t>
+            </a:r>
+            <a:r>
+              <a:rPr lang="pl-PL" sz="2200" b="1" dirty="0" smtClean="0">
+                <a:solidFill>
+                  <a:srgbClr val="FFC000"/>
+                </a:solidFill>
+                <a:effectLst>
+                  <a:outerShdw blurRad="38100" dist="38100" dir="2700000" algn="tl">
+                    <a:srgbClr val="000000">
+                      <a:alpha val="43137"/>
+                    </a:srgbClr>
+                  </a:outerShdw>
+                </a:effectLst>
+                <a:latin typeface="Calibri" pitchFamily="34" charset="0"/>
+                <a:cs typeface="Calibri" pitchFamily="34" charset="0"/>
+              </a:rPr>
+              <a:t>vođe </a:t>
+            </a:r>
+          </a:p>
+          <a:p>
+            <a:pPr marL="1431000" lvl="2" indent="-288000">
+              <a:lnSpc>
+                <a:spcPct val="100000"/>
+              </a:lnSpc>
+              <a:spcBef>
+                <a:spcPts val="600"/>
+              </a:spcBef>
+              <a:buClr>
+                <a:schemeClr val="tx1"/>
+              </a:buClr>
+              <a:buFont typeface="Arial" pitchFamily="34" charset="0"/>
+              <a:buChar char="–"/>
+              <a:tabLst>
+                <a:tab pos="723900" algn="l"/>
+                <a:tab pos="1447800" algn="l"/>
+                <a:tab pos="2171700" algn="l"/>
+                <a:tab pos="2895600" algn="l"/>
+                <a:tab pos="3619500" algn="l"/>
+                <a:tab pos="4343400" algn="l"/>
+                <a:tab pos="5067300" algn="l"/>
+                <a:tab pos="5791200" algn="l"/>
+                <a:tab pos="6515100" algn="l"/>
+                <a:tab pos="7239000" algn="l"/>
+                <a:tab pos="7962900" algn="l"/>
+                <a:tab pos="8686800" algn="l"/>
+              </a:tabLst>
+            </a:pPr>
+            <a:r>
+              <a:rPr lang="pl-PL" sz="2200" b="1" dirty="0" smtClean="0">
+                <a:solidFill>
+                  <a:srgbClr val="FFC000"/>
+                </a:solidFill>
+                <a:effectLst>
+                  <a:outerShdw blurRad="38100" dist="38100" dir="2700000" algn="tl">
+                    <a:srgbClr val="000000">
+                      <a:alpha val="43137"/>
+                    </a:srgbClr>
+                  </a:outerShdw>
+                </a:effectLst>
+                <a:latin typeface="Calibri" pitchFamily="34" charset="0"/>
+                <a:cs typeface="Calibri" pitchFamily="34" charset="0"/>
+              </a:rPr>
+              <a:t>poslušnost osobi (vođi), a ne zakonu</a:t>
+            </a:r>
+            <a:endParaRPr lang="pl-PL" sz="2200" b="1" dirty="0">
+              <a:solidFill>
+                <a:srgbClr val="FFC000"/>
+              </a:solidFill>
+              <a:effectLst>
+                <a:outerShdw blurRad="38100" dist="38100" dir="2700000" algn="tl">
+                  <a:srgbClr val="000000">
+                    <a:alpha val="43137"/>
+                  </a:srgbClr>
+                </a:outerShdw>
+              </a:effectLst>
+              <a:latin typeface="Calibri" pitchFamily="34" charset="0"/>
+              <a:cs typeface="Calibri" pitchFamily="34" charset="0"/>
+            </a:endParaRPr>
+          </a:p>
+          <a:p>
+            <a:pPr marL="288000" indent="-288000">
+              <a:lnSpc>
+                <a:spcPct val="100000"/>
+              </a:lnSpc>
+              <a:spcBef>
+                <a:spcPts val="1800"/>
+              </a:spcBef>
+              <a:buClr>
+                <a:schemeClr val="tx1"/>
+              </a:buClr>
+              <a:buFont typeface="Arial" pitchFamily="34" charset="0"/>
+              <a:buChar char="–"/>
+              <a:tabLst>
+                <a:tab pos="723900" algn="l"/>
+                <a:tab pos="1447800" algn="l"/>
+                <a:tab pos="2171700" algn="l"/>
+                <a:tab pos="2895600" algn="l"/>
+                <a:tab pos="3619500" algn="l"/>
+                <a:tab pos="4343400" algn="l"/>
+                <a:tab pos="5067300" algn="l"/>
+                <a:tab pos="5791200" algn="l"/>
+                <a:tab pos="6515100" algn="l"/>
+                <a:tab pos="7239000" algn="l"/>
+                <a:tab pos="7962900" algn="l"/>
+                <a:tab pos="8686800" algn="l"/>
+              </a:tabLst>
+            </a:pPr>
+            <a:r>
+              <a:rPr lang="vi-VN" sz="2200" b="1" dirty="0">
+                <a:solidFill>
+                  <a:srgbClr val="FFC000"/>
+                </a:solidFill>
+                <a:effectLst>
+                  <a:outerShdw blurRad="38100" dist="38100" dir="2700000" algn="tl">
+                    <a:srgbClr val="000000">
+                      <a:alpha val="43137"/>
+                    </a:srgbClr>
+                  </a:outerShdw>
+                </a:effectLst>
+                <a:latin typeface="Calibri" pitchFamily="34" charset="0"/>
+                <a:ea typeface="WenQuanYi Micro Hei" charset="0"/>
+                <a:cs typeface="Calibri" pitchFamily="34" charset="0"/>
+              </a:rPr>
+              <a:t>AUTORITET </a:t>
+            </a:r>
+            <a:r>
+              <a:rPr lang="vi-VN" sz="2200" dirty="0">
+                <a:latin typeface="Calibri" pitchFamily="34" charset="0"/>
+                <a:ea typeface="WenQuanYi Micro Hei" charset="0"/>
+                <a:cs typeface="Calibri" pitchFamily="34" charset="0"/>
+              </a:rPr>
+              <a:t>podrazumijeva </a:t>
+            </a:r>
+            <a:r>
+              <a:rPr lang="vi-VN" sz="2200" b="1" dirty="0">
+                <a:latin typeface="Calibri" pitchFamily="34" charset="0"/>
+                <a:ea typeface="WenQuanYi Micro Hei" charset="0"/>
+                <a:cs typeface="Calibri" pitchFamily="34" charset="0"/>
+              </a:rPr>
+              <a:t>razinu poštovanja ili časti povezanih s društvenim položajem</a:t>
+            </a:r>
+            <a:endParaRPr lang="hr-HR" sz="2200" dirty="0">
+              <a:latin typeface="Calibri" pitchFamily="34" charset="0"/>
+              <a:ea typeface="WenQuanYi Micro Hei" charset="0"/>
+              <a:cs typeface="Calibri" pitchFamily="34" charset="0"/>
+            </a:endParaRPr>
+          </a:p>
+          <a:p>
+            <a:pPr marL="288000" indent="-288000">
+              <a:lnSpc>
+                <a:spcPct val="100000"/>
+              </a:lnSpc>
+              <a:spcBef>
+                <a:spcPts val="1200"/>
+              </a:spcBef>
+              <a:buClr>
+                <a:schemeClr val="tx1"/>
+              </a:buClr>
+              <a:buFont typeface="Arial" pitchFamily="34" charset="0"/>
+              <a:buChar char="–"/>
+              <a:tabLst>
+                <a:tab pos="723900" algn="l"/>
+                <a:tab pos="1447800" algn="l"/>
+                <a:tab pos="2171700" algn="l"/>
+                <a:tab pos="2895600" algn="l"/>
+                <a:tab pos="3619500" algn="l"/>
+                <a:tab pos="4343400" algn="l"/>
+                <a:tab pos="5067300" algn="l"/>
+                <a:tab pos="5791200" algn="l"/>
+                <a:tab pos="6515100" algn="l"/>
+                <a:tab pos="7239000" algn="l"/>
+                <a:tab pos="7962900" algn="l"/>
+                <a:tab pos="8686800" algn="l"/>
+              </a:tabLst>
+            </a:pPr>
+            <a:endParaRPr lang="hr-HR" sz="2200" dirty="0" smtClean="0">
+              <a:latin typeface="Calibri" pitchFamily="34" charset="0"/>
+              <a:ea typeface="WenQuanYi Micro Hei" charset="0"/>
+              <a:cs typeface="Calibri" pitchFamily="34" charset="0"/>
+            </a:endParaRPr>
+          </a:p>
+        </p:txBody>
+      </p:sp>
+    </p:spTree>
+    <p:extLst>
+      <p:ext uri="{BB962C8B-B14F-4D97-AF65-F5344CB8AC3E}">
+        <p14:creationId xmlns:p14="http://schemas.microsoft.com/office/powerpoint/2010/main" val="2173950804"/>
+      </p:ext>
+    </p:extLst>
+  </p:cSld>
+  <p:clrMapOvr>
+    <a:masterClrMapping/>
+  </p:clrMapOvr>
+  <mc:AlternateContent xmlns:mc="http://schemas.openxmlformats.org/markup-compatibility/2006">
+    <mc:Choice xmlns:p14="http://schemas.microsoft.com/office/powerpoint/2010/main" Requires="p14">
+      <p:transition p14:dur="250">
+        <p:fade thruBlk="1"/>
+      </p:transition>
+    </mc:Choice>
+    <mc:Fallback>
+      <p:transition>
+        <p:fade thruBlk="1"/>
+      </p:transition>
+    </mc:Fallback>
+  </mc:AlternateContent>
+  <p:timing>
+    <p:tnLst>
+      <p:par>
+        <p:cTn id="1" dur="indefinite" restart="never" nodeType="tmRoot"/>
+      </p:par>
+    </p:tnLst>
+  </p:timing>
+</p:sld>
+</file>
+
+<file path=ppt/slides/slide23.xml><?xml version="1.0" encoding="utf-8"?>
 <p:sld xmlns:a="http://schemas.openxmlformats.org/drawingml/2006/main" xmlns:r="http://schemas.openxmlformats.org/officeDocument/2006/relationships" xmlns:p="http://schemas.openxmlformats.org/presentationml/2006/main">
   <p:cSld>
     <p:spTree>
@@ -21543,7 +23228,7 @@
 </p:sld>
 </file>
 
-<file path=ppt/slides/slide22.xml><?xml version="1.0" encoding="utf-8"?>
+<file path=ppt/slides/slide24.xml><?xml version="1.0" encoding="utf-8"?>
 <p:sld xmlns:a="http://schemas.openxmlformats.org/drawingml/2006/main" xmlns:r="http://schemas.openxmlformats.org/officeDocument/2006/relationships" xmlns:p="http://schemas.openxmlformats.org/presentationml/2006/main">
   <p:cSld>
     <p:spTree>
@@ -22802,7 +24487,7 @@
 </p:sld>
 </file>
 
-<file path=ppt/slides/slide23.xml><?xml version="1.0" encoding="utf-8"?>
+<file path=ppt/slides/slide25.xml><?xml version="1.0" encoding="utf-8"?>
 <p:sld xmlns:a="http://schemas.openxmlformats.org/drawingml/2006/main" xmlns:r="http://schemas.openxmlformats.org/officeDocument/2006/relationships" xmlns:p="http://schemas.openxmlformats.org/presentationml/2006/main">
   <p:cSld>
     <p:spTree>
@@ -25456,7 +27141,7 @@
 </p:sld>
 </file>
 
-<file path=ppt/slides/slide24.xml><?xml version="1.0" encoding="utf-8"?>
+<file path=ppt/slides/slide26.xml><?xml version="1.0" encoding="utf-8"?>
 <p:sld xmlns:a="http://schemas.openxmlformats.org/drawingml/2006/main" xmlns:r="http://schemas.openxmlformats.org/officeDocument/2006/relationships" xmlns:p="http://schemas.openxmlformats.org/presentationml/2006/main">
   <p:cSld>
     <p:spTree>
@@ -26703,7 +28388,7 @@
 </p:sld>
 </file>
 
-<file path=ppt/slides/slide25.xml><?xml version="1.0" encoding="utf-8"?>
+<file path=ppt/slides/slide27.xml><?xml version="1.0" encoding="utf-8"?>
 <p:sld xmlns:a="http://schemas.openxmlformats.org/drawingml/2006/main" xmlns:r="http://schemas.openxmlformats.org/officeDocument/2006/relationships" xmlns:p="http://schemas.openxmlformats.org/presentationml/2006/main">
   <p:cSld>
     <p:spTree>
@@ -27273,7 +28958,7 @@
 </p:sld>
 </file>
 
-<file path=ppt/slides/slide26.xml><?xml version="1.0" encoding="utf-8"?>
+<file path=ppt/slides/slide28.xml><?xml version="1.0" encoding="utf-8"?>
 <p:sld xmlns:a="http://schemas.openxmlformats.org/drawingml/2006/main" xmlns:r="http://schemas.openxmlformats.org/officeDocument/2006/relationships" xmlns:p="http://schemas.openxmlformats.org/presentationml/2006/main">
   <p:cSld>
     <p:spTree>
@@ -27797,7 +29482,7 @@
 </p:sld>
 </file>
 
-<file path=ppt/slides/slide27.xml><?xml version="1.0" encoding="utf-8"?>
+<file path=ppt/slides/slide29.xml><?xml version="1.0" encoding="utf-8"?>
 <p:sld xmlns:a="http://schemas.openxmlformats.org/drawingml/2006/main" xmlns:r="http://schemas.openxmlformats.org/officeDocument/2006/relationships" xmlns:p="http://schemas.openxmlformats.org/presentationml/2006/main">
   <p:cSld>
     <p:spTree>
@@ -28315,7 +30000,1081 @@
 </p:sld>
 </file>
 
-<file path=ppt/slides/slide28.xml><?xml version="1.0" encoding="utf-8"?>
+<file path=ppt/slides/slide3.xml><?xml version="1.0" encoding="utf-8"?>
+<p:sld xmlns:a="http://schemas.openxmlformats.org/drawingml/2006/main" xmlns:r="http://schemas.openxmlformats.org/officeDocument/2006/relationships" xmlns:p="http://schemas.openxmlformats.org/presentationml/2006/main" show="0">
+  <p:cSld>
+    <p:spTree>
+      <p:nvGrpSpPr>
+        <p:cNvPr id="1" name=""/>
+        <p:cNvGrpSpPr/>
+        <p:nvPr/>
+      </p:nvGrpSpPr>
+      <p:grpSpPr>
+        <a:xfrm>
+          <a:off x="0" y="0"/>
+          <a:ext cx="0" cy="0"/>
+          <a:chOff x="0" y="0"/>
+          <a:chExt cx="0" cy="0"/>
+        </a:xfrm>
+      </p:grpSpPr>
+      <p:sp>
+        <p:nvSpPr>
+          <p:cNvPr id="8" name="Rectangle 2"/>
+          <p:cNvSpPr>
+            <a:spLocks noChangeArrowheads="1"/>
+          </p:cNvSpPr>
+          <p:nvPr/>
+        </p:nvSpPr>
+        <p:spPr bwMode="auto">
+          <a:xfrm>
+            <a:off x="142844" y="620688"/>
+            <a:ext cx="8929718" cy="6000771"/>
+          </a:xfrm>
+          <a:prstGeom prst="rect">
+            <a:avLst/>
+          </a:prstGeom>
+          <a:noFill/>
+          <a:ln w="9525">
+            <a:noFill/>
+            <a:round/>
+            <a:headEnd/>
+            <a:tailEnd/>
+          </a:ln>
+          <a:effectLst/>
+        </p:spPr>
+        <p:txBody>
+          <a:bodyPr lIns="90000" tIns="45000" rIns="90000" bIns="45000"/>
+          <a:lstStyle/>
+          <a:p>
+            <a:pPr marL="288000" indent="-288000">
+              <a:lnSpc>
+                <a:spcPct val="100000"/>
+              </a:lnSpc>
+              <a:spcBef>
+                <a:spcPts val="3000"/>
+              </a:spcBef>
+              <a:buClr>
+                <a:schemeClr val="tx1"/>
+              </a:buClr>
+              <a:buFont typeface="Arial" pitchFamily="34" charset="0"/>
+              <a:buChar char="–"/>
+              <a:tabLst>
+                <a:tab pos="723900" algn="l"/>
+                <a:tab pos="1447800" algn="l"/>
+                <a:tab pos="2171700" algn="l"/>
+                <a:tab pos="2895600" algn="l"/>
+                <a:tab pos="3619500" algn="l"/>
+                <a:tab pos="4343400" algn="l"/>
+                <a:tab pos="5067300" algn="l"/>
+                <a:tab pos="5791200" algn="l"/>
+                <a:tab pos="6515100" algn="l"/>
+                <a:tab pos="7239000" algn="l"/>
+                <a:tab pos="7962900" algn="l"/>
+                <a:tab pos="8686800" algn="l"/>
+              </a:tabLst>
+            </a:pPr>
+            <a:r>
+              <a:rPr lang="hr-HR" sz="2400" i="1" dirty="0" smtClean="0">
+                <a:latin typeface="Calibri" pitchFamily="34" charset="0"/>
+                <a:cs typeface="Calibri" pitchFamily="34" charset="0"/>
+              </a:rPr>
+              <a:t>„Najveći politički činilac na svijetu je trbuh. To je mašina koja sve pokreće.” –</a:t>
+            </a:r>
+            <a:r>
+              <a:rPr lang="hr-HR" sz="2400" dirty="0" smtClean="0">
+                <a:latin typeface="Calibri" pitchFamily="34" charset="0"/>
+                <a:cs typeface="Calibri" pitchFamily="34" charset="0"/>
+              </a:rPr>
+              <a:t> </a:t>
+            </a:r>
+            <a:r>
+              <a:rPr lang="hr-HR" sz="2400" b="1" dirty="0" err="1" smtClean="0">
+                <a:solidFill>
+                  <a:srgbClr val="FFC000"/>
+                </a:solidFill>
+                <a:latin typeface="Calibri" pitchFamily="34" charset="0"/>
+                <a:cs typeface="Calibri" pitchFamily="34" charset="0"/>
+              </a:rPr>
+              <a:t>Fran</a:t>
+            </a:r>
+            <a:r>
+              <a:rPr lang="hr-HR" sz="2400" b="1" dirty="0" smtClean="0">
+                <a:solidFill>
+                  <a:srgbClr val="FFC000"/>
+                </a:solidFill>
+                <a:latin typeface="Calibri" pitchFamily="34" charset="0"/>
+                <a:cs typeface="Calibri" pitchFamily="34" charset="0"/>
+              </a:rPr>
+              <a:t> Supilo</a:t>
+            </a:r>
+          </a:p>
+          <a:p>
+            <a:pPr marL="288000" indent="-288000">
+              <a:lnSpc>
+                <a:spcPct val="100000"/>
+              </a:lnSpc>
+              <a:spcBef>
+                <a:spcPts val="3000"/>
+              </a:spcBef>
+              <a:buClr>
+                <a:schemeClr val="tx1"/>
+              </a:buClr>
+              <a:buFont typeface="Arial" pitchFamily="34" charset="0"/>
+              <a:buChar char="–"/>
+              <a:tabLst>
+                <a:tab pos="723900" algn="l"/>
+                <a:tab pos="1447800" algn="l"/>
+                <a:tab pos="2171700" algn="l"/>
+                <a:tab pos="2895600" algn="l"/>
+                <a:tab pos="3619500" algn="l"/>
+                <a:tab pos="4343400" algn="l"/>
+                <a:tab pos="5067300" algn="l"/>
+                <a:tab pos="5791200" algn="l"/>
+                <a:tab pos="6515100" algn="l"/>
+                <a:tab pos="7239000" algn="l"/>
+                <a:tab pos="7962900" algn="l"/>
+                <a:tab pos="8686800" algn="l"/>
+              </a:tabLst>
+            </a:pPr>
+            <a:r>
+              <a:rPr lang="hr-HR" sz="2400" i="1" dirty="0" smtClean="0">
+                <a:latin typeface="Calibri" pitchFamily="34" charset="0"/>
+                <a:cs typeface="Calibri" pitchFamily="34" charset="0"/>
+              </a:rPr>
+              <a:t>„Svaki političar mora imati tri stvari: debelu kožu, dobar želudac i čistu savjest.” – </a:t>
+            </a:r>
+            <a:r>
+              <a:rPr lang="hr-HR" sz="2400" b="1" dirty="0" err="1" smtClean="0">
+                <a:solidFill>
+                  <a:srgbClr val="FFC000"/>
+                </a:solidFill>
+                <a:latin typeface="Calibri" pitchFamily="34" charset="0"/>
+                <a:cs typeface="Calibri" pitchFamily="34" charset="0"/>
+              </a:rPr>
+              <a:t>Fran</a:t>
+            </a:r>
+            <a:r>
+              <a:rPr lang="hr-HR" sz="2400" b="1" dirty="0" smtClean="0">
+                <a:solidFill>
+                  <a:srgbClr val="FFC000"/>
+                </a:solidFill>
+                <a:latin typeface="Calibri" pitchFamily="34" charset="0"/>
+                <a:cs typeface="Calibri" pitchFamily="34" charset="0"/>
+              </a:rPr>
+              <a:t> Supilo</a:t>
+            </a:r>
+          </a:p>
+          <a:p>
+            <a:pPr marL="288000" indent="-288000">
+              <a:lnSpc>
+                <a:spcPct val="100000"/>
+              </a:lnSpc>
+              <a:spcBef>
+                <a:spcPts val="3000"/>
+              </a:spcBef>
+              <a:buClr>
+                <a:schemeClr val="tx1"/>
+              </a:buClr>
+              <a:buFont typeface="Arial" pitchFamily="34" charset="0"/>
+              <a:buChar char="–"/>
+              <a:tabLst>
+                <a:tab pos="723900" algn="l"/>
+                <a:tab pos="1447800" algn="l"/>
+                <a:tab pos="2171700" algn="l"/>
+                <a:tab pos="2895600" algn="l"/>
+                <a:tab pos="3619500" algn="l"/>
+                <a:tab pos="4343400" algn="l"/>
+                <a:tab pos="5067300" algn="l"/>
+                <a:tab pos="5791200" algn="l"/>
+                <a:tab pos="6515100" algn="l"/>
+                <a:tab pos="7239000" algn="l"/>
+                <a:tab pos="7962900" algn="l"/>
+                <a:tab pos="8686800" algn="l"/>
+              </a:tabLst>
+            </a:pPr>
+            <a:r>
+              <a:rPr lang="hr-HR" sz="2400" i="1" dirty="0" smtClean="0">
+                <a:latin typeface="Calibri" pitchFamily="34" charset="0"/>
+                <a:cs typeface="Calibri" pitchFamily="34" charset="0"/>
+              </a:rPr>
+              <a:t>„Svi su političari isti. Obećavaju da će napraviti most čak i tamo gdje nema rijeke.” </a:t>
+            </a:r>
+            <a:r>
+              <a:rPr lang="hr-HR" sz="2400" dirty="0" smtClean="0">
+                <a:latin typeface="Calibri" pitchFamily="34" charset="0"/>
+                <a:cs typeface="Calibri" pitchFamily="34" charset="0"/>
+              </a:rPr>
+              <a:t>– </a:t>
+            </a:r>
+            <a:r>
+              <a:rPr lang="hr-HR" sz="2400" b="1" dirty="0" smtClean="0">
+                <a:solidFill>
+                  <a:srgbClr val="FFC000"/>
+                </a:solidFill>
+                <a:latin typeface="Calibri" pitchFamily="34" charset="0"/>
+                <a:cs typeface="Calibri" pitchFamily="34" charset="0"/>
+              </a:rPr>
+              <a:t>Nikita Hruščov</a:t>
+            </a:r>
+          </a:p>
+          <a:p>
+            <a:pPr marL="288000" indent="-288000">
+              <a:lnSpc>
+                <a:spcPct val="100000"/>
+              </a:lnSpc>
+              <a:spcBef>
+                <a:spcPts val="3000"/>
+              </a:spcBef>
+              <a:buClr>
+                <a:schemeClr val="tx1"/>
+              </a:buClr>
+              <a:buFont typeface="Arial" pitchFamily="34" charset="0"/>
+              <a:buChar char="–"/>
+              <a:tabLst>
+                <a:tab pos="723900" algn="l"/>
+                <a:tab pos="1447800" algn="l"/>
+                <a:tab pos="2171700" algn="l"/>
+                <a:tab pos="2895600" algn="l"/>
+                <a:tab pos="3619500" algn="l"/>
+                <a:tab pos="4343400" algn="l"/>
+                <a:tab pos="5067300" algn="l"/>
+                <a:tab pos="5791200" algn="l"/>
+                <a:tab pos="6515100" algn="l"/>
+                <a:tab pos="7239000" algn="l"/>
+                <a:tab pos="7962900" algn="l"/>
+                <a:tab pos="8686800" algn="l"/>
+              </a:tabLst>
+            </a:pPr>
+            <a:r>
+              <a:rPr lang="hr-HR" sz="2400" i="1" dirty="0" smtClean="0">
+                <a:latin typeface="Calibri" pitchFamily="34" charset="0"/>
+                <a:cs typeface="Calibri" pitchFamily="34" charset="0"/>
+              </a:rPr>
+              <a:t>„Došao sam do zaključka da je politika previše ozbiljna stvar da bi bila prepuštena političarima.” </a:t>
+            </a:r>
+            <a:r>
+              <a:rPr lang="hr-HR" sz="2400" dirty="0" smtClean="0">
+                <a:latin typeface="Calibri" pitchFamily="34" charset="0"/>
+                <a:cs typeface="Calibri" pitchFamily="34" charset="0"/>
+              </a:rPr>
+              <a:t>– </a:t>
+            </a:r>
+            <a:r>
+              <a:rPr lang="hr-HR" sz="2400" b="1" dirty="0" smtClean="0">
+                <a:solidFill>
+                  <a:srgbClr val="FFC000"/>
+                </a:solidFill>
+                <a:latin typeface="Calibri" pitchFamily="34" charset="0"/>
+                <a:cs typeface="Calibri" pitchFamily="34" charset="0"/>
+              </a:rPr>
+              <a:t>Charles de Gaulle</a:t>
+            </a:r>
+          </a:p>
+          <a:p>
+            <a:pPr marL="288000" indent="-288000">
+              <a:lnSpc>
+                <a:spcPct val="100000"/>
+              </a:lnSpc>
+              <a:spcBef>
+                <a:spcPts val="3000"/>
+              </a:spcBef>
+              <a:buClr>
+                <a:schemeClr val="tx1"/>
+              </a:buClr>
+              <a:buFont typeface="Arial" pitchFamily="34" charset="0"/>
+              <a:buChar char="–"/>
+              <a:tabLst>
+                <a:tab pos="723900" algn="l"/>
+                <a:tab pos="1447800" algn="l"/>
+                <a:tab pos="2171700" algn="l"/>
+                <a:tab pos="2895600" algn="l"/>
+                <a:tab pos="3619500" algn="l"/>
+                <a:tab pos="4343400" algn="l"/>
+                <a:tab pos="5067300" algn="l"/>
+                <a:tab pos="5791200" algn="l"/>
+                <a:tab pos="6515100" algn="l"/>
+                <a:tab pos="7239000" algn="l"/>
+                <a:tab pos="7962900" algn="l"/>
+                <a:tab pos="8686800" algn="l"/>
+              </a:tabLst>
+            </a:pPr>
+            <a:r>
+              <a:rPr lang="hr-HR" sz="2400" i="1" dirty="0" smtClean="0">
+                <a:latin typeface="Calibri" pitchFamily="34" charset="0"/>
+                <a:cs typeface="Calibri" pitchFamily="34" charset="0"/>
+              </a:rPr>
+              <a:t>„Politika nije loša profesija. Ako uspijete, čekaju vas mnoge nagrade, ako se osramotite, uvijek možete napisati knjigu.” – </a:t>
+            </a:r>
+            <a:r>
+              <a:rPr lang="hr-HR" sz="2400" b="1" dirty="0" smtClean="0">
+                <a:solidFill>
+                  <a:srgbClr val="FFC000"/>
+                </a:solidFill>
+                <a:latin typeface="Calibri" pitchFamily="34" charset="0"/>
+                <a:cs typeface="Calibri" pitchFamily="34" charset="0"/>
+              </a:rPr>
+              <a:t>Ronald Regan</a:t>
+            </a:r>
+          </a:p>
+        </p:txBody>
+      </p:sp>
+    </p:spTree>
+  </p:cSld>
+  <p:clrMapOvr>
+    <a:masterClrMapping/>
+  </p:clrMapOvr>
+  <mc:AlternateContent xmlns:mc="http://schemas.openxmlformats.org/markup-compatibility/2006" xmlns:p14="http://schemas.microsoft.com/office/powerpoint/2010/main">
+    <mc:Choice Requires="p14">
+      <p:transition p14:dur="250">
+        <p:fade thruBlk="1"/>
+      </p:transition>
+    </mc:Choice>
+    <mc:Fallback xmlns="">
+      <p:transition>
+        <p:fade thruBlk="1"/>
+      </p:transition>
+    </mc:Fallback>
+  </mc:AlternateContent>
+  <p:timing>
+    <p:tnLst>
+      <p:par>
+        <p:cTn id="1" dur="indefinite" restart="never" nodeType="tmRoot">
+          <p:childTnLst>
+            <p:seq concurrent="1" nextAc="seek">
+              <p:cTn id="2" dur="indefinite" nodeType="mainSeq">
+                <p:childTnLst>
+                  <p:par>
+                    <p:cTn id="3" fill="hold">
+                      <p:stCondLst>
+                        <p:cond delay="indefinite"/>
+                        <p:cond evt="onBegin" delay="0">
+                          <p:tn val="2"/>
+                        </p:cond>
+                      </p:stCondLst>
+                      <p:childTnLst>
+                        <p:par>
+                          <p:cTn id="4" fill="hold">
+                            <p:stCondLst>
+                              <p:cond delay="0"/>
+                            </p:stCondLst>
+                            <p:childTnLst>
+                              <p:par>
+                                <p:cTn id="5" presetID="10" presetClass="entr" fill="hold" nodeType="withEffect">
+                                  <p:stCondLst>
+                                    <p:cond delay="0"/>
+                                  </p:stCondLst>
+                                  <p:childTnLst>
+                                    <p:set>
+                                      <p:cBhvr additive="repl">
+                                        <p:cTn id="6" dur="1" fill="hold">
+                                          <p:stCondLst>
+                                            <p:cond delay="0"/>
+                                          </p:stCondLst>
+                                        </p:cTn>
+                                        <p:tgtEl>
+                                          <p:spTgt spid="8">
+                                            <p:txEl>
+                                              <p:pRg st="0" end="0"/>
+                                            </p:txEl>
+                                          </p:spTgt>
+                                        </p:tgtEl>
+                                        <p:attrNameLst>
+                                          <p:attrName>style.visibility</p:attrName>
+                                        </p:attrNameLst>
+                                      </p:cBhvr>
+                                      <p:to>
+                                        <p:strVal val="visible"/>
+                                      </p:to>
+                                    </p:set>
+                                    <p:animEffect transition="in" filter="fade">
+                                      <p:cBhvr additive="repl">
+                                        <p:cTn id="7" dur="250"/>
+                                        <p:tgtEl>
+                                          <p:spTgt spid="8">
+                                            <p:txEl>
+                                              <p:pRg st="0" end="0"/>
+                                            </p:txEl>
+                                          </p:spTgt>
+                                        </p:tgtEl>
+                                      </p:cBhvr>
+                                    </p:animEffect>
+                                  </p:childTnLst>
+                                </p:cTn>
+                              </p:par>
+                            </p:childTnLst>
+                          </p:cTn>
+                        </p:par>
+                      </p:childTnLst>
+                    </p:cTn>
+                  </p:par>
+                  <p:par>
+                    <p:cTn id="8" fill="hold">
+                      <p:stCondLst>
+                        <p:cond delay="indefinite"/>
+                      </p:stCondLst>
+                      <p:childTnLst>
+                        <p:par>
+                          <p:cTn id="9" fill="hold">
+                            <p:stCondLst>
+                              <p:cond delay="0"/>
+                            </p:stCondLst>
+                            <p:childTnLst>
+                              <p:par>
+                                <p:cTn id="10" presetID="10" presetClass="exit" presetSubtype="0" fill="hold" nodeType="clickEffect">
+                                  <p:stCondLst>
+                                    <p:cond delay="0"/>
+                                  </p:stCondLst>
+                                  <p:childTnLst>
+                                    <p:animEffect transition="out" filter="fade">
+                                      <p:cBhvr>
+                                        <p:cTn id="11" dur="250"/>
+                                        <p:tgtEl>
+                                          <p:spTgt spid="8">
+                                            <p:txEl>
+                                              <p:pRg st="0" end="0"/>
+                                            </p:txEl>
+                                          </p:spTgt>
+                                        </p:tgtEl>
+                                      </p:cBhvr>
+                                    </p:animEffect>
+                                    <p:set>
+                                      <p:cBhvr>
+                                        <p:cTn id="12" dur="1" fill="hold">
+                                          <p:stCondLst>
+                                            <p:cond delay="249"/>
+                                          </p:stCondLst>
+                                        </p:cTn>
+                                        <p:tgtEl>
+                                          <p:spTgt spid="8">
+                                            <p:txEl>
+                                              <p:pRg st="0" end="0"/>
+                                            </p:txEl>
+                                          </p:spTgt>
+                                        </p:tgtEl>
+                                        <p:attrNameLst>
+                                          <p:attrName>style.visibility</p:attrName>
+                                        </p:attrNameLst>
+                                      </p:cBhvr>
+                                      <p:to>
+                                        <p:strVal val="hidden"/>
+                                      </p:to>
+                                    </p:set>
+                                  </p:childTnLst>
+                                </p:cTn>
+                              </p:par>
+                            </p:childTnLst>
+                          </p:cTn>
+                        </p:par>
+                        <p:par>
+                          <p:cTn id="13" fill="hold">
+                            <p:stCondLst>
+                              <p:cond delay="250"/>
+                            </p:stCondLst>
+                            <p:childTnLst>
+                              <p:par>
+                                <p:cTn id="14" presetID="10" presetClass="entr" fill="hold" nodeType="afterEffect">
+                                  <p:stCondLst>
+                                    <p:cond delay="0"/>
+                                  </p:stCondLst>
+                                  <p:childTnLst>
+                                    <p:set>
+                                      <p:cBhvr additive="repl">
+                                        <p:cTn id="15" dur="1" fill="hold">
+                                          <p:stCondLst>
+                                            <p:cond delay="0"/>
+                                          </p:stCondLst>
+                                        </p:cTn>
+                                        <p:tgtEl>
+                                          <p:spTgt spid="8">
+                                            <p:txEl>
+                                              <p:pRg st="1" end="1"/>
+                                            </p:txEl>
+                                          </p:spTgt>
+                                        </p:tgtEl>
+                                        <p:attrNameLst>
+                                          <p:attrName>style.visibility</p:attrName>
+                                        </p:attrNameLst>
+                                      </p:cBhvr>
+                                      <p:to>
+                                        <p:strVal val="visible"/>
+                                      </p:to>
+                                    </p:set>
+                                    <p:animEffect transition="in" filter="fade">
+                                      <p:cBhvr additive="repl">
+                                        <p:cTn id="16" dur="250"/>
+                                        <p:tgtEl>
+                                          <p:spTgt spid="8">
+                                            <p:txEl>
+                                              <p:pRg st="1" end="1"/>
+                                            </p:txEl>
+                                          </p:spTgt>
+                                        </p:tgtEl>
+                                      </p:cBhvr>
+                                    </p:animEffect>
+                                  </p:childTnLst>
+                                </p:cTn>
+                              </p:par>
+                            </p:childTnLst>
+                          </p:cTn>
+                        </p:par>
+                      </p:childTnLst>
+                    </p:cTn>
+                  </p:par>
+                  <p:par>
+                    <p:cTn id="17" fill="hold">
+                      <p:stCondLst>
+                        <p:cond delay="indefinite"/>
+                      </p:stCondLst>
+                      <p:childTnLst>
+                        <p:par>
+                          <p:cTn id="18" fill="hold">
+                            <p:stCondLst>
+                              <p:cond delay="0"/>
+                            </p:stCondLst>
+                            <p:childTnLst>
+                              <p:par>
+                                <p:cTn id="19" presetID="10" presetClass="exit" presetSubtype="0" fill="hold" nodeType="clickEffect">
+                                  <p:stCondLst>
+                                    <p:cond delay="0"/>
+                                  </p:stCondLst>
+                                  <p:childTnLst>
+                                    <p:animEffect transition="out" filter="fade">
+                                      <p:cBhvr>
+                                        <p:cTn id="20" dur="250"/>
+                                        <p:tgtEl>
+                                          <p:spTgt spid="8">
+                                            <p:txEl>
+                                              <p:pRg st="1" end="1"/>
+                                            </p:txEl>
+                                          </p:spTgt>
+                                        </p:tgtEl>
+                                      </p:cBhvr>
+                                    </p:animEffect>
+                                    <p:set>
+                                      <p:cBhvr>
+                                        <p:cTn id="21" dur="1" fill="hold">
+                                          <p:stCondLst>
+                                            <p:cond delay="249"/>
+                                          </p:stCondLst>
+                                        </p:cTn>
+                                        <p:tgtEl>
+                                          <p:spTgt spid="8">
+                                            <p:txEl>
+                                              <p:pRg st="1" end="1"/>
+                                            </p:txEl>
+                                          </p:spTgt>
+                                        </p:tgtEl>
+                                        <p:attrNameLst>
+                                          <p:attrName>style.visibility</p:attrName>
+                                        </p:attrNameLst>
+                                      </p:cBhvr>
+                                      <p:to>
+                                        <p:strVal val="hidden"/>
+                                      </p:to>
+                                    </p:set>
+                                  </p:childTnLst>
+                                </p:cTn>
+                              </p:par>
+                            </p:childTnLst>
+                          </p:cTn>
+                        </p:par>
+                        <p:par>
+                          <p:cTn id="22" fill="hold">
+                            <p:stCondLst>
+                              <p:cond delay="250"/>
+                            </p:stCondLst>
+                            <p:childTnLst>
+                              <p:par>
+                                <p:cTn id="23" presetID="10" presetClass="entr" fill="hold" nodeType="afterEffect">
+                                  <p:stCondLst>
+                                    <p:cond delay="0"/>
+                                  </p:stCondLst>
+                                  <p:childTnLst>
+                                    <p:set>
+                                      <p:cBhvr additive="repl">
+                                        <p:cTn id="24" dur="1" fill="hold">
+                                          <p:stCondLst>
+                                            <p:cond delay="0"/>
+                                          </p:stCondLst>
+                                        </p:cTn>
+                                        <p:tgtEl>
+                                          <p:spTgt spid="8">
+                                            <p:txEl>
+                                              <p:pRg st="2" end="2"/>
+                                            </p:txEl>
+                                          </p:spTgt>
+                                        </p:tgtEl>
+                                        <p:attrNameLst>
+                                          <p:attrName>style.visibility</p:attrName>
+                                        </p:attrNameLst>
+                                      </p:cBhvr>
+                                      <p:to>
+                                        <p:strVal val="visible"/>
+                                      </p:to>
+                                    </p:set>
+                                    <p:animEffect transition="in" filter="fade">
+                                      <p:cBhvr additive="repl">
+                                        <p:cTn id="25" dur="250"/>
+                                        <p:tgtEl>
+                                          <p:spTgt spid="8">
+                                            <p:txEl>
+                                              <p:pRg st="2" end="2"/>
+                                            </p:txEl>
+                                          </p:spTgt>
+                                        </p:tgtEl>
+                                      </p:cBhvr>
+                                    </p:animEffect>
+                                  </p:childTnLst>
+                                </p:cTn>
+                              </p:par>
+                            </p:childTnLst>
+                          </p:cTn>
+                        </p:par>
+                      </p:childTnLst>
+                    </p:cTn>
+                  </p:par>
+                  <p:par>
+                    <p:cTn id="26" fill="hold">
+                      <p:stCondLst>
+                        <p:cond delay="indefinite"/>
+                      </p:stCondLst>
+                      <p:childTnLst>
+                        <p:par>
+                          <p:cTn id="27" fill="hold">
+                            <p:stCondLst>
+                              <p:cond delay="0"/>
+                            </p:stCondLst>
+                            <p:childTnLst>
+                              <p:par>
+                                <p:cTn id="28" presetID="10" presetClass="exit" presetSubtype="0" fill="hold" nodeType="clickEffect">
+                                  <p:stCondLst>
+                                    <p:cond delay="0"/>
+                                  </p:stCondLst>
+                                  <p:childTnLst>
+                                    <p:animEffect transition="out" filter="fade">
+                                      <p:cBhvr>
+                                        <p:cTn id="29" dur="250"/>
+                                        <p:tgtEl>
+                                          <p:spTgt spid="8">
+                                            <p:txEl>
+                                              <p:pRg st="2" end="2"/>
+                                            </p:txEl>
+                                          </p:spTgt>
+                                        </p:tgtEl>
+                                      </p:cBhvr>
+                                    </p:animEffect>
+                                    <p:set>
+                                      <p:cBhvr>
+                                        <p:cTn id="30" dur="1" fill="hold">
+                                          <p:stCondLst>
+                                            <p:cond delay="249"/>
+                                          </p:stCondLst>
+                                        </p:cTn>
+                                        <p:tgtEl>
+                                          <p:spTgt spid="8">
+                                            <p:txEl>
+                                              <p:pRg st="2" end="2"/>
+                                            </p:txEl>
+                                          </p:spTgt>
+                                        </p:tgtEl>
+                                        <p:attrNameLst>
+                                          <p:attrName>style.visibility</p:attrName>
+                                        </p:attrNameLst>
+                                      </p:cBhvr>
+                                      <p:to>
+                                        <p:strVal val="hidden"/>
+                                      </p:to>
+                                    </p:set>
+                                  </p:childTnLst>
+                                </p:cTn>
+                              </p:par>
+                            </p:childTnLst>
+                          </p:cTn>
+                        </p:par>
+                        <p:par>
+                          <p:cTn id="31" fill="hold">
+                            <p:stCondLst>
+                              <p:cond delay="250"/>
+                            </p:stCondLst>
+                            <p:childTnLst>
+                              <p:par>
+                                <p:cTn id="32" presetID="10" presetClass="entr" fill="hold" nodeType="afterEffect">
+                                  <p:stCondLst>
+                                    <p:cond delay="0"/>
+                                  </p:stCondLst>
+                                  <p:childTnLst>
+                                    <p:set>
+                                      <p:cBhvr additive="repl">
+                                        <p:cTn id="33" dur="1" fill="hold">
+                                          <p:stCondLst>
+                                            <p:cond delay="0"/>
+                                          </p:stCondLst>
+                                        </p:cTn>
+                                        <p:tgtEl>
+                                          <p:spTgt spid="8">
+                                            <p:txEl>
+                                              <p:pRg st="3" end="3"/>
+                                            </p:txEl>
+                                          </p:spTgt>
+                                        </p:tgtEl>
+                                        <p:attrNameLst>
+                                          <p:attrName>style.visibility</p:attrName>
+                                        </p:attrNameLst>
+                                      </p:cBhvr>
+                                      <p:to>
+                                        <p:strVal val="visible"/>
+                                      </p:to>
+                                    </p:set>
+                                    <p:animEffect transition="in" filter="fade">
+                                      <p:cBhvr additive="repl">
+                                        <p:cTn id="34" dur="250"/>
+                                        <p:tgtEl>
+                                          <p:spTgt spid="8">
+                                            <p:txEl>
+                                              <p:pRg st="3" end="3"/>
+                                            </p:txEl>
+                                          </p:spTgt>
+                                        </p:tgtEl>
+                                      </p:cBhvr>
+                                    </p:animEffect>
+                                  </p:childTnLst>
+                                </p:cTn>
+                              </p:par>
+                            </p:childTnLst>
+                          </p:cTn>
+                        </p:par>
+                      </p:childTnLst>
+                    </p:cTn>
+                  </p:par>
+                  <p:par>
+                    <p:cTn id="35" fill="hold">
+                      <p:stCondLst>
+                        <p:cond delay="indefinite"/>
+                      </p:stCondLst>
+                      <p:childTnLst>
+                        <p:par>
+                          <p:cTn id="36" fill="hold">
+                            <p:stCondLst>
+                              <p:cond delay="0"/>
+                            </p:stCondLst>
+                            <p:childTnLst>
+                              <p:par>
+                                <p:cTn id="37" presetID="10" presetClass="exit" presetSubtype="0" fill="hold" nodeType="clickEffect">
+                                  <p:stCondLst>
+                                    <p:cond delay="0"/>
+                                  </p:stCondLst>
+                                  <p:childTnLst>
+                                    <p:animEffect transition="out" filter="fade">
+                                      <p:cBhvr>
+                                        <p:cTn id="38" dur="250"/>
+                                        <p:tgtEl>
+                                          <p:spTgt spid="8">
+                                            <p:txEl>
+                                              <p:pRg st="3" end="3"/>
+                                            </p:txEl>
+                                          </p:spTgt>
+                                        </p:tgtEl>
+                                      </p:cBhvr>
+                                    </p:animEffect>
+                                    <p:set>
+                                      <p:cBhvr>
+                                        <p:cTn id="39" dur="1" fill="hold">
+                                          <p:stCondLst>
+                                            <p:cond delay="249"/>
+                                          </p:stCondLst>
+                                        </p:cTn>
+                                        <p:tgtEl>
+                                          <p:spTgt spid="8">
+                                            <p:txEl>
+                                              <p:pRg st="3" end="3"/>
+                                            </p:txEl>
+                                          </p:spTgt>
+                                        </p:tgtEl>
+                                        <p:attrNameLst>
+                                          <p:attrName>style.visibility</p:attrName>
+                                        </p:attrNameLst>
+                                      </p:cBhvr>
+                                      <p:to>
+                                        <p:strVal val="hidden"/>
+                                      </p:to>
+                                    </p:set>
+                                  </p:childTnLst>
+                                </p:cTn>
+                              </p:par>
+                            </p:childTnLst>
+                          </p:cTn>
+                        </p:par>
+                        <p:par>
+                          <p:cTn id="40" fill="hold">
+                            <p:stCondLst>
+                              <p:cond delay="250"/>
+                            </p:stCondLst>
+                            <p:childTnLst>
+                              <p:par>
+                                <p:cTn id="41" presetID="10" presetClass="entr" fill="hold" nodeType="afterEffect">
+                                  <p:stCondLst>
+                                    <p:cond delay="0"/>
+                                  </p:stCondLst>
+                                  <p:childTnLst>
+                                    <p:set>
+                                      <p:cBhvr additive="repl">
+                                        <p:cTn id="42" dur="1" fill="hold">
+                                          <p:stCondLst>
+                                            <p:cond delay="0"/>
+                                          </p:stCondLst>
+                                        </p:cTn>
+                                        <p:tgtEl>
+                                          <p:spTgt spid="8">
+                                            <p:txEl>
+                                              <p:pRg st="4" end="4"/>
+                                            </p:txEl>
+                                          </p:spTgt>
+                                        </p:tgtEl>
+                                        <p:attrNameLst>
+                                          <p:attrName>style.visibility</p:attrName>
+                                        </p:attrNameLst>
+                                      </p:cBhvr>
+                                      <p:to>
+                                        <p:strVal val="visible"/>
+                                      </p:to>
+                                    </p:set>
+                                    <p:animEffect transition="in" filter="fade">
+                                      <p:cBhvr additive="repl">
+                                        <p:cTn id="43" dur="250"/>
+                                        <p:tgtEl>
+                                          <p:spTgt spid="8">
+                                            <p:txEl>
+                                              <p:pRg st="4" end="4"/>
+                                            </p:txEl>
+                                          </p:spTgt>
+                                        </p:tgtEl>
+                                      </p:cBhvr>
+                                    </p:animEffect>
+                                  </p:childTnLst>
+                                </p:cTn>
+                              </p:par>
+                            </p:childTnLst>
+                          </p:cTn>
+                        </p:par>
+                      </p:childTnLst>
+                    </p:cTn>
+                  </p:par>
+                  <p:par>
+                    <p:cTn id="44" fill="hold">
+                      <p:stCondLst>
+                        <p:cond delay="indefinite"/>
+                      </p:stCondLst>
+                      <p:childTnLst>
+                        <p:par>
+                          <p:cTn id="45" fill="hold">
+                            <p:stCondLst>
+                              <p:cond delay="0"/>
+                            </p:stCondLst>
+                            <p:childTnLst>
+                              <p:par>
+                                <p:cTn id="46" presetID="10" presetClass="entr" presetSubtype="0" fill="hold" nodeType="clickEffect">
+                                  <p:stCondLst>
+                                    <p:cond delay="0"/>
+                                  </p:stCondLst>
+                                  <p:childTnLst>
+                                    <p:set>
+                                      <p:cBhvr>
+                                        <p:cTn id="47" dur="1" fill="hold">
+                                          <p:stCondLst>
+                                            <p:cond delay="0"/>
+                                          </p:stCondLst>
+                                        </p:cTn>
+                                        <p:tgtEl>
+                                          <p:spTgt spid="8">
+                                            <p:txEl>
+                                              <p:pRg st="0" end="0"/>
+                                            </p:txEl>
+                                          </p:spTgt>
+                                        </p:tgtEl>
+                                        <p:attrNameLst>
+                                          <p:attrName>style.visibility</p:attrName>
+                                        </p:attrNameLst>
+                                      </p:cBhvr>
+                                      <p:to>
+                                        <p:strVal val="visible"/>
+                                      </p:to>
+                                    </p:set>
+                                    <p:animEffect transition="in" filter="fade">
+                                      <p:cBhvr>
+                                        <p:cTn id="48" dur="250"/>
+                                        <p:tgtEl>
+                                          <p:spTgt spid="8">
+                                            <p:txEl>
+                                              <p:pRg st="0" end="0"/>
+                                            </p:txEl>
+                                          </p:spTgt>
+                                        </p:tgtEl>
+                                      </p:cBhvr>
+                                    </p:animEffect>
+                                  </p:childTnLst>
+                                </p:cTn>
+                              </p:par>
+                              <p:par>
+                                <p:cTn id="49" presetID="10" presetClass="entr" presetSubtype="0" fill="hold" nodeType="withEffect">
+                                  <p:stCondLst>
+                                    <p:cond delay="0"/>
+                                  </p:stCondLst>
+                                  <p:childTnLst>
+                                    <p:set>
+                                      <p:cBhvr>
+                                        <p:cTn id="50" dur="1" fill="hold">
+                                          <p:stCondLst>
+                                            <p:cond delay="0"/>
+                                          </p:stCondLst>
+                                        </p:cTn>
+                                        <p:tgtEl>
+                                          <p:spTgt spid="8">
+                                            <p:txEl>
+                                              <p:pRg st="1" end="1"/>
+                                            </p:txEl>
+                                          </p:spTgt>
+                                        </p:tgtEl>
+                                        <p:attrNameLst>
+                                          <p:attrName>style.visibility</p:attrName>
+                                        </p:attrNameLst>
+                                      </p:cBhvr>
+                                      <p:to>
+                                        <p:strVal val="visible"/>
+                                      </p:to>
+                                    </p:set>
+                                    <p:animEffect transition="in" filter="fade">
+                                      <p:cBhvr>
+                                        <p:cTn id="51" dur="250"/>
+                                        <p:tgtEl>
+                                          <p:spTgt spid="8">
+                                            <p:txEl>
+                                              <p:pRg st="1" end="1"/>
+                                            </p:txEl>
+                                          </p:spTgt>
+                                        </p:tgtEl>
+                                      </p:cBhvr>
+                                    </p:animEffect>
+                                  </p:childTnLst>
+                                </p:cTn>
+                              </p:par>
+                              <p:par>
+                                <p:cTn id="52" presetID="10" presetClass="entr" presetSubtype="0" fill="hold" nodeType="withEffect">
+                                  <p:stCondLst>
+                                    <p:cond delay="0"/>
+                                  </p:stCondLst>
+                                  <p:childTnLst>
+                                    <p:set>
+                                      <p:cBhvr>
+                                        <p:cTn id="53" dur="1" fill="hold">
+                                          <p:stCondLst>
+                                            <p:cond delay="0"/>
+                                          </p:stCondLst>
+                                        </p:cTn>
+                                        <p:tgtEl>
+                                          <p:spTgt spid="8">
+                                            <p:txEl>
+                                              <p:pRg st="2" end="2"/>
+                                            </p:txEl>
+                                          </p:spTgt>
+                                        </p:tgtEl>
+                                        <p:attrNameLst>
+                                          <p:attrName>style.visibility</p:attrName>
+                                        </p:attrNameLst>
+                                      </p:cBhvr>
+                                      <p:to>
+                                        <p:strVal val="visible"/>
+                                      </p:to>
+                                    </p:set>
+                                    <p:animEffect transition="in" filter="fade">
+                                      <p:cBhvr>
+                                        <p:cTn id="54" dur="250"/>
+                                        <p:tgtEl>
+                                          <p:spTgt spid="8">
+                                            <p:txEl>
+                                              <p:pRg st="2" end="2"/>
+                                            </p:txEl>
+                                          </p:spTgt>
+                                        </p:tgtEl>
+                                      </p:cBhvr>
+                                    </p:animEffect>
+                                  </p:childTnLst>
+                                </p:cTn>
+                              </p:par>
+                              <p:par>
+                                <p:cTn id="55" presetID="10" presetClass="entr" presetSubtype="0" fill="hold" nodeType="withEffect">
+                                  <p:stCondLst>
+                                    <p:cond delay="0"/>
+                                  </p:stCondLst>
+                                  <p:childTnLst>
+                                    <p:set>
+                                      <p:cBhvr>
+                                        <p:cTn id="56" dur="1" fill="hold">
+                                          <p:stCondLst>
+                                            <p:cond delay="0"/>
+                                          </p:stCondLst>
+                                        </p:cTn>
+                                        <p:tgtEl>
+                                          <p:spTgt spid="8">
+                                            <p:txEl>
+                                              <p:pRg st="3" end="3"/>
+                                            </p:txEl>
+                                          </p:spTgt>
+                                        </p:tgtEl>
+                                        <p:attrNameLst>
+                                          <p:attrName>style.visibility</p:attrName>
+                                        </p:attrNameLst>
+                                      </p:cBhvr>
+                                      <p:to>
+                                        <p:strVal val="visible"/>
+                                      </p:to>
+                                    </p:set>
+                                    <p:animEffect transition="in" filter="fade">
+                                      <p:cBhvr>
+                                        <p:cTn id="57" dur="250"/>
+                                        <p:tgtEl>
+                                          <p:spTgt spid="8">
+                                            <p:txEl>
+                                              <p:pRg st="3" end="3"/>
+                                            </p:txEl>
+                                          </p:spTgt>
+                                        </p:tgtEl>
+                                      </p:cBhvr>
+                                    </p:animEffect>
+                                  </p:childTnLst>
+                                </p:cTn>
+                              </p:par>
+                            </p:childTnLst>
+                          </p:cTn>
+                        </p:par>
+                      </p:childTnLst>
+                    </p:cTn>
+                  </p:par>
+                </p:childTnLst>
+              </p:cTn>
+              <p:prevCondLst>
+                <p:cond evt="onPrev" delay="0">
+                  <p:tgtEl>
+                    <p:sldTgt/>
+                  </p:tgtEl>
+                </p:cond>
+              </p:prevCondLst>
+              <p:nextCondLst>
+                <p:cond evt="onNext" delay="0">
+                  <p:tgtEl>
+                    <p:sldTgt/>
+                  </p:tgtEl>
+                </p:cond>
+              </p:nextCondLst>
+            </p:seq>
+          </p:childTnLst>
+        </p:cTn>
+      </p:par>
+    </p:tnLst>
+  </p:timing>
+</p:sld>
+</file>
+
+<file path=ppt/slides/slide30.xml><?xml version="1.0" encoding="utf-8"?>
 <p:sld xmlns:a="http://schemas.openxmlformats.org/drawingml/2006/main" xmlns:r="http://schemas.openxmlformats.org/officeDocument/2006/relationships" xmlns:p="http://schemas.openxmlformats.org/presentationml/2006/main">
   <p:cSld>
     <p:spTree>
@@ -29106,7 +31865,7 @@
 </p:sld>
 </file>
 
-<file path=ppt/slides/slide29.xml><?xml version="1.0" encoding="utf-8"?>
+<file path=ppt/slides/slide31.xml><?xml version="1.0" encoding="utf-8"?>
 <p:sld xmlns:a="http://schemas.openxmlformats.org/drawingml/2006/main" xmlns:r="http://schemas.openxmlformats.org/officeDocument/2006/relationships" xmlns:p="http://schemas.openxmlformats.org/presentationml/2006/main">
   <p:cSld>
     <p:spTree>
@@ -30580,1081 +33339,7 @@
 </p:sld>
 </file>
 
-<file path=ppt/slides/slide3.xml><?xml version="1.0" encoding="utf-8"?>
-<p:sld xmlns:a="http://schemas.openxmlformats.org/drawingml/2006/main" xmlns:r="http://schemas.openxmlformats.org/officeDocument/2006/relationships" xmlns:p="http://schemas.openxmlformats.org/presentationml/2006/main" show="0">
-  <p:cSld>
-    <p:spTree>
-      <p:nvGrpSpPr>
-        <p:cNvPr id="1" name=""/>
-        <p:cNvGrpSpPr/>
-        <p:nvPr/>
-      </p:nvGrpSpPr>
-      <p:grpSpPr>
-        <a:xfrm>
-          <a:off x="0" y="0"/>
-          <a:ext cx="0" cy="0"/>
-          <a:chOff x="0" y="0"/>
-          <a:chExt cx="0" cy="0"/>
-        </a:xfrm>
-      </p:grpSpPr>
-      <p:sp>
-        <p:nvSpPr>
-          <p:cNvPr id="8" name="Rectangle 2"/>
-          <p:cNvSpPr>
-            <a:spLocks noChangeArrowheads="1"/>
-          </p:cNvSpPr>
-          <p:nvPr/>
-        </p:nvSpPr>
-        <p:spPr bwMode="auto">
-          <a:xfrm>
-            <a:off x="142844" y="620688"/>
-            <a:ext cx="8929718" cy="6000771"/>
-          </a:xfrm>
-          <a:prstGeom prst="rect">
-            <a:avLst/>
-          </a:prstGeom>
-          <a:noFill/>
-          <a:ln w="9525">
-            <a:noFill/>
-            <a:round/>
-            <a:headEnd/>
-            <a:tailEnd/>
-          </a:ln>
-          <a:effectLst/>
-        </p:spPr>
-        <p:txBody>
-          <a:bodyPr lIns="90000" tIns="45000" rIns="90000" bIns="45000"/>
-          <a:lstStyle/>
-          <a:p>
-            <a:pPr marL="288000" indent="-288000">
-              <a:lnSpc>
-                <a:spcPct val="100000"/>
-              </a:lnSpc>
-              <a:spcBef>
-                <a:spcPts val="3000"/>
-              </a:spcBef>
-              <a:buClr>
-                <a:schemeClr val="tx1"/>
-              </a:buClr>
-              <a:buFont typeface="Arial" pitchFamily="34" charset="0"/>
-              <a:buChar char="–"/>
-              <a:tabLst>
-                <a:tab pos="723900" algn="l"/>
-                <a:tab pos="1447800" algn="l"/>
-                <a:tab pos="2171700" algn="l"/>
-                <a:tab pos="2895600" algn="l"/>
-                <a:tab pos="3619500" algn="l"/>
-                <a:tab pos="4343400" algn="l"/>
-                <a:tab pos="5067300" algn="l"/>
-                <a:tab pos="5791200" algn="l"/>
-                <a:tab pos="6515100" algn="l"/>
-                <a:tab pos="7239000" algn="l"/>
-                <a:tab pos="7962900" algn="l"/>
-                <a:tab pos="8686800" algn="l"/>
-              </a:tabLst>
-            </a:pPr>
-            <a:r>
-              <a:rPr lang="hr-HR" sz="2400" i="1" dirty="0" smtClean="0">
-                <a:latin typeface="Calibri" pitchFamily="34" charset="0"/>
-                <a:cs typeface="Calibri" pitchFamily="34" charset="0"/>
-              </a:rPr>
-              <a:t>„Najveći politički činilac na svijetu je trbuh. To je mašina koja sve pokreće.” –</a:t>
-            </a:r>
-            <a:r>
-              <a:rPr lang="hr-HR" sz="2400" dirty="0" smtClean="0">
-                <a:latin typeface="Calibri" pitchFamily="34" charset="0"/>
-                <a:cs typeface="Calibri" pitchFamily="34" charset="0"/>
-              </a:rPr>
-              <a:t> </a:t>
-            </a:r>
-            <a:r>
-              <a:rPr lang="hr-HR" sz="2400" b="1" dirty="0" err="1" smtClean="0">
-                <a:solidFill>
-                  <a:srgbClr val="FFC000"/>
-                </a:solidFill>
-                <a:latin typeface="Calibri" pitchFamily="34" charset="0"/>
-                <a:cs typeface="Calibri" pitchFamily="34" charset="0"/>
-              </a:rPr>
-              <a:t>Fran</a:t>
-            </a:r>
-            <a:r>
-              <a:rPr lang="hr-HR" sz="2400" b="1" dirty="0" smtClean="0">
-                <a:solidFill>
-                  <a:srgbClr val="FFC000"/>
-                </a:solidFill>
-                <a:latin typeface="Calibri" pitchFamily="34" charset="0"/>
-                <a:cs typeface="Calibri" pitchFamily="34" charset="0"/>
-              </a:rPr>
-              <a:t> Supilo</a:t>
-            </a:r>
-          </a:p>
-          <a:p>
-            <a:pPr marL="288000" indent="-288000">
-              <a:lnSpc>
-                <a:spcPct val="100000"/>
-              </a:lnSpc>
-              <a:spcBef>
-                <a:spcPts val="3000"/>
-              </a:spcBef>
-              <a:buClr>
-                <a:schemeClr val="tx1"/>
-              </a:buClr>
-              <a:buFont typeface="Arial" pitchFamily="34" charset="0"/>
-              <a:buChar char="–"/>
-              <a:tabLst>
-                <a:tab pos="723900" algn="l"/>
-                <a:tab pos="1447800" algn="l"/>
-                <a:tab pos="2171700" algn="l"/>
-                <a:tab pos="2895600" algn="l"/>
-                <a:tab pos="3619500" algn="l"/>
-                <a:tab pos="4343400" algn="l"/>
-                <a:tab pos="5067300" algn="l"/>
-                <a:tab pos="5791200" algn="l"/>
-                <a:tab pos="6515100" algn="l"/>
-                <a:tab pos="7239000" algn="l"/>
-                <a:tab pos="7962900" algn="l"/>
-                <a:tab pos="8686800" algn="l"/>
-              </a:tabLst>
-            </a:pPr>
-            <a:r>
-              <a:rPr lang="hr-HR" sz="2400" i="1" dirty="0" smtClean="0">
-                <a:latin typeface="Calibri" pitchFamily="34" charset="0"/>
-                <a:cs typeface="Calibri" pitchFamily="34" charset="0"/>
-              </a:rPr>
-              <a:t>„Svaki političar mora imati tri stvari: debelu kožu, dobar želudac i čistu savjest.” – </a:t>
-            </a:r>
-            <a:r>
-              <a:rPr lang="hr-HR" sz="2400" b="1" dirty="0" err="1" smtClean="0">
-                <a:solidFill>
-                  <a:srgbClr val="FFC000"/>
-                </a:solidFill>
-                <a:latin typeface="Calibri" pitchFamily="34" charset="0"/>
-                <a:cs typeface="Calibri" pitchFamily="34" charset="0"/>
-              </a:rPr>
-              <a:t>Fran</a:t>
-            </a:r>
-            <a:r>
-              <a:rPr lang="hr-HR" sz="2400" b="1" dirty="0" smtClean="0">
-                <a:solidFill>
-                  <a:srgbClr val="FFC000"/>
-                </a:solidFill>
-                <a:latin typeface="Calibri" pitchFamily="34" charset="0"/>
-                <a:cs typeface="Calibri" pitchFamily="34" charset="0"/>
-              </a:rPr>
-              <a:t> Supilo</a:t>
-            </a:r>
-          </a:p>
-          <a:p>
-            <a:pPr marL="288000" indent="-288000">
-              <a:lnSpc>
-                <a:spcPct val="100000"/>
-              </a:lnSpc>
-              <a:spcBef>
-                <a:spcPts val="3000"/>
-              </a:spcBef>
-              <a:buClr>
-                <a:schemeClr val="tx1"/>
-              </a:buClr>
-              <a:buFont typeface="Arial" pitchFamily="34" charset="0"/>
-              <a:buChar char="–"/>
-              <a:tabLst>
-                <a:tab pos="723900" algn="l"/>
-                <a:tab pos="1447800" algn="l"/>
-                <a:tab pos="2171700" algn="l"/>
-                <a:tab pos="2895600" algn="l"/>
-                <a:tab pos="3619500" algn="l"/>
-                <a:tab pos="4343400" algn="l"/>
-                <a:tab pos="5067300" algn="l"/>
-                <a:tab pos="5791200" algn="l"/>
-                <a:tab pos="6515100" algn="l"/>
-                <a:tab pos="7239000" algn="l"/>
-                <a:tab pos="7962900" algn="l"/>
-                <a:tab pos="8686800" algn="l"/>
-              </a:tabLst>
-            </a:pPr>
-            <a:r>
-              <a:rPr lang="hr-HR" sz="2400" i="1" dirty="0" smtClean="0">
-                <a:latin typeface="Calibri" pitchFamily="34" charset="0"/>
-                <a:cs typeface="Calibri" pitchFamily="34" charset="0"/>
-              </a:rPr>
-              <a:t>„Svi su političari isti. Obećavaju da će napraviti most čak i tamo gdje nema rijeke.” </a:t>
-            </a:r>
-            <a:r>
-              <a:rPr lang="hr-HR" sz="2400" dirty="0" smtClean="0">
-                <a:latin typeface="Calibri" pitchFamily="34" charset="0"/>
-                <a:cs typeface="Calibri" pitchFamily="34" charset="0"/>
-              </a:rPr>
-              <a:t>– </a:t>
-            </a:r>
-            <a:r>
-              <a:rPr lang="hr-HR" sz="2400" b="1" dirty="0" smtClean="0">
-                <a:solidFill>
-                  <a:srgbClr val="FFC000"/>
-                </a:solidFill>
-                <a:latin typeface="Calibri" pitchFamily="34" charset="0"/>
-                <a:cs typeface="Calibri" pitchFamily="34" charset="0"/>
-              </a:rPr>
-              <a:t>Nikita Hruščov</a:t>
-            </a:r>
-          </a:p>
-          <a:p>
-            <a:pPr marL="288000" indent="-288000">
-              <a:lnSpc>
-                <a:spcPct val="100000"/>
-              </a:lnSpc>
-              <a:spcBef>
-                <a:spcPts val="3000"/>
-              </a:spcBef>
-              <a:buClr>
-                <a:schemeClr val="tx1"/>
-              </a:buClr>
-              <a:buFont typeface="Arial" pitchFamily="34" charset="0"/>
-              <a:buChar char="–"/>
-              <a:tabLst>
-                <a:tab pos="723900" algn="l"/>
-                <a:tab pos="1447800" algn="l"/>
-                <a:tab pos="2171700" algn="l"/>
-                <a:tab pos="2895600" algn="l"/>
-                <a:tab pos="3619500" algn="l"/>
-                <a:tab pos="4343400" algn="l"/>
-                <a:tab pos="5067300" algn="l"/>
-                <a:tab pos="5791200" algn="l"/>
-                <a:tab pos="6515100" algn="l"/>
-                <a:tab pos="7239000" algn="l"/>
-                <a:tab pos="7962900" algn="l"/>
-                <a:tab pos="8686800" algn="l"/>
-              </a:tabLst>
-            </a:pPr>
-            <a:r>
-              <a:rPr lang="hr-HR" sz="2400" i="1" dirty="0" smtClean="0">
-                <a:latin typeface="Calibri" pitchFamily="34" charset="0"/>
-                <a:cs typeface="Calibri" pitchFamily="34" charset="0"/>
-              </a:rPr>
-              <a:t>„Došao sam do zaključka da je politika previše ozbiljna stvar da bi bila prepuštena političarima.” </a:t>
-            </a:r>
-            <a:r>
-              <a:rPr lang="hr-HR" sz="2400" dirty="0" smtClean="0">
-                <a:latin typeface="Calibri" pitchFamily="34" charset="0"/>
-                <a:cs typeface="Calibri" pitchFamily="34" charset="0"/>
-              </a:rPr>
-              <a:t>– </a:t>
-            </a:r>
-            <a:r>
-              <a:rPr lang="hr-HR" sz="2400" b="1" dirty="0" smtClean="0">
-                <a:solidFill>
-                  <a:srgbClr val="FFC000"/>
-                </a:solidFill>
-                <a:latin typeface="Calibri" pitchFamily="34" charset="0"/>
-                <a:cs typeface="Calibri" pitchFamily="34" charset="0"/>
-              </a:rPr>
-              <a:t>Charles de Gaulle</a:t>
-            </a:r>
-          </a:p>
-          <a:p>
-            <a:pPr marL="288000" indent="-288000">
-              <a:lnSpc>
-                <a:spcPct val="100000"/>
-              </a:lnSpc>
-              <a:spcBef>
-                <a:spcPts val="3000"/>
-              </a:spcBef>
-              <a:buClr>
-                <a:schemeClr val="tx1"/>
-              </a:buClr>
-              <a:buFont typeface="Arial" pitchFamily="34" charset="0"/>
-              <a:buChar char="–"/>
-              <a:tabLst>
-                <a:tab pos="723900" algn="l"/>
-                <a:tab pos="1447800" algn="l"/>
-                <a:tab pos="2171700" algn="l"/>
-                <a:tab pos="2895600" algn="l"/>
-                <a:tab pos="3619500" algn="l"/>
-                <a:tab pos="4343400" algn="l"/>
-                <a:tab pos="5067300" algn="l"/>
-                <a:tab pos="5791200" algn="l"/>
-                <a:tab pos="6515100" algn="l"/>
-                <a:tab pos="7239000" algn="l"/>
-                <a:tab pos="7962900" algn="l"/>
-                <a:tab pos="8686800" algn="l"/>
-              </a:tabLst>
-            </a:pPr>
-            <a:r>
-              <a:rPr lang="hr-HR" sz="2400" i="1" dirty="0" smtClean="0">
-                <a:latin typeface="Calibri" pitchFamily="34" charset="0"/>
-                <a:cs typeface="Calibri" pitchFamily="34" charset="0"/>
-              </a:rPr>
-              <a:t>„Politika nije loša profesija. Ako uspijete, čekaju vas mnoge nagrade, ako se osramotite, uvijek možete napisati knjigu.” – </a:t>
-            </a:r>
-            <a:r>
-              <a:rPr lang="hr-HR" sz="2400" b="1" dirty="0" smtClean="0">
-                <a:solidFill>
-                  <a:srgbClr val="FFC000"/>
-                </a:solidFill>
-                <a:latin typeface="Calibri" pitchFamily="34" charset="0"/>
-                <a:cs typeface="Calibri" pitchFamily="34" charset="0"/>
-              </a:rPr>
-              <a:t>Ronald Regan</a:t>
-            </a:r>
-          </a:p>
-        </p:txBody>
-      </p:sp>
-    </p:spTree>
-  </p:cSld>
-  <p:clrMapOvr>
-    <a:masterClrMapping/>
-  </p:clrMapOvr>
-  <mc:AlternateContent xmlns:mc="http://schemas.openxmlformats.org/markup-compatibility/2006">
-    <mc:Choice xmlns:p14="http://schemas.microsoft.com/office/powerpoint/2010/main" Requires="p14">
-      <p:transition p14:dur="250">
-        <p:fade thruBlk="1"/>
-      </p:transition>
-    </mc:Choice>
-    <mc:Fallback>
-      <p:transition>
-        <p:fade thruBlk="1"/>
-      </p:transition>
-    </mc:Fallback>
-  </mc:AlternateContent>
-  <p:timing>
-    <p:tnLst>
-      <p:par>
-        <p:cTn id="1" dur="indefinite" restart="never" nodeType="tmRoot">
-          <p:childTnLst>
-            <p:seq concurrent="1" nextAc="seek">
-              <p:cTn id="2" dur="indefinite" nodeType="mainSeq">
-                <p:childTnLst>
-                  <p:par>
-                    <p:cTn id="3" fill="hold">
-                      <p:stCondLst>
-                        <p:cond delay="indefinite"/>
-                        <p:cond evt="onBegin" delay="0">
-                          <p:tn val="2"/>
-                        </p:cond>
-                      </p:stCondLst>
-                      <p:childTnLst>
-                        <p:par>
-                          <p:cTn id="4" fill="hold">
-                            <p:stCondLst>
-                              <p:cond delay="0"/>
-                            </p:stCondLst>
-                            <p:childTnLst>
-                              <p:par>
-                                <p:cTn id="5" presetID="10" presetClass="entr" fill="hold" nodeType="withEffect">
-                                  <p:stCondLst>
-                                    <p:cond delay="0"/>
-                                  </p:stCondLst>
-                                  <p:childTnLst>
-                                    <p:set>
-                                      <p:cBhvr additive="repl">
-                                        <p:cTn id="6" dur="1" fill="hold">
-                                          <p:stCondLst>
-                                            <p:cond delay="0"/>
-                                          </p:stCondLst>
-                                        </p:cTn>
-                                        <p:tgtEl>
-                                          <p:spTgt spid="8">
-                                            <p:txEl>
-                                              <p:pRg st="0" end="0"/>
-                                            </p:txEl>
-                                          </p:spTgt>
-                                        </p:tgtEl>
-                                        <p:attrNameLst>
-                                          <p:attrName>style.visibility</p:attrName>
-                                        </p:attrNameLst>
-                                      </p:cBhvr>
-                                      <p:to>
-                                        <p:strVal val="visible"/>
-                                      </p:to>
-                                    </p:set>
-                                    <p:animEffect transition="in" filter="fade">
-                                      <p:cBhvr additive="repl">
-                                        <p:cTn id="7" dur="250"/>
-                                        <p:tgtEl>
-                                          <p:spTgt spid="8">
-                                            <p:txEl>
-                                              <p:pRg st="0" end="0"/>
-                                            </p:txEl>
-                                          </p:spTgt>
-                                        </p:tgtEl>
-                                      </p:cBhvr>
-                                    </p:animEffect>
-                                  </p:childTnLst>
-                                </p:cTn>
-                              </p:par>
-                            </p:childTnLst>
-                          </p:cTn>
-                        </p:par>
-                      </p:childTnLst>
-                    </p:cTn>
-                  </p:par>
-                  <p:par>
-                    <p:cTn id="8" fill="hold">
-                      <p:stCondLst>
-                        <p:cond delay="indefinite"/>
-                      </p:stCondLst>
-                      <p:childTnLst>
-                        <p:par>
-                          <p:cTn id="9" fill="hold">
-                            <p:stCondLst>
-                              <p:cond delay="0"/>
-                            </p:stCondLst>
-                            <p:childTnLst>
-                              <p:par>
-                                <p:cTn id="10" presetID="10" presetClass="exit" presetSubtype="0" fill="hold" nodeType="clickEffect">
-                                  <p:stCondLst>
-                                    <p:cond delay="0"/>
-                                  </p:stCondLst>
-                                  <p:childTnLst>
-                                    <p:animEffect transition="out" filter="fade">
-                                      <p:cBhvr>
-                                        <p:cTn id="11" dur="250"/>
-                                        <p:tgtEl>
-                                          <p:spTgt spid="8">
-                                            <p:txEl>
-                                              <p:pRg st="0" end="0"/>
-                                            </p:txEl>
-                                          </p:spTgt>
-                                        </p:tgtEl>
-                                      </p:cBhvr>
-                                    </p:animEffect>
-                                    <p:set>
-                                      <p:cBhvr>
-                                        <p:cTn id="12" dur="1" fill="hold">
-                                          <p:stCondLst>
-                                            <p:cond delay="249"/>
-                                          </p:stCondLst>
-                                        </p:cTn>
-                                        <p:tgtEl>
-                                          <p:spTgt spid="8">
-                                            <p:txEl>
-                                              <p:pRg st="0" end="0"/>
-                                            </p:txEl>
-                                          </p:spTgt>
-                                        </p:tgtEl>
-                                        <p:attrNameLst>
-                                          <p:attrName>style.visibility</p:attrName>
-                                        </p:attrNameLst>
-                                      </p:cBhvr>
-                                      <p:to>
-                                        <p:strVal val="hidden"/>
-                                      </p:to>
-                                    </p:set>
-                                  </p:childTnLst>
-                                </p:cTn>
-                              </p:par>
-                            </p:childTnLst>
-                          </p:cTn>
-                        </p:par>
-                        <p:par>
-                          <p:cTn id="13" fill="hold">
-                            <p:stCondLst>
-                              <p:cond delay="250"/>
-                            </p:stCondLst>
-                            <p:childTnLst>
-                              <p:par>
-                                <p:cTn id="14" presetID="10" presetClass="entr" fill="hold" nodeType="afterEffect">
-                                  <p:stCondLst>
-                                    <p:cond delay="0"/>
-                                  </p:stCondLst>
-                                  <p:childTnLst>
-                                    <p:set>
-                                      <p:cBhvr additive="repl">
-                                        <p:cTn id="15" dur="1" fill="hold">
-                                          <p:stCondLst>
-                                            <p:cond delay="0"/>
-                                          </p:stCondLst>
-                                        </p:cTn>
-                                        <p:tgtEl>
-                                          <p:spTgt spid="8">
-                                            <p:txEl>
-                                              <p:pRg st="1" end="1"/>
-                                            </p:txEl>
-                                          </p:spTgt>
-                                        </p:tgtEl>
-                                        <p:attrNameLst>
-                                          <p:attrName>style.visibility</p:attrName>
-                                        </p:attrNameLst>
-                                      </p:cBhvr>
-                                      <p:to>
-                                        <p:strVal val="visible"/>
-                                      </p:to>
-                                    </p:set>
-                                    <p:animEffect transition="in" filter="fade">
-                                      <p:cBhvr additive="repl">
-                                        <p:cTn id="16" dur="250"/>
-                                        <p:tgtEl>
-                                          <p:spTgt spid="8">
-                                            <p:txEl>
-                                              <p:pRg st="1" end="1"/>
-                                            </p:txEl>
-                                          </p:spTgt>
-                                        </p:tgtEl>
-                                      </p:cBhvr>
-                                    </p:animEffect>
-                                  </p:childTnLst>
-                                </p:cTn>
-                              </p:par>
-                            </p:childTnLst>
-                          </p:cTn>
-                        </p:par>
-                      </p:childTnLst>
-                    </p:cTn>
-                  </p:par>
-                  <p:par>
-                    <p:cTn id="17" fill="hold">
-                      <p:stCondLst>
-                        <p:cond delay="indefinite"/>
-                      </p:stCondLst>
-                      <p:childTnLst>
-                        <p:par>
-                          <p:cTn id="18" fill="hold">
-                            <p:stCondLst>
-                              <p:cond delay="0"/>
-                            </p:stCondLst>
-                            <p:childTnLst>
-                              <p:par>
-                                <p:cTn id="19" presetID="10" presetClass="exit" presetSubtype="0" fill="hold" nodeType="clickEffect">
-                                  <p:stCondLst>
-                                    <p:cond delay="0"/>
-                                  </p:stCondLst>
-                                  <p:childTnLst>
-                                    <p:animEffect transition="out" filter="fade">
-                                      <p:cBhvr>
-                                        <p:cTn id="20" dur="250"/>
-                                        <p:tgtEl>
-                                          <p:spTgt spid="8">
-                                            <p:txEl>
-                                              <p:pRg st="1" end="1"/>
-                                            </p:txEl>
-                                          </p:spTgt>
-                                        </p:tgtEl>
-                                      </p:cBhvr>
-                                    </p:animEffect>
-                                    <p:set>
-                                      <p:cBhvr>
-                                        <p:cTn id="21" dur="1" fill="hold">
-                                          <p:stCondLst>
-                                            <p:cond delay="249"/>
-                                          </p:stCondLst>
-                                        </p:cTn>
-                                        <p:tgtEl>
-                                          <p:spTgt spid="8">
-                                            <p:txEl>
-                                              <p:pRg st="1" end="1"/>
-                                            </p:txEl>
-                                          </p:spTgt>
-                                        </p:tgtEl>
-                                        <p:attrNameLst>
-                                          <p:attrName>style.visibility</p:attrName>
-                                        </p:attrNameLst>
-                                      </p:cBhvr>
-                                      <p:to>
-                                        <p:strVal val="hidden"/>
-                                      </p:to>
-                                    </p:set>
-                                  </p:childTnLst>
-                                </p:cTn>
-                              </p:par>
-                            </p:childTnLst>
-                          </p:cTn>
-                        </p:par>
-                        <p:par>
-                          <p:cTn id="22" fill="hold">
-                            <p:stCondLst>
-                              <p:cond delay="250"/>
-                            </p:stCondLst>
-                            <p:childTnLst>
-                              <p:par>
-                                <p:cTn id="23" presetID="10" presetClass="entr" fill="hold" nodeType="afterEffect">
-                                  <p:stCondLst>
-                                    <p:cond delay="0"/>
-                                  </p:stCondLst>
-                                  <p:childTnLst>
-                                    <p:set>
-                                      <p:cBhvr additive="repl">
-                                        <p:cTn id="24" dur="1" fill="hold">
-                                          <p:stCondLst>
-                                            <p:cond delay="0"/>
-                                          </p:stCondLst>
-                                        </p:cTn>
-                                        <p:tgtEl>
-                                          <p:spTgt spid="8">
-                                            <p:txEl>
-                                              <p:pRg st="2" end="2"/>
-                                            </p:txEl>
-                                          </p:spTgt>
-                                        </p:tgtEl>
-                                        <p:attrNameLst>
-                                          <p:attrName>style.visibility</p:attrName>
-                                        </p:attrNameLst>
-                                      </p:cBhvr>
-                                      <p:to>
-                                        <p:strVal val="visible"/>
-                                      </p:to>
-                                    </p:set>
-                                    <p:animEffect transition="in" filter="fade">
-                                      <p:cBhvr additive="repl">
-                                        <p:cTn id="25" dur="250"/>
-                                        <p:tgtEl>
-                                          <p:spTgt spid="8">
-                                            <p:txEl>
-                                              <p:pRg st="2" end="2"/>
-                                            </p:txEl>
-                                          </p:spTgt>
-                                        </p:tgtEl>
-                                      </p:cBhvr>
-                                    </p:animEffect>
-                                  </p:childTnLst>
-                                </p:cTn>
-                              </p:par>
-                            </p:childTnLst>
-                          </p:cTn>
-                        </p:par>
-                      </p:childTnLst>
-                    </p:cTn>
-                  </p:par>
-                  <p:par>
-                    <p:cTn id="26" fill="hold">
-                      <p:stCondLst>
-                        <p:cond delay="indefinite"/>
-                      </p:stCondLst>
-                      <p:childTnLst>
-                        <p:par>
-                          <p:cTn id="27" fill="hold">
-                            <p:stCondLst>
-                              <p:cond delay="0"/>
-                            </p:stCondLst>
-                            <p:childTnLst>
-                              <p:par>
-                                <p:cTn id="28" presetID="10" presetClass="exit" presetSubtype="0" fill="hold" nodeType="clickEffect">
-                                  <p:stCondLst>
-                                    <p:cond delay="0"/>
-                                  </p:stCondLst>
-                                  <p:childTnLst>
-                                    <p:animEffect transition="out" filter="fade">
-                                      <p:cBhvr>
-                                        <p:cTn id="29" dur="250"/>
-                                        <p:tgtEl>
-                                          <p:spTgt spid="8">
-                                            <p:txEl>
-                                              <p:pRg st="2" end="2"/>
-                                            </p:txEl>
-                                          </p:spTgt>
-                                        </p:tgtEl>
-                                      </p:cBhvr>
-                                    </p:animEffect>
-                                    <p:set>
-                                      <p:cBhvr>
-                                        <p:cTn id="30" dur="1" fill="hold">
-                                          <p:stCondLst>
-                                            <p:cond delay="249"/>
-                                          </p:stCondLst>
-                                        </p:cTn>
-                                        <p:tgtEl>
-                                          <p:spTgt spid="8">
-                                            <p:txEl>
-                                              <p:pRg st="2" end="2"/>
-                                            </p:txEl>
-                                          </p:spTgt>
-                                        </p:tgtEl>
-                                        <p:attrNameLst>
-                                          <p:attrName>style.visibility</p:attrName>
-                                        </p:attrNameLst>
-                                      </p:cBhvr>
-                                      <p:to>
-                                        <p:strVal val="hidden"/>
-                                      </p:to>
-                                    </p:set>
-                                  </p:childTnLst>
-                                </p:cTn>
-                              </p:par>
-                            </p:childTnLst>
-                          </p:cTn>
-                        </p:par>
-                        <p:par>
-                          <p:cTn id="31" fill="hold">
-                            <p:stCondLst>
-                              <p:cond delay="250"/>
-                            </p:stCondLst>
-                            <p:childTnLst>
-                              <p:par>
-                                <p:cTn id="32" presetID="10" presetClass="entr" fill="hold" nodeType="afterEffect">
-                                  <p:stCondLst>
-                                    <p:cond delay="0"/>
-                                  </p:stCondLst>
-                                  <p:childTnLst>
-                                    <p:set>
-                                      <p:cBhvr additive="repl">
-                                        <p:cTn id="33" dur="1" fill="hold">
-                                          <p:stCondLst>
-                                            <p:cond delay="0"/>
-                                          </p:stCondLst>
-                                        </p:cTn>
-                                        <p:tgtEl>
-                                          <p:spTgt spid="8">
-                                            <p:txEl>
-                                              <p:pRg st="3" end="3"/>
-                                            </p:txEl>
-                                          </p:spTgt>
-                                        </p:tgtEl>
-                                        <p:attrNameLst>
-                                          <p:attrName>style.visibility</p:attrName>
-                                        </p:attrNameLst>
-                                      </p:cBhvr>
-                                      <p:to>
-                                        <p:strVal val="visible"/>
-                                      </p:to>
-                                    </p:set>
-                                    <p:animEffect transition="in" filter="fade">
-                                      <p:cBhvr additive="repl">
-                                        <p:cTn id="34" dur="250"/>
-                                        <p:tgtEl>
-                                          <p:spTgt spid="8">
-                                            <p:txEl>
-                                              <p:pRg st="3" end="3"/>
-                                            </p:txEl>
-                                          </p:spTgt>
-                                        </p:tgtEl>
-                                      </p:cBhvr>
-                                    </p:animEffect>
-                                  </p:childTnLst>
-                                </p:cTn>
-                              </p:par>
-                            </p:childTnLst>
-                          </p:cTn>
-                        </p:par>
-                      </p:childTnLst>
-                    </p:cTn>
-                  </p:par>
-                  <p:par>
-                    <p:cTn id="35" fill="hold">
-                      <p:stCondLst>
-                        <p:cond delay="indefinite"/>
-                      </p:stCondLst>
-                      <p:childTnLst>
-                        <p:par>
-                          <p:cTn id="36" fill="hold">
-                            <p:stCondLst>
-                              <p:cond delay="0"/>
-                            </p:stCondLst>
-                            <p:childTnLst>
-                              <p:par>
-                                <p:cTn id="37" presetID="10" presetClass="exit" presetSubtype="0" fill="hold" nodeType="clickEffect">
-                                  <p:stCondLst>
-                                    <p:cond delay="0"/>
-                                  </p:stCondLst>
-                                  <p:childTnLst>
-                                    <p:animEffect transition="out" filter="fade">
-                                      <p:cBhvr>
-                                        <p:cTn id="38" dur="250"/>
-                                        <p:tgtEl>
-                                          <p:spTgt spid="8">
-                                            <p:txEl>
-                                              <p:pRg st="3" end="3"/>
-                                            </p:txEl>
-                                          </p:spTgt>
-                                        </p:tgtEl>
-                                      </p:cBhvr>
-                                    </p:animEffect>
-                                    <p:set>
-                                      <p:cBhvr>
-                                        <p:cTn id="39" dur="1" fill="hold">
-                                          <p:stCondLst>
-                                            <p:cond delay="249"/>
-                                          </p:stCondLst>
-                                        </p:cTn>
-                                        <p:tgtEl>
-                                          <p:spTgt spid="8">
-                                            <p:txEl>
-                                              <p:pRg st="3" end="3"/>
-                                            </p:txEl>
-                                          </p:spTgt>
-                                        </p:tgtEl>
-                                        <p:attrNameLst>
-                                          <p:attrName>style.visibility</p:attrName>
-                                        </p:attrNameLst>
-                                      </p:cBhvr>
-                                      <p:to>
-                                        <p:strVal val="hidden"/>
-                                      </p:to>
-                                    </p:set>
-                                  </p:childTnLst>
-                                </p:cTn>
-                              </p:par>
-                            </p:childTnLst>
-                          </p:cTn>
-                        </p:par>
-                        <p:par>
-                          <p:cTn id="40" fill="hold">
-                            <p:stCondLst>
-                              <p:cond delay="250"/>
-                            </p:stCondLst>
-                            <p:childTnLst>
-                              <p:par>
-                                <p:cTn id="41" presetID="10" presetClass="entr" fill="hold" nodeType="afterEffect">
-                                  <p:stCondLst>
-                                    <p:cond delay="0"/>
-                                  </p:stCondLst>
-                                  <p:childTnLst>
-                                    <p:set>
-                                      <p:cBhvr additive="repl">
-                                        <p:cTn id="42" dur="1" fill="hold">
-                                          <p:stCondLst>
-                                            <p:cond delay="0"/>
-                                          </p:stCondLst>
-                                        </p:cTn>
-                                        <p:tgtEl>
-                                          <p:spTgt spid="8">
-                                            <p:txEl>
-                                              <p:pRg st="4" end="4"/>
-                                            </p:txEl>
-                                          </p:spTgt>
-                                        </p:tgtEl>
-                                        <p:attrNameLst>
-                                          <p:attrName>style.visibility</p:attrName>
-                                        </p:attrNameLst>
-                                      </p:cBhvr>
-                                      <p:to>
-                                        <p:strVal val="visible"/>
-                                      </p:to>
-                                    </p:set>
-                                    <p:animEffect transition="in" filter="fade">
-                                      <p:cBhvr additive="repl">
-                                        <p:cTn id="43" dur="250"/>
-                                        <p:tgtEl>
-                                          <p:spTgt spid="8">
-                                            <p:txEl>
-                                              <p:pRg st="4" end="4"/>
-                                            </p:txEl>
-                                          </p:spTgt>
-                                        </p:tgtEl>
-                                      </p:cBhvr>
-                                    </p:animEffect>
-                                  </p:childTnLst>
-                                </p:cTn>
-                              </p:par>
-                            </p:childTnLst>
-                          </p:cTn>
-                        </p:par>
-                      </p:childTnLst>
-                    </p:cTn>
-                  </p:par>
-                  <p:par>
-                    <p:cTn id="44" fill="hold">
-                      <p:stCondLst>
-                        <p:cond delay="indefinite"/>
-                      </p:stCondLst>
-                      <p:childTnLst>
-                        <p:par>
-                          <p:cTn id="45" fill="hold">
-                            <p:stCondLst>
-                              <p:cond delay="0"/>
-                            </p:stCondLst>
-                            <p:childTnLst>
-                              <p:par>
-                                <p:cTn id="46" presetID="10" presetClass="entr" presetSubtype="0" fill="hold" nodeType="clickEffect">
-                                  <p:stCondLst>
-                                    <p:cond delay="0"/>
-                                  </p:stCondLst>
-                                  <p:childTnLst>
-                                    <p:set>
-                                      <p:cBhvr>
-                                        <p:cTn id="47" dur="1" fill="hold">
-                                          <p:stCondLst>
-                                            <p:cond delay="0"/>
-                                          </p:stCondLst>
-                                        </p:cTn>
-                                        <p:tgtEl>
-                                          <p:spTgt spid="8">
-                                            <p:txEl>
-                                              <p:pRg st="0" end="0"/>
-                                            </p:txEl>
-                                          </p:spTgt>
-                                        </p:tgtEl>
-                                        <p:attrNameLst>
-                                          <p:attrName>style.visibility</p:attrName>
-                                        </p:attrNameLst>
-                                      </p:cBhvr>
-                                      <p:to>
-                                        <p:strVal val="visible"/>
-                                      </p:to>
-                                    </p:set>
-                                    <p:animEffect transition="in" filter="fade">
-                                      <p:cBhvr>
-                                        <p:cTn id="48" dur="250"/>
-                                        <p:tgtEl>
-                                          <p:spTgt spid="8">
-                                            <p:txEl>
-                                              <p:pRg st="0" end="0"/>
-                                            </p:txEl>
-                                          </p:spTgt>
-                                        </p:tgtEl>
-                                      </p:cBhvr>
-                                    </p:animEffect>
-                                  </p:childTnLst>
-                                </p:cTn>
-                              </p:par>
-                              <p:par>
-                                <p:cTn id="49" presetID="10" presetClass="entr" presetSubtype="0" fill="hold" nodeType="withEffect">
-                                  <p:stCondLst>
-                                    <p:cond delay="0"/>
-                                  </p:stCondLst>
-                                  <p:childTnLst>
-                                    <p:set>
-                                      <p:cBhvr>
-                                        <p:cTn id="50" dur="1" fill="hold">
-                                          <p:stCondLst>
-                                            <p:cond delay="0"/>
-                                          </p:stCondLst>
-                                        </p:cTn>
-                                        <p:tgtEl>
-                                          <p:spTgt spid="8">
-                                            <p:txEl>
-                                              <p:pRg st="1" end="1"/>
-                                            </p:txEl>
-                                          </p:spTgt>
-                                        </p:tgtEl>
-                                        <p:attrNameLst>
-                                          <p:attrName>style.visibility</p:attrName>
-                                        </p:attrNameLst>
-                                      </p:cBhvr>
-                                      <p:to>
-                                        <p:strVal val="visible"/>
-                                      </p:to>
-                                    </p:set>
-                                    <p:animEffect transition="in" filter="fade">
-                                      <p:cBhvr>
-                                        <p:cTn id="51" dur="250"/>
-                                        <p:tgtEl>
-                                          <p:spTgt spid="8">
-                                            <p:txEl>
-                                              <p:pRg st="1" end="1"/>
-                                            </p:txEl>
-                                          </p:spTgt>
-                                        </p:tgtEl>
-                                      </p:cBhvr>
-                                    </p:animEffect>
-                                  </p:childTnLst>
-                                </p:cTn>
-                              </p:par>
-                              <p:par>
-                                <p:cTn id="52" presetID="10" presetClass="entr" presetSubtype="0" fill="hold" nodeType="withEffect">
-                                  <p:stCondLst>
-                                    <p:cond delay="0"/>
-                                  </p:stCondLst>
-                                  <p:childTnLst>
-                                    <p:set>
-                                      <p:cBhvr>
-                                        <p:cTn id="53" dur="1" fill="hold">
-                                          <p:stCondLst>
-                                            <p:cond delay="0"/>
-                                          </p:stCondLst>
-                                        </p:cTn>
-                                        <p:tgtEl>
-                                          <p:spTgt spid="8">
-                                            <p:txEl>
-                                              <p:pRg st="2" end="2"/>
-                                            </p:txEl>
-                                          </p:spTgt>
-                                        </p:tgtEl>
-                                        <p:attrNameLst>
-                                          <p:attrName>style.visibility</p:attrName>
-                                        </p:attrNameLst>
-                                      </p:cBhvr>
-                                      <p:to>
-                                        <p:strVal val="visible"/>
-                                      </p:to>
-                                    </p:set>
-                                    <p:animEffect transition="in" filter="fade">
-                                      <p:cBhvr>
-                                        <p:cTn id="54" dur="250"/>
-                                        <p:tgtEl>
-                                          <p:spTgt spid="8">
-                                            <p:txEl>
-                                              <p:pRg st="2" end="2"/>
-                                            </p:txEl>
-                                          </p:spTgt>
-                                        </p:tgtEl>
-                                      </p:cBhvr>
-                                    </p:animEffect>
-                                  </p:childTnLst>
-                                </p:cTn>
-                              </p:par>
-                              <p:par>
-                                <p:cTn id="55" presetID="10" presetClass="entr" presetSubtype="0" fill="hold" nodeType="withEffect">
-                                  <p:stCondLst>
-                                    <p:cond delay="0"/>
-                                  </p:stCondLst>
-                                  <p:childTnLst>
-                                    <p:set>
-                                      <p:cBhvr>
-                                        <p:cTn id="56" dur="1" fill="hold">
-                                          <p:stCondLst>
-                                            <p:cond delay="0"/>
-                                          </p:stCondLst>
-                                        </p:cTn>
-                                        <p:tgtEl>
-                                          <p:spTgt spid="8">
-                                            <p:txEl>
-                                              <p:pRg st="3" end="3"/>
-                                            </p:txEl>
-                                          </p:spTgt>
-                                        </p:tgtEl>
-                                        <p:attrNameLst>
-                                          <p:attrName>style.visibility</p:attrName>
-                                        </p:attrNameLst>
-                                      </p:cBhvr>
-                                      <p:to>
-                                        <p:strVal val="visible"/>
-                                      </p:to>
-                                    </p:set>
-                                    <p:animEffect transition="in" filter="fade">
-                                      <p:cBhvr>
-                                        <p:cTn id="57" dur="250"/>
-                                        <p:tgtEl>
-                                          <p:spTgt spid="8">
-                                            <p:txEl>
-                                              <p:pRg st="3" end="3"/>
-                                            </p:txEl>
-                                          </p:spTgt>
-                                        </p:tgtEl>
-                                      </p:cBhvr>
-                                    </p:animEffect>
-                                  </p:childTnLst>
-                                </p:cTn>
-                              </p:par>
-                            </p:childTnLst>
-                          </p:cTn>
-                        </p:par>
-                      </p:childTnLst>
-                    </p:cTn>
-                  </p:par>
-                </p:childTnLst>
-              </p:cTn>
-              <p:prevCondLst>
-                <p:cond evt="onPrev" delay="0">
-                  <p:tgtEl>
-                    <p:sldTgt/>
-                  </p:tgtEl>
-                </p:cond>
-              </p:prevCondLst>
-              <p:nextCondLst>
-                <p:cond evt="onNext" delay="0">
-                  <p:tgtEl>
-                    <p:sldTgt/>
-                  </p:tgtEl>
-                </p:cond>
-              </p:nextCondLst>
-            </p:seq>
-          </p:childTnLst>
-        </p:cTn>
-      </p:par>
-    </p:tnLst>
-  </p:timing>
-</p:sld>
-</file>
-
-<file path=ppt/slides/slide30.xml><?xml version="1.0" encoding="utf-8"?>
+<file path=ppt/slides/slide32.xml><?xml version="1.0" encoding="utf-8"?>
 <p:sld xmlns:a="http://schemas.openxmlformats.org/drawingml/2006/main" xmlns:r="http://schemas.openxmlformats.org/officeDocument/2006/relationships" xmlns:p="http://schemas.openxmlformats.org/presentationml/2006/main">
   <p:cSld>
     <p:spTree>
@@ -31979,7 +33664,7 @@
 </p:sld>
 </file>
 
-<file path=ppt/slides/slide31.xml><?xml version="1.0" encoding="utf-8"?>
+<file path=ppt/slides/slide33.xml><?xml version="1.0" encoding="utf-8"?>
 <p:sld xmlns:a="http://schemas.openxmlformats.org/drawingml/2006/main" xmlns:r="http://schemas.openxmlformats.org/officeDocument/2006/relationships" xmlns:p="http://schemas.openxmlformats.org/presentationml/2006/main">
   <p:cSld>
     <p:spTree>
@@ -33023,13 +34708,13 @@
   <p:clrMapOvr>
     <a:masterClrMapping/>
   </p:clrMapOvr>
-  <mc:AlternateContent xmlns:mc="http://schemas.openxmlformats.org/markup-compatibility/2006">
-    <mc:Choice xmlns:p14="http://schemas.microsoft.com/office/powerpoint/2010/main" Requires="p14">
+  <mc:AlternateContent xmlns:mc="http://schemas.openxmlformats.org/markup-compatibility/2006" xmlns:p14="http://schemas.microsoft.com/office/powerpoint/2010/main">
+    <mc:Choice Requires="p14">
       <p:transition p14:dur="250">
         <p:fade thruBlk="1"/>
       </p:transition>
     </mc:Choice>
-    <mc:Fallback>
+    <mc:Fallback xmlns="">
       <p:transition>
         <p:fade thruBlk="1"/>
       </p:transition>
@@ -33374,6 +35059,179 @@
 </file>
 
 <file path=ppt/slides/slide5.xml><?xml version="1.0" encoding="utf-8"?>
+<p:sld xmlns:a="http://schemas.openxmlformats.org/drawingml/2006/main" xmlns:r="http://schemas.openxmlformats.org/officeDocument/2006/relationships" xmlns:p="http://schemas.openxmlformats.org/presentationml/2006/main">
+  <p:cSld>
+    <p:spTree>
+      <p:nvGrpSpPr>
+        <p:cNvPr id="1" name=""/>
+        <p:cNvGrpSpPr/>
+        <p:nvPr/>
+      </p:nvGrpSpPr>
+      <p:grpSpPr>
+        <a:xfrm>
+          <a:off x="0" y="0"/>
+          <a:ext cx="0" cy="0"/>
+          <a:chOff x="0" y="0"/>
+          <a:chExt cx="0" cy="0"/>
+        </a:xfrm>
+      </p:grpSpPr>
+      <p:sp>
+        <p:nvSpPr>
+          <p:cNvPr id="3" name="TextBox 2"/>
+          <p:cNvSpPr txBox="1"/>
+          <p:nvPr/>
+        </p:nvSpPr>
+        <p:spPr>
+          <a:xfrm>
+            <a:off x="518746" y="2628122"/>
+            <a:ext cx="8039816" cy="1057164"/>
+          </a:xfrm>
+          <a:prstGeom prst="rect">
+            <a:avLst/>
+          </a:prstGeom>
+          <a:noFill/>
+          <a:ln w="127000">
+            <a:solidFill>
+              <a:srgbClr val="FFFF00"/>
+            </a:solidFill>
+          </a:ln>
+        </p:spPr>
+        <p:txBody>
+          <a:bodyPr wrap="none" rtlCol="0" anchor="ctr">
+            <a:spAutoFit/>
+          </a:bodyPr>
+          <a:lstStyle/>
+          <a:p>
+            <a:pPr algn="ctr"/>
+            <a:r>
+              <a:rPr lang="hr-HR" sz="4400" dirty="0" smtClean="0">
+                <a:latin typeface="Calibri" panose="020F0502020204030204" pitchFamily="34" charset="0"/>
+                <a:cs typeface="Calibri" panose="020F0502020204030204" pitchFamily="34" charset="0"/>
+              </a:rPr>
+              <a:t>srednja-skola.github.io/politika</a:t>
+            </a:r>
+            <a:endParaRPr lang="hr-HR" sz="4400" dirty="0">
+              <a:latin typeface="Calibri" panose="020F0502020204030204" pitchFamily="34" charset="0"/>
+              <a:cs typeface="Calibri" panose="020F0502020204030204" pitchFamily="34" charset="0"/>
+            </a:endParaRPr>
+          </a:p>
+        </p:txBody>
+      </p:sp>
+    </p:spTree>
+    <p:extLst>
+      <p:ext uri="{BB962C8B-B14F-4D97-AF65-F5344CB8AC3E}">
+        <p14:creationId xmlns:p14="http://schemas.microsoft.com/office/powerpoint/2010/main" val="3798289113"/>
+      </p:ext>
+    </p:extLst>
+  </p:cSld>
+  <p:clrMapOvr>
+    <a:masterClrMapping/>
+  </p:clrMapOvr>
+  <mc:AlternateContent xmlns:mc="http://schemas.openxmlformats.org/markup-compatibility/2006" xmlns:p14="http://schemas.microsoft.com/office/powerpoint/2010/main">
+    <mc:Choice Requires="p14">
+      <p:transition p14:dur="250">
+        <p:fade thruBlk="1"/>
+      </p:transition>
+    </mc:Choice>
+    <mc:Fallback xmlns="">
+      <p:transition>
+        <p:fade thruBlk="1"/>
+      </p:transition>
+    </mc:Fallback>
+  </mc:AlternateContent>
+  <p:timing>
+    <p:tnLst>
+      <p:par>
+        <p:cTn id="1" dur="indefinite" restart="never" nodeType="tmRoot">
+          <p:childTnLst>
+            <p:seq concurrent="1" nextAc="seek">
+              <p:cTn id="2" dur="indefinite" nodeType="mainSeq">
+                <p:childTnLst>
+                  <p:par>
+                    <p:cTn id="3" fill="hold">
+                      <p:stCondLst>
+                        <p:cond delay="indefinite"/>
+                        <p:cond evt="onBegin" delay="0">
+                          <p:tn val="2"/>
+                        </p:cond>
+                      </p:stCondLst>
+                      <p:childTnLst>
+                        <p:par>
+                          <p:cTn id="4" fill="hold">
+                            <p:stCondLst>
+                              <p:cond delay="0"/>
+                            </p:stCondLst>
+                            <p:childTnLst>
+                              <p:par>
+                                <p:cTn id="5" presetID="10" presetClass="entr" presetSubtype="0" fill="hold" grpId="0" nodeType="afterEffect">
+                                  <p:stCondLst>
+                                    <p:cond delay="0"/>
+                                  </p:stCondLst>
+                                  <p:childTnLst>
+                                    <p:set>
+                                      <p:cBhvr>
+                                        <p:cTn id="6" dur="1" fill="hold">
+                                          <p:stCondLst>
+                                            <p:cond delay="0"/>
+                                          </p:stCondLst>
+                                        </p:cTn>
+                                        <p:tgtEl>
+                                          <p:spTgt spid="3"/>
+                                        </p:tgtEl>
+                                        <p:attrNameLst>
+                                          <p:attrName>style.visibility</p:attrName>
+                                        </p:attrNameLst>
+                                      </p:cBhvr>
+                                      <p:to>
+                                        <p:strVal val="visible"/>
+                                      </p:to>
+                                    </p:set>
+                                    <p:animEffect transition="in" filter="fade">
+                                      <p:cBhvr>
+                                        <p:cTn id="7" dur="250"/>
+                                        <p:tgtEl>
+                                          <p:spTgt spid="3"/>
+                                        </p:tgtEl>
+                                      </p:cBhvr>
+                                    </p:animEffect>
+                                  </p:childTnLst>
+                                </p:cTn>
+                              </p:par>
+                            </p:childTnLst>
+                          </p:cTn>
+                        </p:par>
+                      </p:childTnLst>
+                    </p:cTn>
+                  </p:par>
+                </p:childTnLst>
+              </p:cTn>
+              <p:prevCondLst>
+                <p:cond evt="onPrev" delay="0">
+                  <p:tgtEl>
+                    <p:sldTgt/>
+                  </p:tgtEl>
+                </p:cond>
+              </p:prevCondLst>
+              <p:nextCondLst>
+                <p:cond evt="onNext" delay="0">
+                  <p:tgtEl>
+                    <p:sldTgt/>
+                  </p:tgtEl>
+                </p:cond>
+              </p:nextCondLst>
+            </p:seq>
+          </p:childTnLst>
+        </p:cTn>
+      </p:par>
+    </p:tnLst>
+    <p:bldLst>
+      <p:bldP spid="3" grpId="0" animBg="1"/>
+    </p:bldLst>
+  </p:timing>
+</p:sld>
+</file>
+
+<file path=ppt/slides/slide6.xml><?xml version="1.0" encoding="utf-8"?>
 <p:sld xmlns:a="http://schemas.openxmlformats.org/drawingml/2006/main" xmlns:r="http://schemas.openxmlformats.org/officeDocument/2006/relationships" xmlns:p="http://schemas.openxmlformats.org/presentationml/2006/main">
   <p:cSld>
     <p:spTree>
@@ -33538,7 +35396,7 @@
 </p:sld>
 </file>
 
-<file path=ppt/slides/slide6.xml><?xml version="1.0" encoding="utf-8"?>
+<file path=ppt/slides/slide7.xml><?xml version="1.0" encoding="utf-8"?>
 <p:sld xmlns:a="http://schemas.openxmlformats.org/drawingml/2006/main" xmlns:r="http://schemas.openxmlformats.org/officeDocument/2006/relationships" xmlns:p="http://schemas.openxmlformats.org/presentationml/2006/main">
   <p:cSld>
     <p:spTree>
@@ -34573,7 +36431,7 @@
 </p:sld>
 </file>
 
-<file path=ppt/slides/slide7.xml><?xml version="1.0" encoding="utf-8"?>
+<file path=ppt/slides/slide8.xml><?xml version="1.0" encoding="utf-8"?>
 <p:sld xmlns:a="http://schemas.openxmlformats.org/drawingml/2006/main" xmlns:r="http://schemas.openxmlformats.org/officeDocument/2006/relationships" xmlns:p="http://schemas.openxmlformats.org/presentationml/2006/main">
   <p:cSld>
     <p:spTree>
@@ -35897,7 +37755,7 @@
 </p:sld>
 </file>
 
-<file path=ppt/slides/slide8.xml><?xml version="1.0" encoding="utf-8"?>
+<file path=ppt/slides/slide9.xml><?xml version="1.0" encoding="utf-8"?>
 <p:sld xmlns:a="http://schemas.openxmlformats.org/drawingml/2006/main" xmlns:r="http://schemas.openxmlformats.org/officeDocument/2006/relationships" xmlns:p="http://schemas.openxmlformats.org/presentationml/2006/main">
   <p:cSld>
     <p:spTree>
@@ -36598,7 +38456,7 @@
           <a:noFill/>
           <a:ln w="57150">
             <a:solidFill>
-              <a:schemeClr val="tx1"/>
+              <a:srgbClr val="FFFF00"/>
             </a:solidFill>
           </a:ln>
           <a:effectLst>
@@ -37245,647 +39103,6 @@
     <p:bldLst>
       <p:bldP spid="2" grpId="0" animBg="1"/>
     </p:bldLst>
-  </p:timing>
-</p:sld>
-</file>
-
-<file path=ppt/slides/slide9.xml><?xml version="1.0" encoding="utf-8"?>
-<p:sld xmlns:a="http://schemas.openxmlformats.org/drawingml/2006/main" xmlns:r="http://schemas.openxmlformats.org/officeDocument/2006/relationships" xmlns:p="http://schemas.openxmlformats.org/presentationml/2006/main">
-  <p:cSld>
-    <p:spTree>
-      <p:nvGrpSpPr>
-        <p:cNvPr id="1" name=""/>
-        <p:cNvGrpSpPr/>
-        <p:nvPr/>
-      </p:nvGrpSpPr>
-      <p:grpSpPr>
-        <a:xfrm>
-          <a:off x="0" y="0"/>
-          <a:ext cx="0" cy="0"/>
-          <a:chOff x="0" y="0"/>
-          <a:chExt cx="0" cy="0"/>
-        </a:xfrm>
-      </p:grpSpPr>
-      <p:sp>
-        <p:nvSpPr>
-          <p:cNvPr id="24578" name="Rectangle 2"/>
-          <p:cNvSpPr>
-            <a:spLocks noChangeArrowheads="1"/>
-          </p:cNvSpPr>
-          <p:nvPr/>
-        </p:nvSpPr>
-        <p:spPr bwMode="auto">
-          <a:xfrm>
-            <a:off x="214282" y="1052736"/>
-            <a:ext cx="8572560" cy="5448098"/>
-          </a:xfrm>
-          <a:prstGeom prst="rect">
-            <a:avLst/>
-          </a:prstGeom>
-          <a:noFill/>
-          <a:ln w="9525">
-            <a:noFill/>
-            <a:round/>
-            <a:headEnd/>
-            <a:tailEnd/>
-          </a:ln>
-          <a:effectLst/>
-        </p:spPr>
-        <p:txBody>
-          <a:bodyPr lIns="90000" tIns="45000" rIns="90000" bIns="45000"/>
-          <a:lstStyle/>
-          <a:p>
-            <a:pPr marL="288000" indent="-288000">
-              <a:lnSpc>
-                <a:spcPct val="100000"/>
-              </a:lnSpc>
-              <a:spcBef>
-                <a:spcPts val="1800"/>
-              </a:spcBef>
-              <a:buClr>
-                <a:schemeClr val="tx1"/>
-              </a:buClr>
-              <a:buFont typeface="Arial" pitchFamily="34" charset="0"/>
-              <a:buChar char="–"/>
-              <a:tabLst>
-                <a:tab pos="723900" algn="l"/>
-                <a:tab pos="1447800" algn="l"/>
-                <a:tab pos="2171700" algn="l"/>
-                <a:tab pos="2895600" algn="l"/>
-                <a:tab pos="3619500" algn="l"/>
-                <a:tab pos="4343400" algn="l"/>
-                <a:tab pos="5067300" algn="l"/>
-                <a:tab pos="5791200" algn="l"/>
-                <a:tab pos="6515100" algn="l"/>
-                <a:tab pos="7239000" algn="l"/>
-                <a:tab pos="7962900" algn="l"/>
-                <a:tab pos="8686800" algn="l"/>
-              </a:tabLst>
-            </a:pPr>
-            <a:r>
-              <a:rPr lang="hr-HR" sz="2400" dirty="0" smtClean="0">
-                <a:latin typeface="Calibri" pitchFamily="34" charset="0"/>
-                <a:ea typeface="WenQuanYi Micro Hei" charset="0"/>
-                <a:cs typeface="Calibri" pitchFamily="34" charset="0"/>
-              </a:rPr>
-              <a:t>s</a:t>
-            </a:r>
-            <a:r>
-              <a:rPr lang="vi-VN" sz="2400" dirty="0" smtClean="0">
-                <a:latin typeface="Calibri" pitchFamily="34" charset="0"/>
-                <a:ea typeface="WenQuanYi Micro Hei" charset="0"/>
-                <a:cs typeface="Calibri" pitchFamily="34" charset="0"/>
-              </a:rPr>
-              <a:t> obzirom na </a:t>
-            </a:r>
-            <a:r>
-              <a:rPr lang="hr-HR" sz="2400" b="1" dirty="0" smtClean="0">
-                <a:solidFill>
-                  <a:srgbClr val="FFC000"/>
-                </a:solidFill>
-                <a:effectLst>
-                  <a:outerShdw blurRad="38100" dist="38100" dir="2700000" algn="tl">
-                    <a:srgbClr val="000000">
-                      <a:alpha val="43137"/>
-                    </a:srgbClr>
-                  </a:outerShdw>
-                </a:effectLst>
-                <a:latin typeface="Calibri" pitchFamily="34" charset="0"/>
-                <a:ea typeface="WenQuanYi Micro Hei" charset="0"/>
-                <a:cs typeface="Calibri" pitchFamily="34" charset="0"/>
-              </a:rPr>
-              <a:t>širinu </a:t>
-            </a:r>
-            <a:r>
-              <a:rPr lang="vi-VN" sz="2400" b="1" dirty="0" smtClean="0">
-                <a:solidFill>
-                  <a:srgbClr val="FFC000"/>
-                </a:solidFill>
-                <a:effectLst>
-                  <a:outerShdw blurRad="38100" dist="38100" dir="2700000" algn="tl">
-                    <a:srgbClr val="000000">
-                      <a:alpha val="43137"/>
-                    </a:srgbClr>
-                  </a:outerShdw>
-                </a:effectLst>
-                <a:latin typeface="Calibri" pitchFamily="34" charset="0"/>
-                <a:ea typeface="WenQuanYi Micro Hei" charset="0"/>
-                <a:cs typeface="Calibri" pitchFamily="34" charset="0"/>
-              </a:rPr>
-              <a:t>i stupanj organiziranosti </a:t>
-            </a:r>
-            <a:r>
-              <a:rPr lang="vi-VN" sz="2400" dirty="0" smtClean="0">
-                <a:latin typeface="Calibri" pitchFamily="34" charset="0"/>
-                <a:ea typeface="WenQuanYi Micro Hei" charset="0"/>
-                <a:cs typeface="Calibri" pitchFamily="34" charset="0"/>
-              </a:rPr>
-              <a:t>razlikujemo: </a:t>
-            </a:r>
-          </a:p>
-          <a:p>
-            <a:pPr marL="1200150" lvl="1" indent="-457200">
-              <a:lnSpc>
-                <a:spcPct val="100000"/>
-              </a:lnSpc>
-              <a:spcBef>
-                <a:spcPts val="1800"/>
-              </a:spcBef>
-              <a:buClr>
-                <a:schemeClr val="tx1"/>
-              </a:buClr>
-              <a:buFont typeface="+mj-lt"/>
-              <a:buAutoNum type="arabicPeriod"/>
-              <a:tabLst>
-                <a:tab pos="723900" algn="l"/>
-                <a:tab pos="1447800" algn="l"/>
-                <a:tab pos="2171700" algn="l"/>
-                <a:tab pos="2895600" algn="l"/>
-                <a:tab pos="3619500" algn="l"/>
-                <a:tab pos="4343400" algn="l"/>
-                <a:tab pos="5067300" algn="l"/>
-                <a:tab pos="5791200" algn="l"/>
-                <a:tab pos="6515100" algn="l"/>
-                <a:tab pos="7239000" algn="l"/>
-                <a:tab pos="7962900" algn="l"/>
-                <a:tab pos="8686800" algn="l"/>
-              </a:tabLst>
-            </a:pPr>
-            <a:r>
-              <a:rPr lang="vi-VN" sz="3200" b="1" dirty="0" smtClean="0">
-                <a:solidFill>
-                  <a:srgbClr val="FFC000"/>
-                </a:solidFill>
-                <a:effectLst>
-                  <a:outerShdw blurRad="38100" dist="38100" dir="2700000" algn="tl">
-                    <a:srgbClr val="000000">
-                      <a:alpha val="43137"/>
-                    </a:srgbClr>
-                  </a:outerShdw>
-                </a:effectLst>
-                <a:latin typeface="Calibri" pitchFamily="34" charset="0"/>
-                <a:ea typeface="WenQuanYi Micro Hei" charset="0"/>
-                <a:cs typeface="Calibri" pitchFamily="34" charset="0"/>
-              </a:rPr>
-              <a:t>OPĆU</a:t>
-            </a:r>
-            <a:r>
-              <a:rPr lang="vi-VN" sz="2400" b="1" dirty="0" smtClean="0">
-                <a:solidFill>
-                  <a:srgbClr val="FFC000"/>
-                </a:solidFill>
-                <a:effectLst>
-                  <a:outerShdw blurRad="38100" dist="38100" dir="2700000" algn="tl">
-                    <a:srgbClr val="000000">
-                      <a:alpha val="43137"/>
-                    </a:srgbClr>
-                  </a:outerShdw>
-                </a:effectLst>
-                <a:latin typeface="Calibri" pitchFamily="34" charset="0"/>
-                <a:ea typeface="WenQuanYi Micro Hei" charset="0"/>
-                <a:cs typeface="Calibri" pitchFamily="34" charset="0"/>
-              </a:rPr>
-              <a:t> </a:t>
-            </a:r>
-            <a:r>
-              <a:rPr lang="vi-VN" sz="2400" b="1" dirty="0" smtClean="0">
-                <a:effectLst>
-                  <a:outerShdw blurRad="38100" dist="38100" dir="2700000" algn="tl">
-                    <a:srgbClr val="000000">
-                      <a:alpha val="43137"/>
-                    </a:srgbClr>
-                  </a:outerShdw>
-                </a:effectLst>
-                <a:latin typeface="Calibri" pitchFamily="34" charset="0"/>
-                <a:ea typeface="WenQuanYi Micro Hei" charset="0"/>
-                <a:cs typeface="Calibri" pitchFamily="34" charset="0"/>
-              </a:rPr>
-              <a:t>POLITKU</a:t>
-            </a:r>
-            <a:r>
-              <a:rPr lang="vi-VN" sz="2400" b="1" dirty="0" smtClean="0">
-                <a:solidFill>
-                  <a:srgbClr val="FFC000"/>
-                </a:solidFill>
-                <a:effectLst>
-                  <a:outerShdw blurRad="38100" dist="38100" dir="2700000" algn="tl">
-                    <a:srgbClr val="000000">
-                      <a:alpha val="43137"/>
-                    </a:srgbClr>
-                  </a:outerShdw>
-                </a:effectLst>
-                <a:latin typeface="Calibri" pitchFamily="34" charset="0"/>
-                <a:ea typeface="WenQuanYi Micro Hei" charset="0"/>
-                <a:cs typeface="Calibri" pitchFamily="34" charset="0"/>
-              </a:rPr>
-              <a:t> </a:t>
-            </a:r>
-            <a:r>
-              <a:rPr lang="vi-VN" sz="2400" dirty="0" smtClean="0">
-                <a:latin typeface="Calibri" pitchFamily="34" charset="0"/>
-                <a:ea typeface="WenQuanYi Micro Hei" charset="0"/>
-                <a:cs typeface="Calibri" pitchFamily="34" charset="0"/>
-              </a:rPr>
-              <a:t>– lokalna, državna, međunarodna </a:t>
-            </a:r>
-          </a:p>
-          <a:p>
-            <a:pPr marL="1200150" lvl="1" indent="-457200">
-              <a:lnSpc>
-                <a:spcPct val="100000"/>
-              </a:lnSpc>
-              <a:spcBef>
-                <a:spcPts val="1800"/>
-              </a:spcBef>
-              <a:buClr>
-                <a:schemeClr val="tx1"/>
-              </a:buClr>
-              <a:buFont typeface="+mj-lt"/>
-              <a:buAutoNum type="arabicPeriod"/>
-              <a:tabLst>
-                <a:tab pos="723900" algn="l"/>
-                <a:tab pos="1447800" algn="l"/>
-                <a:tab pos="2171700" algn="l"/>
-                <a:tab pos="2895600" algn="l"/>
-                <a:tab pos="3619500" algn="l"/>
-                <a:tab pos="4343400" algn="l"/>
-                <a:tab pos="5067300" algn="l"/>
-                <a:tab pos="5791200" algn="l"/>
-                <a:tab pos="6515100" algn="l"/>
-                <a:tab pos="7239000" algn="l"/>
-                <a:tab pos="7962900" algn="l"/>
-                <a:tab pos="8686800" algn="l"/>
-              </a:tabLst>
-            </a:pPr>
-            <a:r>
-              <a:rPr lang="vi-VN" sz="3200" b="1" dirty="0" smtClean="0">
-                <a:solidFill>
-                  <a:srgbClr val="FFC000"/>
-                </a:solidFill>
-                <a:effectLst>
-                  <a:outerShdw blurRad="38100" dist="38100" dir="2700000" algn="tl">
-                    <a:srgbClr val="000000">
-                      <a:alpha val="43137"/>
-                    </a:srgbClr>
-                  </a:outerShdw>
-                </a:effectLst>
-                <a:latin typeface="Calibri" pitchFamily="34" charset="0"/>
-                <a:ea typeface="WenQuanYi Micro Hei" charset="0"/>
-                <a:cs typeface="Calibri" pitchFamily="34" charset="0"/>
-              </a:rPr>
-              <a:t>POSEBNU </a:t>
-            </a:r>
-            <a:r>
-              <a:rPr lang="vi-VN" sz="2400" b="1" dirty="0" smtClean="0">
-                <a:effectLst>
-                  <a:outerShdw blurRad="38100" dist="38100" dir="2700000" algn="tl">
-                    <a:srgbClr val="000000">
-                      <a:alpha val="43137"/>
-                    </a:srgbClr>
-                  </a:outerShdw>
-                </a:effectLst>
-                <a:latin typeface="Calibri" pitchFamily="34" charset="0"/>
-                <a:ea typeface="WenQuanYi Micro Hei" charset="0"/>
-                <a:cs typeface="Calibri" pitchFamily="34" charset="0"/>
-              </a:rPr>
-              <a:t>POLITIKU</a:t>
-            </a:r>
-            <a:r>
-              <a:rPr lang="vi-VN" sz="2400" b="1" dirty="0" smtClean="0">
-                <a:solidFill>
-                  <a:srgbClr val="FFC000"/>
-                </a:solidFill>
-                <a:effectLst>
-                  <a:outerShdw blurRad="38100" dist="38100" dir="2700000" algn="tl">
-                    <a:srgbClr val="000000">
-                      <a:alpha val="43137"/>
-                    </a:srgbClr>
-                  </a:outerShdw>
-                </a:effectLst>
-                <a:latin typeface="Calibri" pitchFamily="34" charset="0"/>
-                <a:ea typeface="WenQuanYi Micro Hei" charset="0"/>
-                <a:cs typeface="Calibri" pitchFamily="34" charset="0"/>
-              </a:rPr>
-              <a:t> </a:t>
-            </a:r>
-            <a:r>
-              <a:rPr lang="vi-VN" sz="2400" dirty="0" smtClean="0">
-                <a:latin typeface="Calibri" pitchFamily="34" charset="0"/>
-                <a:ea typeface="WenQuanYi Micro Hei" charset="0"/>
-                <a:cs typeface="Calibri" pitchFamily="34" charset="0"/>
-              </a:rPr>
-              <a:t>– socijalna, gospodarska, prosvjetna</a:t>
-            </a:r>
-            <a:r>
-              <a:rPr lang="hr-HR" sz="2400" dirty="0" smtClean="0">
-                <a:latin typeface="Calibri" pitchFamily="34" charset="0"/>
-                <a:ea typeface="WenQuanYi Micro Hei" charset="0"/>
-                <a:cs typeface="Calibri" pitchFamily="34" charset="0"/>
-              </a:rPr>
-              <a:t>, demografska, mirovinska</a:t>
-            </a:r>
-            <a:r>
-              <a:rPr lang="vi-VN" sz="2400" dirty="0" smtClean="0">
-                <a:latin typeface="Calibri" pitchFamily="34" charset="0"/>
-                <a:ea typeface="WenQuanYi Micro Hei" charset="0"/>
-                <a:cs typeface="Calibri" pitchFamily="34" charset="0"/>
-              </a:rPr>
-              <a:t>...</a:t>
-            </a:r>
-          </a:p>
-          <a:p>
-            <a:pPr marL="288000" indent="-288000">
-              <a:lnSpc>
-                <a:spcPct val="100000"/>
-              </a:lnSpc>
-              <a:spcBef>
-                <a:spcPts val="600"/>
-              </a:spcBef>
-              <a:buClr>
-                <a:schemeClr val="tx1"/>
-              </a:buClr>
-              <a:buFont typeface="Arial" pitchFamily="34" charset="0"/>
-              <a:buChar char="–"/>
-              <a:tabLst>
-                <a:tab pos="723900" algn="l"/>
-                <a:tab pos="1447800" algn="l"/>
-                <a:tab pos="2171700" algn="l"/>
-                <a:tab pos="2895600" algn="l"/>
-                <a:tab pos="3619500" algn="l"/>
-                <a:tab pos="4343400" algn="l"/>
-                <a:tab pos="5067300" algn="l"/>
-                <a:tab pos="5791200" algn="l"/>
-                <a:tab pos="6515100" algn="l"/>
-                <a:tab pos="7239000" algn="l"/>
-                <a:tab pos="7962900" algn="l"/>
-                <a:tab pos="8686800" algn="l"/>
-              </a:tabLst>
-            </a:pPr>
-            <a:endParaRPr lang="hr-HR" sz="2400" i="1" dirty="0" smtClean="0">
-              <a:latin typeface="Calibri" pitchFamily="34" charset="0"/>
-              <a:ea typeface="WenQuanYi Micro Hei" charset="0"/>
-              <a:cs typeface="Calibri" pitchFamily="34" charset="0"/>
-            </a:endParaRPr>
-          </a:p>
-        </p:txBody>
-      </p:sp>
-      <p:sp>
-        <p:nvSpPr>
-          <p:cNvPr id="4" name="Title 3"/>
-          <p:cNvSpPr>
-            <a:spLocks noGrp="1"/>
-          </p:cNvSpPr>
-          <p:nvPr>
-            <p:ph type="title"/>
-          </p:nvPr>
-        </p:nvSpPr>
-        <p:spPr/>
-        <p:txBody>
-          <a:bodyPr/>
-          <a:lstStyle/>
-          <a:p>
-            <a:pPr>
-              <a:lnSpc>
-                <a:spcPct val="100000"/>
-              </a:lnSpc>
-              <a:tabLst>
-                <a:tab pos="723900" algn="l"/>
-                <a:tab pos="1447800" algn="l"/>
-                <a:tab pos="2171700" algn="l"/>
-                <a:tab pos="2895600" algn="l"/>
-                <a:tab pos="3619500" algn="l"/>
-                <a:tab pos="4343400" algn="l"/>
-                <a:tab pos="5067300" algn="l"/>
-                <a:tab pos="5791200" algn="l"/>
-                <a:tab pos="6515100" algn="l"/>
-                <a:tab pos="7239000" algn="l"/>
-                <a:tab pos="7962900" algn="l"/>
-                <a:tab pos="8686800" algn="l"/>
-              </a:tabLst>
-            </a:pPr>
-            <a:r>
-              <a:rPr lang="hr-HR" dirty="0" smtClean="0">
-                <a:ea typeface="WenQuanYi Micro Hei" charset="0"/>
-              </a:rPr>
-              <a:t>PODJELA POLITIKE</a:t>
-            </a:r>
-            <a:endParaRPr lang="en-US" dirty="0">
-              <a:ea typeface="WenQuanYi Micro Hei" charset="0"/>
-            </a:endParaRPr>
-          </a:p>
-        </p:txBody>
-      </p:sp>
-    </p:spTree>
-  </p:cSld>
-  <p:clrMapOvr>
-    <a:masterClrMapping/>
-  </p:clrMapOvr>
-  <mc:AlternateContent xmlns:mc="http://schemas.openxmlformats.org/markup-compatibility/2006" xmlns:p14="http://schemas.microsoft.com/office/powerpoint/2010/main">
-    <mc:Choice Requires="p14">
-      <p:transition p14:dur="250">
-        <p:fade thruBlk="1"/>
-      </p:transition>
-    </mc:Choice>
-    <mc:Fallback xmlns="">
-      <p:transition>
-        <p:fade thruBlk="1"/>
-      </p:transition>
-    </mc:Fallback>
-  </mc:AlternateContent>
-  <p:timing>
-    <p:tnLst>
-      <p:par>
-        <p:cTn id="1" dur="indefinite" restart="never" nodeType="tmRoot">
-          <p:childTnLst>
-            <p:seq concurrent="1" nextAc="seek">
-              <p:cTn id="2" dur="indefinite" nodeType="mainSeq">
-                <p:childTnLst>
-                  <p:par>
-                    <p:cTn id="3" fill="hold">
-                      <p:stCondLst>
-                        <p:cond delay="0"/>
-                      </p:stCondLst>
-                      <p:childTnLst>
-                        <p:par>
-                          <p:cTn id="4" fill="hold">
-                            <p:stCondLst>
-                              <p:cond delay="0"/>
-                            </p:stCondLst>
-                            <p:childTnLst>
-                              <p:par>
-                                <p:cTn id="5" presetID="10" presetClass="entr" fill="hold" nodeType="afterEffect">
-                                  <p:stCondLst>
-                                    <p:cond delay="0"/>
-                                  </p:stCondLst>
-                                  <p:childTnLst>
-                                    <p:set>
-                                      <p:cBhvr additive="repl">
-                                        <p:cTn id="6" dur="1" fill="hold">
-                                          <p:stCondLst>
-                                            <p:cond delay="0"/>
-                                          </p:stCondLst>
-                                        </p:cTn>
-                                        <p:tgtEl>
-                                          <p:spTgt spid="24578">
-                                            <p:txEl>
-                                              <p:pRg st="0" end="0"/>
-                                            </p:txEl>
-                                          </p:spTgt>
-                                        </p:tgtEl>
-                                        <p:attrNameLst>
-                                          <p:attrName>style.visibility</p:attrName>
-                                        </p:attrNameLst>
-                                      </p:cBhvr>
-                                      <p:to>
-                                        <p:strVal val="visible"/>
-                                      </p:to>
-                                    </p:set>
-                                    <p:animEffect transition="in" filter="fade">
-                                      <p:cBhvr additive="repl">
-                                        <p:cTn id="7" dur="250"/>
-                                        <p:tgtEl>
-                                          <p:spTgt spid="24578">
-                                            <p:txEl>
-                                              <p:pRg st="0" end="0"/>
-                                            </p:txEl>
-                                          </p:spTgt>
-                                        </p:tgtEl>
-                                      </p:cBhvr>
-                                    </p:animEffect>
-                                  </p:childTnLst>
-                                </p:cTn>
-                              </p:par>
-                            </p:childTnLst>
-                          </p:cTn>
-                        </p:par>
-                        <p:par>
-                          <p:cTn id="8" fill="hold">
-                            <p:stCondLst>
-                              <p:cond delay="250"/>
-                            </p:stCondLst>
-                            <p:childTnLst>
-                              <p:par>
-                                <p:cTn id="9" presetID="10" presetClass="entr" fill="hold" nodeType="afterEffect">
-                                  <p:stCondLst>
-                                    <p:cond delay="0"/>
-                                  </p:stCondLst>
-                                  <p:childTnLst>
-                                    <p:set>
-                                      <p:cBhvr additive="repl">
-                                        <p:cTn id="10" dur="1" fill="hold">
-                                          <p:stCondLst>
-                                            <p:cond delay="0"/>
-                                          </p:stCondLst>
-                                        </p:cTn>
-                                        <p:tgtEl>
-                                          <p:spTgt spid="24578">
-                                            <p:txEl>
-                                              <p:pRg st="1" end="1"/>
-                                            </p:txEl>
-                                          </p:spTgt>
-                                        </p:tgtEl>
-                                        <p:attrNameLst>
-                                          <p:attrName>style.visibility</p:attrName>
-                                        </p:attrNameLst>
-                                      </p:cBhvr>
-                                      <p:to>
-                                        <p:strVal val="visible"/>
-                                      </p:to>
-                                    </p:set>
-                                    <p:animEffect transition="in" filter="fade">
-                                      <p:cBhvr additive="repl">
-                                        <p:cTn id="11" dur="250"/>
-                                        <p:tgtEl>
-                                          <p:spTgt spid="24578">
-                                            <p:txEl>
-                                              <p:pRg st="1" end="1"/>
-                                            </p:txEl>
-                                          </p:spTgt>
-                                        </p:tgtEl>
-                                      </p:cBhvr>
-                                    </p:animEffect>
-                                  </p:childTnLst>
-                                </p:cTn>
-                              </p:par>
-                            </p:childTnLst>
-                          </p:cTn>
-                        </p:par>
-                        <p:par>
-                          <p:cTn id="12" fill="hold">
-                            <p:stCondLst>
-                              <p:cond delay="500"/>
-                            </p:stCondLst>
-                            <p:childTnLst>
-                              <p:par>
-                                <p:cTn id="13" presetID="10" presetClass="entr" fill="hold" nodeType="afterEffect">
-                                  <p:stCondLst>
-                                    <p:cond delay="0"/>
-                                  </p:stCondLst>
-                                  <p:childTnLst>
-                                    <p:set>
-                                      <p:cBhvr additive="repl">
-                                        <p:cTn id="14" dur="1" fill="hold">
-                                          <p:stCondLst>
-                                            <p:cond delay="0"/>
-                                          </p:stCondLst>
-                                        </p:cTn>
-                                        <p:tgtEl>
-                                          <p:spTgt spid="24578">
-                                            <p:txEl>
-                                              <p:pRg st="2" end="2"/>
-                                            </p:txEl>
-                                          </p:spTgt>
-                                        </p:tgtEl>
-                                        <p:attrNameLst>
-                                          <p:attrName>style.visibility</p:attrName>
-                                        </p:attrNameLst>
-                                      </p:cBhvr>
-                                      <p:to>
-                                        <p:strVal val="visible"/>
-                                      </p:to>
-                                    </p:set>
-                                    <p:animEffect transition="in" filter="fade">
-                                      <p:cBhvr additive="repl">
-                                        <p:cTn id="15" dur="250"/>
-                                        <p:tgtEl>
-                                          <p:spTgt spid="24578">
-                                            <p:txEl>
-                                              <p:pRg st="2" end="2"/>
-                                            </p:txEl>
-                                          </p:spTgt>
-                                        </p:tgtEl>
-                                      </p:cBhvr>
-                                    </p:animEffect>
-                                  </p:childTnLst>
-                                </p:cTn>
-                              </p:par>
-                            </p:childTnLst>
-                          </p:cTn>
-                        </p:par>
-                      </p:childTnLst>
-                    </p:cTn>
-                  </p:par>
-                </p:childTnLst>
-              </p:cTn>
-              <p:prevCondLst>
-                <p:cond evt="onPrev" delay="0">
-                  <p:tgtEl>
-                    <p:sldTgt/>
-                  </p:tgtEl>
-                </p:cond>
-              </p:prevCondLst>
-              <p:nextCondLst>
-                <p:cond evt="onNext" delay="0">
-                  <p:tgtEl>
-                    <p:sldTgt/>
-                  </p:tgtEl>
-                </p:cond>
-              </p:nextCondLst>
-            </p:seq>
-          </p:childTnLst>
-        </p:cTn>
-      </p:par>
-    </p:tnLst>
   </p:timing>
 </p:sld>
 </file>

--- a/data/prezentacije/politika/001_pojam_politike.pptx
+++ b/data/prezentacije/politika/001_pojam_politike.pptx
@@ -7198,7 +7198,7 @@
 </file>
 
 <file path=ppt/slides/slide1.xml><?xml version="1.0" encoding="utf-8"?>
-<p:sld xmlns:a="http://schemas.openxmlformats.org/drawingml/2006/main" xmlns:r="http://schemas.openxmlformats.org/officeDocument/2006/relationships" xmlns:p="http://schemas.openxmlformats.org/presentationml/2006/main">
+<p:sld xmlns:a="http://schemas.openxmlformats.org/drawingml/2006/main" xmlns:r="http://schemas.openxmlformats.org/officeDocument/2006/relationships" xmlns:p="http://schemas.openxmlformats.org/presentationml/2006/main" show="0">
   <p:cSld>
     <p:spTree>
       <p:nvGrpSpPr>
@@ -7224,13 +7224,13 @@
   <p:clrMapOvr>
     <a:masterClrMapping/>
   </p:clrMapOvr>
-  <mc:AlternateContent xmlns:mc="http://schemas.openxmlformats.org/markup-compatibility/2006" xmlns:p14="http://schemas.microsoft.com/office/powerpoint/2010/main">
-    <mc:Choice Requires="p14">
+  <mc:AlternateContent xmlns:mc="http://schemas.openxmlformats.org/markup-compatibility/2006">
+    <mc:Choice xmlns:p14="http://schemas.microsoft.com/office/powerpoint/2010/main" Requires="p14">
       <p:transition p14:dur="250">
         <p:fade thruBlk="1"/>
       </p:transition>
     </mc:Choice>
-    <mc:Fallback xmlns="">
+    <mc:Fallback>
       <p:transition>
         <p:fade thruBlk="1"/>
       </p:transition>
@@ -8389,20 +8389,6 @@
                 </a:rPr>
                 <a:t>posebne</a:t>
               </a:r>
-              <a:endParaRPr lang="hr-HR" sz="2800" b="1" dirty="0" smtClean="0">
-                <a:solidFill>
-                  <a:schemeClr val="tx1"/>
-                </a:solidFill>
-                <a:effectLst>
-                  <a:outerShdw blurRad="38100" dist="38100" dir="2700000" algn="tl">
-                    <a:srgbClr val="000000">
-                      <a:alpha val="43137"/>
-                    </a:srgbClr>
-                  </a:outerShdw>
-                </a:effectLst>
-                <a:latin typeface="Calibri" pitchFamily="34" charset="0"/>
-                <a:cs typeface="Calibri" pitchFamily="34" charset="0"/>
-              </a:endParaRPr>
             </a:p>
           </p:txBody>
         </p:sp>
@@ -9764,7 +9750,7 @@
 </file>
 
 <file path=ppt/slides/slide12.xml><?xml version="1.0" encoding="utf-8"?>
-<p:sld xmlns:a="http://schemas.openxmlformats.org/drawingml/2006/main" xmlns:r="http://schemas.openxmlformats.org/officeDocument/2006/relationships" xmlns:p="http://schemas.openxmlformats.org/presentationml/2006/main" show="0">
+<p:sld xmlns:a="http://schemas.openxmlformats.org/drawingml/2006/main" xmlns:r="http://schemas.openxmlformats.org/officeDocument/2006/relationships" xmlns:p="http://schemas.openxmlformats.org/presentationml/2006/main">
   <p:cSld>
     <p:spTree>
       <p:nvGrpSpPr>
@@ -10529,7 +10515,63 @@
                 <a:ea typeface="WenQuanYi Micro Hei" charset="0"/>
                 <a:cs typeface="Calibri" pitchFamily="34" charset="0"/>
               </a:rPr>
-              <a:t>ustrojstvo politčkog sustava, kako i gdje se donose politčke </a:t>
+              <a:t>ustrojstvo </a:t>
+            </a:r>
+            <a:r>
+              <a:rPr lang="vi-VN" sz="2200" i="1" dirty="0" smtClean="0">
+                <a:latin typeface="Calibri" pitchFamily="34" charset="0"/>
+                <a:ea typeface="WenQuanYi Micro Hei" charset="0"/>
+                <a:cs typeface="Calibri" pitchFamily="34" charset="0"/>
+              </a:rPr>
+              <a:t>polit</a:t>
+            </a:r>
+            <a:r>
+              <a:rPr lang="hr-HR" sz="2200" i="1" dirty="0" smtClean="0">
+                <a:latin typeface="Calibri" pitchFamily="34" charset="0"/>
+                <a:ea typeface="WenQuanYi Micro Hei" charset="0"/>
+                <a:cs typeface="Calibri" pitchFamily="34" charset="0"/>
+              </a:rPr>
+              <a:t>i</a:t>
+            </a:r>
+            <a:r>
+              <a:rPr lang="vi-VN" sz="2200" i="1" dirty="0" smtClean="0">
+                <a:latin typeface="Calibri" pitchFamily="34" charset="0"/>
+                <a:ea typeface="WenQuanYi Micro Hei" charset="0"/>
+                <a:cs typeface="Calibri" pitchFamily="34" charset="0"/>
+              </a:rPr>
+              <a:t>čkog </a:t>
+            </a:r>
+            <a:r>
+              <a:rPr lang="vi-VN" sz="2200" i="1" dirty="0">
+                <a:latin typeface="Calibri" pitchFamily="34" charset="0"/>
+                <a:ea typeface="WenQuanYi Micro Hei" charset="0"/>
+                <a:cs typeface="Calibri" pitchFamily="34" charset="0"/>
+              </a:rPr>
+              <a:t>sustava, kako i gdje se donose </a:t>
+            </a:r>
+            <a:r>
+              <a:rPr lang="vi-VN" sz="2200" i="1" dirty="0" smtClean="0">
+                <a:latin typeface="Calibri" pitchFamily="34" charset="0"/>
+                <a:ea typeface="WenQuanYi Micro Hei" charset="0"/>
+                <a:cs typeface="Calibri" pitchFamily="34" charset="0"/>
+              </a:rPr>
+              <a:t>polit</a:t>
+            </a:r>
+            <a:r>
+              <a:rPr lang="hr-HR" sz="2200" i="1" dirty="0" smtClean="0">
+                <a:latin typeface="Calibri" pitchFamily="34" charset="0"/>
+                <a:ea typeface="WenQuanYi Micro Hei" charset="0"/>
+                <a:cs typeface="Calibri" pitchFamily="34" charset="0"/>
+              </a:rPr>
+              <a:t>i</a:t>
+            </a:r>
+            <a:r>
+              <a:rPr lang="vi-VN" sz="2200" i="1" dirty="0" smtClean="0">
+                <a:latin typeface="Calibri" pitchFamily="34" charset="0"/>
+                <a:ea typeface="WenQuanYi Micro Hei" charset="0"/>
+                <a:cs typeface="Calibri" pitchFamily="34" charset="0"/>
+              </a:rPr>
+              <a:t>čke </a:t>
             </a:r>
             <a:r>
               <a:rPr lang="vi-VN" sz="2200" i="1" dirty="0" smtClean="0">
@@ -19646,7 +19688,7 @@
 </file>
 
 <file path=ppt/slides/slide21.xml><?xml version="1.0" encoding="utf-8"?>
-<p:sld xmlns:a="http://schemas.openxmlformats.org/drawingml/2006/main" xmlns:r="http://schemas.openxmlformats.org/officeDocument/2006/relationships" xmlns:p="http://schemas.openxmlformats.org/presentationml/2006/main" show="0">
+<p:sld xmlns:a="http://schemas.openxmlformats.org/drawingml/2006/main" xmlns:r="http://schemas.openxmlformats.org/officeDocument/2006/relationships" xmlns:p="http://schemas.openxmlformats.org/presentationml/2006/main">
   <p:cSld>
     <p:spTree>
       <p:nvGrpSpPr>
@@ -20774,7 +20816,7 @@
 </file>
 
 <file path=ppt/slides/slide22.xml><?xml version="1.0" encoding="utf-8"?>
-<p:sld xmlns:a="http://schemas.openxmlformats.org/drawingml/2006/main" xmlns:r="http://schemas.openxmlformats.org/officeDocument/2006/relationships" xmlns:p="http://schemas.openxmlformats.org/presentationml/2006/main" show="0">
+<p:sld xmlns:a="http://schemas.openxmlformats.org/drawingml/2006/main" xmlns:r="http://schemas.openxmlformats.org/officeDocument/2006/relationships" xmlns:p="http://schemas.openxmlformats.org/presentationml/2006/main">
   <p:cSld>
     <p:spTree>
       <p:nvGrpSpPr>
@@ -35059,7 +35101,7 @@
 </file>
 
 <file path=ppt/slides/slide5.xml><?xml version="1.0" encoding="utf-8"?>
-<p:sld xmlns:a="http://schemas.openxmlformats.org/drawingml/2006/main" xmlns:r="http://schemas.openxmlformats.org/officeDocument/2006/relationships" xmlns:p="http://schemas.openxmlformats.org/presentationml/2006/main">
+<p:sld xmlns:a="http://schemas.openxmlformats.org/drawingml/2006/main" xmlns:r="http://schemas.openxmlformats.org/officeDocument/2006/relationships" xmlns:p="http://schemas.openxmlformats.org/presentationml/2006/main" show="0">
   <p:cSld>
     <p:spTree>
       <p:nvGrpSpPr>
@@ -35127,13 +35169,13 @@
   <p:clrMapOvr>
     <a:masterClrMapping/>
   </p:clrMapOvr>
-  <mc:AlternateContent xmlns:mc="http://schemas.openxmlformats.org/markup-compatibility/2006" xmlns:p14="http://schemas.microsoft.com/office/powerpoint/2010/main">
-    <mc:Choice Requires="p14">
+  <mc:AlternateContent xmlns:mc="http://schemas.openxmlformats.org/markup-compatibility/2006">
+    <mc:Choice xmlns:p14="http://schemas.microsoft.com/office/powerpoint/2010/main" Requires="p14">
       <p:transition p14:dur="250">
         <p:fade thruBlk="1"/>
       </p:transition>
     </mc:Choice>
-    <mc:Fallback xmlns="">
+    <mc:Fallback>
       <p:transition>
         <p:fade thruBlk="1"/>
       </p:transition>
@@ -38429,7 +38471,71 @@
                 <a:ea typeface="WenQuanYi Micro Hei" charset="0"/>
                 <a:cs typeface="Calibri" pitchFamily="34" charset="0"/>
               </a:rPr>
-              <a:t>kakvo je ustrojstvo politčkog sustava, kako i gdje se donose politčke odluke...</a:t>
+              <a:t>kakvo je ustrojstvo </a:t>
+            </a:r>
+            <a:r>
+              <a:rPr lang="vi-VN" sz="2400" i="1" dirty="0" smtClean="0">
+                <a:latin typeface="Calibri" pitchFamily="34" charset="0"/>
+                <a:ea typeface="WenQuanYi Micro Hei" charset="0"/>
+                <a:cs typeface="Calibri" pitchFamily="34" charset="0"/>
+              </a:rPr>
+              <a:t>polit</a:t>
+            </a:r>
+            <a:r>
+              <a:rPr lang="hr-HR" sz="2400" i="1" dirty="0" smtClean="0">
+                <a:latin typeface="Calibri" pitchFamily="34" charset="0"/>
+                <a:ea typeface="WenQuanYi Micro Hei" charset="0"/>
+                <a:cs typeface="Calibri" pitchFamily="34" charset="0"/>
+              </a:rPr>
+              <a:t>i</a:t>
+            </a:r>
+            <a:r>
+              <a:rPr lang="vi-VN" sz="2400" i="1" dirty="0" smtClean="0">
+                <a:latin typeface="Calibri" pitchFamily="34" charset="0"/>
+                <a:ea typeface="WenQuanYi Micro Hei" charset="0"/>
+                <a:cs typeface="Calibri" pitchFamily="34" charset="0"/>
+              </a:rPr>
+              <a:t>čkog </a:t>
+            </a:r>
+            <a:r>
+              <a:rPr lang="vi-VN" sz="2400" i="1" dirty="0" smtClean="0">
+                <a:latin typeface="Calibri" pitchFamily="34" charset="0"/>
+                <a:ea typeface="WenQuanYi Micro Hei" charset="0"/>
+                <a:cs typeface="Calibri" pitchFamily="34" charset="0"/>
+              </a:rPr>
+              <a:t>sustava, kako i gdje se donose </a:t>
+            </a:r>
+            <a:r>
+              <a:rPr lang="vi-VN" sz="2400" i="1" dirty="0" smtClean="0">
+                <a:latin typeface="Calibri" pitchFamily="34" charset="0"/>
+                <a:ea typeface="WenQuanYi Micro Hei" charset="0"/>
+                <a:cs typeface="Calibri" pitchFamily="34" charset="0"/>
+              </a:rPr>
+              <a:t>polit</a:t>
+            </a:r>
+            <a:r>
+              <a:rPr lang="hr-HR" sz="2400" i="1" dirty="0" smtClean="0">
+                <a:latin typeface="Calibri" pitchFamily="34" charset="0"/>
+                <a:ea typeface="WenQuanYi Micro Hei" charset="0"/>
+                <a:cs typeface="Calibri" pitchFamily="34" charset="0"/>
+              </a:rPr>
+              <a:t>i</a:t>
+            </a:r>
+            <a:r>
+              <a:rPr lang="vi-VN" sz="2400" i="1" dirty="0" smtClean="0">
+                <a:latin typeface="Calibri" pitchFamily="34" charset="0"/>
+                <a:ea typeface="WenQuanYi Micro Hei" charset="0"/>
+                <a:cs typeface="Calibri" pitchFamily="34" charset="0"/>
+              </a:rPr>
+              <a:t>čke </a:t>
+            </a:r>
+            <a:r>
+              <a:rPr lang="vi-VN" sz="2400" i="1" dirty="0" smtClean="0">
+                <a:latin typeface="Calibri" pitchFamily="34" charset="0"/>
+                <a:ea typeface="WenQuanYi Micro Hei" charset="0"/>
+                <a:cs typeface="Calibri" pitchFamily="34" charset="0"/>
+              </a:rPr>
+              <a:t>odluke...</a:t>
             </a:r>
             <a:endParaRPr lang="hr-HR" sz="2400" i="1" dirty="0" smtClean="0">
               <a:latin typeface="Calibri" pitchFamily="34" charset="0"/>

--- a/data/prezentacije/politika/001_pojam_politike.pptx
+++ b/data/prezentacije/politika/001_pojam_politike.pptx
@@ -5,7 +5,7 @@
     <p:sldMasterId id="2147483687" r:id="rId1"/>
   </p:sldMasterIdLst>
   <p:notesMasterIdLst>
-    <p:notesMasterId r:id="rId35"/>
+    <p:notesMasterId r:id="rId36"/>
   </p:notesMasterIdLst>
   <p:sldIdLst>
     <p:sldId id="256" r:id="rId2"/>
@@ -32,15 +32,16 @@
     <p:sldId id="332" r:id="rId23"/>
     <p:sldId id="344" r:id="rId24"/>
     <p:sldId id="352" r:id="rId25"/>
-    <p:sldId id="353" r:id="rId26"/>
-    <p:sldId id="351" r:id="rId27"/>
-    <p:sldId id="335" r:id="rId28"/>
-    <p:sldId id="355" r:id="rId29"/>
-    <p:sldId id="354" r:id="rId30"/>
-    <p:sldId id="356" r:id="rId31"/>
-    <p:sldId id="370" r:id="rId32"/>
-    <p:sldId id="371" r:id="rId33"/>
-    <p:sldId id="372" r:id="rId34"/>
+    <p:sldId id="373" r:id="rId26"/>
+    <p:sldId id="353" r:id="rId27"/>
+    <p:sldId id="351" r:id="rId28"/>
+    <p:sldId id="335" r:id="rId29"/>
+    <p:sldId id="355" r:id="rId30"/>
+    <p:sldId id="354" r:id="rId31"/>
+    <p:sldId id="356" r:id="rId32"/>
+    <p:sldId id="370" r:id="rId33"/>
+    <p:sldId id="371" r:id="rId34"/>
+    <p:sldId id="372" r:id="rId35"/>
   </p:sldIdLst>
   <p:sldSz cx="9144000" cy="6858000" type="screen4x3"/>
   <p:notesSz cx="7772400" cy="10058400"/>
@@ -2213,7 +2214,7 @@
             <a:fld id="{F3D0B6CC-DF53-4B3F-A43C-5B2C8B835909}" type="slidenum">
               <a:rPr lang="en-US"/>
               <a:pPr/>
-              <a:t>26</a:t>
+              <a:t>27</a:t>
             </a:fld>
             <a:endParaRPr lang="en-US"/>
           </a:p>
@@ -2441,7 +2442,7 @@
             <a:fld id="{F3D0B6CC-DF53-4B3F-A43C-5B2C8B835909}" type="slidenum">
               <a:rPr lang="en-US"/>
               <a:pPr/>
-              <a:t>27</a:t>
+              <a:t>28</a:t>
             </a:fld>
             <a:endParaRPr lang="en-US"/>
           </a:p>
@@ -2564,7 +2565,7 @@
             <a:fld id="{F3D0B6CC-DF53-4B3F-A43C-5B2C8B835909}" type="slidenum">
               <a:rPr lang="en-US"/>
               <a:pPr/>
-              <a:t>30</a:t>
+              <a:t>31</a:t>
             </a:fld>
             <a:endParaRPr lang="en-US" dirty="0"/>
           </a:p>
@@ -2687,7 +2688,7 @@
             <a:fld id="{F3D0B6CC-DF53-4B3F-A43C-5B2C8B835909}" type="slidenum">
               <a:rPr lang="en-US"/>
               <a:pPr/>
-              <a:t>31</a:t>
+              <a:t>32</a:t>
             </a:fld>
             <a:endParaRPr lang="en-US" dirty="0"/>
           </a:p>
@@ -2810,7 +2811,7 @@
             <a:fld id="{F3D0B6CC-DF53-4B3F-A43C-5B2C8B835909}" type="slidenum">
               <a:rPr lang="en-US"/>
               <a:pPr/>
-              <a:t>32</a:t>
+              <a:t>33</a:t>
             </a:fld>
             <a:endParaRPr lang="en-US"/>
           </a:p>
@@ -2933,7 +2934,7 @@
             <a:fld id="{F3D0B6CC-DF53-4B3F-A43C-5B2C8B835909}" type="slidenum">
               <a:rPr lang="en-US"/>
               <a:pPr/>
-              <a:t>33</a:t>
+              <a:t>34</a:t>
             </a:fld>
             <a:endParaRPr lang="en-US"/>
           </a:p>
@@ -4910,7 +4911,7 @@
             <a:fld id="{7CB97365-EBCA-4027-87D5-99FC1D4DF0BB}" type="datetimeFigureOut">
               <a:rPr lang="en-US" smtClean="0"/>
               <a:pPr/>
-              <a:t>9/25/2017</a:t>
+              <a:t>9/26/2017</a:t>
             </a:fld>
             <a:endParaRPr lang="en-US"/>
           </a:p>
@@ -7709,13 +7710,13 @@
   <p:clrMapOvr>
     <a:masterClrMapping/>
   </p:clrMapOvr>
-  <mc:AlternateContent xmlns:mc="http://schemas.openxmlformats.org/markup-compatibility/2006">
-    <mc:Choice xmlns:p14="http://schemas.microsoft.com/office/powerpoint/2010/main" Requires="p14">
+  <mc:AlternateContent xmlns:mc="http://schemas.openxmlformats.org/markup-compatibility/2006" xmlns:p14="http://schemas.microsoft.com/office/powerpoint/2010/main">
+    <mc:Choice Requires="p14">
       <p:transition>
         <p14:reveal/>
       </p:transition>
     </mc:Choice>
-    <mc:Fallback>
+    <mc:Fallback xmlns="">
       <p:transition>
         <p:fade/>
       </p:transition>
@@ -8165,13 +8166,13 @@
   <p:clrMapOvr>
     <a:masterClrMapping/>
   </p:clrMapOvr>
-  <mc:AlternateContent xmlns:mc="http://schemas.openxmlformats.org/markup-compatibility/2006">
-    <mc:Choice xmlns:p14="http://schemas.microsoft.com/office/powerpoint/2010/main" Requires="p14">
+  <mc:AlternateContent xmlns:mc="http://schemas.openxmlformats.org/markup-compatibility/2006" xmlns:p14="http://schemas.microsoft.com/office/powerpoint/2010/main">
+    <mc:Choice Requires="p14">
       <p:transition>
         <p14:reveal/>
       </p:transition>
     </mc:Choice>
-    <mc:Fallback>
+    <mc:Fallback xmlns="">
       <p:transition>
         <p:fade/>
       </p:transition>
@@ -9110,13 +9111,13 @@
   <p:clrMapOvr>
     <a:masterClrMapping/>
   </p:clrMapOvr>
-  <mc:AlternateContent xmlns:mc="http://schemas.openxmlformats.org/markup-compatibility/2006">
-    <mc:Choice xmlns:p14="http://schemas.microsoft.com/office/powerpoint/2010/main" Requires="p14">
+  <mc:AlternateContent xmlns:mc="http://schemas.openxmlformats.org/markup-compatibility/2006" xmlns:p14="http://schemas.microsoft.com/office/powerpoint/2010/main">
+    <mc:Choice Requires="p14">
       <p:transition>
         <p14:reveal/>
       </p:transition>
     </mc:Choice>
-    <mc:Fallback>
+    <mc:Fallback xmlns="">
       <p:transition>
         <p:fade/>
       </p:transition>
@@ -10783,13 +10784,13 @@
   <p:clrMapOvr>
     <a:masterClrMapping/>
   </p:clrMapOvr>
-  <mc:AlternateContent xmlns:mc="http://schemas.openxmlformats.org/markup-compatibility/2006">
-    <mc:Choice xmlns:p14="http://schemas.microsoft.com/office/powerpoint/2010/main" Requires="p14">
+  <mc:AlternateContent xmlns:mc="http://schemas.openxmlformats.org/markup-compatibility/2006" xmlns:p14="http://schemas.microsoft.com/office/powerpoint/2010/main">
+    <mc:Choice Requires="p14">
       <p:transition>
         <p14:reveal/>
       </p:transition>
     </mc:Choice>
-    <mc:Fallback>
+    <mc:Fallback xmlns="">
       <p:transition>
         <p:fade/>
       </p:transition>
@@ -12170,13 +12171,13 @@
   <p:clrMapOvr>
     <a:masterClrMapping/>
   </p:clrMapOvr>
-  <mc:AlternateContent xmlns:mc="http://schemas.openxmlformats.org/markup-compatibility/2006">
-    <mc:Choice xmlns:p14="http://schemas.microsoft.com/office/powerpoint/2010/main" Requires="p14">
+  <mc:AlternateContent xmlns:mc="http://schemas.openxmlformats.org/markup-compatibility/2006" xmlns:p14="http://schemas.microsoft.com/office/powerpoint/2010/main">
+    <mc:Choice Requires="p14">
       <p:transition>
         <p14:reveal/>
       </p:transition>
     </mc:Choice>
-    <mc:Fallback>
+    <mc:Fallback xmlns="">
       <p:transition>
         <p:fade/>
       </p:transition>
@@ -13710,13 +13711,13 @@
   <p:clrMapOvr>
     <a:masterClrMapping/>
   </p:clrMapOvr>
-  <mc:AlternateContent xmlns:mc="http://schemas.openxmlformats.org/markup-compatibility/2006">
-    <mc:Choice xmlns:p14="http://schemas.microsoft.com/office/powerpoint/2010/main" Requires="p14">
+  <mc:AlternateContent xmlns:mc="http://schemas.openxmlformats.org/markup-compatibility/2006" xmlns:p14="http://schemas.microsoft.com/office/powerpoint/2010/main">
+    <mc:Choice Requires="p14">
       <p:transition>
         <p14:reveal/>
       </p:transition>
     </mc:Choice>
-    <mc:Fallback>
+    <mc:Fallback xmlns="">
       <p:transition>
         <p:fade/>
       </p:transition>
@@ -14243,8 +14244,8 @@
         </p:nvSpPr>
         <p:spPr bwMode="auto">
           <a:xfrm>
-            <a:off x="467544" y="71414"/>
-            <a:ext cx="8280920" cy="654048"/>
+            <a:off x="467543" y="71414"/>
+            <a:ext cx="8676455" cy="654048"/>
           </a:xfrm>
           <a:prstGeom prst="rect">
             <a:avLst/>
@@ -14282,7 +14283,7 @@
               </a:tabLst>
             </a:pPr>
             <a:r>
-              <a:rPr lang="hr-HR" sz="3200" b="1" dirty="0" smtClean="0">
+              <a:rPr lang="hr-HR" sz="3000" b="1" dirty="0" smtClean="0">
                 <a:solidFill>
                   <a:srgbClr val="FFC000"/>
                 </a:solidFill>
@@ -14297,61 +14298,7 @@
                 <a:ea typeface="WenQuanYi Micro Hei" charset="0"/>
                 <a:cs typeface="Calibri" pitchFamily="34" charset="0"/>
               </a:rPr>
-              <a:t>MOĆ I VLAST</a:t>
-            </a:r>
-            <a:r>
-              <a:rPr lang="hr-HR" sz="2800" b="1" dirty="0" smtClean="0">
-                <a:solidFill>
-                  <a:srgbClr val="FFC000"/>
-                </a:solidFill>
-                <a:effectLst>
-                  <a:outerShdw blurRad="38100" dist="38100" dir="2700000" algn="tl">
-                    <a:srgbClr val="000000">
-                      <a:alpha val="43137"/>
-                    </a:srgbClr>
-                  </a:outerShdw>
-                </a:effectLst>
-                <a:latin typeface="Calibri" pitchFamily="34" charset="0"/>
-                <a:ea typeface="WenQuanYi Micro Hei" charset="0"/>
-                <a:cs typeface="Calibri" pitchFamily="34" charset="0"/>
-              </a:rPr>
-              <a:t>					</a:t>
-            </a:r>
-            <a:r>
-              <a:rPr lang="hr-HR" sz="2800" b="1" dirty="0">
-                <a:solidFill>
-                  <a:srgbClr val="FFC000"/>
-                </a:solidFill>
-                <a:effectLst>
-                  <a:outerShdw blurRad="38100" dist="38100" dir="2700000" algn="tl">
-                    <a:srgbClr val="000000">
-                      <a:alpha val="43137"/>
-                    </a:srgbClr>
-                  </a:outerShdw>
-                </a:effectLst>
-                <a:latin typeface="Calibri" pitchFamily="34" charset="0"/>
-                <a:ea typeface="WenQuanYi Micro Hei" charset="0"/>
-                <a:cs typeface="Calibri" pitchFamily="34" charset="0"/>
-              </a:rPr>
-              <a:t> </a:t>
-            </a:r>
-            <a:r>
-              <a:rPr lang="hr-HR" sz="2800" b="1" dirty="0" smtClean="0">
-                <a:solidFill>
-                  <a:srgbClr val="FFC000"/>
-                </a:solidFill>
-                <a:effectLst>
-                  <a:outerShdw blurRad="38100" dist="38100" dir="2700000" algn="tl">
-                    <a:srgbClr val="000000">
-                      <a:alpha val="43137"/>
-                    </a:srgbClr>
-                  </a:outerShdw>
-                </a:effectLst>
-                <a:latin typeface="Calibri" pitchFamily="34" charset="0"/>
-                <a:ea typeface="WenQuanYi Micro Hei" charset="0"/>
-                <a:cs typeface="Calibri" pitchFamily="34" charset="0"/>
-              </a:rPr>
-              <a:t>       </a:t>
+              <a:t>MOĆ, VLAST, LEGITIMNOST I LEGALNOST </a:t>
             </a:r>
             <a:r>
               <a:rPr lang="hr-HR" sz="2400" i="1" dirty="0" smtClean="0">
@@ -14369,25 +14316,7 @@
                 <a:ea typeface="WenQuanYi Micro Hei" charset="0"/>
                 <a:cs typeface="Calibri" pitchFamily="34" charset="0"/>
               </a:rPr>
-              <a:t>(</a:t>
-            </a:r>
-            <a:r>
-              <a:rPr lang="hr-HR" sz="2400" i="1" dirty="0">
-                <a:solidFill>
-                  <a:srgbClr val="FFC000"/>
-                </a:solidFill>
-                <a:effectLst>
-                  <a:outerShdw blurRad="38100" dist="38100" dir="2700000" algn="tl">
-                    <a:srgbClr val="000000">
-                      <a:alpha val="43137"/>
-                    </a:srgbClr>
-                  </a:outerShdw>
-                </a:effectLst>
-                <a:latin typeface="Calibri" pitchFamily="34" charset="0"/>
-                <a:ea typeface="WenQuanYi Micro Hei" charset="0"/>
-                <a:cs typeface="Calibri" pitchFamily="34" charset="0"/>
-              </a:rPr>
-              <a:t>ponavljanje)</a:t>
+              <a:t>(ponavljanje)</a:t>
             </a:r>
             <a:endParaRPr lang="hr-HR" sz="2800" i="1" dirty="0">
               <a:solidFill>
@@ -15376,13 +15305,13 @@
   <p:clrMapOvr>
     <a:masterClrMapping/>
   </p:clrMapOvr>
-  <mc:AlternateContent xmlns:mc="http://schemas.openxmlformats.org/markup-compatibility/2006">
-    <mc:Choice xmlns:p14="http://schemas.microsoft.com/office/powerpoint/2010/main" Requires="p14">
+  <mc:AlternateContent xmlns:mc="http://schemas.openxmlformats.org/markup-compatibility/2006" xmlns:p14="http://schemas.microsoft.com/office/powerpoint/2010/main">
+    <mc:Choice Requires="p14">
       <p:transition>
         <p14:reveal/>
       </p:transition>
     </mc:Choice>
-    <mc:Fallback>
+    <mc:Fallback xmlns="">
       <p:transition>
         <p:fade/>
       </p:transition>
@@ -15902,7 +15831,7 @@
                 <a:ea typeface="WenQuanYi Micro Hei" charset="0"/>
                 <a:cs typeface="Calibri" pitchFamily="34" charset="0"/>
               </a:rPr>
-              <a:t>MOĆ I VLAST</a:t>
+              <a:t>TIPOVI VLASTI</a:t>
             </a:r>
             <a:r>
               <a:rPr lang="hr-HR" sz="2800" b="1" dirty="0" smtClean="0">
@@ -16255,7 +16184,7 @@
                 <a:spcPct val="100000"/>
               </a:lnSpc>
               <a:spcBef>
-                <a:spcPts val="1200"/>
+                <a:spcPts val="1800"/>
               </a:spcBef>
               <a:buClr>
                 <a:schemeClr val="tx1"/>
@@ -16451,7 +16380,7 @@
                 <a:spcPct val="100000"/>
               </a:lnSpc>
               <a:spcBef>
-                <a:spcPts val="1200"/>
+                <a:spcPts val="1800"/>
               </a:spcBef>
               <a:buClr>
                 <a:schemeClr val="tx1"/>
@@ -16482,7 +16411,18 @@
                 <a:ea typeface="WenQuanYi Micro Hei" charset="0"/>
                 <a:cs typeface="Calibri" pitchFamily="34" charset="0"/>
               </a:rPr>
-              <a:t>KARIZMATIČNA – </a:t>
+              <a:t>KARIZMATIČNA </a:t>
+            </a:r>
+            <a:r>
+              <a:rPr lang="hr-HR" sz="2200" b="1" dirty="0" smtClean="0">
+                <a:solidFill>
+                  <a:srgbClr val="FFC000"/>
+                </a:solidFill>
+                <a:latin typeface="Calibri" pitchFamily="34" charset="0"/>
+                <a:ea typeface="WenQuanYi Micro Hei" charset="0"/>
+                <a:cs typeface="Calibri" pitchFamily="34" charset="0"/>
+              </a:rPr>
+              <a:t> – </a:t>
             </a:r>
             <a:r>
               <a:rPr lang="pl-PL" sz="2200" dirty="0" smtClean="0">
@@ -16576,7 +16516,24 @@
                 <a:latin typeface="Calibri" pitchFamily="34" charset="0"/>
                 <a:cs typeface="Calibri" pitchFamily="34" charset="0"/>
               </a:rPr>
-              <a:t>poslušnost osobi (vođi), a ne zakonu</a:t>
+              <a:t>poslušnost osobi (vođi), a ne </a:t>
+            </a:r>
+            <a:r>
+              <a:rPr lang="pl-PL" sz="2200" b="1" dirty="0" smtClean="0">
+                <a:solidFill>
+                  <a:srgbClr val="FFC000"/>
+                </a:solidFill>
+                <a:effectLst>
+                  <a:outerShdw blurRad="38100" dist="38100" dir="2700000" algn="tl">
+                    <a:srgbClr val="000000">
+                      <a:alpha val="43137"/>
+                    </a:srgbClr>
+                  </a:outerShdw>
+                </a:effectLst>
+                <a:latin typeface="Calibri" pitchFamily="34" charset="0"/>
+                <a:cs typeface="Calibri" pitchFamily="34" charset="0"/>
+              </a:rPr>
+              <a:t>zakonu</a:t>
             </a:r>
             <a:endParaRPr lang="pl-PL" sz="2200" b="1" dirty="0">
               <a:solidFill>
@@ -16593,82 +16550,6 @@
               <a:cs typeface="Calibri" pitchFamily="34" charset="0"/>
             </a:endParaRPr>
           </a:p>
-          <a:p>
-            <a:pPr marL="288000" indent="-288000">
-              <a:lnSpc>
-                <a:spcPct val="100000"/>
-              </a:lnSpc>
-              <a:spcBef>
-                <a:spcPts val="1800"/>
-              </a:spcBef>
-              <a:buClr>
-                <a:schemeClr val="tx1"/>
-              </a:buClr>
-              <a:buFont typeface="Arial" pitchFamily="34" charset="0"/>
-              <a:buChar char="–"/>
-              <a:tabLst>
-                <a:tab pos="723900" algn="l"/>
-                <a:tab pos="1447800" algn="l"/>
-                <a:tab pos="2171700" algn="l"/>
-                <a:tab pos="2895600" algn="l"/>
-                <a:tab pos="3619500" algn="l"/>
-                <a:tab pos="4343400" algn="l"/>
-                <a:tab pos="5067300" algn="l"/>
-                <a:tab pos="5791200" algn="l"/>
-                <a:tab pos="6515100" algn="l"/>
-                <a:tab pos="7239000" algn="l"/>
-                <a:tab pos="7962900" algn="l"/>
-                <a:tab pos="8686800" algn="l"/>
-              </a:tabLst>
-            </a:pPr>
-            <a:r>
-              <a:rPr lang="vi-VN" sz="2200" b="1" dirty="0">
-                <a:solidFill>
-                  <a:srgbClr val="FFC000"/>
-                </a:solidFill>
-                <a:effectLst>
-                  <a:outerShdw blurRad="38100" dist="38100" dir="2700000" algn="tl">
-                    <a:srgbClr val="000000">
-                      <a:alpha val="43137"/>
-                    </a:srgbClr>
-                  </a:outerShdw>
-                </a:effectLst>
-                <a:latin typeface="Calibri" pitchFamily="34" charset="0"/>
-                <a:ea typeface="WenQuanYi Micro Hei" charset="0"/>
-                <a:cs typeface="Calibri" pitchFamily="34" charset="0"/>
-              </a:rPr>
-              <a:t>AUTORITET </a:t>
-            </a:r>
-            <a:r>
-              <a:rPr lang="vi-VN" sz="2200" dirty="0">
-                <a:latin typeface="Calibri" pitchFamily="34" charset="0"/>
-                <a:ea typeface="WenQuanYi Micro Hei" charset="0"/>
-                <a:cs typeface="Calibri" pitchFamily="34" charset="0"/>
-              </a:rPr>
-              <a:t>podrazumijeva </a:t>
-            </a:r>
-            <a:r>
-              <a:rPr lang="vi-VN" sz="2200" b="1" dirty="0">
-                <a:latin typeface="Calibri" pitchFamily="34" charset="0"/>
-                <a:ea typeface="WenQuanYi Micro Hei" charset="0"/>
-                <a:cs typeface="Calibri" pitchFamily="34" charset="0"/>
-              </a:rPr>
-              <a:t>razinu poštovanja ili časti povezanih s društvenim </a:t>
-            </a:r>
-            <a:r>
-              <a:rPr lang="vi-VN" sz="2200" b="1" dirty="0" smtClean="0">
-                <a:latin typeface="Calibri" pitchFamily="34" charset="0"/>
-                <a:ea typeface="WenQuanYi Micro Hei" charset="0"/>
-                <a:cs typeface="Calibri" pitchFamily="34" charset="0"/>
-              </a:rPr>
-              <a:t>položajem</a:t>
-            </a:r>
-            <a:endParaRPr lang="hr-HR" sz="2200" dirty="0">
-              <a:latin typeface="Calibri" pitchFamily="34" charset="0"/>
-              <a:ea typeface="WenQuanYi Micro Hei" charset="0"/>
-              <a:cs typeface="Calibri" pitchFamily="34" charset="0"/>
-            </a:endParaRPr>
-          </a:p>
         </p:txBody>
       </p:sp>
     </p:spTree>
@@ -16681,13 +16562,13 @@
   <p:clrMapOvr>
     <a:masterClrMapping/>
   </p:clrMapOvr>
-  <mc:AlternateContent xmlns:mc="http://schemas.openxmlformats.org/markup-compatibility/2006">
-    <mc:Choice xmlns:p14="http://schemas.microsoft.com/office/powerpoint/2010/main" Requires="p14">
+  <mc:AlternateContent xmlns:mc="http://schemas.openxmlformats.org/markup-compatibility/2006" xmlns:p14="http://schemas.microsoft.com/office/powerpoint/2010/main">
+    <mc:Choice Requires="p14">
       <p:transition>
         <p14:reveal/>
       </p:transition>
     </mc:Choice>
-    <mc:Fallback>
+    <mc:Fallback xmlns="">
       <p:transition>
         <p:fade/>
       </p:transition>
@@ -17138,67 +17019,6 @@
                       </p:childTnLst>
                     </p:cTn>
                   </p:par>
-                  <p:par>
-                    <p:cTn id="37" fill="hold">
-                      <p:stCondLst>
-                        <p:cond delay="indefinite"/>
-                      </p:stCondLst>
-                      <p:childTnLst>
-                        <p:par>
-                          <p:cTn id="38" fill="hold">
-                            <p:stCondLst>
-                              <p:cond delay="0"/>
-                            </p:stCondLst>
-                            <p:childTnLst>
-                              <p:par>
-                                <p:cTn id="39" presetID="10" presetClass="entr" presetSubtype="0" fill="hold" nodeType="clickEffect">
-                                  <p:stCondLst>
-                                    <p:cond delay="0"/>
-                                  </p:stCondLst>
-                                  <p:childTnLst>
-                                    <p:set>
-                                      <p:cBhvr>
-                                        <p:cTn id="40" dur="1" fill="hold">
-                                          <p:stCondLst>
-                                            <p:cond delay="0"/>
-                                          </p:stCondLst>
-                                        </p:cTn>
-                                        <p:tgtEl>
-                                          <p:spTgt spid="24578">
-                                            <p:txEl>
-                                              <p:pRg st="8" end="8"/>
-                                            </p:txEl>
-                                          </p:spTgt>
-                                        </p:tgtEl>
-                                        <p:attrNameLst>
-                                          <p:attrName>style.visibility</p:attrName>
-                                        </p:attrNameLst>
-                                      </p:cBhvr>
-                                      <p:to>
-                                        <p:strVal val="visible"/>
-                                      </p:to>
-                                    </p:set>
-                                    <p:animEffect transition="in" filter="fade">
-                                      <p:cBhvr>
-                                        <p:cTn id="41" dur="150"/>
-                                        <p:tgtEl>
-                                          <p:spTgt spid="24578">
-                                            <p:txEl>
-                                              <p:pRg st="8" end="8"/>
-                                            </p:txEl>
-                                          </p:spTgt>
-                                        </p:tgtEl>
-                                      </p:cBhvr>
-                                    </p:animEffect>
-                                  </p:childTnLst>
-                                </p:cTn>
-                              </p:par>
-                            </p:childTnLst>
-                          </p:cTn>
-                        </p:par>
-                      </p:childTnLst>
-                    </p:cTn>
-                  </p:par>
                 </p:childTnLst>
               </p:cTn>
               <p:prevCondLst>
@@ -17690,13 +17510,13 @@
   <p:clrMapOvr>
     <a:masterClrMapping/>
   </p:clrMapOvr>
-  <mc:AlternateContent xmlns:mc="http://schemas.openxmlformats.org/markup-compatibility/2006">
-    <mc:Choice xmlns:p14="http://schemas.microsoft.com/office/powerpoint/2010/main" Requires="p14">
+  <mc:AlternateContent xmlns:mc="http://schemas.openxmlformats.org/markup-compatibility/2006" xmlns:p14="http://schemas.microsoft.com/office/powerpoint/2010/main">
+    <mc:Choice Requires="p14">
       <p:transition>
         <p14:reveal/>
       </p:transition>
     </mc:Choice>
-    <mc:Fallback>
+    <mc:Fallback xmlns="">
       <p:transition>
         <p:fade/>
       </p:transition>
@@ -18496,13 +18316,13 @@
   <p:clrMapOvr>
     <a:masterClrMapping/>
   </p:clrMapOvr>
-  <mc:AlternateContent xmlns:mc="http://schemas.openxmlformats.org/markup-compatibility/2006">
-    <mc:Choice xmlns:p14="http://schemas.microsoft.com/office/powerpoint/2010/main" Requires="p14">
+  <mc:AlternateContent xmlns:mc="http://schemas.openxmlformats.org/markup-compatibility/2006" xmlns:p14="http://schemas.microsoft.com/office/powerpoint/2010/main">
+    <mc:Choice Requires="p14">
       <p:transition>
         <p14:reveal/>
       </p:transition>
     </mc:Choice>
-    <mc:Fallback>
+    <mc:Fallback xmlns="">
       <p:transition>
         <p:fade/>
       </p:transition>
@@ -19146,13 +18966,13 @@
   <p:clrMapOvr>
     <a:masterClrMapping/>
   </p:clrMapOvr>
-  <mc:AlternateContent xmlns:mc="http://schemas.openxmlformats.org/markup-compatibility/2006">
-    <mc:Choice xmlns:p14="http://schemas.microsoft.com/office/powerpoint/2010/main" Requires="p14">
+  <mc:AlternateContent xmlns:mc="http://schemas.openxmlformats.org/markup-compatibility/2006" xmlns:p14="http://schemas.microsoft.com/office/powerpoint/2010/main">
+    <mc:Choice Requires="p14">
       <p:transition>
         <p14:reveal/>
       </p:transition>
     </mc:Choice>
-    <mc:Fallback>
+    <mc:Fallback xmlns="">
       <p:transition>
         <p:fade/>
       </p:transition>
@@ -19424,13 +19244,13 @@
   <p:clrMapOvr>
     <a:masterClrMapping/>
   </p:clrMapOvr>
-  <mc:AlternateContent xmlns:mc="http://schemas.openxmlformats.org/markup-compatibility/2006">
-    <mc:Choice xmlns:p14="http://schemas.microsoft.com/office/powerpoint/2010/main" Requires="p14">
+  <mc:AlternateContent xmlns:mc="http://schemas.openxmlformats.org/markup-compatibility/2006" xmlns:p14="http://schemas.microsoft.com/office/powerpoint/2010/main">
+    <mc:Choice Requires="p14">
       <p:transition>
         <p14:reveal/>
       </p:transition>
     </mc:Choice>
-    <mc:Fallback>
+    <mc:Fallback xmlns="">
       <p:transition>
         <p:fade/>
       </p:transition>
@@ -19529,7 +19349,7 @@
 </file>
 
 <file path=ppt/slides/slide20.xml><?xml version="1.0" encoding="utf-8"?>
-<p:sld xmlns:a="http://schemas.openxmlformats.org/drawingml/2006/main" xmlns:r="http://schemas.openxmlformats.org/officeDocument/2006/relationships" xmlns:p="http://schemas.openxmlformats.org/presentationml/2006/main">
+<p:sld xmlns:a="http://schemas.openxmlformats.org/drawingml/2006/main" xmlns:r="http://schemas.openxmlformats.org/officeDocument/2006/relationships" xmlns:p="http://schemas.openxmlformats.org/presentationml/2006/main" show="0">
   <p:cSld>
     <p:spTree>
       <p:nvGrpSpPr>
@@ -21534,7 +21354,32 @@
       </p:sp>
       <p:sp>
         <p:nvSpPr>
-          <p:cNvPr id="7" name="Rectangle 6"/>
+          <p:cNvPr id="11" name="Title 10"/>
+          <p:cNvSpPr>
+            <a:spLocks noGrp="1"/>
+          </p:cNvSpPr>
+          <p:nvPr>
+            <p:ph type="title"/>
+          </p:nvPr>
+        </p:nvSpPr>
+        <p:spPr/>
+        <p:txBody>
+          <a:bodyPr/>
+          <a:lstStyle/>
+          <a:p>
+            <a:r>
+              <a:rPr lang="hr-HR" dirty="0" smtClean="0">
+                <a:ea typeface="WenQuanYi Micro Hei" charset="0"/>
+              </a:rPr>
+              <a:t>POLITIČKO DJELOVANJE</a:t>
+            </a:r>
+            <a:endParaRPr lang="hr-HR" dirty="0"/>
+          </a:p>
+        </p:txBody>
+      </p:sp>
+      <p:sp>
+        <p:nvSpPr>
+          <p:cNvPr id="9" name="Rectangle 8"/>
           <p:cNvSpPr/>
           <p:nvPr/>
         </p:nvSpPr>
@@ -21546,30 +21391,9 @@
           <a:prstGeom prst="rect">
             <a:avLst/>
           </a:prstGeom>
-          <a:gradFill flip="none" rotWithShape="1">
-            <a:gsLst>
-              <a:gs pos="0">
-                <a:srgbClr val="C00000">
-                  <a:shade val="30000"/>
-                  <a:satMod val="115000"/>
-                </a:srgbClr>
-              </a:gs>
-              <a:gs pos="50000">
-                <a:srgbClr val="C00000">
-                  <a:shade val="67500"/>
-                  <a:satMod val="115000"/>
-                </a:srgbClr>
-              </a:gs>
-              <a:gs pos="100000">
-                <a:srgbClr val="C00000">
-                  <a:shade val="100000"/>
-                  <a:satMod val="115000"/>
-                </a:srgbClr>
-              </a:gs>
-            </a:gsLst>
-            <a:lin ang="16200000" scaled="1"/>
-            <a:tileRect/>
-          </a:gradFill>
+          <a:solidFill>
+            <a:srgbClr val="CC0000"/>
+          </a:solidFill>
           <a:ln w="38100" cap="flat" cmpd="sng" algn="ctr">
             <a:solidFill>
               <a:schemeClr val="tx1"/>
@@ -21615,7 +21439,7 @@
       </p:sp>
       <p:sp>
         <p:nvSpPr>
-          <p:cNvPr id="8" name="Rectangle 7"/>
+          <p:cNvPr id="12" name="Rectangle 11"/>
           <p:cNvSpPr/>
           <p:nvPr/>
         </p:nvSpPr>
@@ -21627,33 +21451,9 @@
           <a:prstGeom prst="rect">
             <a:avLst/>
           </a:prstGeom>
-          <a:gradFill flip="none" rotWithShape="1">
-            <a:gsLst>
-              <a:gs pos="0">
-                <a:schemeClr val="accent4">
-                  <a:lumMod val="50000"/>
-                  <a:shade val="30000"/>
-                  <a:satMod val="115000"/>
-                </a:schemeClr>
-              </a:gs>
-              <a:gs pos="50000">
-                <a:schemeClr val="accent4">
-                  <a:lumMod val="50000"/>
-                  <a:shade val="67500"/>
-                  <a:satMod val="115000"/>
-                </a:schemeClr>
-              </a:gs>
-              <a:gs pos="100000">
-                <a:schemeClr val="accent4">
-                  <a:lumMod val="50000"/>
-                  <a:shade val="100000"/>
-                  <a:satMod val="115000"/>
-                </a:schemeClr>
-              </a:gs>
-            </a:gsLst>
-            <a:lin ang="16200000" scaled="1"/>
-            <a:tileRect/>
-          </a:gradFill>
+          <a:solidFill>
+            <a:srgbClr val="002060"/>
+          </a:solidFill>
           <a:ln w="38100" cap="flat" cmpd="sng" algn="ctr">
             <a:solidFill>
               <a:schemeClr val="tx1"/>
@@ -21699,7 +21499,7 @@
       </p:sp>
       <p:sp>
         <p:nvSpPr>
-          <p:cNvPr id="10" name="Rectangle 9"/>
+          <p:cNvPr id="13" name="Rectangle 12"/>
           <p:cNvSpPr/>
           <p:nvPr/>
         </p:nvSpPr>
@@ -21711,30 +21511,9 @@
           <a:prstGeom prst="rect">
             <a:avLst/>
           </a:prstGeom>
-          <a:gradFill flip="none" rotWithShape="1">
-            <a:gsLst>
-              <a:gs pos="0">
-                <a:srgbClr val="00682F">
-                  <a:shade val="30000"/>
-                  <a:satMod val="115000"/>
-                </a:srgbClr>
-              </a:gs>
-              <a:gs pos="50000">
-                <a:srgbClr val="00682F">
-                  <a:shade val="67500"/>
-                  <a:satMod val="115000"/>
-                </a:srgbClr>
-              </a:gs>
-              <a:gs pos="100000">
-                <a:srgbClr val="00682F">
-                  <a:shade val="100000"/>
-                  <a:satMod val="115000"/>
-                </a:srgbClr>
-              </a:gs>
-            </a:gsLst>
-            <a:lin ang="16200000" scaled="1"/>
-            <a:tileRect/>
-          </a:gradFill>
+          <a:solidFill>
+            <a:srgbClr val="008000"/>
+          </a:solidFill>
           <a:ln w="38100" cap="flat" cmpd="sng" algn="ctr">
             <a:solidFill>
               <a:schemeClr val="tx1"/>
@@ -21792,43 +21571,18 @@
           </a:p>
         </p:txBody>
       </p:sp>
-      <p:sp>
-        <p:nvSpPr>
-          <p:cNvPr id="11" name="Title 10"/>
-          <p:cNvSpPr>
-            <a:spLocks noGrp="1"/>
-          </p:cNvSpPr>
-          <p:nvPr>
-            <p:ph type="title"/>
-          </p:nvPr>
-        </p:nvSpPr>
-        <p:spPr/>
-        <p:txBody>
-          <a:bodyPr/>
-          <a:lstStyle/>
-          <a:p>
-            <a:r>
-              <a:rPr lang="hr-HR" dirty="0" smtClean="0">
-                <a:ea typeface="WenQuanYi Micro Hei" charset="0"/>
-              </a:rPr>
-              <a:t>POLITIČKO DJELOVANJE</a:t>
-            </a:r>
-            <a:endParaRPr lang="hr-HR" dirty="0"/>
-          </a:p>
-        </p:txBody>
-      </p:sp>
     </p:spTree>
   </p:cSld>
   <p:clrMapOvr>
     <a:masterClrMapping/>
   </p:clrMapOvr>
-  <mc:AlternateContent xmlns:mc="http://schemas.openxmlformats.org/markup-compatibility/2006">
-    <mc:Choice xmlns:p14="http://schemas.microsoft.com/office/powerpoint/2010/main" Requires="p14">
+  <mc:AlternateContent xmlns:mc="http://schemas.openxmlformats.org/markup-compatibility/2006" xmlns:p14="http://schemas.microsoft.com/office/powerpoint/2010/main">
+    <mc:Choice Requires="p14">
       <p:transition>
         <p14:reveal/>
       </p:transition>
     </mc:Choice>
-    <mc:Fallback>
+    <mc:Fallback xmlns="">
       <p:transition>
         <p:fade/>
       </p:transition>
@@ -22192,7 +21946,7 @@
                                           </p:stCondLst>
                                         </p:cTn>
                                         <p:tgtEl>
-                                          <p:spTgt spid="7">
+                                          <p:spTgt spid="9">
                                             <p:bg/>
                                           </p:spTgt>
                                         </p:tgtEl>
@@ -22208,7 +21962,7 @@
                                       <p:cBhvr>
                                         <p:cTn id="32" dur="250"/>
                                         <p:tgtEl>
-                                          <p:spTgt spid="7">
+                                          <p:spTgt spid="9">
                                             <p:bg/>
                                           </p:spTgt>
                                         </p:tgtEl>
@@ -22231,7 +21985,7 @@
                                           </p:stCondLst>
                                         </p:cTn>
                                         <p:tgtEl>
-                                          <p:spTgt spid="7">
+                                          <p:spTgt spid="9">
                                             <p:txEl>
                                               <p:pRg st="0" end="0"/>
                                             </p:txEl>
@@ -22249,7 +22003,7 @@
                                       <p:cBhvr>
                                         <p:cTn id="35" dur="250"/>
                                         <p:tgtEl>
-                                          <p:spTgt spid="7">
+                                          <p:spTgt spid="9">
                                             <p:txEl>
                                               <p:pRg st="0" end="0"/>
                                             </p:txEl>
@@ -22283,7 +22037,7 @@
                                           </p:stCondLst>
                                         </p:cTn>
                                         <p:tgtEl>
-                                          <p:spTgt spid="8">
+                                          <p:spTgt spid="12">
                                             <p:bg/>
                                           </p:spTgt>
                                         </p:tgtEl>
@@ -22299,7 +22053,7 @@
                                       <p:cBhvr>
                                         <p:cTn id="39" dur="250"/>
                                         <p:tgtEl>
-                                          <p:spTgt spid="8">
+                                          <p:spTgt spid="12">
                                             <p:bg/>
                                           </p:spTgt>
                                         </p:tgtEl>
@@ -22322,7 +22076,7 @@
                                           </p:stCondLst>
                                         </p:cTn>
                                         <p:tgtEl>
-                                          <p:spTgt spid="8">
+                                          <p:spTgt spid="12">
                                             <p:txEl>
                                               <p:pRg st="0" end="0"/>
                                             </p:txEl>
@@ -22340,7 +22094,7 @@
                                       <p:cBhvr>
                                         <p:cTn id="42" dur="250"/>
                                         <p:tgtEl>
-                                          <p:spTgt spid="8">
+                                          <p:spTgt spid="12">
                                             <p:txEl>
                                               <p:pRg st="0" end="0"/>
                                             </p:txEl>
@@ -22374,7 +22128,7 @@
                                           </p:stCondLst>
                                         </p:cTn>
                                         <p:tgtEl>
-                                          <p:spTgt spid="10">
+                                          <p:spTgt spid="13">
                                             <p:bg/>
                                           </p:spTgt>
                                         </p:tgtEl>
@@ -22390,7 +22144,7 @@
                                       <p:cBhvr>
                                         <p:cTn id="46" dur="250"/>
                                         <p:tgtEl>
-                                          <p:spTgt spid="10">
+                                          <p:spTgt spid="13">
                                             <p:bg/>
                                           </p:spTgt>
                                         </p:tgtEl>
@@ -22413,7 +22167,7 @@
                                           </p:stCondLst>
                                         </p:cTn>
                                         <p:tgtEl>
-                                          <p:spTgt spid="10">
+                                          <p:spTgt spid="13">
                                             <p:txEl>
                                               <p:pRg st="0" end="0"/>
                                             </p:txEl>
@@ -22431,7 +22185,7 @@
                                       <p:cBhvr>
                                         <p:cTn id="49" dur="250"/>
                                         <p:tgtEl>
-                                          <p:spTgt spid="10">
+                                          <p:spTgt spid="13">
                                             <p:txEl>
                                               <p:pRg st="0" end="0"/>
                                             </p:txEl>
@@ -22471,9 +22225,9 @@
     </p:tnLst>
     <p:bldLst>
       <p:bldP spid="24578" grpId="0" uiExpand="1" build="allAtOnce"/>
-      <p:bldP spid="7" grpId="0" uiExpand="1" build="allAtOnce" animBg="1"/>
-      <p:bldP spid="8" grpId="0" uiExpand="1" build="allAtOnce" animBg="1"/>
-      <p:bldP spid="10" grpId="0" uiExpand="1" build="allAtOnce" animBg="1"/>
+      <p:bldP spid="9" grpId="0" build="allAtOnce" animBg="1"/>
+      <p:bldP spid="12" grpId="0" build="allAtOnce" animBg="1"/>
+      <p:bldP spid="13" grpId="0" build="allAtOnce" animBg="1"/>
     </p:bldLst>
   </p:timing>
 </p:sld>
@@ -23134,18 +22888,79 @@
           </a:extLst>
         </p:spPr>
       </p:pic>
+      <p:pic>
+        <p:nvPicPr>
+          <p:cNvPr id="5" name="Picture 2"/>
+          <p:cNvPicPr>
+            <a:picLocks noChangeAspect="1" noChangeArrowheads="1"/>
+          </p:cNvPicPr>
+          <p:nvPr/>
+        </p:nvPicPr>
+        <p:blipFill rotWithShape="1">
+          <a:blip r:embed="rId4">
+            <a:extLst>
+              <a:ext uri="{BEBA8EAE-BF5A-486C-A8C5-ECC9F3942E4B}">
+                <a14:imgProps xmlns:a14="http://schemas.microsoft.com/office/drawing/2010/main">
+                  <a14:imgLayer r:embed="rId5">
+                    <a14:imgEffect>
+                      <a14:sharpenSoften amount="50000"/>
+                    </a14:imgEffect>
+                  </a14:imgLayer>
+                </a14:imgProps>
+              </a:ext>
+              <a:ext uri="{28A0092B-C50C-407E-A947-70E740481C1C}">
+                <a14:useLocalDpi xmlns:a14="http://schemas.microsoft.com/office/drawing/2010/main" val="0"/>
+              </a:ext>
+            </a:extLst>
+          </a:blip>
+          <a:srcRect l="36495" r="13552" b="65435"/>
+          <a:stretch/>
+        </p:blipFill>
+        <p:spPr bwMode="auto">
+          <a:xfrm>
+            <a:off x="6433753" y="1700808"/>
+            <a:ext cx="2066307" cy="1755668"/>
+          </a:xfrm>
+          <a:prstGeom prst="rect">
+            <a:avLst/>
+          </a:prstGeom>
+          <a:noFill/>
+          <a:ln>
+            <a:noFill/>
+          </a:ln>
+          <a:extLst>
+            <a:ext uri="{909E8E84-426E-40DD-AFC4-6F175D3DCCD1}">
+              <a14:hiddenFill xmlns:a14="http://schemas.microsoft.com/office/drawing/2010/main">
+                <a:solidFill>
+                  <a:schemeClr val="accent1"/>
+                </a:solidFill>
+              </a14:hiddenFill>
+            </a:ext>
+            <a:ext uri="{91240B29-F687-4F45-9708-019B960494DF}">
+              <a14:hiddenLine xmlns:a14="http://schemas.microsoft.com/office/drawing/2010/main" w="9525">
+                <a:solidFill>
+                  <a:schemeClr val="tx1"/>
+                </a:solidFill>
+                <a:miter lim="800000"/>
+                <a:headEnd/>
+                <a:tailEnd/>
+              </a14:hiddenLine>
+            </a:ext>
+          </a:extLst>
+        </p:spPr>
+      </p:pic>
     </p:spTree>
   </p:cSld>
   <p:clrMapOvr>
     <a:masterClrMapping/>
   </p:clrMapOvr>
-  <mc:AlternateContent xmlns:mc="http://schemas.openxmlformats.org/markup-compatibility/2006">
-    <mc:Choice xmlns:p14="http://schemas.microsoft.com/office/powerpoint/2010/main" Requires="p14">
+  <mc:AlternateContent xmlns:mc="http://schemas.openxmlformats.org/markup-compatibility/2006" xmlns:p14="http://schemas.microsoft.com/office/powerpoint/2010/main">
+    <mc:Choice Requires="p14">
       <p:transition p14:dur="250">
         <p14:reveal/>
       </p:transition>
     </mc:Choice>
-    <mc:Fallback>
+    <mc:Fallback xmlns="">
       <p:transition>
         <p:fade/>
       </p:transition>
@@ -23280,7 +23095,7 @@
                             </p:stCondLst>
                             <p:childTnLst>
                               <p:par>
-                                <p:cTn id="14" presetID="10" presetClass="entr" presetSubtype="0" fill="hold" grpId="0" nodeType="clickEffect">
+                                <p:cTn id="14" presetID="10" presetClass="entr" presetSubtype="0" fill="hold" nodeType="clickEffect">
                                   <p:stCondLst>
                                     <p:cond delay="0"/>
                                   </p:stCondLst>
@@ -23288,6 +23103,121 @@
                                     <p:set>
                                       <p:cBhvr>
                                         <p:cTn id="15" dur="1" fill="hold">
+                                          <p:stCondLst>
+                                            <p:cond delay="0"/>
+                                          </p:stCondLst>
+                                        </p:cTn>
+                                        <p:tgtEl>
+                                          <p:spTgt spid="5"/>
+                                        </p:tgtEl>
+                                        <p:attrNameLst>
+                                          <p:attrName>style.visibility</p:attrName>
+                                        </p:attrNameLst>
+                                      </p:cBhvr>
+                                      <p:to>
+                                        <p:strVal val="visible"/>
+                                      </p:to>
+                                    </p:set>
+                                    <p:animEffect transition="in" filter="fade">
+                                      <p:cBhvr>
+                                        <p:cTn id="16" dur="500"/>
+                                        <p:tgtEl>
+                                          <p:spTgt spid="5"/>
+                                        </p:tgtEl>
+                                      </p:cBhvr>
+                                    </p:animEffect>
+                                  </p:childTnLst>
+                                </p:cTn>
+                              </p:par>
+                              <p:par>
+                                <p:cTn id="17" presetID="6" presetClass="emph" presetSubtype="0" fill="hold" nodeType="withEffect">
+                                  <p:stCondLst>
+                                    <p:cond delay="0"/>
+                                  </p:stCondLst>
+                                  <p:childTnLst>
+                                    <p:animScale>
+                                      <p:cBhvr>
+                                        <p:cTn id="18" dur="500" fill="hold"/>
+                                        <p:tgtEl>
+                                          <p:spTgt spid="5"/>
+                                        </p:tgtEl>
+                                      </p:cBhvr>
+                                      <p:by x="150000" y="150000"/>
+                                    </p:animScale>
+                                  </p:childTnLst>
+                                </p:cTn>
+                              </p:par>
+                            </p:childTnLst>
+                          </p:cTn>
+                        </p:par>
+                      </p:childTnLst>
+                    </p:cTn>
+                  </p:par>
+                  <p:par>
+                    <p:cTn id="19" fill="hold">
+                      <p:stCondLst>
+                        <p:cond delay="indefinite"/>
+                      </p:stCondLst>
+                      <p:childTnLst>
+                        <p:par>
+                          <p:cTn id="20" fill="hold">
+                            <p:stCondLst>
+                              <p:cond delay="0"/>
+                            </p:stCondLst>
+                            <p:childTnLst>
+                              <p:par>
+                                <p:cTn id="21" presetID="10" presetClass="exit" presetSubtype="0" fill="hold" nodeType="clickEffect">
+                                  <p:stCondLst>
+                                    <p:cond delay="0"/>
+                                  </p:stCondLst>
+                                  <p:childTnLst>
+                                    <p:animEffect transition="out" filter="fade">
+                                      <p:cBhvr>
+                                        <p:cTn id="22" dur="250"/>
+                                        <p:tgtEl>
+                                          <p:spTgt spid="5"/>
+                                        </p:tgtEl>
+                                      </p:cBhvr>
+                                    </p:animEffect>
+                                    <p:set>
+                                      <p:cBhvr>
+                                        <p:cTn id="23" dur="1" fill="hold">
+                                          <p:stCondLst>
+                                            <p:cond delay="249"/>
+                                          </p:stCondLst>
+                                        </p:cTn>
+                                        <p:tgtEl>
+                                          <p:spTgt spid="5"/>
+                                        </p:tgtEl>
+                                        <p:attrNameLst>
+                                          <p:attrName>style.visibility</p:attrName>
+                                        </p:attrNameLst>
+                                      </p:cBhvr>
+                                      <p:to>
+                                        <p:strVal val="hidden"/>
+                                      </p:to>
+                                    </p:set>
+                                  </p:childTnLst>
+                                </p:cTn>
+                              </p:par>
+                            </p:childTnLst>
+                          </p:cTn>
+                        </p:par>
+                        <p:par>
+                          <p:cTn id="24" fill="hold">
+                            <p:stCondLst>
+                              <p:cond delay="250"/>
+                            </p:stCondLst>
+                            <p:childTnLst>
+                              <p:par>
+                                <p:cTn id="25" presetID="10" presetClass="entr" presetSubtype="0" fill="hold" grpId="0" nodeType="afterEffect">
+                                  <p:stCondLst>
+                                    <p:cond delay="0"/>
+                                  </p:stCondLst>
+                                  <p:childTnLst>
+                                    <p:set>
+                                      <p:cBhvr>
+                                        <p:cTn id="26" dur="1" fill="hold">
                                           <p:stCondLst>
                                             <p:cond delay="0"/>
                                           </p:stCondLst>
@@ -23309,7 +23239,7 @@
                                     </p:set>
                                     <p:animEffect transition="in" filter="fade">
                                       <p:cBhvr>
-                                        <p:cTn id="16" dur="250"/>
+                                        <p:cTn id="27" dur="250"/>
                                         <p:tgtEl>
                                           <p:spTgt spid="24578">
                                             <p:txEl>
@@ -23326,20 +23256,20 @@
                           </p:cTn>
                         </p:par>
                         <p:par>
-                          <p:cTn id="17" fill="hold">
+                          <p:cTn id="28" fill="hold">
                             <p:stCondLst>
-                              <p:cond delay="250"/>
+                              <p:cond delay="500"/>
                             </p:stCondLst>
                             <p:childTnLst>
                               <p:par>
-                                <p:cTn id="18" presetID="10" presetClass="entr" presetSubtype="0" fill="hold" grpId="0" nodeType="afterEffect">
+                                <p:cTn id="29" presetID="10" presetClass="entr" presetSubtype="0" fill="hold" grpId="0" nodeType="afterEffect">
                                   <p:stCondLst>
                                     <p:cond delay="0"/>
                                   </p:stCondLst>
                                   <p:childTnLst>
                                     <p:set>
                                       <p:cBhvr>
-                                        <p:cTn id="19" dur="1" fill="hold">
+                                        <p:cTn id="30" dur="1" fill="hold">
                                           <p:stCondLst>
                                             <p:cond delay="0"/>
                                           </p:stCondLst>
@@ -23361,7 +23291,7 @@
                                     </p:set>
                                     <p:animEffect transition="in" filter="fade">
                                       <p:cBhvr>
-                                        <p:cTn id="20" dur="250"/>
+                                        <p:cTn id="31" dur="250"/>
                                         <p:tgtEl>
                                           <p:spTgt spid="24578">
                                             <p:txEl>
@@ -23378,20 +23308,20 @@
                           </p:cTn>
                         </p:par>
                         <p:par>
-                          <p:cTn id="21" fill="hold">
+                          <p:cTn id="32" fill="hold">
                             <p:stCondLst>
-                              <p:cond delay="500"/>
+                              <p:cond delay="750"/>
                             </p:stCondLst>
                             <p:childTnLst>
                               <p:par>
-                                <p:cTn id="22" presetID="10" presetClass="entr" presetSubtype="0" fill="hold" grpId="0" nodeType="afterEffect">
+                                <p:cTn id="33" presetID="10" presetClass="entr" presetSubtype="0" fill="hold" grpId="0" nodeType="afterEffect">
                                   <p:stCondLst>
                                     <p:cond delay="0"/>
                                   </p:stCondLst>
                                   <p:childTnLst>
                                     <p:set>
                                       <p:cBhvr>
-                                        <p:cTn id="23" dur="1" fill="hold">
+                                        <p:cTn id="34" dur="1" fill="hold">
                                           <p:stCondLst>
                                             <p:cond delay="0"/>
                                           </p:stCondLst>
@@ -23413,7 +23343,7 @@
                                     </p:set>
                                     <p:animEffect transition="in" filter="fade">
                                       <p:cBhvr>
-                                        <p:cTn id="24" dur="250"/>
+                                        <p:cTn id="35" dur="250"/>
                                         <p:tgtEl>
                                           <p:spTgt spid="24578">
                                             <p:txEl>
@@ -23430,20 +23360,20 @@
                           </p:cTn>
                         </p:par>
                         <p:par>
-                          <p:cTn id="25" fill="hold">
+                          <p:cTn id="36" fill="hold">
                             <p:stCondLst>
-                              <p:cond delay="750"/>
+                              <p:cond delay="1000"/>
                             </p:stCondLst>
                             <p:childTnLst>
                               <p:par>
-                                <p:cTn id="26" presetID="10" presetClass="entr" presetSubtype="0" fill="hold" grpId="0" nodeType="afterEffect">
+                                <p:cTn id="37" presetID="10" presetClass="entr" presetSubtype="0" fill="hold" grpId="0" nodeType="afterEffect">
                                   <p:stCondLst>
                                     <p:cond delay="0"/>
                                   </p:stCondLst>
                                   <p:childTnLst>
                                     <p:set>
                                       <p:cBhvr>
-                                        <p:cTn id="27" dur="1" fill="hold">
+                                        <p:cTn id="38" dur="1" fill="hold">
                                           <p:stCondLst>
                                             <p:cond delay="0"/>
                                           </p:stCondLst>
@@ -23465,7 +23395,7 @@
                                     </p:set>
                                     <p:animEffect transition="in" filter="fade">
                                       <p:cBhvr>
-                                        <p:cTn id="28" dur="250"/>
+                                        <p:cTn id="39" dur="250"/>
                                         <p:tgtEl>
                                           <p:spTgt spid="24578">
                                             <p:txEl>
@@ -23485,26 +23415,26 @@
                     </p:cTn>
                   </p:par>
                   <p:par>
-                    <p:cTn id="29" fill="hold">
+                    <p:cTn id="40" fill="hold">
                       <p:stCondLst>
                         <p:cond delay="indefinite"/>
                       </p:stCondLst>
                       <p:childTnLst>
                         <p:par>
-                          <p:cTn id="30" fill="hold">
+                          <p:cTn id="41" fill="hold">
                             <p:stCondLst>
                               <p:cond delay="0"/>
                             </p:stCondLst>
                             <p:childTnLst>
                               <p:par>
-                                <p:cTn id="31" presetID="10" presetClass="entr" presetSubtype="0" fill="hold" grpId="0" nodeType="clickEffect">
+                                <p:cTn id="42" presetID="10" presetClass="entr" presetSubtype="0" fill="hold" grpId="0" nodeType="clickEffect">
                                   <p:stCondLst>
                                     <p:cond delay="0"/>
                                   </p:stCondLst>
                                   <p:childTnLst>
                                     <p:set>
                                       <p:cBhvr>
-                                        <p:cTn id="32" dur="1" fill="hold">
+                                        <p:cTn id="43" dur="1" fill="hold">
                                           <p:stCondLst>
                                             <p:cond delay="0"/>
                                           </p:stCondLst>
@@ -23526,7 +23456,7 @@
                                     </p:set>
                                     <p:animEffect transition="in" filter="fade">
                                       <p:cBhvr>
-                                        <p:cTn id="33" dur="250"/>
+                                        <p:cTn id="44" dur="250"/>
                                         <p:tgtEl>
                                           <p:spTgt spid="24578">
                                             <p:txEl>
@@ -23543,20 +23473,20 @@
                           </p:cTn>
                         </p:par>
                         <p:par>
-                          <p:cTn id="34" fill="hold">
+                          <p:cTn id="45" fill="hold">
                             <p:stCondLst>
                               <p:cond delay="250"/>
                             </p:stCondLst>
                             <p:childTnLst>
                               <p:par>
-                                <p:cTn id="35" presetID="10" presetClass="entr" presetSubtype="0" fill="hold" grpId="0" nodeType="afterEffect">
+                                <p:cTn id="46" presetID="10" presetClass="entr" presetSubtype="0" fill="hold" grpId="0" nodeType="afterEffect">
                                   <p:stCondLst>
                                     <p:cond delay="0"/>
                                   </p:stCondLst>
                                   <p:childTnLst>
                                     <p:set>
                                       <p:cBhvr>
-                                        <p:cTn id="36" dur="1" fill="hold">
+                                        <p:cTn id="47" dur="1" fill="hold">
                                           <p:stCondLst>
                                             <p:cond delay="0"/>
                                           </p:stCondLst>
@@ -23578,7 +23508,7 @@
                                     </p:set>
                                     <p:animEffect transition="in" filter="fade">
                                       <p:cBhvr>
-                                        <p:cTn id="37" dur="250"/>
+                                        <p:cTn id="48" dur="250"/>
                                         <p:tgtEl>
                                           <p:spTgt spid="24578">
                                             <p:txEl>
@@ -23595,20 +23525,20 @@
                           </p:cTn>
                         </p:par>
                         <p:par>
-                          <p:cTn id="38" fill="hold">
+                          <p:cTn id="49" fill="hold">
                             <p:stCondLst>
                               <p:cond delay="500"/>
                             </p:stCondLst>
                             <p:childTnLst>
                               <p:par>
-                                <p:cTn id="39" presetID="10" presetClass="entr" presetSubtype="0" fill="hold" grpId="0" nodeType="afterEffect">
+                                <p:cTn id="50" presetID="10" presetClass="entr" presetSubtype="0" fill="hold" grpId="0" nodeType="afterEffect">
                                   <p:stCondLst>
                                     <p:cond delay="0"/>
                                   </p:stCondLst>
                                   <p:childTnLst>
                                     <p:set>
                                       <p:cBhvr>
-                                        <p:cTn id="40" dur="1" fill="hold">
+                                        <p:cTn id="51" dur="1" fill="hold">
                                           <p:stCondLst>
                                             <p:cond delay="0"/>
                                           </p:stCondLst>
@@ -23630,7 +23560,7 @@
                                     </p:set>
                                     <p:animEffect transition="in" filter="fade">
                                       <p:cBhvr>
-                                        <p:cTn id="41" dur="250"/>
+                                        <p:cTn id="52" dur="250"/>
                                         <p:tgtEl>
                                           <p:spTgt spid="24578">
                                             <p:txEl>
@@ -23647,20 +23577,20 @@
                           </p:cTn>
                         </p:par>
                         <p:par>
-                          <p:cTn id="42" fill="hold">
+                          <p:cTn id="53" fill="hold">
                             <p:stCondLst>
                               <p:cond delay="750"/>
                             </p:stCondLst>
                             <p:childTnLst>
                               <p:par>
-                                <p:cTn id="43" presetID="10" presetClass="entr" presetSubtype="0" fill="hold" grpId="0" nodeType="afterEffect">
+                                <p:cTn id="54" presetID="10" presetClass="entr" presetSubtype="0" fill="hold" grpId="0" nodeType="afterEffect">
                                   <p:stCondLst>
                                     <p:cond delay="0"/>
                                   </p:stCondLst>
                                   <p:childTnLst>
                                     <p:set>
                                       <p:cBhvr>
-                                        <p:cTn id="44" dur="1" fill="hold">
+                                        <p:cTn id="55" dur="1" fill="hold">
                                           <p:stCondLst>
                                             <p:cond delay="0"/>
                                           </p:stCondLst>
@@ -23682,7 +23612,7 @@
                                     </p:set>
                                     <p:animEffect transition="in" filter="fade">
                                       <p:cBhvr>
-                                        <p:cTn id="45" dur="250"/>
+                                        <p:cTn id="56" dur="250"/>
                                         <p:tgtEl>
                                           <p:spTgt spid="24578">
                                             <p:txEl>
@@ -23699,20 +23629,20 @@
                           </p:cTn>
                         </p:par>
                         <p:par>
-                          <p:cTn id="46" fill="hold">
+                          <p:cTn id="57" fill="hold">
                             <p:stCondLst>
                               <p:cond delay="1000"/>
                             </p:stCondLst>
                             <p:childTnLst>
                               <p:par>
-                                <p:cTn id="47" presetID="10" presetClass="entr" presetSubtype="0" fill="hold" grpId="0" nodeType="afterEffect">
+                                <p:cTn id="58" presetID="10" presetClass="entr" presetSubtype="0" fill="hold" grpId="0" nodeType="afterEffect">
                                   <p:stCondLst>
                                     <p:cond delay="0"/>
                                   </p:stCondLst>
                                   <p:childTnLst>
                                     <p:set>
                                       <p:cBhvr>
-                                        <p:cTn id="48" dur="1" fill="hold">
+                                        <p:cTn id="59" dur="1" fill="hold">
                                           <p:stCondLst>
                                             <p:cond delay="0"/>
                                           </p:stCondLst>
@@ -23734,7 +23664,7 @@
                                     </p:set>
                                     <p:animEffect transition="in" filter="fade">
                                       <p:cBhvr>
-                                        <p:cTn id="49" dur="250"/>
+                                        <p:cTn id="60" dur="250"/>
                                         <p:tgtEl>
                                           <p:spTgt spid="24578">
                                             <p:txEl>
@@ -23751,20 +23681,20 @@
                           </p:cTn>
                         </p:par>
                         <p:par>
-                          <p:cTn id="50" fill="hold">
+                          <p:cTn id="61" fill="hold">
                             <p:stCondLst>
                               <p:cond delay="1250"/>
                             </p:stCondLst>
                             <p:childTnLst>
                               <p:par>
-                                <p:cTn id="51" presetID="10" presetClass="entr" presetSubtype="0" fill="hold" grpId="0" nodeType="afterEffect">
+                                <p:cTn id="62" presetID="10" presetClass="entr" presetSubtype="0" fill="hold" grpId="0" nodeType="afterEffect">
                                   <p:stCondLst>
                                     <p:cond delay="0"/>
                                   </p:stCondLst>
                                   <p:childTnLst>
                                     <p:set>
                                       <p:cBhvr>
-                                        <p:cTn id="52" dur="1" fill="hold">
+                                        <p:cTn id="63" dur="1" fill="hold">
                                           <p:stCondLst>
                                             <p:cond delay="0"/>
                                           </p:stCondLst>
@@ -23786,7 +23716,7 @@
                                     </p:set>
                                     <p:animEffect transition="in" filter="fade">
                                       <p:cBhvr>
-                                        <p:cTn id="53" dur="250"/>
+                                        <p:cTn id="64" dur="250"/>
                                         <p:tgtEl>
                                           <p:spTgt spid="24578">
                                             <p:txEl>
@@ -23910,7 +23840,7 @@
                 <a:ea typeface="WenQuanYi Micro Hei" charset="0"/>
                 <a:cs typeface="Calibri" pitchFamily="34" charset="0"/>
               </a:rPr>
-              <a:t>Vrste političkog govora:</a:t>
+              <a:t>VRSTE POLITIČKOG GOVORA:</a:t>
             </a:r>
           </a:p>
           <a:p>
@@ -23965,21 +23895,22 @@
                 <a:ea typeface="WenQuanYi Micro Hei" charset="0"/>
                 <a:cs typeface="Calibri" pitchFamily="34" charset="0"/>
               </a:rPr>
-              <a:t> – </a:t>
+              <a:t> </a:t>
+            </a:r>
+            <a:r>
+              <a:rPr lang="hr-HR" sz="2400" dirty="0" smtClean="0">
+                <a:latin typeface="Calibri" pitchFamily="34" charset="0"/>
+                <a:ea typeface="WenQuanYi Micro Hei" charset="0"/>
+                <a:cs typeface="Calibri" pitchFamily="34" charset="0"/>
+              </a:rPr>
+              <a:t>– </a:t>
             </a:r>
             <a:r>
               <a:rPr lang="hr-HR" sz="2000" i="1" dirty="0" smtClean="0">
                 <a:latin typeface="Calibri" pitchFamily="34" charset="0"/>
                 <a:cs typeface="Calibri" pitchFamily="34" charset="0"/>
               </a:rPr>
-              <a:t>upotrebljava </a:t>
-            </a:r>
-            <a:r>
-              <a:rPr lang="hr-HR" sz="2000" i="1" dirty="0" smtClean="0">
-                <a:latin typeface="Calibri" pitchFamily="34" charset="0"/>
-                <a:cs typeface="Calibri" pitchFamily="34" charset="0"/>
-              </a:rPr>
-              <a:t>se u krugu političkih djelatnika kao vrsta profesionalnog žargona i ne rabi se među ostalim članovima zajednice</a:t>
+              <a:t>upotrebljava se u krugu političkih djelatnika kao vrsta profesionalnog žargona i ne rabi se među ostalim članovima zajednice</a:t>
             </a:r>
             <a:endParaRPr lang="hr-HR" sz="2400" i="1" dirty="0" smtClean="0">
               <a:latin typeface="Calibri" pitchFamily="34" charset="0"/>
@@ -24046,14 +23977,7 @@
                 <a:latin typeface="Calibri" pitchFamily="34" charset="0"/>
                 <a:cs typeface="Calibri" pitchFamily="34" charset="0"/>
               </a:rPr>
-              <a:t>pokazatelj je </a:t>
-            </a:r>
-            <a:r>
-              <a:rPr lang="hr-HR" sz="2000" i="1" dirty="0" smtClean="0">
-                <a:latin typeface="Calibri" pitchFamily="34" charset="0"/>
-                <a:cs typeface="Calibri" pitchFamily="34" charset="0"/>
-              </a:rPr>
-              <a:t>totalitarnosti politike u državnoj zajednici, nastoji se proširiti na sva područja društvenog djelovanja</a:t>
+              <a:t>pokazatelj je totalitarnosti politike u državnoj zajednici, nastoji se proširiti na sva područja društvenog djelovanja</a:t>
             </a:r>
             <a:endParaRPr lang="hr-HR" sz="2400" i="1" dirty="0" smtClean="0">
               <a:latin typeface="Calibri" pitchFamily="34" charset="0"/>
@@ -24120,14 +24044,7 @@
                 <a:latin typeface="Calibri" pitchFamily="34" charset="0"/>
                 <a:cs typeface="Calibri" pitchFamily="34" charset="0"/>
               </a:rPr>
-              <a:t>jezik dijaloga</a:t>
-            </a:r>
-            <a:r>
-              <a:rPr lang="hr-HR" sz="2000" i="1" dirty="0" smtClean="0">
-                <a:latin typeface="Calibri" pitchFamily="34" charset="0"/>
-                <a:cs typeface="Calibri" pitchFamily="34" charset="0"/>
-              </a:rPr>
-              <a:t>, tolerancije i osjetljivosti prema razlikama u stajalištima, a prihvatljiv je gotovo svim članovima političke zajednice</a:t>
+              <a:t>jezik dijaloga, tolerancije i osjetljivosti prema razlikama u stajalištima, a prihvatljiv je gotovo svim članovima političke zajednice</a:t>
             </a:r>
             <a:endParaRPr lang="hr-HR" sz="2400" i="1" dirty="0" smtClean="0">
               <a:latin typeface="Calibri" pitchFamily="34" charset="0"/>
@@ -24167,7 +24084,7 @@
                 <a:ea typeface="WenQuanYi Micro Hei" charset="0"/>
                 <a:cs typeface="Calibri" pitchFamily="34" charset="0"/>
               </a:rPr>
-              <a:t>Obilježja političkog govora:</a:t>
+              <a:t>OBILJEŽJA POLITIČKOG GOVORA:</a:t>
             </a:r>
           </a:p>
           <a:p>
@@ -24222,7 +24139,15 @@
                 <a:ea typeface="WenQuanYi Micro Hei" charset="0"/>
                 <a:cs typeface="Calibri" pitchFamily="34" charset="0"/>
               </a:rPr>
-              <a:t> – </a:t>
+              <a:t> </a:t>
+            </a:r>
+            <a:r>
+              <a:rPr lang="hr-HR" sz="2400" dirty="0" smtClean="0">
+                <a:latin typeface="Calibri" pitchFamily="34" charset="0"/>
+                <a:ea typeface="WenQuanYi Micro Hei" charset="0"/>
+                <a:cs typeface="Calibri" pitchFamily="34" charset="0"/>
+              </a:rPr>
+              <a:t>– </a:t>
             </a:r>
             <a:r>
               <a:rPr lang="hr-HR" sz="2000" i="1" dirty="0" smtClean="0">
@@ -24232,11 +24157,21 @@
               <a:t>upotrebljavaju se </a:t>
             </a:r>
             <a:r>
+              <a:rPr lang="hr-HR" sz="2000" b="1" i="1" dirty="0" smtClean="0">
+                <a:solidFill>
+                  <a:srgbClr val="FFC000"/>
+                </a:solidFill>
+                <a:latin typeface="Calibri" pitchFamily="34" charset="0"/>
+                <a:cs typeface="Calibri" pitchFamily="34" charset="0"/>
+              </a:rPr>
+              <a:t>riječi s jakim emotivnim učinkom </a:t>
+            </a:r>
+            <a:r>
               <a:rPr lang="hr-HR" sz="2000" i="1" dirty="0" smtClean="0">
                 <a:latin typeface="Calibri" pitchFamily="34" charset="0"/>
                 <a:cs typeface="Calibri" pitchFamily="34" charset="0"/>
               </a:rPr>
-              <a:t>riječi s jakim emotivnim učinkom na slušatelja </a:t>
+              <a:t>na slušatelja </a:t>
             </a:r>
             <a:endParaRPr lang="hr-HR" sz="2400" i="1" dirty="0" smtClean="0">
               <a:latin typeface="Calibri" pitchFamily="34" charset="0"/>
@@ -24299,18 +24234,21 @@
               <a:t> – </a:t>
             </a:r>
             <a:r>
+              <a:rPr lang="hr-HR" sz="2000" b="1" i="1" dirty="0" smtClean="0">
+                <a:solidFill>
+                  <a:srgbClr val="FFC000"/>
+                </a:solidFill>
+                <a:latin typeface="Calibri" pitchFamily="34" charset="0"/>
+                <a:cs typeface="Calibri" pitchFamily="34" charset="0"/>
+              </a:rPr>
+              <a:t>obiluje bogatstvom i raznolikošću rječnika </a:t>
+            </a:r>
+            <a:r>
               <a:rPr lang="hr-HR" sz="2000" i="1" dirty="0" smtClean="0">
                 <a:latin typeface="Calibri" pitchFamily="34" charset="0"/>
                 <a:cs typeface="Calibri" pitchFamily="34" charset="0"/>
               </a:rPr>
-              <a:t>obiluje bogatstvom </a:t>
-            </a:r>
-            <a:r>
-              <a:rPr lang="hr-HR" sz="2000" i="1" dirty="0" smtClean="0">
-                <a:latin typeface="Calibri" pitchFamily="34" charset="0"/>
-                <a:cs typeface="Calibri" pitchFamily="34" charset="0"/>
-              </a:rPr>
-              <a:t>i raznolikošću rječnika te dinamičnošću i raznolikošću rečenica</a:t>
+              <a:t>te dinamičnošću i raznolikošću rečenica</a:t>
             </a:r>
             <a:endParaRPr lang="hr-HR" sz="2400" i="1" dirty="0" smtClean="0">
               <a:latin typeface="Calibri" pitchFamily="34" charset="0"/>
@@ -24373,18 +24311,21 @@
               <a:t> – </a:t>
             </a:r>
             <a:r>
+              <a:rPr lang="hr-HR" sz="2000" b="1" i="1" dirty="0" smtClean="0">
+                <a:solidFill>
+                  <a:srgbClr val="FFC000"/>
+                </a:solidFill>
+                <a:latin typeface="Calibri" pitchFamily="34" charset="0"/>
+                <a:cs typeface="Calibri" pitchFamily="34" charset="0"/>
+              </a:rPr>
+              <a:t>ponavljaju se važne riječi ili rečenice</a:t>
+            </a:r>
+            <a:r>
               <a:rPr lang="hr-HR" sz="2000" i="1" dirty="0" smtClean="0">
                 <a:latin typeface="Calibri" pitchFamily="34" charset="0"/>
                 <a:cs typeface="Calibri" pitchFamily="34" charset="0"/>
               </a:rPr>
-              <a:t>ponavljaju se </a:t>
-            </a:r>
-            <a:r>
-              <a:rPr lang="hr-HR" sz="2000" i="1" dirty="0" smtClean="0">
-                <a:latin typeface="Calibri" pitchFamily="34" charset="0"/>
-                <a:cs typeface="Calibri" pitchFamily="34" charset="0"/>
-              </a:rPr>
-              <a:t>važne riječi ili rečenice kako bi se proširila ili provjerila prihvatljivost poruka kod slušatelja </a:t>
+              <a:t> kako bi se proširila ili provjerila prihvatljivost poruka kod slušatelja </a:t>
             </a:r>
             <a:endParaRPr lang="hr-HR" sz="2400" i="1" dirty="0" smtClean="0">
               <a:latin typeface="Calibri" pitchFamily="34" charset="0"/>
@@ -24451,16 +24392,22 @@
                 <a:latin typeface="Calibri" pitchFamily="34" charset="0"/>
                 <a:cs typeface="Calibri" pitchFamily="34" charset="0"/>
               </a:rPr>
-              <a:t>dugim rečenicama </a:t>
-            </a:r>
-            <a:r>
-              <a:rPr lang="hr-HR" sz="2000" i="1" dirty="0" smtClean="0">
-                <a:latin typeface="Calibri" pitchFamily="34" charset="0"/>
-                <a:cs typeface="Calibri" pitchFamily="34" charset="0"/>
-              </a:rPr>
-              <a:t>ili sporednim temama slušatelja odvlači od osnovne teme</a:t>
-            </a:r>
-            <a:endParaRPr lang="hr-HR" sz="2400" i="1" dirty="0" smtClean="0">
+              <a:t>dugim rečenicama ili sporednim temama </a:t>
+            </a:r>
+            <a:r>
+              <a:rPr lang="hr-HR" sz="2000" b="1" i="1" dirty="0" smtClean="0">
+                <a:solidFill>
+                  <a:srgbClr val="FFC000"/>
+                </a:solidFill>
+                <a:latin typeface="Calibri" pitchFamily="34" charset="0"/>
+                <a:cs typeface="Calibri" pitchFamily="34" charset="0"/>
+              </a:rPr>
+              <a:t>slušatelja odvlači od osnovne teme</a:t>
+            </a:r>
+            <a:endParaRPr lang="hr-HR" sz="2400" b="1" i="1" dirty="0" smtClean="0">
+              <a:solidFill>
+                <a:srgbClr val="FFC000"/>
+              </a:solidFill>
               <a:latin typeface="Calibri" pitchFamily="34" charset="0"/>
               <a:ea typeface="WenQuanYi Micro Hei" charset="0"/>
               <a:cs typeface="Calibri" pitchFamily="34" charset="0"/>
@@ -24521,18 +24468,21 @@
               <a:t> – </a:t>
             </a:r>
             <a:r>
+              <a:rPr lang="hr-HR" sz="2000" b="1" i="1" dirty="0" smtClean="0">
+                <a:solidFill>
+                  <a:srgbClr val="FFC000"/>
+                </a:solidFill>
+                <a:latin typeface="Calibri" pitchFamily="34" charset="0"/>
+                <a:cs typeface="Calibri" pitchFamily="34" charset="0"/>
+              </a:rPr>
+              <a:t>djeluje kao skladna cjelina</a:t>
+            </a:r>
+            <a:r>
               <a:rPr lang="hr-HR" sz="2000" i="1" dirty="0" smtClean="0">
                 <a:latin typeface="Calibri" pitchFamily="34" charset="0"/>
                 <a:cs typeface="Calibri" pitchFamily="34" charset="0"/>
               </a:rPr>
-              <a:t>djeluje kao </a:t>
-            </a:r>
-            <a:r>
-              <a:rPr lang="hr-HR" sz="2000" i="1" dirty="0" smtClean="0">
-                <a:latin typeface="Calibri" pitchFamily="34" charset="0"/>
-                <a:cs typeface="Calibri" pitchFamily="34" charset="0"/>
-              </a:rPr>
-              <a:t>skladna cjelina, govornik uspješno usklađuje odnos prema slušatelju, temi ili vremenu</a:t>
+              <a:t>, govornik uspješno usklađuje odnos prema slušatelju, temi ili vremenu</a:t>
             </a:r>
             <a:endParaRPr lang="hr-HR" sz="2800" dirty="0" smtClean="0">
               <a:latin typeface="Calibri" pitchFamily="34" charset="0"/>
@@ -24547,13 +24497,13 @@
   <p:clrMapOvr>
     <a:masterClrMapping/>
   </p:clrMapOvr>
-  <mc:AlternateContent xmlns:mc="http://schemas.openxmlformats.org/markup-compatibility/2006">
-    <mc:Choice xmlns:p14="http://schemas.microsoft.com/office/powerpoint/2010/main" Requires="p14">
+  <mc:AlternateContent xmlns:mc="http://schemas.openxmlformats.org/markup-compatibility/2006" xmlns:p14="http://schemas.microsoft.com/office/powerpoint/2010/main">
+    <mc:Choice Requires="p14">
       <p:transition>
         <p14:reveal/>
       </p:transition>
     </mc:Choice>
-    <mc:Fallback>
+    <mc:Fallback xmlns="">
       <p:transition>
         <p:fade/>
       </p:transition>
@@ -24625,24 +24575,15 @@
                                   </p:childTnLst>
                                 </p:cTn>
                               </p:par>
-                            </p:childTnLst>
-                          </p:cTn>
-                        </p:par>
-                        <p:par>
-                          <p:cTn id="8" fill="hold">
-                            <p:stCondLst>
-                              <p:cond delay="250"/>
-                            </p:stCondLst>
-                            <p:childTnLst>
                               <p:par>
-                                <p:cTn id="9" presetID="10" presetClass="entr" presetSubtype="0" fill="hold" grpId="0" nodeType="afterEffect">
+                                <p:cTn id="8" presetID="10" presetClass="entr" presetSubtype="0" fill="hold" grpId="0" nodeType="withEffect">
                                   <p:stCondLst>
                                     <p:cond delay="0"/>
                                   </p:stCondLst>
                                   <p:childTnLst>
                                     <p:set>
                                       <p:cBhvr>
-                                        <p:cTn id="10" dur="1" fill="hold">
+                                        <p:cTn id="9" dur="1" fill="hold">
                                           <p:stCondLst>
                                             <p:cond delay="0"/>
                                           </p:stCondLst>
@@ -24664,7 +24605,7 @@
                                     </p:set>
                                     <p:animEffect transition="in" filter="fade">
                                       <p:cBhvr>
-                                        <p:cTn id="11" dur="250"/>
+                                        <p:cTn id="10" dur="250"/>
                                         <p:tgtEl>
                                           <p:spTgt spid="24578">
                                             <p:txEl>
@@ -24681,20 +24622,20 @@
                           </p:cTn>
                         </p:par>
                         <p:par>
-                          <p:cTn id="12" fill="hold">
+                          <p:cTn id="11" fill="hold">
                             <p:stCondLst>
-                              <p:cond delay="500"/>
+                              <p:cond delay="250"/>
                             </p:stCondLst>
                             <p:childTnLst>
                               <p:par>
-                                <p:cTn id="13" presetID="10" presetClass="entr" presetSubtype="0" fill="hold" grpId="0" nodeType="afterEffect">
+                                <p:cTn id="12" presetID="10" presetClass="entr" presetSubtype="0" fill="hold" grpId="0" nodeType="afterEffect">
                                   <p:stCondLst>
                                     <p:cond delay="0"/>
                                   </p:stCondLst>
                                   <p:childTnLst>
                                     <p:set>
                                       <p:cBhvr>
-                                        <p:cTn id="14" dur="1" fill="hold">
+                                        <p:cTn id="13" dur="1" fill="hold">
                                           <p:stCondLst>
                                             <p:cond delay="0"/>
                                           </p:stCondLst>
@@ -24716,7 +24657,7 @@
                                     </p:set>
                                     <p:animEffect transition="in" filter="fade">
                                       <p:cBhvr>
-                                        <p:cTn id="15" dur="250"/>
+                                        <p:cTn id="14" dur="250"/>
                                         <p:tgtEl>
                                           <p:spTgt spid="24578">
                                             <p:txEl>
@@ -24733,20 +24674,20 @@
                           </p:cTn>
                         </p:par>
                         <p:par>
-                          <p:cTn id="16" fill="hold">
+                          <p:cTn id="15" fill="hold">
                             <p:stCondLst>
-                              <p:cond delay="750"/>
+                              <p:cond delay="500"/>
                             </p:stCondLst>
                             <p:childTnLst>
                               <p:par>
-                                <p:cTn id="17" presetID="10" presetClass="entr" presetSubtype="0" fill="hold" grpId="0" nodeType="afterEffect">
+                                <p:cTn id="16" presetID="10" presetClass="entr" presetSubtype="0" fill="hold" grpId="0" nodeType="afterEffect">
                                   <p:stCondLst>
                                     <p:cond delay="0"/>
                                   </p:stCondLst>
                                   <p:childTnLst>
                                     <p:set>
                                       <p:cBhvr>
-                                        <p:cTn id="18" dur="1" fill="hold">
+                                        <p:cTn id="17" dur="1" fill="hold">
                                           <p:stCondLst>
                                             <p:cond delay="0"/>
                                           </p:stCondLst>
@@ -24768,7 +24709,7 @@
                                     </p:set>
                                     <p:animEffect transition="in" filter="fade">
                                       <p:cBhvr>
-                                        <p:cTn id="19" dur="250"/>
+                                        <p:cTn id="18" dur="250"/>
                                         <p:tgtEl>
                                           <p:spTgt spid="24578">
                                             <p:txEl>
@@ -24788,26 +24729,26 @@
                     </p:cTn>
                   </p:par>
                   <p:par>
-                    <p:cTn id="20" fill="hold">
+                    <p:cTn id="19" fill="hold">
                       <p:stCondLst>
                         <p:cond delay="indefinite"/>
                       </p:stCondLst>
                       <p:childTnLst>
                         <p:par>
-                          <p:cTn id="21" fill="hold">
+                          <p:cTn id="20" fill="hold">
                             <p:stCondLst>
                               <p:cond delay="0"/>
                             </p:stCondLst>
                             <p:childTnLst>
                               <p:par>
-                                <p:cTn id="22" presetID="10" presetClass="entr" presetSubtype="0" fill="hold" grpId="0" nodeType="clickEffect">
+                                <p:cTn id="21" presetID="10" presetClass="entr" presetSubtype="0" fill="hold" grpId="0" nodeType="clickEffect">
                                   <p:stCondLst>
                                     <p:cond delay="0"/>
                                   </p:stCondLst>
                                   <p:childTnLst>
                                     <p:set>
                                       <p:cBhvr>
-                                        <p:cTn id="23" dur="1" fill="hold">
+                                        <p:cTn id="22" dur="1" fill="hold">
                                           <p:stCondLst>
                                             <p:cond delay="0"/>
                                           </p:stCondLst>
@@ -24829,7 +24770,7 @@
                                     </p:set>
                                     <p:animEffect transition="in" filter="fade">
                                       <p:cBhvr>
-                                        <p:cTn id="24" dur="250"/>
+                                        <p:cTn id="23" dur="250"/>
                                         <p:tgtEl>
                                           <p:spTgt spid="24578">
                                             <p:txEl>
@@ -24846,20 +24787,20 @@
                           </p:cTn>
                         </p:par>
                         <p:par>
-                          <p:cTn id="25" fill="hold">
+                          <p:cTn id="24" fill="hold">
                             <p:stCondLst>
                               <p:cond delay="250"/>
                             </p:stCondLst>
                             <p:childTnLst>
                               <p:par>
-                                <p:cTn id="26" presetID="10" presetClass="entr" presetSubtype="0" fill="hold" grpId="0" nodeType="afterEffect">
+                                <p:cTn id="25" presetID="10" presetClass="entr" presetSubtype="0" fill="hold" grpId="0" nodeType="afterEffect">
                                   <p:stCondLst>
                                     <p:cond delay="0"/>
                                   </p:stCondLst>
                                   <p:childTnLst>
                                     <p:set>
                                       <p:cBhvr>
-                                        <p:cTn id="27" dur="1" fill="hold">
+                                        <p:cTn id="26" dur="1" fill="hold">
                                           <p:stCondLst>
                                             <p:cond delay="0"/>
                                           </p:stCondLst>
@@ -24881,7 +24822,7 @@
                                     </p:set>
                                     <p:animEffect transition="in" filter="fade">
                                       <p:cBhvr>
-                                        <p:cTn id="28" dur="250"/>
+                                        <p:cTn id="27" dur="250"/>
                                         <p:tgtEl>
                                           <p:spTgt spid="24578">
                                             <p:txEl>
@@ -24898,20 +24839,20 @@
                           </p:cTn>
                         </p:par>
                         <p:par>
-                          <p:cTn id="29" fill="hold">
+                          <p:cTn id="28" fill="hold">
                             <p:stCondLst>
                               <p:cond delay="500"/>
                             </p:stCondLst>
                             <p:childTnLst>
                               <p:par>
-                                <p:cTn id="30" presetID="10" presetClass="entr" presetSubtype="0" fill="hold" grpId="0" nodeType="afterEffect">
+                                <p:cTn id="29" presetID="10" presetClass="entr" presetSubtype="0" fill="hold" grpId="0" nodeType="afterEffect">
                                   <p:stCondLst>
                                     <p:cond delay="0"/>
                                   </p:stCondLst>
                                   <p:childTnLst>
                                     <p:set>
                                       <p:cBhvr>
-                                        <p:cTn id="31" dur="1" fill="hold">
+                                        <p:cTn id="30" dur="1" fill="hold">
                                           <p:stCondLst>
                                             <p:cond delay="0"/>
                                           </p:stCondLst>
@@ -24933,7 +24874,7 @@
                                     </p:set>
                                     <p:animEffect transition="in" filter="fade">
                                       <p:cBhvr>
-                                        <p:cTn id="32" dur="250"/>
+                                        <p:cTn id="31" dur="250"/>
                                         <p:tgtEl>
                                           <p:spTgt spid="24578">
                                             <p:txEl>
@@ -24950,20 +24891,20 @@
                           </p:cTn>
                         </p:par>
                         <p:par>
-                          <p:cTn id="33" fill="hold">
+                          <p:cTn id="32" fill="hold">
                             <p:stCondLst>
                               <p:cond delay="750"/>
                             </p:stCondLst>
                             <p:childTnLst>
                               <p:par>
-                                <p:cTn id="34" presetID="10" presetClass="entr" presetSubtype="0" fill="hold" grpId="0" nodeType="afterEffect">
+                                <p:cTn id="33" presetID="10" presetClass="entr" presetSubtype="0" fill="hold" grpId="0" nodeType="afterEffect">
                                   <p:stCondLst>
                                     <p:cond delay="0"/>
                                   </p:stCondLst>
                                   <p:childTnLst>
                                     <p:set>
                                       <p:cBhvr>
-                                        <p:cTn id="35" dur="1" fill="hold">
+                                        <p:cTn id="34" dur="1" fill="hold">
                                           <p:stCondLst>
                                             <p:cond delay="0"/>
                                           </p:stCondLst>
@@ -24985,7 +24926,7 @@
                                     </p:set>
                                     <p:animEffect transition="in" filter="fade">
                                       <p:cBhvr>
-                                        <p:cTn id="36" dur="250"/>
+                                        <p:cTn id="35" dur="250"/>
                                         <p:tgtEl>
                                           <p:spTgt spid="24578">
                                             <p:txEl>
@@ -25002,20 +24943,20 @@
                           </p:cTn>
                         </p:par>
                         <p:par>
-                          <p:cTn id="37" fill="hold">
+                          <p:cTn id="36" fill="hold">
                             <p:stCondLst>
                               <p:cond delay="1000"/>
                             </p:stCondLst>
                             <p:childTnLst>
                               <p:par>
-                                <p:cTn id="38" presetID="10" presetClass="entr" presetSubtype="0" fill="hold" grpId="0" nodeType="afterEffect">
+                                <p:cTn id="37" presetID="10" presetClass="entr" presetSubtype="0" fill="hold" grpId="0" nodeType="afterEffect">
                                   <p:stCondLst>
                                     <p:cond delay="0"/>
                                   </p:stCondLst>
                                   <p:childTnLst>
                                     <p:set>
                                       <p:cBhvr>
-                                        <p:cTn id="39" dur="1" fill="hold">
+                                        <p:cTn id="38" dur="1" fill="hold">
                                           <p:stCondLst>
                                             <p:cond delay="0"/>
                                           </p:stCondLst>
@@ -25037,7 +24978,7 @@
                                     </p:set>
                                     <p:animEffect transition="in" filter="fade">
                                       <p:cBhvr>
-                                        <p:cTn id="40" dur="250"/>
+                                        <p:cTn id="39" dur="250"/>
                                         <p:tgtEl>
                                           <p:spTgt spid="24578">
                                             <p:txEl>
@@ -25054,20 +24995,20 @@
                           </p:cTn>
                         </p:par>
                         <p:par>
-                          <p:cTn id="41" fill="hold">
+                          <p:cTn id="40" fill="hold">
                             <p:stCondLst>
                               <p:cond delay="1250"/>
                             </p:stCondLst>
                             <p:childTnLst>
                               <p:par>
-                                <p:cTn id="42" presetID="10" presetClass="entr" presetSubtype="0" fill="hold" grpId="0" nodeType="afterEffect">
+                                <p:cTn id="41" presetID="10" presetClass="entr" presetSubtype="0" fill="hold" grpId="0" nodeType="afterEffect">
                                   <p:stCondLst>
                                     <p:cond delay="0"/>
                                   </p:stCondLst>
                                   <p:childTnLst>
                                     <p:set>
                                       <p:cBhvr>
-                                        <p:cTn id="43" dur="1" fill="hold">
+                                        <p:cTn id="42" dur="1" fill="hold">
                                           <p:stCondLst>
                                             <p:cond delay="0"/>
                                           </p:stCondLst>
@@ -25089,7 +25030,7 @@
                                     </p:set>
                                     <p:animEffect transition="in" filter="fade">
                                       <p:cBhvr>
-                                        <p:cTn id="44" dur="250"/>
+                                        <p:cTn id="43" dur="250"/>
                                         <p:tgtEl>
                                           <p:spTgt spid="24578">
                                             <p:txEl>
@@ -25137,7 +25078,7 @@
 </file>
 
 <file path=ppt/slides/slide24.xml><?xml version="1.0" encoding="utf-8"?>
-<p:sld xmlns:a="http://schemas.openxmlformats.org/drawingml/2006/main" xmlns:r="http://schemas.openxmlformats.org/officeDocument/2006/relationships" xmlns:p="http://schemas.openxmlformats.org/presentationml/2006/main">
+<p:sld xmlns:a="http://schemas.openxmlformats.org/drawingml/2006/main" xmlns:r="http://schemas.openxmlformats.org/officeDocument/2006/relationships" xmlns:p="http://schemas.openxmlformats.org/presentationml/2006/main" show="0">
   <p:cSld>
     <p:spTree>
       <p:nvGrpSpPr>
@@ -25728,6 +25669,547 @@
           <a:chExt cx="0" cy="0"/>
         </a:xfrm>
       </p:grpSpPr>
+      <p:sp>
+        <p:nvSpPr>
+          <p:cNvPr id="9" name="Rectangle 8"/>
+          <p:cNvSpPr/>
+          <p:nvPr/>
+        </p:nvSpPr>
+        <p:spPr>
+          <a:xfrm>
+            <a:off x="5072066" y="500042"/>
+            <a:ext cx="3643338" cy="714380"/>
+          </a:xfrm>
+          <a:prstGeom prst="rect">
+            <a:avLst/>
+          </a:prstGeom>
+          <a:gradFill flip="none" rotWithShape="1">
+            <a:gsLst>
+              <a:gs pos="0">
+                <a:schemeClr val="accent4">
+                  <a:lumMod val="50000"/>
+                  <a:shade val="30000"/>
+                  <a:satMod val="115000"/>
+                </a:schemeClr>
+              </a:gs>
+              <a:gs pos="50000">
+                <a:schemeClr val="accent4">
+                  <a:lumMod val="50000"/>
+                  <a:shade val="67500"/>
+                  <a:satMod val="115000"/>
+                </a:schemeClr>
+              </a:gs>
+              <a:gs pos="100000">
+                <a:schemeClr val="accent4">
+                  <a:lumMod val="50000"/>
+                  <a:shade val="100000"/>
+                  <a:satMod val="115000"/>
+                </a:schemeClr>
+              </a:gs>
+            </a:gsLst>
+            <a:lin ang="16200000" scaled="1"/>
+            <a:tileRect/>
+          </a:gradFill>
+          <a:ln>
+            <a:solidFill>
+              <a:schemeClr val="tx1"/>
+            </a:solidFill>
+          </a:ln>
+          <a:effectLst>
+            <a:outerShdw blurRad="50800" dist="38100" dir="2700000" algn="tl" rotWithShape="0">
+              <a:prstClr val="black">
+                <a:alpha val="40000"/>
+              </a:prstClr>
+            </a:outerShdw>
+          </a:effectLst>
+        </p:spPr>
+        <p:style>
+          <a:lnRef idx="2">
+            <a:schemeClr val="accent1">
+              <a:shade val="50000"/>
+            </a:schemeClr>
+          </a:lnRef>
+          <a:fillRef idx="1">
+            <a:schemeClr val="accent1"/>
+          </a:fillRef>
+          <a:effectRef idx="0">
+            <a:schemeClr val="accent1"/>
+          </a:effectRef>
+          <a:fontRef idx="minor">
+            <a:schemeClr val="lt1"/>
+          </a:fontRef>
+        </p:style>
+        <p:txBody>
+          <a:bodyPr rtlCol="0" anchor="ctr"/>
+          <a:lstStyle/>
+          <a:p>
+            <a:pPr algn="ctr"/>
+            <a:r>
+              <a:rPr lang="hr-HR" sz="3600" b="1" dirty="0" smtClean="0">
+                <a:solidFill>
+                  <a:schemeClr val="tx1"/>
+                </a:solidFill>
+                <a:effectLst>
+                  <a:outerShdw blurRad="38100" dist="38100" dir="2700000" algn="tl">
+                    <a:srgbClr val="000000">
+                      <a:alpha val="43137"/>
+                    </a:srgbClr>
+                  </a:outerShdw>
+                </a:effectLst>
+                <a:latin typeface="Calibri" pitchFamily="34" charset="0"/>
+                <a:cs typeface="Calibri" pitchFamily="34" charset="0"/>
+              </a:rPr>
+              <a:t>EMOTIVAN</a:t>
+            </a:r>
+          </a:p>
+        </p:txBody>
+      </p:sp>
+      <p:sp>
+        <p:nvSpPr>
+          <p:cNvPr id="10" name="Rectangle 9"/>
+          <p:cNvSpPr/>
+          <p:nvPr/>
+        </p:nvSpPr>
+        <p:spPr>
+          <a:xfrm>
+            <a:off x="5072066" y="1357298"/>
+            <a:ext cx="3643338" cy="714380"/>
+          </a:xfrm>
+          <a:prstGeom prst="rect">
+            <a:avLst/>
+          </a:prstGeom>
+          <a:gradFill flip="none" rotWithShape="1">
+            <a:gsLst>
+              <a:gs pos="0">
+                <a:schemeClr val="accent4">
+                  <a:lumMod val="50000"/>
+                  <a:shade val="30000"/>
+                  <a:satMod val="115000"/>
+                </a:schemeClr>
+              </a:gs>
+              <a:gs pos="50000">
+                <a:schemeClr val="accent4">
+                  <a:lumMod val="50000"/>
+                  <a:shade val="67500"/>
+                  <a:satMod val="115000"/>
+                </a:schemeClr>
+              </a:gs>
+              <a:gs pos="100000">
+                <a:schemeClr val="accent4">
+                  <a:lumMod val="50000"/>
+                  <a:shade val="100000"/>
+                  <a:satMod val="115000"/>
+                </a:schemeClr>
+              </a:gs>
+            </a:gsLst>
+            <a:lin ang="16200000" scaled="1"/>
+            <a:tileRect/>
+          </a:gradFill>
+          <a:ln>
+            <a:solidFill>
+              <a:schemeClr val="tx1"/>
+            </a:solidFill>
+          </a:ln>
+          <a:effectLst>
+            <a:outerShdw blurRad="50800" dist="38100" dir="2700000" algn="tl" rotWithShape="0">
+              <a:prstClr val="black">
+                <a:alpha val="40000"/>
+              </a:prstClr>
+            </a:outerShdw>
+          </a:effectLst>
+        </p:spPr>
+        <p:style>
+          <a:lnRef idx="2">
+            <a:schemeClr val="accent1">
+              <a:shade val="50000"/>
+            </a:schemeClr>
+          </a:lnRef>
+          <a:fillRef idx="1">
+            <a:schemeClr val="accent1"/>
+          </a:fillRef>
+          <a:effectRef idx="0">
+            <a:schemeClr val="accent1"/>
+          </a:effectRef>
+          <a:fontRef idx="minor">
+            <a:schemeClr val="lt1"/>
+          </a:fontRef>
+        </p:style>
+        <p:txBody>
+          <a:bodyPr rtlCol="0" anchor="ctr"/>
+          <a:lstStyle/>
+          <a:p>
+            <a:pPr algn="ctr"/>
+            <a:r>
+              <a:rPr lang="hr-HR" sz="3600" b="1" dirty="0" smtClean="0">
+                <a:solidFill>
+                  <a:schemeClr val="tx1"/>
+                </a:solidFill>
+                <a:effectLst>
+                  <a:outerShdw blurRad="38100" dist="38100" dir="2700000" algn="tl">
+                    <a:srgbClr val="000000">
+                      <a:alpha val="43137"/>
+                    </a:srgbClr>
+                  </a:outerShdw>
+                </a:effectLst>
+                <a:latin typeface="Calibri" pitchFamily="34" charset="0"/>
+                <a:cs typeface="Calibri" pitchFamily="34" charset="0"/>
+              </a:rPr>
+              <a:t>EKSPRESIVAN</a:t>
+            </a:r>
+          </a:p>
+        </p:txBody>
+      </p:sp>
+      <p:pic>
+        <p:nvPicPr>
+          <p:cNvPr id="1026" name="Picture 2" descr="https://i2.wp.com/kamenjar.com/wp-content/uploads/2015/08/gotovac.jpg?resize=696%2C439"/>
+          <p:cNvPicPr>
+            <a:picLocks noChangeAspect="1" noChangeArrowheads="1"/>
+          </p:cNvPicPr>
+          <p:nvPr/>
+        </p:nvPicPr>
+        <p:blipFill rotWithShape="1">
+          <a:blip r:embed="rId2">
+            <a:extLst>
+              <a:ext uri="{28A0092B-C50C-407E-A947-70E740481C1C}">
+                <a14:useLocalDpi xmlns:a14="http://schemas.microsoft.com/office/drawing/2010/main" val="0"/>
+              </a:ext>
+            </a:extLst>
+          </a:blip>
+          <a:srcRect l="10532" r="4038" b="4443"/>
+          <a:stretch/>
+        </p:blipFill>
+        <p:spPr bwMode="auto">
+          <a:xfrm>
+            <a:off x="251520" y="188640"/>
+            <a:ext cx="4583876" cy="3234014"/>
+          </a:xfrm>
+          <a:prstGeom prst="rect">
+            <a:avLst/>
+          </a:prstGeom>
+          <a:noFill/>
+          <a:ln w="57150">
+            <a:solidFill>
+              <a:schemeClr val="tx1"/>
+            </a:solidFill>
+          </a:ln>
+          <a:extLst>
+            <a:ext uri="{909E8E84-426E-40DD-AFC4-6F175D3DCCD1}">
+              <a14:hiddenFill xmlns:a14="http://schemas.microsoft.com/office/drawing/2010/main">
+                <a:solidFill>
+                  <a:srgbClr val="FFFFFF"/>
+                </a:solidFill>
+              </a14:hiddenFill>
+            </a:ext>
+          </a:extLst>
+        </p:spPr>
+      </p:pic>
+      <p:pic>
+        <p:nvPicPr>
+          <p:cNvPr id="66563" name="Picture 3"/>
+          <p:cNvPicPr>
+            <a:picLocks noChangeAspect="1" noChangeArrowheads="1"/>
+          </p:cNvPicPr>
+          <p:nvPr/>
+        </p:nvPicPr>
+        <p:blipFill>
+          <a:blip r:embed="rId3"/>
+          <a:srcRect/>
+          <a:stretch>
+            <a:fillRect/>
+          </a:stretch>
+        </p:blipFill>
+        <p:spPr bwMode="auto">
+          <a:xfrm>
+            <a:off x="2843808" y="2932013"/>
+            <a:ext cx="6157348" cy="3854573"/>
+          </a:xfrm>
+          <a:prstGeom prst="rect">
+            <a:avLst/>
+          </a:prstGeom>
+          <a:noFill/>
+          <a:ln w="9525">
+            <a:noFill/>
+            <a:miter lim="800000"/>
+            <a:headEnd/>
+            <a:tailEnd/>
+          </a:ln>
+          <a:effectLst/>
+        </p:spPr>
+      </p:pic>
+      <p:sp>
+        <p:nvSpPr>
+          <p:cNvPr id="2" name="TextBox 1"/>
+          <p:cNvSpPr txBox="1"/>
+          <p:nvPr/>
+        </p:nvSpPr>
+        <p:spPr>
+          <a:xfrm>
+            <a:off x="107504" y="3573016"/>
+            <a:ext cx="2699457" cy="865237"/>
+          </a:xfrm>
+          <a:prstGeom prst="rect">
+            <a:avLst/>
+          </a:prstGeom>
+          <a:noFill/>
+        </p:spPr>
+        <p:txBody>
+          <a:bodyPr wrap="none" rtlCol="0">
+            <a:spAutoFit/>
+          </a:bodyPr>
+          <a:lstStyle/>
+          <a:p>
+            <a:r>
+              <a:rPr lang="hr-HR" dirty="0" smtClean="0">
+                <a:latin typeface="Calibri" panose="020F0502020204030204" pitchFamily="34" charset="0"/>
+                <a:cs typeface="Calibri" panose="020F0502020204030204" pitchFamily="34" charset="0"/>
+              </a:rPr>
+              <a:t>Vlado Gotovac, </a:t>
+            </a:r>
+          </a:p>
+          <a:p>
+            <a:r>
+              <a:rPr lang="hr-HR" dirty="0" smtClean="0">
+                <a:latin typeface="Calibri" panose="020F0502020204030204" pitchFamily="34" charset="0"/>
+                <a:cs typeface="Calibri" panose="020F0502020204030204" pitchFamily="34" charset="0"/>
+              </a:rPr>
+              <a:t>govor u Zagrebu </a:t>
+            </a:r>
+          </a:p>
+          <a:p>
+            <a:r>
+              <a:rPr lang="hr-HR" dirty="0" smtClean="0">
+                <a:latin typeface="Calibri" panose="020F0502020204030204" pitchFamily="34" charset="0"/>
+                <a:cs typeface="Calibri" panose="020F0502020204030204" pitchFamily="34" charset="0"/>
+              </a:rPr>
+              <a:t>pred vojarnom JNA (1991.)</a:t>
+            </a:r>
+            <a:endParaRPr lang="hr-HR" dirty="0">
+              <a:latin typeface="Calibri" panose="020F0502020204030204" pitchFamily="34" charset="0"/>
+              <a:cs typeface="Calibri" panose="020F0502020204030204" pitchFamily="34" charset="0"/>
+            </a:endParaRPr>
+          </a:p>
+        </p:txBody>
+      </p:sp>
+    </p:spTree>
+    <p:extLst>
+      <p:ext uri="{BB962C8B-B14F-4D97-AF65-F5344CB8AC3E}">
+        <p14:creationId xmlns:p14="http://schemas.microsoft.com/office/powerpoint/2010/main" val="608311395"/>
+      </p:ext>
+    </p:extLst>
+  </p:cSld>
+  <p:clrMapOvr>
+    <a:masterClrMapping/>
+  </p:clrMapOvr>
+  <mc:AlternateContent xmlns:mc="http://schemas.openxmlformats.org/markup-compatibility/2006" xmlns:p14="http://schemas.microsoft.com/office/powerpoint/2010/main">
+    <mc:Choice Requires="p14">
+      <p:transition>
+        <p14:reveal/>
+      </p:transition>
+    </mc:Choice>
+    <mc:Fallback xmlns="">
+      <p:transition>
+        <p:fade/>
+      </p:transition>
+    </mc:Fallback>
+  </mc:AlternateContent>
+  <p:timing>
+    <p:tnLst>
+      <p:par>
+        <p:cTn id="1" dur="indefinite" restart="never" nodeType="tmRoot">
+          <p:childTnLst>
+            <p:seq concurrent="1" nextAc="seek">
+              <p:cTn id="2" dur="indefinite" nodeType="mainSeq">
+                <p:childTnLst>
+                  <p:par>
+                    <p:cTn id="3" fill="hold">
+                      <p:stCondLst>
+                        <p:cond delay="indefinite"/>
+                        <p:cond evt="onBegin" delay="0">
+                          <p:tn val="2"/>
+                        </p:cond>
+                      </p:stCondLst>
+                      <p:childTnLst>
+                        <p:par>
+                          <p:cTn id="4" fill="hold">
+                            <p:stCondLst>
+                              <p:cond delay="0"/>
+                            </p:stCondLst>
+                            <p:childTnLst>
+                              <p:par>
+                                <p:cTn id="5" presetID="10" presetClass="entr" presetSubtype="0" fill="hold" nodeType="afterEffect">
+                                  <p:stCondLst>
+                                    <p:cond delay="0"/>
+                                  </p:stCondLst>
+                                  <p:childTnLst>
+                                    <p:set>
+                                      <p:cBhvr>
+                                        <p:cTn id="6" dur="1" fill="hold">
+                                          <p:stCondLst>
+                                            <p:cond delay="0"/>
+                                          </p:stCondLst>
+                                        </p:cTn>
+                                        <p:tgtEl>
+                                          <p:spTgt spid="66563"/>
+                                        </p:tgtEl>
+                                        <p:attrNameLst>
+                                          <p:attrName>style.visibility</p:attrName>
+                                        </p:attrNameLst>
+                                      </p:cBhvr>
+                                      <p:to>
+                                        <p:strVal val="visible"/>
+                                      </p:to>
+                                    </p:set>
+                                    <p:animEffect transition="in" filter="fade">
+                                      <p:cBhvr>
+                                        <p:cTn id="7" dur="10"/>
+                                        <p:tgtEl>
+                                          <p:spTgt spid="66563"/>
+                                        </p:tgtEl>
+                                      </p:cBhvr>
+                                    </p:animEffect>
+                                  </p:childTnLst>
+                                </p:cTn>
+                              </p:par>
+                            </p:childTnLst>
+                          </p:cTn>
+                        </p:par>
+                        <p:par>
+                          <p:cTn id="8" fill="hold">
+                            <p:stCondLst>
+                              <p:cond delay="10"/>
+                            </p:stCondLst>
+                            <p:childTnLst>
+                              <p:par>
+                                <p:cTn id="9" presetID="10" presetClass="entr" presetSubtype="0" fill="hold" grpId="0" nodeType="afterEffect">
+                                  <p:stCondLst>
+                                    <p:cond delay="0"/>
+                                  </p:stCondLst>
+                                  <p:childTnLst>
+                                    <p:set>
+                                      <p:cBhvr>
+                                        <p:cTn id="10" dur="1" fill="hold">
+                                          <p:stCondLst>
+                                            <p:cond delay="0"/>
+                                          </p:stCondLst>
+                                        </p:cTn>
+                                        <p:tgtEl>
+                                          <p:spTgt spid="9"/>
+                                        </p:tgtEl>
+                                        <p:attrNameLst>
+                                          <p:attrName>style.visibility</p:attrName>
+                                        </p:attrNameLst>
+                                      </p:cBhvr>
+                                      <p:to>
+                                        <p:strVal val="visible"/>
+                                      </p:to>
+                                    </p:set>
+                                    <p:animEffect transition="in" filter="fade">
+                                      <p:cBhvr>
+                                        <p:cTn id="11" dur="10"/>
+                                        <p:tgtEl>
+                                          <p:spTgt spid="9"/>
+                                        </p:tgtEl>
+                                      </p:cBhvr>
+                                    </p:animEffect>
+                                  </p:childTnLst>
+                                </p:cTn>
+                              </p:par>
+                            </p:childTnLst>
+                          </p:cTn>
+                        </p:par>
+                        <p:par>
+                          <p:cTn id="12" fill="hold">
+                            <p:stCondLst>
+                              <p:cond delay="20"/>
+                            </p:stCondLst>
+                            <p:childTnLst>
+                              <p:par>
+                                <p:cTn id="13" presetID="10" presetClass="entr" presetSubtype="0" fill="hold" grpId="0" nodeType="afterEffect">
+                                  <p:stCondLst>
+                                    <p:cond delay="0"/>
+                                  </p:stCondLst>
+                                  <p:childTnLst>
+                                    <p:set>
+                                      <p:cBhvr>
+                                        <p:cTn id="14" dur="1" fill="hold">
+                                          <p:stCondLst>
+                                            <p:cond delay="0"/>
+                                          </p:stCondLst>
+                                        </p:cTn>
+                                        <p:tgtEl>
+                                          <p:spTgt spid="10"/>
+                                        </p:tgtEl>
+                                        <p:attrNameLst>
+                                          <p:attrName>style.visibility</p:attrName>
+                                        </p:attrNameLst>
+                                      </p:cBhvr>
+                                      <p:to>
+                                        <p:strVal val="visible"/>
+                                      </p:to>
+                                    </p:set>
+                                    <p:animEffect transition="in" filter="fade">
+                                      <p:cBhvr>
+                                        <p:cTn id="15" dur="10"/>
+                                        <p:tgtEl>
+                                          <p:spTgt spid="10"/>
+                                        </p:tgtEl>
+                                      </p:cBhvr>
+                                    </p:animEffect>
+                                  </p:childTnLst>
+                                </p:cTn>
+                              </p:par>
+                            </p:childTnLst>
+                          </p:cTn>
+                        </p:par>
+                      </p:childTnLst>
+                    </p:cTn>
+                  </p:par>
+                </p:childTnLst>
+              </p:cTn>
+              <p:prevCondLst>
+                <p:cond evt="onPrev" delay="0">
+                  <p:tgtEl>
+                    <p:sldTgt/>
+                  </p:tgtEl>
+                </p:cond>
+              </p:prevCondLst>
+              <p:nextCondLst>
+                <p:cond evt="onNext" delay="0">
+                  <p:tgtEl>
+                    <p:sldTgt/>
+                  </p:tgtEl>
+                </p:cond>
+              </p:nextCondLst>
+            </p:seq>
+          </p:childTnLst>
+        </p:cTn>
+      </p:par>
+    </p:tnLst>
+    <p:bldLst>
+      <p:bldP spid="9" grpId="0" animBg="1"/>
+      <p:bldP spid="10" grpId="0" animBg="1"/>
+    </p:bldLst>
+  </p:timing>
+</p:sld>
+</file>
+
+<file path=ppt/slides/slide26.xml><?xml version="1.0" encoding="utf-8"?>
+<p:sld xmlns:a="http://schemas.openxmlformats.org/drawingml/2006/main" xmlns:r="http://schemas.openxmlformats.org/officeDocument/2006/relationships" xmlns:p="http://schemas.openxmlformats.org/presentationml/2006/main">
+  <p:cSld>
+    <p:spTree>
+      <p:nvGrpSpPr>
+        <p:cNvPr id="1" name=""/>
+        <p:cNvGrpSpPr/>
+        <p:nvPr/>
+      </p:nvGrpSpPr>
+      <p:grpSpPr>
+        <a:xfrm>
+          <a:off x="0" y="0"/>
+          <a:ext cx="0" cy="0"/>
+          <a:chOff x="0" y="0"/>
+          <a:chExt cx="0" cy="0"/>
+        </a:xfrm>
+      </p:grpSpPr>
       <p:pic>
         <p:nvPicPr>
           <p:cNvPr id="3" name="Picture 6" descr="http://www.inflexwetrust.com/wp-content/uploads/2014/01/IFWT_mlk4.jpg"/>
@@ -25976,7 +26458,7 @@
             <a:r>
               <a:rPr lang="hr-HR" sz="3600" b="1" dirty="0" smtClean="0">
                 <a:solidFill>
-                  <a:srgbClr val="FF0000"/>
+                  <a:schemeClr val="tx1"/>
                 </a:solidFill>
                 <a:effectLst>
                   <a:outerShdw blurRad="38100" dist="38100" dir="2700000" algn="tl">
@@ -25992,7 +26474,7 @@
             </a:r>
             <a:endParaRPr lang="hr-HR" sz="2800" b="1" dirty="0" smtClean="0">
               <a:solidFill>
-                <a:srgbClr val="FF0000"/>
+                <a:schemeClr val="tx1"/>
               </a:solidFill>
               <a:effectLst>
                 <a:outerShdw blurRad="38100" dist="38100" dir="2700000" algn="tl">
@@ -26040,18 +26522,81 @@
           <a:effectLst/>
         </p:spPr>
       </p:pic>
+      <p:sp>
+        <p:nvSpPr>
+          <p:cNvPr id="7" name="TextBox 6"/>
+          <p:cNvSpPr txBox="1"/>
+          <p:nvPr/>
+        </p:nvSpPr>
+        <p:spPr>
+          <a:xfrm>
+            <a:off x="3851920" y="3037422"/>
+            <a:ext cx="3293659" cy="607602"/>
+          </a:xfrm>
+          <a:prstGeom prst="rect">
+            <a:avLst/>
+          </a:prstGeom>
+          <a:noFill/>
+        </p:spPr>
+        <p:txBody>
+          <a:bodyPr wrap="none" rtlCol="0">
+            <a:spAutoFit/>
+          </a:bodyPr>
+          <a:lstStyle/>
+          <a:p>
+            <a:r>
+              <a:rPr lang="hr-HR" dirty="0">
+                <a:latin typeface="Calibri" panose="020F0502020204030204" pitchFamily="34" charset="0"/>
+                <a:cs typeface="Calibri" panose="020F0502020204030204" pitchFamily="34" charset="0"/>
+              </a:rPr>
+              <a:t>Martin </a:t>
+            </a:r>
+            <a:r>
+              <a:rPr lang="hr-HR" dirty="0" err="1">
+                <a:latin typeface="Calibri" panose="020F0502020204030204" pitchFamily="34" charset="0"/>
+                <a:cs typeface="Calibri" panose="020F0502020204030204" pitchFamily="34" charset="0"/>
+              </a:rPr>
+              <a:t>Luther</a:t>
+            </a:r>
+            <a:r>
+              <a:rPr lang="hr-HR" dirty="0">
+                <a:latin typeface="Calibri" panose="020F0502020204030204" pitchFamily="34" charset="0"/>
+                <a:cs typeface="Calibri" panose="020F0502020204030204" pitchFamily="34" charset="0"/>
+              </a:rPr>
+              <a:t> King Jr. , </a:t>
+            </a:r>
+            <a:endParaRPr lang="hr-HR" dirty="0" smtClean="0">
+              <a:latin typeface="Calibri" panose="020F0502020204030204" pitchFamily="34" charset="0"/>
+              <a:cs typeface="Calibri" panose="020F0502020204030204" pitchFamily="34" charset="0"/>
+            </a:endParaRPr>
+          </a:p>
+          <a:p>
+            <a:r>
+              <a:rPr lang="hr-HR" dirty="0" smtClean="0">
+                <a:latin typeface="Calibri" panose="020F0502020204030204" pitchFamily="34" charset="0"/>
+                <a:cs typeface="Calibri" panose="020F0502020204030204" pitchFamily="34" charset="0"/>
+              </a:rPr>
+              <a:t>govor u Washington DC-u (1963.)</a:t>
+            </a:r>
+            <a:endParaRPr lang="hr-HR" dirty="0">
+              <a:latin typeface="Calibri" panose="020F0502020204030204" pitchFamily="34" charset="0"/>
+              <a:cs typeface="Calibri" panose="020F0502020204030204" pitchFamily="34" charset="0"/>
+            </a:endParaRPr>
+          </a:p>
+        </p:txBody>
+      </p:sp>
     </p:spTree>
   </p:cSld>
   <p:clrMapOvr>
     <a:masterClrMapping/>
   </p:clrMapOvr>
-  <mc:AlternateContent xmlns:mc="http://schemas.openxmlformats.org/markup-compatibility/2006">
-    <mc:Choice xmlns:p14="http://schemas.microsoft.com/office/powerpoint/2010/main" Requires="p14">
+  <mc:AlternateContent xmlns:mc="http://schemas.openxmlformats.org/markup-compatibility/2006" xmlns:p14="http://schemas.microsoft.com/office/powerpoint/2010/main">
+    <mc:Choice Requires="p14">
       <p:transition>
         <p14:reveal/>
       </p:transition>
     </mc:Choice>
-    <mc:Fallback>
+    <mc:Fallback xmlns="">
       <p:transition>
         <p:fade/>
       </p:transition>
@@ -26235,7 +26780,7 @@
 </p:sld>
 </file>
 
-<file path=ppt/slides/slide26.xml><?xml version="1.0" encoding="utf-8"?>
+<file path=ppt/slides/slide27.xml><?xml version="1.0" encoding="utf-8"?>
 <p:sld xmlns:a="http://schemas.openxmlformats.org/drawingml/2006/main" xmlns:r="http://schemas.openxmlformats.org/officeDocument/2006/relationships" xmlns:p="http://schemas.openxmlformats.org/presentationml/2006/main">
   <p:cSld>
     <p:spTree>
@@ -26262,7 +26807,7 @@
         </p:nvSpPr>
         <p:spPr bwMode="auto">
           <a:xfrm>
-            <a:off x="142844" y="571480"/>
+            <a:off x="107504" y="615653"/>
             <a:ext cx="8786874" cy="857256"/>
           </a:xfrm>
           <a:prstGeom prst="rect">
@@ -26394,7 +26939,7 @@
         </p:blipFill>
         <p:spPr bwMode="auto">
           <a:xfrm rot="386787">
-            <a:off x="6155305" y="1044378"/>
+            <a:off x="6155305" y="1164575"/>
             <a:ext cx="2568276" cy="2694543"/>
           </a:xfrm>
           <a:prstGeom prst="rect">
@@ -26427,7 +26972,7 @@
         </p:blipFill>
         <p:spPr bwMode="auto">
           <a:xfrm rot="184486">
-            <a:off x="4220158" y="3471426"/>
+            <a:off x="4220158" y="3591623"/>
             <a:ext cx="4350245" cy="3107318"/>
           </a:xfrm>
           <a:prstGeom prst="rect">
@@ -26494,13 +27039,13 @@
   <p:clrMapOvr>
     <a:masterClrMapping/>
   </p:clrMapOvr>
-  <mc:AlternateContent xmlns:mc="http://schemas.openxmlformats.org/markup-compatibility/2006">
-    <mc:Choice xmlns:p14="http://schemas.microsoft.com/office/powerpoint/2010/main" Requires="p14">
+  <mc:AlternateContent xmlns:mc="http://schemas.openxmlformats.org/markup-compatibility/2006" xmlns:p14="http://schemas.microsoft.com/office/powerpoint/2010/main">
+    <mc:Choice Requires="p14">
       <p:transition>
         <p14:reveal/>
       </p:transition>
     </mc:Choice>
-    <mc:Fallback>
+    <mc:Fallback xmlns="">
       <p:transition>
         <p:fade/>
       </p:transition>
@@ -26765,7 +27310,7 @@
 </p:sld>
 </file>
 
-<file path=ppt/slides/slide27.xml><?xml version="1.0" encoding="utf-8"?>
+<file path=ppt/slides/slide28.xml><?xml version="1.0" encoding="utf-8"?>
 <p:sld xmlns:a="http://schemas.openxmlformats.org/drawingml/2006/main" xmlns:r="http://schemas.openxmlformats.org/officeDocument/2006/relationships" xmlns:p="http://schemas.openxmlformats.org/presentationml/2006/main">
   <p:cSld>
     <p:spTree>
@@ -27050,15 +27595,7 @@
                 <a:ea typeface="WenQuanYi Micro Hei" charset="0"/>
                 <a:cs typeface="Calibri" pitchFamily="34" charset="0"/>
               </a:rPr>
-              <a:t>su </a:t>
-            </a:r>
-            <a:r>
-              <a:rPr lang="hr-HR" sz="2400" dirty="0" smtClean="0">
-                <a:latin typeface="Calibri" pitchFamily="34" charset="0"/>
-                <a:ea typeface="WenQuanYi Micro Hei" charset="0"/>
-                <a:cs typeface="Calibri" pitchFamily="34" charset="0"/>
-              </a:rPr>
-              <a:t>subjekti koji </a:t>
+              <a:t>su subjekti koji </a:t>
             </a:r>
             <a:r>
               <a:rPr lang="hr-HR" sz="2400" u="sng" dirty="0" smtClean="0">
@@ -27287,13 +27824,13 @@
   <p:clrMapOvr>
     <a:masterClrMapping/>
   </p:clrMapOvr>
-  <mc:AlternateContent xmlns:mc="http://schemas.openxmlformats.org/markup-compatibility/2006">
-    <mc:Choice xmlns:p14="http://schemas.microsoft.com/office/powerpoint/2010/main" Requires="p14">
+  <mc:AlternateContent xmlns:mc="http://schemas.openxmlformats.org/markup-compatibility/2006" xmlns:p14="http://schemas.microsoft.com/office/powerpoint/2010/main">
+    <mc:Choice Requires="p14">
       <p:transition>
         <p14:reveal/>
       </p:transition>
     </mc:Choice>
-    <mc:Fallback>
+    <mc:Fallback xmlns="">
       <p:transition>
         <p:fade/>
       </p:transition>
@@ -27564,7 +28101,7 @@
 </p:sld>
 </file>
 
-<file path=ppt/slides/slide28.xml><?xml version="1.0" encoding="utf-8"?>
+<file path=ppt/slides/slide29.xml><?xml version="1.0" encoding="utf-8"?>
 <p:sld xmlns:a="http://schemas.openxmlformats.org/drawingml/2006/main" xmlns:r="http://schemas.openxmlformats.org/officeDocument/2006/relationships" xmlns:p="http://schemas.openxmlformats.org/presentationml/2006/main">
   <p:cSld>
     <p:spTree>
@@ -28775,13 +29312,13 @@
   <p:clrMapOvr>
     <a:masterClrMapping/>
   </p:clrMapOvr>
-  <mc:AlternateContent xmlns:mc="http://schemas.openxmlformats.org/markup-compatibility/2006">
-    <mc:Choice xmlns:p14="http://schemas.microsoft.com/office/powerpoint/2010/main" Requires="p14">
+  <mc:AlternateContent xmlns:mc="http://schemas.openxmlformats.org/markup-compatibility/2006" xmlns:p14="http://schemas.microsoft.com/office/powerpoint/2010/main">
+    <mc:Choice Requires="p14">
       <p:transition>
         <p14:reveal/>
       </p:transition>
     </mc:Choice>
-    <mc:Fallback>
+    <mc:Fallback xmlns="">
       <p:transition>
         <p:fade/>
       </p:transition>
@@ -29038,331 +29575,6 @@
 </p:sld>
 </file>
 
-<file path=ppt/slides/slide29.xml><?xml version="1.0" encoding="utf-8"?>
-<p:sld xmlns:a="http://schemas.openxmlformats.org/drawingml/2006/main" xmlns:r="http://schemas.openxmlformats.org/officeDocument/2006/relationships" xmlns:p="http://schemas.openxmlformats.org/presentationml/2006/main">
-  <p:cSld>
-    <p:spTree>
-      <p:nvGrpSpPr>
-        <p:cNvPr id="1" name=""/>
-        <p:cNvGrpSpPr/>
-        <p:nvPr/>
-      </p:nvGrpSpPr>
-      <p:grpSpPr>
-        <a:xfrm>
-          <a:off x="0" y="0"/>
-          <a:ext cx="0" cy="0"/>
-          <a:chOff x="0" y="0"/>
-          <a:chExt cx="0" cy="0"/>
-        </a:xfrm>
-      </p:grpSpPr>
-      <p:pic>
-        <p:nvPicPr>
-          <p:cNvPr id="1026" name="Picture 2"/>
-          <p:cNvPicPr>
-            <a:picLocks noChangeAspect="1" noChangeArrowheads="1"/>
-          </p:cNvPicPr>
-          <p:nvPr/>
-        </p:nvPicPr>
-        <p:blipFill>
-          <a:blip r:embed="rId2"/>
-          <a:srcRect/>
-          <a:stretch>
-            <a:fillRect/>
-          </a:stretch>
-        </p:blipFill>
-        <p:spPr bwMode="auto">
-          <a:xfrm>
-            <a:off x="357158" y="500042"/>
-            <a:ext cx="8545771" cy="5500726"/>
-          </a:xfrm>
-          <a:prstGeom prst="rect">
-            <a:avLst/>
-          </a:prstGeom>
-          <a:noFill/>
-          <a:ln w="9525">
-            <a:noFill/>
-            <a:miter lim="800000"/>
-            <a:headEnd/>
-            <a:tailEnd/>
-          </a:ln>
-          <a:effectLst/>
-        </p:spPr>
-      </p:pic>
-      <p:sp>
-        <p:nvSpPr>
-          <p:cNvPr id="3" name="Pravokutnik 2"/>
-          <p:cNvSpPr/>
-          <p:nvPr/>
-        </p:nvSpPr>
-        <p:spPr bwMode="auto">
-          <a:xfrm>
-            <a:off x="428596" y="2143116"/>
-            <a:ext cx="8358246" cy="357190"/>
-          </a:xfrm>
-          <a:prstGeom prst="rect">
-            <a:avLst/>
-          </a:prstGeom>
-          <a:noFill/>
-          <a:ln w="38100" cap="flat" cmpd="sng" algn="ctr">
-            <a:solidFill>
-              <a:srgbClr val="FF0000"/>
-            </a:solidFill>
-            <a:prstDash val="solid"/>
-            <a:round/>
-            <a:headEnd type="none" w="med" len="med"/>
-            <a:tailEnd type="none" w="med" len="med"/>
-          </a:ln>
-          <a:effectLst/>
-        </p:spPr>
-        <p:txBody>
-          <a:bodyPr vert="horz" wrap="square" lIns="91440" tIns="45720" rIns="91440" bIns="45720" numCol="1" rtlCol="0" anchor="t" anchorCtr="0" compatLnSpc="1">
-            <a:prstTxWarp prst="textNoShape">
-              <a:avLst/>
-            </a:prstTxWarp>
-          </a:bodyPr>
-          <a:lstStyle/>
-          <a:p>
-            <a:pPr marL="0" marR="0" indent="0" algn="l" defTabSz="457200" rtl="0" eaLnBrk="1" fontAlgn="base" latinLnBrk="0" hangingPunct="0">
-              <a:lnSpc>
-                <a:spcPct val="93000"/>
-              </a:lnSpc>
-              <a:spcBef>
-                <a:spcPct val="0"/>
-              </a:spcBef>
-              <a:spcAft>
-                <a:spcPct val="0"/>
-              </a:spcAft>
-              <a:buClr>
-                <a:srgbClr val="000000"/>
-              </a:buClr>
-              <a:buSzPct val="100000"/>
-              <a:buFont typeface="Times New Roman" pitchFamily="16" charset="0"/>
-              <a:buNone/>
-              <a:tabLst/>
-            </a:pPr>
-            <a:endParaRPr kumimoji="0" lang="hr-HR" sz="1800" b="0" i="0" u="none" strike="noStrike" cap="none" normalizeH="0" baseline="0" smtClean="0">
-              <a:ln>
-                <a:noFill/>
-              </a:ln>
-              <a:effectLst/>
-              <a:latin typeface="Arial" charset="0"/>
-            </a:endParaRPr>
-          </a:p>
-        </p:txBody>
-      </p:sp>
-      <p:sp>
-        <p:nvSpPr>
-          <p:cNvPr id="4" name="Pravokutnik 3"/>
-          <p:cNvSpPr/>
-          <p:nvPr/>
-        </p:nvSpPr>
-        <p:spPr bwMode="auto">
-          <a:xfrm>
-            <a:off x="428596" y="4071942"/>
-            <a:ext cx="8358246" cy="1357322"/>
-          </a:xfrm>
-          <a:prstGeom prst="rect">
-            <a:avLst/>
-          </a:prstGeom>
-          <a:noFill/>
-          <a:ln w="38100" cap="flat" cmpd="sng" algn="ctr">
-            <a:solidFill>
-              <a:srgbClr val="FF0000"/>
-            </a:solidFill>
-            <a:prstDash val="solid"/>
-            <a:round/>
-            <a:headEnd type="none" w="med" len="med"/>
-            <a:tailEnd type="none" w="med" len="med"/>
-          </a:ln>
-          <a:effectLst/>
-        </p:spPr>
-        <p:txBody>
-          <a:bodyPr vert="horz" wrap="square" lIns="91440" tIns="45720" rIns="91440" bIns="45720" numCol="1" rtlCol="0" anchor="t" anchorCtr="0" compatLnSpc="1">
-            <a:prstTxWarp prst="textNoShape">
-              <a:avLst/>
-            </a:prstTxWarp>
-          </a:bodyPr>
-          <a:lstStyle/>
-          <a:p>
-            <a:pPr marL="0" marR="0" indent="0" algn="l" defTabSz="457200" rtl="0" eaLnBrk="1" fontAlgn="base" latinLnBrk="0" hangingPunct="0">
-              <a:lnSpc>
-                <a:spcPct val="93000"/>
-              </a:lnSpc>
-              <a:spcBef>
-                <a:spcPct val="0"/>
-              </a:spcBef>
-              <a:spcAft>
-                <a:spcPct val="0"/>
-              </a:spcAft>
-              <a:buClr>
-                <a:srgbClr val="000000"/>
-              </a:buClr>
-              <a:buSzPct val="100000"/>
-              <a:buFont typeface="Times New Roman" pitchFamily="16" charset="0"/>
-              <a:buNone/>
-              <a:tabLst/>
-            </a:pPr>
-            <a:endParaRPr kumimoji="0" lang="hr-HR" sz="1800" b="0" i="0" u="none" strike="noStrike" cap="none" normalizeH="0" baseline="0" smtClean="0">
-              <a:ln>
-                <a:noFill/>
-              </a:ln>
-              <a:effectLst/>
-              <a:latin typeface="Arial" charset="0"/>
-            </a:endParaRPr>
-          </a:p>
-        </p:txBody>
-      </p:sp>
-    </p:spTree>
-  </p:cSld>
-  <p:clrMapOvr>
-    <a:masterClrMapping/>
-  </p:clrMapOvr>
-  <mc:AlternateContent xmlns:mc="http://schemas.openxmlformats.org/markup-compatibility/2006">
-    <mc:Choice xmlns:p14="http://schemas.microsoft.com/office/powerpoint/2010/main" Requires="p14">
-      <p:transition>
-        <p14:reveal/>
-      </p:transition>
-    </mc:Choice>
-    <mc:Fallback>
-      <p:transition>
-        <p:fade/>
-      </p:transition>
-    </mc:Fallback>
-  </mc:AlternateContent>
-  <p:timing>
-    <p:tnLst>
-      <p:par>
-        <p:cTn id="1" dur="indefinite" restart="never" nodeType="tmRoot">
-          <p:childTnLst>
-            <p:seq concurrent="1" nextAc="seek">
-              <p:cTn id="2" dur="indefinite" nodeType="mainSeq">
-                <p:childTnLst>
-                  <p:par>
-                    <p:cTn id="3" fill="hold">
-                      <p:stCondLst>
-                        <p:cond delay="indefinite"/>
-                      </p:stCondLst>
-                      <p:childTnLst>
-                        <p:par>
-                          <p:cTn id="4" fill="hold">
-                            <p:stCondLst>
-                              <p:cond delay="0"/>
-                            </p:stCondLst>
-                            <p:childTnLst>
-                              <p:par>
-                                <p:cTn id="5" presetID="22" presetClass="entr" presetSubtype="8" fill="hold" grpId="0" nodeType="clickEffect">
-                                  <p:stCondLst>
-                                    <p:cond delay="0"/>
-                                  </p:stCondLst>
-                                  <p:childTnLst>
-                                    <p:set>
-                                      <p:cBhvr>
-                                        <p:cTn id="6" dur="1" fill="hold">
-                                          <p:stCondLst>
-                                            <p:cond delay="0"/>
-                                          </p:stCondLst>
-                                        </p:cTn>
-                                        <p:tgtEl>
-                                          <p:spTgt spid="3"/>
-                                        </p:tgtEl>
-                                        <p:attrNameLst>
-                                          <p:attrName>style.visibility</p:attrName>
-                                        </p:attrNameLst>
-                                      </p:cBhvr>
-                                      <p:to>
-                                        <p:strVal val="visible"/>
-                                      </p:to>
-                                    </p:set>
-                                    <p:animEffect transition="in" filter="wipe(left)">
-                                      <p:cBhvr>
-                                        <p:cTn id="7" dur="250"/>
-                                        <p:tgtEl>
-                                          <p:spTgt spid="3"/>
-                                        </p:tgtEl>
-                                      </p:cBhvr>
-                                    </p:animEffect>
-                                  </p:childTnLst>
-                                </p:cTn>
-                              </p:par>
-                            </p:childTnLst>
-                          </p:cTn>
-                        </p:par>
-                        <p:par>
-                          <p:cTn id="8" fill="hold">
-                            <p:stCondLst>
-                              <p:cond delay="250"/>
-                            </p:stCondLst>
-                            <p:childTnLst>
-                              <p:par>
-                                <p:cTn id="9" presetID="22" presetClass="entr" presetSubtype="8" fill="hold" grpId="0" nodeType="afterEffect">
-                                  <p:stCondLst>
-                                    <p:cond delay="0"/>
-                                  </p:stCondLst>
-                                  <p:childTnLst>
-                                    <p:set>
-                                      <p:cBhvr>
-                                        <p:cTn id="10" dur="1" fill="hold">
-                                          <p:stCondLst>
-                                            <p:cond delay="0"/>
-                                          </p:stCondLst>
-                                        </p:cTn>
-                                        <p:tgtEl>
-                                          <p:spTgt spid="4"/>
-                                        </p:tgtEl>
-                                        <p:attrNameLst>
-                                          <p:attrName>style.visibility</p:attrName>
-                                        </p:attrNameLst>
-                                      </p:cBhvr>
-                                      <p:to>
-                                        <p:strVal val="visible"/>
-                                      </p:to>
-                                    </p:set>
-                                    <p:animEffect transition="in" filter="wipe(left)">
-                                      <p:cBhvr>
-                                        <p:cTn id="11" dur="250"/>
-                                        <p:tgtEl>
-                                          <p:spTgt spid="4"/>
-                                        </p:tgtEl>
-                                      </p:cBhvr>
-                                    </p:animEffect>
-                                  </p:childTnLst>
-                                </p:cTn>
-                              </p:par>
-                            </p:childTnLst>
-                          </p:cTn>
-                        </p:par>
-                      </p:childTnLst>
-                    </p:cTn>
-                  </p:par>
-                </p:childTnLst>
-              </p:cTn>
-              <p:prevCondLst>
-                <p:cond evt="onPrev" delay="0">
-                  <p:tgtEl>
-                    <p:sldTgt/>
-                  </p:tgtEl>
-                </p:cond>
-              </p:prevCondLst>
-              <p:nextCondLst>
-                <p:cond evt="onNext" delay="0">
-                  <p:tgtEl>
-                    <p:sldTgt/>
-                  </p:tgtEl>
-                </p:cond>
-              </p:nextCondLst>
-            </p:seq>
-          </p:childTnLst>
-        </p:cTn>
-      </p:par>
-    </p:tnLst>
-    <p:bldLst>
-      <p:bldP spid="3" grpId="0" animBg="1"/>
-      <p:bldP spid="4" grpId="0" animBg="1"/>
-    </p:bldLst>
-  </p:timing>
-</p:sld>
-</file>
-
 <file path=ppt/slides/slide3.xml><?xml version="1.0" encoding="utf-8"?>
 <p:sld xmlns:a="http://schemas.openxmlformats.org/drawingml/2006/main" xmlns:r="http://schemas.openxmlformats.org/officeDocument/2006/relationships" xmlns:p="http://schemas.openxmlformats.org/presentationml/2006/main" show="0">
   <p:cSld>
@@ -29962,13 +30174,13 @@
   <p:clrMapOvr>
     <a:masterClrMapping/>
   </p:clrMapOvr>
-  <mc:AlternateContent xmlns:mc="http://schemas.openxmlformats.org/markup-compatibility/2006">
-    <mc:Choice xmlns:p14="http://schemas.microsoft.com/office/powerpoint/2010/main" Requires="p14">
+  <mc:AlternateContent xmlns:mc="http://schemas.openxmlformats.org/markup-compatibility/2006" xmlns:p14="http://schemas.microsoft.com/office/powerpoint/2010/main">
+    <mc:Choice Requires="p14">
       <p:transition>
         <p14:reveal/>
       </p:transition>
     </mc:Choice>
-    <mc:Fallback>
+    <mc:Fallback xmlns="">
       <p:transition>
         <p:fade/>
       </p:transition>
@@ -30417,6 +30629,331 @@
       </p:grpSpPr>
       <p:pic>
         <p:nvPicPr>
+          <p:cNvPr id="1026" name="Picture 2"/>
+          <p:cNvPicPr>
+            <a:picLocks noChangeAspect="1" noChangeArrowheads="1"/>
+          </p:cNvPicPr>
+          <p:nvPr/>
+        </p:nvPicPr>
+        <p:blipFill>
+          <a:blip r:embed="rId2"/>
+          <a:srcRect/>
+          <a:stretch>
+            <a:fillRect/>
+          </a:stretch>
+        </p:blipFill>
+        <p:spPr bwMode="auto">
+          <a:xfrm>
+            <a:off x="357158" y="500042"/>
+            <a:ext cx="8545771" cy="5500726"/>
+          </a:xfrm>
+          <a:prstGeom prst="rect">
+            <a:avLst/>
+          </a:prstGeom>
+          <a:noFill/>
+          <a:ln w="9525">
+            <a:noFill/>
+            <a:miter lim="800000"/>
+            <a:headEnd/>
+            <a:tailEnd/>
+          </a:ln>
+          <a:effectLst/>
+        </p:spPr>
+      </p:pic>
+      <p:sp>
+        <p:nvSpPr>
+          <p:cNvPr id="3" name="Pravokutnik 2"/>
+          <p:cNvSpPr/>
+          <p:nvPr/>
+        </p:nvSpPr>
+        <p:spPr bwMode="auto">
+          <a:xfrm>
+            <a:off x="428596" y="2143116"/>
+            <a:ext cx="8358246" cy="357190"/>
+          </a:xfrm>
+          <a:prstGeom prst="rect">
+            <a:avLst/>
+          </a:prstGeom>
+          <a:noFill/>
+          <a:ln w="38100" cap="flat" cmpd="sng" algn="ctr">
+            <a:solidFill>
+              <a:srgbClr val="FF0000"/>
+            </a:solidFill>
+            <a:prstDash val="solid"/>
+            <a:round/>
+            <a:headEnd type="none" w="med" len="med"/>
+            <a:tailEnd type="none" w="med" len="med"/>
+          </a:ln>
+          <a:effectLst/>
+        </p:spPr>
+        <p:txBody>
+          <a:bodyPr vert="horz" wrap="square" lIns="91440" tIns="45720" rIns="91440" bIns="45720" numCol="1" rtlCol="0" anchor="t" anchorCtr="0" compatLnSpc="1">
+            <a:prstTxWarp prst="textNoShape">
+              <a:avLst/>
+            </a:prstTxWarp>
+          </a:bodyPr>
+          <a:lstStyle/>
+          <a:p>
+            <a:pPr marL="0" marR="0" indent="0" algn="l" defTabSz="457200" rtl="0" eaLnBrk="1" fontAlgn="base" latinLnBrk="0" hangingPunct="0">
+              <a:lnSpc>
+                <a:spcPct val="93000"/>
+              </a:lnSpc>
+              <a:spcBef>
+                <a:spcPct val="0"/>
+              </a:spcBef>
+              <a:spcAft>
+                <a:spcPct val="0"/>
+              </a:spcAft>
+              <a:buClr>
+                <a:srgbClr val="000000"/>
+              </a:buClr>
+              <a:buSzPct val="100000"/>
+              <a:buFont typeface="Times New Roman" pitchFamily="16" charset="0"/>
+              <a:buNone/>
+              <a:tabLst/>
+            </a:pPr>
+            <a:endParaRPr kumimoji="0" lang="hr-HR" sz="1800" b="0" i="0" u="none" strike="noStrike" cap="none" normalizeH="0" baseline="0" smtClean="0">
+              <a:ln>
+                <a:noFill/>
+              </a:ln>
+              <a:effectLst/>
+              <a:latin typeface="Arial" charset="0"/>
+            </a:endParaRPr>
+          </a:p>
+        </p:txBody>
+      </p:sp>
+      <p:sp>
+        <p:nvSpPr>
+          <p:cNvPr id="4" name="Pravokutnik 3"/>
+          <p:cNvSpPr/>
+          <p:nvPr/>
+        </p:nvSpPr>
+        <p:spPr bwMode="auto">
+          <a:xfrm>
+            <a:off x="428596" y="4071942"/>
+            <a:ext cx="8358246" cy="1357322"/>
+          </a:xfrm>
+          <a:prstGeom prst="rect">
+            <a:avLst/>
+          </a:prstGeom>
+          <a:noFill/>
+          <a:ln w="38100" cap="flat" cmpd="sng" algn="ctr">
+            <a:solidFill>
+              <a:srgbClr val="FF0000"/>
+            </a:solidFill>
+            <a:prstDash val="solid"/>
+            <a:round/>
+            <a:headEnd type="none" w="med" len="med"/>
+            <a:tailEnd type="none" w="med" len="med"/>
+          </a:ln>
+          <a:effectLst/>
+        </p:spPr>
+        <p:txBody>
+          <a:bodyPr vert="horz" wrap="square" lIns="91440" tIns="45720" rIns="91440" bIns="45720" numCol="1" rtlCol="0" anchor="t" anchorCtr="0" compatLnSpc="1">
+            <a:prstTxWarp prst="textNoShape">
+              <a:avLst/>
+            </a:prstTxWarp>
+          </a:bodyPr>
+          <a:lstStyle/>
+          <a:p>
+            <a:pPr marL="0" marR="0" indent="0" algn="l" defTabSz="457200" rtl="0" eaLnBrk="1" fontAlgn="base" latinLnBrk="0" hangingPunct="0">
+              <a:lnSpc>
+                <a:spcPct val="93000"/>
+              </a:lnSpc>
+              <a:spcBef>
+                <a:spcPct val="0"/>
+              </a:spcBef>
+              <a:spcAft>
+                <a:spcPct val="0"/>
+              </a:spcAft>
+              <a:buClr>
+                <a:srgbClr val="000000"/>
+              </a:buClr>
+              <a:buSzPct val="100000"/>
+              <a:buFont typeface="Times New Roman" pitchFamily="16" charset="0"/>
+              <a:buNone/>
+              <a:tabLst/>
+            </a:pPr>
+            <a:endParaRPr kumimoji="0" lang="hr-HR" sz="1800" b="0" i="0" u="none" strike="noStrike" cap="none" normalizeH="0" baseline="0" smtClean="0">
+              <a:ln>
+                <a:noFill/>
+              </a:ln>
+              <a:effectLst/>
+              <a:latin typeface="Arial" charset="0"/>
+            </a:endParaRPr>
+          </a:p>
+        </p:txBody>
+      </p:sp>
+    </p:spTree>
+  </p:cSld>
+  <p:clrMapOvr>
+    <a:masterClrMapping/>
+  </p:clrMapOvr>
+  <mc:AlternateContent xmlns:mc="http://schemas.openxmlformats.org/markup-compatibility/2006" xmlns:p14="http://schemas.microsoft.com/office/powerpoint/2010/main">
+    <mc:Choice Requires="p14">
+      <p:transition>
+        <p14:reveal/>
+      </p:transition>
+    </mc:Choice>
+    <mc:Fallback xmlns="">
+      <p:transition>
+        <p:fade/>
+      </p:transition>
+    </mc:Fallback>
+  </mc:AlternateContent>
+  <p:timing>
+    <p:tnLst>
+      <p:par>
+        <p:cTn id="1" dur="indefinite" restart="never" nodeType="tmRoot">
+          <p:childTnLst>
+            <p:seq concurrent="1" nextAc="seek">
+              <p:cTn id="2" dur="indefinite" nodeType="mainSeq">
+                <p:childTnLst>
+                  <p:par>
+                    <p:cTn id="3" fill="hold">
+                      <p:stCondLst>
+                        <p:cond delay="indefinite"/>
+                      </p:stCondLst>
+                      <p:childTnLst>
+                        <p:par>
+                          <p:cTn id="4" fill="hold">
+                            <p:stCondLst>
+                              <p:cond delay="0"/>
+                            </p:stCondLst>
+                            <p:childTnLst>
+                              <p:par>
+                                <p:cTn id="5" presetID="22" presetClass="entr" presetSubtype="8" fill="hold" grpId="0" nodeType="clickEffect">
+                                  <p:stCondLst>
+                                    <p:cond delay="0"/>
+                                  </p:stCondLst>
+                                  <p:childTnLst>
+                                    <p:set>
+                                      <p:cBhvr>
+                                        <p:cTn id="6" dur="1" fill="hold">
+                                          <p:stCondLst>
+                                            <p:cond delay="0"/>
+                                          </p:stCondLst>
+                                        </p:cTn>
+                                        <p:tgtEl>
+                                          <p:spTgt spid="3"/>
+                                        </p:tgtEl>
+                                        <p:attrNameLst>
+                                          <p:attrName>style.visibility</p:attrName>
+                                        </p:attrNameLst>
+                                      </p:cBhvr>
+                                      <p:to>
+                                        <p:strVal val="visible"/>
+                                      </p:to>
+                                    </p:set>
+                                    <p:animEffect transition="in" filter="wipe(left)">
+                                      <p:cBhvr>
+                                        <p:cTn id="7" dur="250"/>
+                                        <p:tgtEl>
+                                          <p:spTgt spid="3"/>
+                                        </p:tgtEl>
+                                      </p:cBhvr>
+                                    </p:animEffect>
+                                  </p:childTnLst>
+                                </p:cTn>
+                              </p:par>
+                            </p:childTnLst>
+                          </p:cTn>
+                        </p:par>
+                        <p:par>
+                          <p:cTn id="8" fill="hold">
+                            <p:stCondLst>
+                              <p:cond delay="250"/>
+                            </p:stCondLst>
+                            <p:childTnLst>
+                              <p:par>
+                                <p:cTn id="9" presetID="22" presetClass="entr" presetSubtype="8" fill="hold" grpId="0" nodeType="afterEffect">
+                                  <p:stCondLst>
+                                    <p:cond delay="0"/>
+                                  </p:stCondLst>
+                                  <p:childTnLst>
+                                    <p:set>
+                                      <p:cBhvr>
+                                        <p:cTn id="10" dur="1" fill="hold">
+                                          <p:stCondLst>
+                                            <p:cond delay="0"/>
+                                          </p:stCondLst>
+                                        </p:cTn>
+                                        <p:tgtEl>
+                                          <p:spTgt spid="4"/>
+                                        </p:tgtEl>
+                                        <p:attrNameLst>
+                                          <p:attrName>style.visibility</p:attrName>
+                                        </p:attrNameLst>
+                                      </p:cBhvr>
+                                      <p:to>
+                                        <p:strVal val="visible"/>
+                                      </p:to>
+                                    </p:set>
+                                    <p:animEffect transition="in" filter="wipe(left)">
+                                      <p:cBhvr>
+                                        <p:cTn id="11" dur="250"/>
+                                        <p:tgtEl>
+                                          <p:spTgt spid="4"/>
+                                        </p:tgtEl>
+                                      </p:cBhvr>
+                                    </p:animEffect>
+                                  </p:childTnLst>
+                                </p:cTn>
+                              </p:par>
+                            </p:childTnLst>
+                          </p:cTn>
+                        </p:par>
+                      </p:childTnLst>
+                    </p:cTn>
+                  </p:par>
+                </p:childTnLst>
+              </p:cTn>
+              <p:prevCondLst>
+                <p:cond evt="onPrev" delay="0">
+                  <p:tgtEl>
+                    <p:sldTgt/>
+                  </p:tgtEl>
+                </p:cond>
+              </p:prevCondLst>
+              <p:nextCondLst>
+                <p:cond evt="onNext" delay="0">
+                  <p:tgtEl>
+                    <p:sldTgt/>
+                  </p:tgtEl>
+                </p:cond>
+              </p:nextCondLst>
+            </p:seq>
+          </p:childTnLst>
+        </p:cTn>
+      </p:par>
+    </p:tnLst>
+    <p:bldLst>
+      <p:bldP spid="3" grpId="0" animBg="1"/>
+      <p:bldP spid="4" grpId="0" animBg="1"/>
+    </p:bldLst>
+  </p:timing>
+</p:sld>
+</file>
+
+<file path=ppt/slides/slide31.xml><?xml version="1.0" encoding="utf-8"?>
+<p:sld xmlns:a="http://schemas.openxmlformats.org/drawingml/2006/main" xmlns:r="http://schemas.openxmlformats.org/officeDocument/2006/relationships" xmlns:p="http://schemas.openxmlformats.org/presentationml/2006/main">
+  <p:cSld>
+    <p:spTree>
+      <p:nvGrpSpPr>
+        <p:cNvPr id="1" name=""/>
+        <p:cNvGrpSpPr/>
+        <p:nvPr/>
+      </p:nvGrpSpPr>
+      <p:grpSpPr>
+        <a:xfrm>
+          <a:off x="0" y="0"/>
+          <a:ext cx="0" cy="0"/>
+          <a:chOff x="0" y="0"/>
+          <a:chExt cx="0" cy="0"/>
+        </a:xfrm>
+      </p:grpSpPr>
+      <p:pic>
+        <p:nvPicPr>
           <p:cNvPr id="4" name="Picture 3" descr="indeks_afera.jpg"/>
           <p:cNvPicPr>
             <a:picLocks noChangeAspect="1"/>
@@ -30588,7 +31125,17 @@
                 <a:latin typeface="Calibri" pitchFamily="34" charset="0"/>
                 <a:cs typeface="Calibri" pitchFamily="34" charset="0"/>
               </a:rPr>
-              <a:t>nastojanje interesnih skupina da utječu na one koji donose odluke </a:t>
+              <a:t>nastojanje </a:t>
+            </a:r>
+            <a:r>
+              <a:rPr lang="hr-HR" sz="2400" b="1" dirty="0" smtClean="0">
+                <a:solidFill>
+                  <a:srgbClr val="FFC000"/>
+                </a:solidFill>
+                <a:latin typeface="Calibri" pitchFamily="34" charset="0"/>
+                <a:cs typeface="Calibri" pitchFamily="34" charset="0"/>
+              </a:rPr>
+              <a:t>interesnih skupina da utječu na one koji donose odluke </a:t>
             </a:r>
             <a:r>
               <a:rPr lang="hr-HR" sz="2400" i="1" dirty="0" smtClean="0">
@@ -30761,7 +31308,35 @@
                 <a:latin typeface="Calibri" pitchFamily="34" charset="0"/>
                 <a:cs typeface="Calibri" pitchFamily="34" charset="0"/>
               </a:rPr>
-              <a:t>pomažu političarima u komunikaciji s biračima, čak i kad se ne realiziraju obećani programi, nastoji se prikazati kako su </a:t>
+              <a:t>pomažu političarima u komunikaciji s biračima, čak i kad se ne realiziraju </a:t>
+            </a:r>
+            <a:r>
+              <a:rPr lang="de-AT" sz="2400" dirty="0" smtClean="0">
+                <a:latin typeface="Calibri" pitchFamily="34" charset="0"/>
+                <a:cs typeface="Calibri" pitchFamily="34" charset="0"/>
+              </a:rPr>
+              <a:t>obe</a:t>
+            </a:r>
+            <a:r>
+              <a:rPr lang="hr-HR" sz="2400" dirty="0">
+                <a:latin typeface="Calibri" pitchFamily="34" charset="0"/>
+                <a:cs typeface="Calibri" pitchFamily="34" charset="0"/>
+              </a:rPr>
+              <a:t>ć</a:t>
+            </a:r>
+            <a:r>
+              <a:rPr lang="de-AT" sz="2400" dirty="0" smtClean="0">
+                <a:latin typeface="Calibri" pitchFamily="34" charset="0"/>
+                <a:cs typeface="Calibri" pitchFamily="34" charset="0"/>
+              </a:rPr>
+              <a:t>ani </a:t>
+            </a:r>
+            <a:r>
+              <a:rPr lang="de-AT" sz="2400" dirty="0" smtClean="0">
+                <a:latin typeface="Calibri" pitchFamily="34" charset="0"/>
+                <a:cs typeface="Calibri" pitchFamily="34" charset="0"/>
+              </a:rPr>
+              <a:t>programi, nastoji se prikazati kako su </a:t>
             </a:r>
             <a:r>
               <a:rPr lang="hr-HR" sz="2400" dirty="0" smtClean="0">
@@ -30775,7 +31350,21 @@
                 <a:latin typeface="Calibri" pitchFamily="34" charset="0"/>
                 <a:cs typeface="Calibri" pitchFamily="34" charset="0"/>
               </a:rPr>
-              <a:t>provedena u djelo ili se umanjuju </a:t>
+              <a:t>provedena u djelo ili se </a:t>
+            </a:r>
+            <a:r>
+              <a:rPr lang="hr-HR" sz="2400" dirty="0" smtClean="0">
+                <a:latin typeface="Calibri" pitchFamily="34" charset="0"/>
+                <a:cs typeface="Calibri" pitchFamily="34" charset="0"/>
+              </a:rPr>
+              <a:t>umanjuju</a:t>
+            </a:r>
+            <a:r>
+              <a:rPr lang="de-AT" sz="2400" dirty="0" smtClean="0">
+                <a:latin typeface="Calibri" pitchFamily="34" charset="0"/>
+                <a:cs typeface="Calibri" pitchFamily="34" charset="0"/>
+              </a:rPr>
+              <a:t> </a:t>
             </a:r>
             <a:r>
               <a:rPr lang="hr-HR" sz="2400" dirty="0" smtClean="0">
@@ -30845,13 +31434,13 @@
   <p:clrMapOvr>
     <a:masterClrMapping/>
   </p:clrMapOvr>
-  <mc:AlternateContent xmlns:mc="http://schemas.openxmlformats.org/markup-compatibility/2006">
-    <mc:Choice xmlns:p14="http://schemas.microsoft.com/office/powerpoint/2010/main" Requires="p14">
+  <mc:AlternateContent xmlns:mc="http://schemas.openxmlformats.org/markup-compatibility/2006" xmlns:p14="http://schemas.microsoft.com/office/powerpoint/2010/main">
+    <mc:Choice Requires="p14">
       <p:transition>
         <p14:reveal/>
       </p:transition>
     </mc:Choice>
-    <mc:Fallback>
+    <mc:Fallback xmlns="">
       <p:transition>
         <p:fade/>
       </p:transition>
@@ -30926,21 +31515,30 @@
                             </p:childTnLst>
                           </p:cTn>
                         </p:par>
+                      </p:childTnLst>
+                    </p:cTn>
+                  </p:par>
+                  <p:par>
+                    <p:cTn id="8" fill="hold">
+                      <p:stCondLst>
+                        <p:cond delay="indefinite"/>
+                      </p:stCondLst>
+                      <p:childTnLst>
                         <p:par>
-                          <p:cTn id="8" fill="hold">
+                          <p:cTn id="9" fill="hold">
                             <p:stCondLst>
-                              <p:cond delay="250"/>
+                              <p:cond delay="0"/>
                             </p:stCondLst>
                             <p:childTnLst>
                               <p:par>
-                                <p:cTn id="9" presetID="10" presetClass="entr" presetSubtype="0" fill="hold" grpId="0" nodeType="afterEffect">
+                                <p:cTn id="10" presetID="10" presetClass="entr" presetSubtype="0" fill="hold" grpId="0" nodeType="clickEffect">
                                   <p:stCondLst>
                                     <p:cond delay="0"/>
                                   </p:stCondLst>
                                   <p:childTnLst>
                                     <p:set>
                                       <p:cBhvr>
-                                        <p:cTn id="10" dur="1" fill="hold">
+                                        <p:cTn id="11" dur="1" fill="hold">
                                           <p:stCondLst>
                                             <p:cond delay="0"/>
                                           </p:stCondLst>
@@ -30962,7 +31560,7 @@
                                     </p:set>
                                     <p:animEffect transition="in" filter="fade">
                                       <p:cBhvr>
-                                        <p:cTn id="11" dur="250"/>
+                                        <p:cTn id="12" dur="250"/>
                                         <p:tgtEl>
                                           <p:spTgt spid="24578">
                                             <p:txEl>
@@ -30979,20 +31577,20 @@
                           </p:cTn>
                         </p:par>
                         <p:par>
-                          <p:cTn id="12" fill="hold">
+                          <p:cTn id="13" fill="hold">
                             <p:stCondLst>
-                              <p:cond delay="500"/>
+                              <p:cond delay="250"/>
                             </p:stCondLst>
                             <p:childTnLst>
                               <p:par>
-                                <p:cTn id="13" presetID="10" presetClass="entr" presetSubtype="0" fill="hold" grpId="0" nodeType="afterEffect">
+                                <p:cTn id="14" presetID="10" presetClass="entr" presetSubtype="0" fill="hold" grpId="0" nodeType="afterEffect">
                                   <p:stCondLst>
                                     <p:cond delay="0"/>
                                   </p:stCondLst>
                                   <p:childTnLst>
                                     <p:set>
                                       <p:cBhvr>
-                                        <p:cTn id="14" dur="1" fill="hold">
+                                        <p:cTn id="15" dur="1" fill="hold">
                                           <p:stCondLst>
                                             <p:cond delay="0"/>
                                           </p:stCondLst>
@@ -31014,7 +31612,7 @@
                                     </p:set>
                                     <p:animEffect transition="in" filter="fade">
                                       <p:cBhvr>
-                                        <p:cTn id="15" dur="250"/>
+                                        <p:cTn id="16" dur="250"/>
                                         <p:tgtEl>
                                           <p:spTgt spid="24578">
                                             <p:txEl>
@@ -31061,7 +31659,7 @@
 </p:sld>
 </file>
 
-<file path=ppt/slides/slide31.xml><?xml version="1.0" encoding="utf-8"?>
+<file path=ppt/slides/slide32.xml><?xml version="1.0" encoding="utf-8"?>
 <p:sld xmlns:a="http://schemas.openxmlformats.org/drawingml/2006/main" xmlns:r="http://schemas.openxmlformats.org/officeDocument/2006/relationships" xmlns:p="http://schemas.openxmlformats.org/presentationml/2006/main">
   <p:cSld>
     <p:spTree>
@@ -31422,7 +32020,28 @@
                 <a:latin typeface="Calibri" pitchFamily="34" charset="0"/>
                 <a:cs typeface="Calibri" pitchFamily="34" charset="0"/>
               </a:rPr>
-              <a:t>je podčinjavanje određenih sadržaja postojećim,</a:t>
+              <a:t>je </a:t>
+            </a:r>
+            <a:r>
+              <a:rPr lang="hr-HR" sz="2400" dirty="0" smtClean="0">
+                <a:latin typeface="Calibri" pitchFamily="34" charset="0"/>
+                <a:cs typeface="Calibri" pitchFamily="34" charset="0"/>
+              </a:rPr>
+              <a:t>podčinjavanje</a:t>
+            </a:r>
+            <a:r>
+              <a:rPr lang="vi-VN" sz="2400" dirty="0" smtClean="0">
+                <a:latin typeface="Calibri" pitchFamily="34" charset="0"/>
+                <a:cs typeface="Calibri" pitchFamily="34" charset="0"/>
+              </a:rPr>
+              <a:t> </a:t>
+            </a:r>
+            <a:r>
+              <a:rPr lang="vi-VN" sz="2400" dirty="0" smtClean="0">
+                <a:latin typeface="Calibri" pitchFamily="34" charset="0"/>
+                <a:cs typeface="Calibri" pitchFamily="34" charset="0"/>
+              </a:rPr>
+              <a:t>određenih sadržaja postojećim,</a:t>
             </a:r>
             <a:r>
               <a:rPr lang="hr-HR" sz="2400" dirty="0" smtClean="0">
@@ -31464,7 +32083,7 @@
               <a:rPr lang="hr-HR" dirty="0" smtClean="0">
                 <a:ea typeface="WenQuanYi Micro Hei" charset="0"/>
               </a:rPr>
-              <a:t>CENZURA I AUTOCENZURA</a:t>
+              <a:t>CENZURA, AUTOCENZURA I MANIPULACIJA</a:t>
             </a:r>
             <a:endParaRPr lang="hr-HR" dirty="0"/>
           </a:p>
@@ -31480,13 +32099,13 @@
   <p:clrMapOvr>
     <a:masterClrMapping/>
   </p:clrMapOvr>
-  <mc:AlternateContent xmlns:mc="http://schemas.openxmlformats.org/markup-compatibility/2006">
-    <mc:Choice xmlns:p14="http://schemas.microsoft.com/office/powerpoint/2010/main" Requires="p14">
+  <mc:AlternateContent xmlns:mc="http://schemas.openxmlformats.org/markup-compatibility/2006" xmlns:p14="http://schemas.microsoft.com/office/powerpoint/2010/main">
+    <mc:Choice Requires="p14">
       <p:transition>
         <p14:reveal/>
       </p:transition>
     </mc:Choice>
-    <mc:Fallback>
+    <mc:Fallback xmlns="">
       <p:transition>
         <p:fade/>
       </p:transition>
@@ -31818,7 +32437,7 @@
 </p:sld>
 </file>
 
-<file path=ppt/slides/slide32.xml><?xml version="1.0" encoding="utf-8"?>
+<file path=ppt/slides/slide33.xml><?xml version="1.0" encoding="utf-8"?>
 <p:sld xmlns:a="http://schemas.openxmlformats.org/drawingml/2006/main" xmlns:r="http://schemas.openxmlformats.org/officeDocument/2006/relationships" xmlns:p="http://schemas.openxmlformats.org/presentationml/2006/main">
   <p:cSld>
     <p:spTree>
@@ -32403,13 +33022,13 @@
   <p:clrMapOvr>
     <a:masterClrMapping/>
   </p:clrMapOvr>
-  <mc:AlternateContent xmlns:mc="http://schemas.openxmlformats.org/markup-compatibility/2006">
-    <mc:Choice xmlns:p14="http://schemas.microsoft.com/office/powerpoint/2010/main" Requires="p14">
+  <mc:AlternateContent xmlns:mc="http://schemas.openxmlformats.org/markup-compatibility/2006" xmlns:p14="http://schemas.microsoft.com/office/powerpoint/2010/main">
+    <mc:Choice Requires="p14">
       <p:transition>
         <p14:reveal/>
       </p:transition>
     </mc:Choice>
-    <mc:Fallback>
+    <mc:Fallback xmlns="">
       <p:transition>
         <p:fade/>
       </p:transition>
@@ -32425,7 +33044,7 @@
 </p:sld>
 </file>
 
-<file path=ppt/slides/slide33.xml><?xml version="1.0" encoding="utf-8"?>
+<file path=ppt/slides/slide34.xml><?xml version="1.0" encoding="utf-8"?>
 <p:sld xmlns:a="http://schemas.openxmlformats.org/drawingml/2006/main" xmlns:r="http://schemas.openxmlformats.org/officeDocument/2006/relationships" xmlns:p="http://schemas.openxmlformats.org/presentationml/2006/main">
   <p:cSld>
     <p:spTree>
@@ -33139,7 +33758,7 @@
               <a:t>(</a:t>
             </a:r>
             <a:r>
-              <a:rPr lang="hr-HR" sz="2300" i="1" dirty="0" err="1" smtClean="0">
+              <a:rPr lang="hr-HR" sz="2300" i="1" dirty="0" smtClean="0">
                 <a:latin typeface="Calibri" pitchFamily="34" charset="0"/>
                 <a:ea typeface="WenQuanYi Micro Hei" charset="0"/>
                 <a:cs typeface="Calibri" pitchFamily="34" charset="0"/>
@@ -33476,13 +34095,13 @@
   <p:clrMapOvr>
     <a:masterClrMapping/>
   </p:clrMapOvr>
-  <mc:AlternateContent xmlns:mc="http://schemas.openxmlformats.org/markup-compatibility/2006">
-    <mc:Choice xmlns:p14="http://schemas.microsoft.com/office/powerpoint/2010/main" Requires="p14">
+  <mc:AlternateContent xmlns:mc="http://schemas.openxmlformats.org/markup-compatibility/2006" xmlns:p14="http://schemas.microsoft.com/office/powerpoint/2010/main">
+    <mc:Choice Requires="p14">
       <p:transition>
         <p14:reveal/>
       </p:transition>
     </mc:Choice>
-    <mc:Fallback>
+    <mc:Fallback xmlns="">
       <p:transition>
         <p:fade/>
       </p:transition>
@@ -34269,7 +34888,7 @@
               <a:tabLst/>
             </a:pPr>
             <a:r>
-              <a:rPr kumimoji="0" lang="hr-HR" sz="3200" b="1" i="0" u="none" strike="noStrike" cap="none" normalizeH="0" baseline="0" smtClean="0">
+              <a:rPr kumimoji="0" lang="hr-HR" sz="3200" b="1" i="0" u="none" strike="noStrike" cap="none" normalizeH="0" baseline="0" dirty="0" smtClean="0">
                 <a:ln>
                   <a:noFill/>
                 </a:ln>
@@ -34306,7 +34925,7 @@
               <a:tabLst/>
             </a:pPr>
             <a:r>
-              <a:rPr kumimoji="0" lang="hr-HR" sz="3200" b="1" i="0" u="none" strike="noStrike" cap="none" normalizeH="0" baseline="0" smtClean="0">
+              <a:rPr kumimoji="0" lang="hr-HR" sz="3200" b="1" i="0" u="none" strike="noStrike" cap="none" normalizeH="0" baseline="0" dirty="0" smtClean="0">
                 <a:ln>
                   <a:noFill/>
                 </a:ln>
@@ -34414,13 +35033,13 @@
   <p:clrMapOvr>
     <a:masterClrMapping/>
   </p:clrMapOvr>
-  <mc:AlternateContent xmlns:mc="http://schemas.openxmlformats.org/markup-compatibility/2006">
-    <mc:Choice xmlns:p14="http://schemas.microsoft.com/office/powerpoint/2010/main" Requires="p14">
+  <mc:AlternateContent xmlns:mc="http://schemas.openxmlformats.org/markup-compatibility/2006" xmlns:p14="http://schemas.microsoft.com/office/powerpoint/2010/main">
+    <mc:Choice Requires="p14">
       <p:transition>
         <p14:reveal/>
       </p:transition>
     </mc:Choice>
-    <mc:Fallback>
+    <mc:Fallback xmlns="">
       <p:transition>
         <p:fade/>
       </p:transition>
@@ -35587,7 +36206,7 @@
           <a:lstStyle/>
           <a:p>
             <a:pPr algn="ctr"/>
-            <a:endParaRPr lang="hr-HR" sz="2800" b="1" smtClean="0">
+            <a:endParaRPr lang="hr-HR" sz="2800" b="1" dirty="0" smtClean="0">
               <a:solidFill>
                 <a:schemeClr val="tx1"/>
               </a:solidFill>
@@ -35669,7 +36288,7 @@
             <a:lstStyle/>
             <a:p>
               <a:pPr algn="ctr"/>
-              <a:endParaRPr lang="hr-HR" sz="2800" b="1" smtClean="0">
+              <a:endParaRPr lang="hr-HR" sz="2800" b="1" dirty="0" smtClean="0">
                 <a:solidFill>
                   <a:schemeClr val="tx1"/>
                 </a:solidFill>
@@ -35721,13 +36340,13 @@
   <p:clrMapOvr>
     <a:masterClrMapping/>
   </p:clrMapOvr>
-  <mc:AlternateContent xmlns:mc="http://schemas.openxmlformats.org/markup-compatibility/2006">
-    <mc:Choice xmlns:p14="http://schemas.microsoft.com/office/powerpoint/2010/main" Requires="p14">
+  <mc:AlternateContent xmlns:mc="http://schemas.openxmlformats.org/markup-compatibility/2006" xmlns:p14="http://schemas.microsoft.com/office/powerpoint/2010/main">
+    <mc:Choice Requires="p14">
       <p:transition>
         <p14:reveal/>
       </p:transition>
     </mc:Choice>
-    <mc:Fallback>
+    <mc:Fallback xmlns="">
       <p:transition>
         <p:fade/>
       </p:transition>
@@ -36688,13 +37307,13 @@
   <p:clrMapOvr>
     <a:masterClrMapping/>
   </p:clrMapOvr>
-  <mc:AlternateContent xmlns:mc="http://schemas.openxmlformats.org/markup-compatibility/2006">
-    <mc:Choice xmlns:p14="http://schemas.microsoft.com/office/powerpoint/2010/main" Requires="p14">
+  <mc:AlternateContent xmlns:mc="http://schemas.openxmlformats.org/markup-compatibility/2006" xmlns:p14="http://schemas.microsoft.com/office/powerpoint/2010/main">
+    <mc:Choice Requires="p14">
       <p:transition>
         <p14:reveal/>
       </p:transition>
     </mc:Choice>
-    <mc:Fallback>
+    <mc:Fallback xmlns="">
       <p:transition>
         <p:fade/>
       </p:transition>
@@ -37560,7 +38179,7 @@
             <a:lstStyle/>
             <a:p>
               <a:pPr algn="ctr"/>
-              <a:endParaRPr lang="hr-HR" sz="2800" b="1" smtClean="0">
+              <a:endParaRPr lang="hr-HR" sz="2800" b="1" dirty="0" smtClean="0">
                 <a:solidFill>
                   <a:schemeClr val="tx1"/>
                 </a:solidFill>
@@ -38191,13 +38810,13 @@
   <p:clrMapOvr>
     <a:masterClrMapping/>
   </p:clrMapOvr>
-  <mc:AlternateContent xmlns:mc="http://schemas.openxmlformats.org/markup-compatibility/2006">
-    <mc:Choice xmlns:p14="http://schemas.microsoft.com/office/powerpoint/2010/main" Requires="p14">
+  <mc:AlternateContent xmlns:mc="http://schemas.openxmlformats.org/markup-compatibility/2006" xmlns:p14="http://schemas.microsoft.com/office/powerpoint/2010/main">
+    <mc:Choice Requires="p14">
       <p:transition>
         <p14:reveal/>
       </p:transition>
     </mc:Choice>
-    <mc:Fallback>
+    <mc:Fallback xmlns="">
       <p:transition>
         <p:fade/>
       </p:transition>
@@ -38946,7 +39565,7 @@
               <a:t>(bogatstvo, ugled, kulturnu i obrazovnu razinu, položaj u nekoj organizaciji, osobni </a:t>
             </a:r>
             <a:r>
-              <a:rPr lang="hr-HR" sz="2200" i="1" dirty="0" err="1" smtClean="0">
+              <a:rPr lang="hr-HR" sz="2200" i="1" dirty="0" smtClean="0">
                 <a:latin typeface="Calibri" pitchFamily="34" charset="0"/>
                 <a:ea typeface="WenQuanYi Micro Hei" charset="0"/>
                 <a:cs typeface="Calibri" pitchFamily="34" charset="0"/>
@@ -39202,23 +39821,7 @@
                 <a:ea typeface="WenQuanYi Micro Hei" charset="0"/>
                 <a:cs typeface="Calibri" pitchFamily="34" charset="0"/>
               </a:rPr>
-              <a:t>(</a:t>
-            </a:r>
-            <a:r>
-              <a:rPr lang="hr-HR" sz="2200" i="1" dirty="0" err="1" smtClean="0">
-                <a:latin typeface="Calibri" pitchFamily="34" charset="0"/>
-                <a:ea typeface="WenQuanYi Micro Hei" charset="0"/>
-                <a:cs typeface="Calibri" pitchFamily="34" charset="0"/>
-              </a:rPr>
-              <a:t>npr</a:t>
-            </a:r>
-            <a:r>
-              <a:rPr lang="hr-HR" sz="2200" i="1" dirty="0" smtClean="0">
-                <a:latin typeface="Calibri" pitchFamily="34" charset="0"/>
-                <a:ea typeface="WenQuanYi Micro Hei" charset="0"/>
-                <a:cs typeface="Calibri" pitchFamily="34" charset="0"/>
-              </a:rPr>
-              <a:t>. kad roditelji brane djeci kasne </a:t>
+              <a:t>(npr. kad roditelji brane djeci kasne </a:t>
             </a:r>
             <a:r>
               <a:rPr lang="hr-HR" sz="2200" i="1" dirty="0" err="1" smtClean="0">
@@ -39283,13 +39886,13 @@
   <p:clrMapOvr>
     <a:masterClrMapping/>
   </p:clrMapOvr>
-  <mc:AlternateContent xmlns:mc="http://schemas.openxmlformats.org/markup-compatibility/2006">
-    <mc:Choice xmlns:p14="http://schemas.microsoft.com/office/powerpoint/2010/main" Requires="p14">
+  <mc:AlternateContent xmlns:mc="http://schemas.openxmlformats.org/markup-compatibility/2006" xmlns:p14="http://schemas.microsoft.com/office/powerpoint/2010/main">
+    <mc:Choice Requires="p14">
       <p:transition>
         <p14:reveal/>
       </p:transition>
     </mc:Choice>
-    <mc:Fallback>
+    <mc:Fallback xmlns="">
       <p:transition>
         <p:fade/>
       </p:transition>
@@ -40111,13 +40714,13 @@
   <p:clrMapOvr>
     <a:masterClrMapping/>
   </p:clrMapOvr>
-  <mc:AlternateContent xmlns:mc="http://schemas.openxmlformats.org/markup-compatibility/2006">
-    <mc:Choice xmlns:p14="http://schemas.microsoft.com/office/powerpoint/2010/main" Requires="p14">
+  <mc:AlternateContent xmlns:mc="http://schemas.openxmlformats.org/markup-compatibility/2006" xmlns:p14="http://schemas.microsoft.com/office/powerpoint/2010/main">
+    <mc:Choice Requires="p14">
       <p:transition>
         <p14:reveal/>
       </p:transition>
     </mc:Choice>
-    <mc:Fallback>
+    <mc:Fallback xmlns="">
       <p:transition>
         <p:fade/>
       </p:transition>
